--- a/doc/2_Creacion_API_RESTfull_C++.pptx
+++ b/doc/2_Creacion_API_RESTfull_C++.pptx
@@ -5,7 +5,7 @@
     <p:sldMasterId id="2147483648" r:id="rId1"/>
   </p:sldMasterIdLst>
   <p:notesMasterIdLst>
-    <p:notesMasterId r:id="rId49"/>
+    <p:notesMasterId r:id="rId65"/>
   </p:notesMasterIdLst>
   <p:sldIdLst>
     <p:sldId id="256" r:id="rId2"/>
@@ -43,18 +43,34 @@
     <p:sldId id="323" r:id="rId34"/>
     <p:sldId id="324" r:id="rId35"/>
     <p:sldId id="325" r:id="rId36"/>
-    <p:sldId id="330" r:id="rId37"/>
-    <p:sldId id="331" r:id="rId38"/>
-    <p:sldId id="332" r:id="rId39"/>
-    <p:sldId id="333" r:id="rId40"/>
-    <p:sldId id="334" r:id="rId41"/>
-    <p:sldId id="335" r:id="rId42"/>
-    <p:sldId id="264" r:id="rId43"/>
-    <p:sldId id="269" r:id="rId44"/>
-    <p:sldId id="326" r:id="rId45"/>
-    <p:sldId id="327" r:id="rId46"/>
-    <p:sldId id="328" r:id="rId47"/>
-    <p:sldId id="329" r:id="rId48"/>
+    <p:sldId id="346" r:id="rId37"/>
+    <p:sldId id="347" r:id="rId38"/>
+    <p:sldId id="348" r:id="rId39"/>
+    <p:sldId id="349" r:id="rId40"/>
+    <p:sldId id="342" r:id="rId41"/>
+    <p:sldId id="343" r:id="rId42"/>
+    <p:sldId id="291" r:id="rId43"/>
+    <p:sldId id="344" r:id="rId44"/>
+    <p:sldId id="293" r:id="rId45"/>
+    <p:sldId id="294" r:id="rId46"/>
+    <p:sldId id="330" r:id="rId47"/>
+    <p:sldId id="345" r:id="rId48"/>
+    <p:sldId id="336" r:id="rId49"/>
+    <p:sldId id="263" r:id="rId50"/>
+    <p:sldId id="337" r:id="rId51"/>
+    <p:sldId id="338" r:id="rId52"/>
+    <p:sldId id="339" r:id="rId53"/>
+    <p:sldId id="340" r:id="rId54"/>
+    <p:sldId id="341" r:id="rId55"/>
+    <p:sldId id="333" r:id="rId56"/>
+    <p:sldId id="334" r:id="rId57"/>
+    <p:sldId id="335" r:id="rId58"/>
+    <p:sldId id="264" r:id="rId59"/>
+    <p:sldId id="269" r:id="rId60"/>
+    <p:sldId id="326" r:id="rId61"/>
+    <p:sldId id="327" r:id="rId62"/>
+    <p:sldId id="328" r:id="rId63"/>
+    <p:sldId id="329" r:id="rId64"/>
   </p:sldIdLst>
   <p:sldSz cx="12192000" cy="6858000"/>
   <p:notesSz cx="6858000" cy="9144000"/>
@@ -8739,7 +8755,14 @@
           <a:bodyPr/>
           <a:lstStyle/>
           <a:p>
-            <a:endParaRPr lang="es-ES"/>
+            <a:r>
+              <a:rPr lang="es-ES" dirty="0"/>
+              <a:t>Ojo, los proyectos con versión </a:t>
+            </a:r>
+            <a:r>
+              <a:rPr lang="es-ES" b="1" dirty="0"/>
+              <a:t>C++ 17</a:t>
+            </a:r>
           </a:p>
         </p:txBody>
       </p:sp>
@@ -9279,49 +9302,49 @@
           <a:lstStyle/>
           <a:p>
             <a:r>
-              <a:rPr lang="es-ES" dirty="0" err="1"/>
+              <a:rPr lang="es-ES" b="1" dirty="0" err="1"/>
               <a:t>vcpkg</a:t>
             </a:r>
             <a:r>
-              <a:rPr lang="es-ES" dirty="0"/>
+              <a:rPr lang="es-ES" b="1" dirty="0"/>
               <a:t> </a:t>
             </a:r>
             <a:r>
-              <a:rPr lang="es-ES" dirty="0" err="1"/>
+              <a:rPr lang="es-ES" b="1" dirty="0" err="1"/>
               <a:t>install</a:t>
             </a:r>
             <a:r>
-              <a:rPr lang="es-ES" dirty="0"/>
+              <a:rPr lang="es-ES" b="1" dirty="0"/>
               <a:t> </a:t>
             </a:r>
             <a:r>
-              <a:rPr lang="es-ES" dirty="0" err="1"/>
+              <a:rPr lang="es-ES" b="1" dirty="0" err="1"/>
               <a:t>crow</a:t>
             </a:r>
-            <a:endParaRPr lang="es-ES" dirty="0"/>
-          </a:p>
-          <a:p>
-            <a:r>
-              <a:rPr lang="es-ES" dirty="0" err="1"/>
+            <a:endParaRPr lang="es-ES" b="1" dirty="0"/>
+          </a:p>
+          <a:p>
+            <a:r>
+              <a:rPr lang="es-ES" b="1" dirty="0" err="1"/>
               <a:t>vcpkg</a:t>
             </a:r>
             <a:r>
-              <a:rPr lang="es-ES" dirty="0"/>
+              <a:rPr lang="es-ES" b="1" dirty="0"/>
               <a:t> </a:t>
             </a:r>
             <a:r>
-              <a:rPr lang="es-ES" dirty="0" err="1"/>
+              <a:rPr lang="es-ES" b="1" dirty="0" err="1"/>
               <a:t>integrate</a:t>
             </a:r>
             <a:r>
-              <a:rPr lang="es-ES" dirty="0"/>
+              <a:rPr lang="es-ES" b="1" dirty="0"/>
               <a:t> </a:t>
             </a:r>
             <a:r>
-              <a:rPr lang="es-ES" dirty="0" err="1"/>
+              <a:rPr lang="es-ES" b="1" dirty="0" err="1"/>
               <a:t>install</a:t>
             </a:r>
-            <a:endParaRPr lang="es-ES" dirty="0"/>
+            <a:endParaRPr lang="es-ES" b="1" dirty="0"/>
           </a:p>
           <a:p>
             <a:endParaRPr lang="es-ES" dirty="0"/>
@@ -9483,12 +9506,12 @@
         <p:spPr>
           <a:xfrm>
             <a:off x="606392" y="798897"/>
-            <a:ext cx="10747408" cy="5847982"/>
+            <a:ext cx="10747408" cy="5953860"/>
           </a:xfrm>
         </p:spPr>
         <p:txBody>
           <a:bodyPr>
-            <a:normAutofit fontScale="47500" lnSpcReduction="20000"/>
+            <a:normAutofit fontScale="77500" lnSpcReduction="20000"/>
           </a:bodyPr>
           <a:lstStyle/>
           <a:p>
@@ -9496,108 +9519,92 @@
               <a:buNone/>
             </a:pPr>
             <a:r>
-              <a:rPr lang="es-ES" sz="4000" dirty="0"/>
-              <a:t>#include "</a:t>
-            </a:r>
-            <a:r>
-              <a:rPr lang="es-ES" sz="4000" dirty="0" err="1"/>
-              <a:t>crow_all.h</a:t>
-            </a:r>
-            <a:r>
-              <a:rPr lang="es-ES" sz="4000" dirty="0"/>
-              <a:t>"</a:t>
+              <a:rPr lang="es-ES" dirty="0"/>
+              <a:t>#include &lt;iostream&gt;</a:t>
             </a:r>
           </a:p>
           <a:p>
             <a:pPr marL="0" indent="0">
               <a:buNone/>
             </a:pPr>
-            <a:endParaRPr lang="es-ES" sz="4000" dirty="0"/>
+            <a:r>
+              <a:rPr lang="es-ES" dirty="0"/>
+              <a:t>#include &lt;</a:t>
+            </a:r>
+            <a:r>
+              <a:rPr lang="es-ES" dirty="0" err="1"/>
+              <a:t>crow.h</a:t>
+            </a:r>
+            <a:r>
+              <a:rPr lang="es-ES" dirty="0"/>
+              <a:t>&gt;</a:t>
+            </a:r>
           </a:p>
           <a:p>
             <a:pPr marL="0" indent="0">
               <a:buNone/>
             </a:pPr>
-            <a:r>
-              <a:rPr lang="es-ES" sz="4000" dirty="0" err="1"/>
-              <a:t>int</a:t>
-            </a:r>
-            <a:r>
-              <a:rPr lang="es-ES" sz="4000" dirty="0"/>
-              <a:t> </a:t>
-            </a:r>
-            <a:r>
-              <a:rPr lang="es-ES" sz="4000" dirty="0" err="1"/>
-              <a:t>main</a:t>
-            </a:r>
-            <a:r>
-              <a:rPr lang="es-ES" sz="4000" dirty="0"/>
-              <a:t>() {</a:t>
-            </a:r>
+            <a:endParaRPr lang="es-ES" dirty="0"/>
           </a:p>
           <a:p>
             <a:pPr marL="0" indent="0">
               <a:buNone/>
             </a:pPr>
             <a:r>
-              <a:rPr lang="es-ES" sz="4000" dirty="0"/>
-              <a:t>    </a:t>
-            </a:r>
-            <a:r>
-              <a:rPr lang="es-ES" sz="4000" dirty="0" err="1"/>
-              <a:t>crow</a:t>
-            </a:r>
-            <a:r>
-              <a:rPr lang="es-ES" sz="4000" dirty="0"/>
-              <a:t>::</a:t>
-            </a:r>
-            <a:r>
-              <a:rPr lang="es-ES" sz="4000" dirty="0" err="1"/>
-              <a:t>SimpleApp</a:t>
-            </a:r>
-            <a:r>
-              <a:rPr lang="es-ES" sz="4000" dirty="0"/>
-              <a:t> app;</a:t>
+              <a:rPr lang="es-ES" dirty="0" err="1"/>
+              <a:t>void</a:t>
+            </a:r>
+            <a:r>
+              <a:rPr lang="es-ES" dirty="0"/>
+              <a:t> </a:t>
+            </a:r>
+            <a:r>
+              <a:rPr lang="es-ES" dirty="0" err="1"/>
+              <a:t>testCrow</a:t>
+            </a:r>
+            <a:r>
+              <a:rPr lang="es-ES" dirty="0"/>
+              <a:t>() {</a:t>
             </a:r>
           </a:p>
           <a:p>
             <a:pPr marL="0" indent="0">
               <a:buNone/>
             </a:pPr>
-            <a:endParaRPr lang="es-ES" sz="4000" dirty="0"/>
+            <a:r>
+              <a:rPr lang="es-ES" dirty="0"/>
+              <a:t>    </a:t>
+            </a:r>
+            <a:r>
+              <a:rPr lang="es-ES" dirty="0" err="1"/>
+              <a:t>crow</a:t>
+            </a:r>
+            <a:r>
+              <a:rPr lang="es-ES" dirty="0"/>
+              <a:t>::</a:t>
+            </a:r>
+            <a:r>
+              <a:rPr lang="es-ES" dirty="0" err="1"/>
+              <a:t>SimpleApp</a:t>
+            </a:r>
+            <a:r>
+              <a:rPr lang="es-ES" dirty="0"/>
+              <a:t> app;</a:t>
+            </a:r>
           </a:p>
           <a:p>
             <a:pPr marL="0" indent="0">
               <a:buNone/>
             </a:pPr>
-            <a:r>
-              <a:rPr lang="es-ES" sz="4000" dirty="0"/>
-              <a:t>    CROW_ROUTE(app, "/")([](){</a:t>
-            </a:r>
+            <a:endParaRPr lang="es-ES" dirty="0"/>
           </a:p>
           <a:p>
             <a:pPr marL="0" indent="0">
               <a:buNone/>
             </a:pPr>
             <a:r>
-              <a:rPr lang="es-ES" sz="4000" dirty="0"/>
-              <a:t>        </a:t>
-            </a:r>
-            <a:r>
-              <a:rPr lang="es-ES" sz="4000" dirty="0" err="1"/>
-              <a:t>return</a:t>
-            </a:r>
-            <a:r>
-              <a:rPr lang="es-ES" sz="4000" dirty="0"/>
-              <a:t> "¡Hola desde </a:t>
-            </a:r>
-            <a:r>
-              <a:rPr lang="es-ES" sz="4000" dirty="0" err="1"/>
-              <a:t>Crow</a:t>
-            </a:r>
-            <a:r>
-              <a:rPr lang="es-ES" sz="4000" dirty="0"/>
-              <a:t>!";</a:t>
+              <a:rPr lang="es-ES" dirty="0"/>
+              <a:t>    CROW_ROUTE(app, "/")([]() {</a:t>
             </a:r>
           </a:p>
           <a:p>
@@ -9605,31 +9612,58 @@
               <a:buNone/>
             </a:pPr>
             <a:r>
-              <a:rPr lang="es-ES" sz="4000" dirty="0"/>
-              <a:t>    });</a:t>
+              <a:rPr lang="es-ES" dirty="0"/>
+              <a:t>        </a:t>
+            </a:r>
+            <a:r>
+              <a:rPr lang="es-ES" dirty="0" err="1"/>
+              <a:t>return</a:t>
+            </a:r>
+            <a:r>
+              <a:rPr lang="es-ES" dirty="0"/>
+              <a:t> "</a:t>
+            </a:r>
+            <a:r>
+              <a:rPr lang="es-ES" dirty="0" err="1"/>
+              <a:t>Hello</a:t>
+            </a:r>
+            <a:r>
+              <a:rPr lang="es-ES" dirty="0"/>
+              <a:t> </a:t>
+            </a:r>
+            <a:r>
+              <a:rPr lang="es-ES" dirty="0" err="1"/>
+              <a:t>world</a:t>
+            </a:r>
+            <a:r>
+              <a:rPr lang="es-ES" dirty="0"/>
+              <a:t>";</a:t>
             </a:r>
           </a:p>
           <a:p>
             <a:pPr marL="0" indent="0">
               <a:buNone/>
             </a:pPr>
-            <a:endParaRPr lang="es-ES" sz="4000" dirty="0"/>
+            <a:r>
+              <a:rPr lang="es-ES" dirty="0"/>
+              <a:t>        });</a:t>
+            </a:r>
           </a:p>
           <a:p>
             <a:pPr marL="0" indent="0">
               <a:buNone/>
             </a:pPr>
             <a:r>
-              <a:rPr lang="es-ES" sz="4000" dirty="0"/>
-              <a:t>    CROW_ROUTE(app, "/</a:t>
-            </a:r>
-            <a:r>
-              <a:rPr lang="es-ES" sz="4000" dirty="0" err="1"/>
-              <a:t>json</a:t>
-            </a:r>
-            <a:r>
-              <a:rPr lang="es-ES" sz="4000" dirty="0"/>
-              <a:t>")([](){</a:t>
+              <a:rPr lang="es-ES" dirty="0"/>
+              <a:t>    </a:t>
+            </a:r>
+            <a:r>
+              <a:rPr lang="es-ES" dirty="0" err="1"/>
+              <a:t>app.port</a:t>
+            </a:r>
+            <a:r>
+              <a:rPr lang="es-ES" dirty="0"/>
+              <a:t>(18080).run();</a:t>
             </a:r>
           </a:p>
           <a:p>
@@ -9637,58 +9671,35 @@
               <a:buNone/>
             </a:pPr>
             <a:r>
-              <a:rPr lang="es-ES" sz="4000" dirty="0"/>
-              <a:t>        </a:t>
-            </a:r>
-            <a:r>
-              <a:rPr lang="es-ES" sz="4000" dirty="0" err="1"/>
-              <a:t>crow</a:t>
-            </a:r>
-            <a:r>
-              <a:rPr lang="es-ES" sz="4000" dirty="0"/>
-              <a:t>::</a:t>
-            </a:r>
-            <a:r>
-              <a:rPr lang="es-ES" sz="4000" dirty="0" err="1"/>
-              <a:t>json</a:t>
-            </a:r>
-            <a:r>
-              <a:rPr lang="es-ES" sz="4000" dirty="0"/>
-              <a:t>::</a:t>
-            </a:r>
-            <a:r>
-              <a:rPr lang="es-ES" sz="4000" dirty="0" err="1"/>
-              <a:t>wvalue</a:t>
-            </a:r>
-            <a:r>
-              <a:rPr lang="es-ES" sz="4000" dirty="0"/>
-              <a:t> x;</a:t>
+              <a:rPr lang="es-ES" dirty="0"/>
+              <a:t>}</a:t>
             </a:r>
           </a:p>
           <a:p>
             <a:pPr marL="0" indent="0">
               <a:buNone/>
             </a:pPr>
-            <a:r>
-              <a:rPr lang="es-ES" sz="4000" dirty="0"/>
-              <a:t>        x["mensaje"] = "Hola mundo";</a:t>
-            </a:r>
+            <a:endParaRPr lang="es-ES" dirty="0"/>
           </a:p>
           <a:p>
             <a:pPr marL="0" indent="0">
               <a:buNone/>
             </a:pPr>
             <a:r>
-              <a:rPr lang="es-ES" sz="4000" dirty="0"/>
-              <a:t>        </a:t>
-            </a:r>
-            <a:r>
-              <a:rPr lang="es-ES" sz="4000" dirty="0" err="1"/>
-              <a:t>return</a:t>
-            </a:r>
-            <a:r>
-              <a:rPr lang="es-ES" sz="4000" dirty="0"/>
-              <a:t> x;</a:t>
+              <a:rPr lang="es-ES" dirty="0" err="1"/>
+              <a:t>int</a:t>
+            </a:r>
+            <a:r>
+              <a:rPr lang="es-ES" dirty="0"/>
+              <a:t> </a:t>
+            </a:r>
+            <a:r>
+              <a:rPr lang="es-ES" dirty="0" err="1"/>
+              <a:t>main</a:t>
+            </a:r>
+            <a:r>
+              <a:rPr lang="es-ES" dirty="0"/>
+              <a:t>(){</a:t>
             </a:r>
           </a:p>
           <a:p>
@@ -9696,52 +9707,43 @@
               <a:buNone/>
             </a:pPr>
             <a:r>
-              <a:rPr lang="es-ES" sz="4000" dirty="0"/>
-              <a:t>    });</a:t>
+              <a:rPr lang="es-ES" dirty="0"/>
+              <a:t>    </a:t>
+            </a:r>
+            <a:r>
+              <a:rPr lang="es-ES" dirty="0" err="1"/>
+              <a:t>testCrow</a:t>
+            </a:r>
+            <a:r>
+              <a:rPr lang="es-ES" dirty="0"/>
+              <a:t>();</a:t>
             </a:r>
           </a:p>
           <a:p>
             <a:pPr marL="0" indent="0">
               <a:buNone/>
             </a:pPr>
-            <a:endParaRPr lang="es-ES" sz="4000" dirty="0"/>
+            <a:r>
+              <a:rPr lang="es-ES" dirty="0"/>
+              <a:t>    </a:t>
+            </a:r>
+            <a:r>
+              <a:rPr lang="es-ES" dirty="0" err="1"/>
+              <a:t>return</a:t>
+            </a:r>
+            <a:r>
+              <a:rPr lang="es-ES" dirty="0"/>
+              <a:t> 0;</a:t>
+            </a:r>
           </a:p>
           <a:p>
             <a:pPr marL="0" indent="0">
               <a:buNone/>
             </a:pPr>
             <a:r>
-              <a:rPr lang="es-ES" sz="4000" dirty="0"/>
-              <a:t>    </a:t>
-            </a:r>
-            <a:r>
-              <a:rPr lang="es-ES" sz="4000" dirty="0" err="1"/>
-              <a:t>app.port</a:t>
-            </a:r>
-            <a:r>
-              <a:rPr lang="es-ES" sz="4000" dirty="0"/>
-              <a:t>(8080).</a:t>
-            </a:r>
-            <a:r>
-              <a:rPr lang="es-ES" sz="4000" dirty="0" err="1"/>
-              <a:t>multithreaded</a:t>
-            </a:r>
-            <a:r>
-              <a:rPr lang="es-ES" sz="4000" dirty="0"/>
-              <a:t>().run();</a:t>
-            </a:r>
-          </a:p>
-          <a:p>
-            <a:pPr marL="0" indent="0">
-              <a:buNone/>
-            </a:pPr>
-            <a:r>
-              <a:rPr lang="es-ES" sz="4000" dirty="0"/>
+              <a:rPr lang="es-ES" dirty="0"/>
               <a:t>}</a:t>
             </a:r>
-          </a:p>
-          <a:p>
-            <a:endParaRPr lang="es-ES" dirty="0"/>
           </a:p>
         </p:txBody>
       </p:sp>
@@ -9809,7 +9811,7 @@
           <p:cNvPr id="2" name="Título 1">
             <a:extLst>
               <a:ext uri="{FF2B5EF4-FFF2-40B4-BE49-F238E27FC236}">
-                <a16:creationId xmlns:a16="http://schemas.microsoft.com/office/drawing/2014/main" id="{256A5A6B-94E1-F8A5-C0FA-E75ABA0510A1}"/>
+                <a16:creationId xmlns:a16="http://schemas.microsoft.com/office/drawing/2014/main" id="{27A75883-AC3F-9064-FF4E-C4F860500AA6}"/>
               </a:ext>
             </a:extLst>
           </p:cNvPr>
@@ -9820,15 +9822,25 @@
             <p:ph type="title"/>
           </p:nvPr>
         </p:nvSpPr>
-        <p:spPr/>
-        <p:txBody>
-          <a:bodyPr/>
-          <a:lstStyle/>
-          <a:p>
-            <a:r>
-              <a:rPr lang="es-ES" dirty="0"/>
-              <a:t>Verbos HTTP</a:t>
-            </a:r>
+        <p:spPr>
+          <a:xfrm>
+            <a:off x="838200" y="136525"/>
+            <a:ext cx="10515600" cy="835627"/>
+          </a:xfrm>
+        </p:spPr>
+        <p:txBody>
+          <a:bodyPr/>
+          <a:lstStyle/>
+          <a:p>
+            <a:r>
+              <a:rPr lang="es-ES" dirty="0"/>
+              <a:t>Respuesta en </a:t>
+            </a:r>
+            <a:r>
+              <a:rPr lang="es-ES" dirty="0" err="1"/>
+              <a:t>json</a:t>
+            </a:r>
+            <a:endParaRPr lang="es-ES" dirty="0"/>
           </a:p>
         </p:txBody>
       </p:sp>
@@ -9837,7 +9849,7 @@
           <p:cNvPr id="3" name="Marcador de contenido 2">
             <a:extLst>
               <a:ext uri="{FF2B5EF4-FFF2-40B4-BE49-F238E27FC236}">
-                <a16:creationId xmlns:a16="http://schemas.microsoft.com/office/drawing/2014/main" id="{9B025192-9E18-9F46-AFEF-6336DE94782D}"/>
+                <a16:creationId xmlns:a16="http://schemas.microsoft.com/office/drawing/2014/main" id="{D2D87B1A-4AB7-4663-5C93-D9986C9DAAC5}"/>
               </a:ext>
             </a:extLst>
           </p:cNvPr>
@@ -9848,15 +9860,275 @@
             <p:ph idx="1"/>
           </p:nvPr>
         </p:nvSpPr>
-        <p:spPr/>
-        <p:txBody>
-          <a:bodyPr/>
-          <a:lstStyle/>
-          <a:p>
-            <a:r>
-              <a:rPr lang="es-ES" dirty="0"/>
-              <a:t>GET, POST, PUT, DELETE</a:t>
-            </a:r>
+        <p:spPr>
+          <a:xfrm>
+            <a:off x="385011" y="1289785"/>
+            <a:ext cx="10968789" cy="4887178"/>
+          </a:xfrm>
+        </p:spPr>
+        <p:txBody>
+          <a:bodyPr>
+            <a:normAutofit fontScale="62500" lnSpcReduction="20000"/>
+          </a:bodyPr>
+          <a:lstStyle/>
+          <a:p>
+            <a:pPr marL="0" indent="0">
+              <a:buNone/>
+            </a:pPr>
+            <a:r>
+              <a:rPr lang="es-ES" dirty="0">
+                <a:hlinkClick r:id="rId2"/>
+              </a:rPr>
+              <a:t>http://localhost:8080/json</a:t>
+            </a:r>
+            <a:endParaRPr lang="es-ES" dirty="0"/>
+          </a:p>
+          <a:p>
+            <a:pPr marL="0" indent="0">
+              <a:buNone/>
+            </a:pPr>
+            <a:r>
+              <a:rPr lang="es-ES" dirty="0"/>
+              <a:t> </a:t>
+            </a:r>
+            <a:r>
+              <a:rPr lang="es-ES" dirty="0" err="1"/>
+              <a:t>crow</a:t>
+            </a:r>
+            <a:r>
+              <a:rPr lang="es-ES" dirty="0"/>
+              <a:t>::</a:t>
+            </a:r>
+            <a:r>
+              <a:rPr lang="es-ES" dirty="0" err="1"/>
+              <a:t>SimpleApp</a:t>
+            </a:r>
+            <a:r>
+              <a:rPr lang="es-ES" dirty="0"/>
+              <a:t> app;</a:t>
+            </a:r>
+          </a:p>
+          <a:p>
+            <a:pPr marL="0" indent="0">
+              <a:buNone/>
+            </a:pPr>
+            <a:endParaRPr lang="es-ES" dirty="0"/>
+          </a:p>
+          <a:p>
+            <a:pPr marL="0" indent="0">
+              <a:buNone/>
+            </a:pPr>
+            <a:r>
+              <a:rPr lang="es-ES" dirty="0"/>
+              <a:t>  CROW_ROUTE(app, "/</a:t>
+            </a:r>
+            <a:r>
+              <a:rPr lang="es-ES" dirty="0" err="1"/>
+              <a:t>json</a:t>
+            </a:r>
+            <a:r>
+              <a:rPr lang="es-ES" dirty="0"/>
+              <a:t>")([]() {</a:t>
+            </a:r>
+          </a:p>
+          <a:p>
+            <a:pPr marL="0" indent="0">
+              <a:buNone/>
+            </a:pPr>
+            <a:r>
+              <a:rPr lang="es-ES" dirty="0"/>
+              <a:t>      </a:t>
+            </a:r>
+            <a:r>
+              <a:rPr lang="es-ES" dirty="0" err="1"/>
+              <a:t>crow</a:t>
+            </a:r>
+            <a:r>
+              <a:rPr lang="es-ES" dirty="0"/>
+              <a:t>::</a:t>
+            </a:r>
+            <a:r>
+              <a:rPr lang="es-ES" dirty="0" err="1"/>
+              <a:t>json</a:t>
+            </a:r>
+            <a:r>
+              <a:rPr lang="es-ES" dirty="0"/>
+              <a:t>::</a:t>
+            </a:r>
+            <a:r>
+              <a:rPr lang="es-ES" dirty="0" err="1"/>
+              <a:t>wvalue</a:t>
+            </a:r>
+            <a:r>
+              <a:rPr lang="es-ES" dirty="0"/>
+              <a:t> respuesta;</a:t>
+            </a:r>
+          </a:p>
+          <a:p>
+            <a:pPr marL="0" indent="0">
+              <a:buNone/>
+            </a:pPr>
+            <a:r>
+              <a:rPr lang="es-ES" dirty="0"/>
+              <a:t>      respuesta["mensaje"] = "¡Hola desde </a:t>
+            </a:r>
+            <a:r>
+              <a:rPr lang="es-ES" dirty="0" err="1"/>
+              <a:t>Crow</a:t>
+            </a:r>
+            <a:r>
+              <a:rPr lang="es-ES" dirty="0"/>
+              <a:t>!";</a:t>
+            </a:r>
+          </a:p>
+          <a:p>
+            <a:pPr marL="0" indent="0">
+              <a:buNone/>
+            </a:pPr>
+            <a:r>
+              <a:rPr lang="es-ES" dirty="0"/>
+              <a:t>      respuesta["estado"] = "ok";</a:t>
+            </a:r>
+          </a:p>
+          <a:p>
+            <a:pPr marL="0" indent="0">
+              <a:buNone/>
+            </a:pPr>
+            <a:r>
+              <a:rPr lang="es-ES" dirty="0"/>
+              <a:t>      respuesta["</a:t>
+            </a:r>
+            <a:r>
+              <a:rPr lang="es-ES" dirty="0" err="1"/>
+              <a:t>codigo</a:t>
+            </a:r>
+            <a:r>
+              <a:rPr lang="es-ES" dirty="0"/>
+              <a:t>"] = 200;</a:t>
+            </a:r>
+          </a:p>
+          <a:p>
+            <a:pPr marL="0" indent="0">
+              <a:buNone/>
+            </a:pPr>
+            <a:r>
+              <a:rPr lang="es-ES" dirty="0"/>
+              <a:t>      </a:t>
+            </a:r>
+            <a:r>
+              <a:rPr lang="es-ES" dirty="0" err="1"/>
+              <a:t>return</a:t>
+            </a:r>
+            <a:r>
+              <a:rPr lang="es-ES" dirty="0"/>
+              <a:t> </a:t>
+            </a:r>
+            <a:r>
+              <a:rPr lang="es-ES" dirty="0" err="1"/>
+              <a:t>crow</a:t>
+            </a:r>
+            <a:r>
+              <a:rPr lang="es-ES" dirty="0"/>
+              <a:t>::response{ respuesta };</a:t>
+            </a:r>
+          </a:p>
+          <a:p>
+            <a:pPr marL="0" indent="0">
+              <a:buNone/>
+            </a:pPr>
+            <a:r>
+              <a:rPr lang="es-ES" dirty="0"/>
+              <a:t>      });</a:t>
+            </a:r>
+          </a:p>
+          <a:p>
+            <a:pPr marL="0" indent="0">
+              <a:buNone/>
+            </a:pPr>
+            <a:endParaRPr lang="es-ES" dirty="0"/>
+          </a:p>
+          <a:p>
+            <a:pPr marL="0" indent="0">
+              <a:buNone/>
+            </a:pPr>
+            <a:r>
+              <a:rPr lang="es-ES" dirty="0"/>
+              <a:t>  </a:t>
+            </a:r>
+            <a:r>
+              <a:rPr lang="es-ES" dirty="0" err="1"/>
+              <a:t>app.bindaddr</a:t>
+            </a:r>
+            <a:r>
+              <a:rPr lang="es-ES" dirty="0"/>
+              <a:t>("127.0.0.1");</a:t>
+            </a:r>
+          </a:p>
+          <a:p>
+            <a:pPr marL="0" indent="0">
+              <a:buNone/>
+            </a:pPr>
+            <a:r>
+              <a:rPr lang="es-ES" dirty="0"/>
+              <a:t>  </a:t>
+            </a:r>
+            <a:r>
+              <a:rPr lang="es-ES" dirty="0" err="1"/>
+              <a:t>app.port</a:t>
+            </a:r>
+            <a:r>
+              <a:rPr lang="es-ES" dirty="0"/>
+              <a:t>(8080);</a:t>
+            </a:r>
+          </a:p>
+          <a:p>
+            <a:pPr marL="0" indent="0">
+              <a:buNone/>
+            </a:pPr>
+            <a:r>
+              <a:rPr lang="es-ES" dirty="0"/>
+              <a:t>  </a:t>
+            </a:r>
+            <a:r>
+              <a:rPr lang="es-ES" dirty="0" err="1"/>
+              <a:t>app.concurrency</a:t>
+            </a:r>
+            <a:r>
+              <a:rPr lang="es-ES" dirty="0"/>
+              <a:t>(2);</a:t>
+            </a:r>
+          </a:p>
+          <a:p>
+            <a:pPr marL="0" indent="0">
+              <a:buNone/>
+            </a:pPr>
+            <a:r>
+              <a:rPr lang="es-ES" dirty="0"/>
+              <a:t>  </a:t>
+            </a:r>
+            <a:r>
+              <a:rPr lang="es-ES" dirty="0" err="1"/>
+              <a:t>app.run</a:t>
+            </a:r>
+            <a:r>
+              <a:rPr lang="es-ES" dirty="0"/>
+              <a:t>();</a:t>
+            </a:r>
+          </a:p>
+          <a:p>
+            <a:pPr marL="0" indent="0">
+              <a:buNone/>
+            </a:pPr>
+            <a:endParaRPr lang="es-ES" dirty="0"/>
+          </a:p>
+          <a:p>
+            <a:pPr marL="0" indent="0">
+              <a:buNone/>
+            </a:pPr>
+            <a:endParaRPr lang="es-ES" dirty="0"/>
+          </a:p>
+          <a:p>
+            <a:endParaRPr lang="es-ES" dirty="0"/>
           </a:p>
         </p:txBody>
       </p:sp>
@@ -9865,7 +10137,7 @@
           <p:cNvPr id="4" name="Marcador de número de diapositiva 3">
             <a:extLst>
               <a:ext uri="{FF2B5EF4-FFF2-40B4-BE49-F238E27FC236}">
-                <a16:creationId xmlns:a16="http://schemas.microsoft.com/office/drawing/2014/main" id="{7A64B2C2-C998-D14A-0669-49DB9014E397}"/>
+                <a16:creationId xmlns:a16="http://schemas.microsoft.com/office/drawing/2014/main" id="{8E85B584-C8D1-44AA-FE98-4F628D8B5CB8}"/>
               </a:ext>
             </a:extLst>
           </p:cNvPr>
@@ -9892,7 +10164,7 @@
     </p:spTree>
     <p:extLst>
       <p:ext uri="{BB962C8B-B14F-4D97-AF65-F5344CB8AC3E}">
-        <p14:creationId xmlns:p14="http://schemas.microsoft.com/office/powerpoint/2010/main" val="2983017815"/>
+        <p14:creationId xmlns:p14="http://schemas.microsoft.com/office/powerpoint/2010/main" val="3094883702"/>
       </p:ext>
     </p:extLst>
   </p:cSld>
@@ -9924,7 +10196,7 @@
           <p:cNvPr id="2" name="Título 1">
             <a:extLst>
               <a:ext uri="{FF2B5EF4-FFF2-40B4-BE49-F238E27FC236}">
-                <a16:creationId xmlns:a16="http://schemas.microsoft.com/office/drawing/2014/main" id="{BCFDD27B-10E8-3DBB-6543-3C0873D0229C}"/>
+                <a16:creationId xmlns:a16="http://schemas.microsoft.com/office/drawing/2014/main" id="{1B6DEB34-6853-09F9-D0E7-7AA6F5A75BED}"/>
               </a:ext>
             </a:extLst>
           </p:cNvPr>
@@ -9942,7 +10214,7 @@
           <a:p>
             <a:r>
               <a:rPr lang="es-ES" dirty="0"/>
-              <a:t>Peticiones HTTP</a:t>
+              <a:t>Operaciones CRUD</a:t>
             </a:r>
           </a:p>
         </p:txBody>
@@ -9952,7 +10224,7 @@
           <p:cNvPr id="3" name="Marcador de contenido 2">
             <a:extLst>
               <a:ext uri="{FF2B5EF4-FFF2-40B4-BE49-F238E27FC236}">
-                <a16:creationId xmlns:a16="http://schemas.microsoft.com/office/drawing/2014/main" id="{34FBCBD4-D015-CACD-849C-D8DEAEADFC59}"/>
+                <a16:creationId xmlns:a16="http://schemas.microsoft.com/office/drawing/2014/main" id="{681F384F-C7AF-E009-DABC-869F5202503C}"/>
               </a:ext>
             </a:extLst>
           </p:cNvPr>
@@ -9963,12 +10235,202 @@
             <p:ph idx="1"/>
           </p:nvPr>
         </p:nvSpPr>
-        <p:spPr/>
-        <p:txBody>
-          <a:bodyPr/>
-          <a:lstStyle/>
-          <a:p>
-            <a:endParaRPr lang="es-ES"/>
+        <p:spPr>
+          <a:xfrm>
+            <a:off x="838200" y="1825624"/>
+            <a:ext cx="10760242" cy="4786931"/>
+          </a:xfrm>
+        </p:spPr>
+        <p:txBody>
+          <a:bodyPr>
+            <a:normAutofit fontScale="77500" lnSpcReduction="20000"/>
+          </a:bodyPr>
+          <a:lstStyle/>
+          <a:p>
+            <a:r>
+              <a:rPr lang="es-ES" dirty="0" err="1"/>
+              <a:t>Create</a:t>
+            </a:r>
+            <a:r>
+              <a:rPr lang="es-ES" dirty="0"/>
+              <a:t> </a:t>
+            </a:r>
+            <a:r>
+              <a:rPr lang="es-ES" dirty="0">
+                <a:sym typeface="Wingdings" panose="05000000000000000000" pitchFamily="2" charset="2"/>
+              </a:rPr>
+              <a:t> POST</a:t>
+            </a:r>
+          </a:p>
+          <a:p>
+            <a:pPr lvl="1"/>
+            <a:r>
+              <a:rPr lang="es-ES" dirty="0">
+                <a:sym typeface="Wingdings" panose="05000000000000000000" pitchFamily="2" charset="2"/>
+              </a:rPr>
+              <a:t>Subir un recurso en el servidor. </a:t>
+            </a:r>
+          </a:p>
+          <a:p>
+            <a:pPr lvl="1"/>
+            <a:r>
+              <a:rPr lang="es-ES" dirty="0">
+                <a:sym typeface="Wingdings" panose="05000000000000000000" pitchFamily="2" charset="2"/>
+              </a:rPr>
+              <a:t>El recurso se envía en el </a:t>
+            </a:r>
+            <a:r>
+              <a:rPr lang="es-ES" dirty="0" err="1">
+                <a:sym typeface="Wingdings" panose="05000000000000000000" pitchFamily="2" charset="2"/>
+              </a:rPr>
+              <a:t>body</a:t>
+            </a:r>
+            <a:endParaRPr lang="es-ES" dirty="0">
+              <a:sym typeface="Wingdings" panose="05000000000000000000" pitchFamily="2" charset="2"/>
+            </a:endParaRPr>
+          </a:p>
+          <a:p>
+            <a:pPr lvl="1"/>
+            <a:endParaRPr lang="es-ES" dirty="0">
+              <a:sym typeface="Wingdings" panose="05000000000000000000" pitchFamily="2" charset="2"/>
+            </a:endParaRPr>
+          </a:p>
+          <a:p>
+            <a:r>
+              <a:rPr lang="es-ES" dirty="0" err="1">
+                <a:sym typeface="Wingdings" panose="05000000000000000000" pitchFamily="2" charset="2"/>
+              </a:rPr>
+              <a:t>Read</a:t>
+            </a:r>
+            <a:r>
+              <a:rPr lang="es-ES" dirty="0">
+                <a:sym typeface="Wingdings" panose="05000000000000000000" pitchFamily="2" charset="2"/>
+              </a:rPr>
+              <a:t>  GET</a:t>
+            </a:r>
+          </a:p>
+          <a:p>
+            <a:pPr lvl="1"/>
+            <a:r>
+              <a:rPr lang="es-ES" dirty="0">
+                <a:sym typeface="Wingdings" panose="05000000000000000000" pitchFamily="2" charset="2"/>
+              </a:rPr>
+              <a:t>Recuperar un recurso del servidor</a:t>
+            </a:r>
+          </a:p>
+          <a:p>
+            <a:pPr lvl="1"/>
+            <a:r>
+              <a:rPr lang="es-ES" dirty="0">
+                <a:sym typeface="Wingdings" panose="05000000000000000000" pitchFamily="2" charset="2"/>
+              </a:rPr>
+              <a:t>Normalmente se enviará un parámetro: id en la URL</a:t>
+            </a:r>
+          </a:p>
+          <a:p>
+            <a:pPr lvl="1"/>
+            <a:endParaRPr lang="es-ES" dirty="0">
+              <a:sym typeface="Wingdings" panose="05000000000000000000" pitchFamily="2" charset="2"/>
+            </a:endParaRPr>
+          </a:p>
+          <a:p>
+            <a:r>
+              <a:rPr lang="es-ES" dirty="0" err="1">
+                <a:sym typeface="Wingdings" panose="05000000000000000000" pitchFamily="2" charset="2"/>
+              </a:rPr>
+              <a:t>Update</a:t>
+            </a:r>
+            <a:r>
+              <a:rPr lang="es-ES" dirty="0">
+                <a:sym typeface="Wingdings" panose="05000000000000000000" pitchFamily="2" charset="2"/>
+              </a:rPr>
+              <a:t>  PUT</a:t>
+            </a:r>
+          </a:p>
+          <a:p>
+            <a:pPr lvl="1"/>
+            <a:r>
+              <a:rPr lang="es-ES" dirty="0">
+                <a:sym typeface="Wingdings" panose="05000000000000000000" pitchFamily="2" charset="2"/>
+              </a:rPr>
+              <a:t>Actualizar un recurso del servidor</a:t>
+            </a:r>
+          </a:p>
+          <a:p>
+            <a:pPr lvl="1"/>
+            <a:r>
+              <a:rPr lang="es-ES" dirty="0">
+                <a:sym typeface="Wingdings" panose="05000000000000000000" pitchFamily="2" charset="2"/>
+              </a:rPr>
+              <a:t>El recurso se envía en el </a:t>
+            </a:r>
+            <a:r>
+              <a:rPr lang="es-ES" dirty="0" err="1">
+                <a:sym typeface="Wingdings" panose="05000000000000000000" pitchFamily="2" charset="2"/>
+              </a:rPr>
+              <a:t>body</a:t>
+            </a:r>
+            <a:endParaRPr lang="es-ES" dirty="0">
+              <a:sym typeface="Wingdings" panose="05000000000000000000" pitchFamily="2" charset="2"/>
+            </a:endParaRPr>
+          </a:p>
+          <a:p>
+            <a:pPr lvl="1"/>
+            <a:endParaRPr lang="es-ES" dirty="0">
+              <a:sym typeface="Wingdings" panose="05000000000000000000" pitchFamily="2" charset="2"/>
+            </a:endParaRPr>
+          </a:p>
+          <a:p>
+            <a:pPr lvl="1"/>
+            <a:endParaRPr lang="es-ES" dirty="0">
+              <a:sym typeface="Wingdings" panose="05000000000000000000" pitchFamily="2" charset="2"/>
+            </a:endParaRPr>
+          </a:p>
+          <a:p>
+            <a:r>
+              <a:rPr lang="es-ES" dirty="0" err="1">
+                <a:sym typeface="Wingdings" panose="05000000000000000000" pitchFamily="2" charset="2"/>
+              </a:rPr>
+              <a:t>Delete</a:t>
+            </a:r>
+            <a:r>
+              <a:rPr lang="es-ES" dirty="0">
+                <a:sym typeface="Wingdings" panose="05000000000000000000" pitchFamily="2" charset="2"/>
+              </a:rPr>
+              <a:t>  DELETE</a:t>
+            </a:r>
+          </a:p>
+          <a:p>
+            <a:pPr lvl="1"/>
+            <a:r>
+              <a:rPr lang="es-ES" dirty="0">
+                <a:sym typeface="Wingdings" panose="05000000000000000000" pitchFamily="2" charset="2"/>
+              </a:rPr>
+              <a:t>Eliminar un recurso del servidor</a:t>
+            </a:r>
+          </a:p>
+          <a:p>
+            <a:pPr lvl="1"/>
+            <a:r>
+              <a:rPr lang="es-ES" dirty="0">
+                <a:sym typeface="Wingdings" panose="05000000000000000000" pitchFamily="2" charset="2"/>
+              </a:rPr>
+              <a:t>Normalmente se enviará un parámetro: id en la URL</a:t>
+            </a:r>
+          </a:p>
+          <a:p>
+            <a:pPr lvl="1"/>
+            <a:endParaRPr lang="es-ES" dirty="0">
+              <a:sym typeface="Wingdings" panose="05000000000000000000" pitchFamily="2" charset="2"/>
+            </a:endParaRPr>
+          </a:p>
+          <a:p>
+            <a:endParaRPr lang="es-ES" dirty="0">
+              <a:sym typeface="Wingdings" panose="05000000000000000000" pitchFamily="2" charset="2"/>
+            </a:endParaRPr>
+          </a:p>
+          <a:p>
+            <a:endParaRPr lang="es-ES" dirty="0"/>
           </a:p>
         </p:txBody>
       </p:sp>
@@ -9977,7 +10439,7 @@
           <p:cNvPr id="4" name="Marcador de número de diapositiva 3">
             <a:extLst>
               <a:ext uri="{FF2B5EF4-FFF2-40B4-BE49-F238E27FC236}">
-                <a16:creationId xmlns:a16="http://schemas.microsoft.com/office/drawing/2014/main" id="{ED92274C-A4EF-0E8A-59D0-57EDDD49F806}"/>
+                <a16:creationId xmlns:a16="http://schemas.microsoft.com/office/drawing/2014/main" id="{6C61540C-7D44-CEE8-6744-0663FD2BB0A4}"/>
               </a:ext>
             </a:extLst>
           </p:cNvPr>
@@ -10004,7 +10466,7 @@
     </p:spTree>
     <p:extLst>
       <p:ext uri="{BB962C8B-B14F-4D97-AF65-F5344CB8AC3E}">
-        <p14:creationId xmlns:p14="http://schemas.microsoft.com/office/powerpoint/2010/main" val="3759079935"/>
+        <p14:creationId xmlns:p14="http://schemas.microsoft.com/office/powerpoint/2010/main" val="1382952252"/>
       </p:ext>
     </p:extLst>
   </p:cSld>
@@ -10036,7 +10498,7 @@
           <p:cNvPr id="2" name="Título 1">
             <a:extLst>
               <a:ext uri="{FF2B5EF4-FFF2-40B4-BE49-F238E27FC236}">
-                <a16:creationId xmlns:a16="http://schemas.microsoft.com/office/drawing/2014/main" id="{9A19AD38-5AA4-AF85-F3CE-C51D8622A53B}"/>
+                <a16:creationId xmlns:a16="http://schemas.microsoft.com/office/drawing/2014/main" id="{A6A0F2EB-44A1-7B49-58E1-D9C69FD87EB9}"/>
               </a:ext>
             </a:extLst>
           </p:cNvPr>
@@ -10054,7 +10516,7 @@
           <a:p>
             <a:r>
               <a:rPr lang="es-ES" dirty="0"/>
-              <a:t>Serialización  / Deserialización con JSON</a:t>
+              <a:t>Formato de las peticiones</a:t>
             </a:r>
           </a:p>
         </p:txBody>
@@ -10064,7 +10526,7 @@
           <p:cNvPr id="3" name="Marcador de contenido 2">
             <a:extLst>
               <a:ext uri="{FF2B5EF4-FFF2-40B4-BE49-F238E27FC236}">
-                <a16:creationId xmlns:a16="http://schemas.microsoft.com/office/drawing/2014/main" id="{21CE88C1-F973-48F5-EC70-8D665320C7DD}"/>
+                <a16:creationId xmlns:a16="http://schemas.microsoft.com/office/drawing/2014/main" id="{CFCBAC00-1CBE-58CC-5DEA-A3E9D33B1121}"/>
               </a:ext>
             </a:extLst>
           </p:cNvPr>
@@ -10089,7 +10551,7 @@
           <p:cNvPr id="4" name="Marcador de número de diapositiva 3">
             <a:extLst>
               <a:ext uri="{FF2B5EF4-FFF2-40B4-BE49-F238E27FC236}">
-                <a16:creationId xmlns:a16="http://schemas.microsoft.com/office/drawing/2014/main" id="{EF72A9C3-31C8-D9E3-760D-6DCBA292A352}"/>
+                <a16:creationId xmlns:a16="http://schemas.microsoft.com/office/drawing/2014/main" id="{6424F4EC-D279-D9EB-8630-C85DDCFCEA37}"/>
               </a:ext>
             </a:extLst>
           </p:cNvPr>
@@ -10116,7 +10578,7 @@
     </p:spTree>
     <p:extLst>
       <p:ext uri="{BB962C8B-B14F-4D97-AF65-F5344CB8AC3E}">
-        <p14:creationId xmlns:p14="http://schemas.microsoft.com/office/powerpoint/2010/main" val="827103213"/>
+        <p14:creationId xmlns:p14="http://schemas.microsoft.com/office/powerpoint/2010/main" val="3573293749"/>
       </p:ext>
     </p:extLst>
   </p:cSld>
@@ -10145,34 +10607,51 @@
       </p:grpSpPr>
       <p:sp>
         <p:nvSpPr>
-          <p:cNvPr id="5" name="Título 4">
-            <a:extLst>
-              <a:ext uri="{FF2B5EF4-FFF2-40B4-BE49-F238E27FC236}">
-                <a16:creationId xmlns:a16="http://schemas.microsoft.com/office/drawing/2014/main" id="{5E974CFD-7153-9938-FB38-C64B9FD5C8E7}"/>
-              </a:ext>
-            </a:extLst>
-          </p:cNvPr>
-          <p:cNvSpPr>
-            <a:spLocks noGrp="1"/>
-          </p:cNvSpPr>
-          <p:nvPr>
-            <p:ph type="ctrTitle"/>
-          </p:nvPr>
-        </p:nvSpPr>
-        <p:spPr>
-          <a:xfrm>
-            <a:off x="1524000" y="1873134"/>
-            <a:ext cx="9144000" cy="2387600"/>
-          </a:xfrm>
-        </p:spPr>
-        <p:txBody>
-          <a:bodyPr/>
-          <a:lstStyle/>
-          <a:p>
-            <a:r>
-              <a:rPr lang="es-ES" b="1" dirty="0"/>
-              <a:t>Gestión de errores y excepciones</a:t>
-            </a:r>
+          <p:cNvPr id="2" name="Título 1">
+            <a:extLst>
+              <a:ext uri="{FF2B5EF4-FFF2-40B4-BE49-F238E27FC236}">
+                <a16:creationId xmlns:a16="http://schemas.microsoft.com/office/drawing/2014/main" id="{15B21DFB-606B-E84D-E540-1238D47F3953}"/>
+              </a:ext>
+            </a:extLst>
+          </p:cNvPr>
+          <p:cNvSpPr>
+            <a:spLocks noGrp="1"/>
+          </p:cNvSpPr>
+          <p:nvPr>
+            <p:ph type="title"/>
+          </p:nvPr>
+        </p:nvSpPr>
+        <p:spPr/>
+        <p:txBody>
+          <a:bodyPr/>
+          <a:lstStyle/>
+          <a:p>
+            <a:endParaRPr lang="es-ES"/>
+          </a:p>
+        </p:txBody>
+      </p:sp>
+      <p:sp>
+        <p:nvSpPr>
+          <p:cNvPr id="3" name="Marcador de contenido 2">
+            <a:extLst>
+              <a:ext uri="{FF2B5EF4-FFF2-40B4-BE49-F238E27FC236}">
+                <a16:creationId xmlns:a16="http://schemas.microsoft.com/office/drawing/2014/main" id="{A7A277CF-A8F9-7FBB-EBC9-1BCB8CE9DE09}"/>
+              </a:ext>
+            </a:extLst>
+          </p:cNvPr>
+          <p:cNvSpPr>
+            <a:spLocks noGrp="1"/>
+          </p:cNvSpPr>
+          <p:nvPr>
+            <p:ph idx="1"/>
+          </p:nvPr>
+        </p:nvSpPr>
+        <p:spPr/>
+        <p:txBody>
+          <a:bodyPr/>
+          <a:lstStyle/>
+          <a:p>
+            <a:endParaRPr lang="es-ES"/>
           </a:p>
         </p:txBody>
       </p:sp>
@@ -10181,7 +10660,7 @@
           <p:cNvPr id="4" name="Marcador de número de diapositiva 3">
             <a:extLst>
               <a:ext uri="{FF2B5EF4-FFF2-40B4-BE49-F238E27FC236}">
-                <a16:creationId xmlns:a16="http://schemas.microsoft.com/office/drawing/2014/main" id="{1B17217E-A631-B147-B47D-D397042722DA}"/>
+                <a16:creationId xmlns:a16="http://schemas.microsoft.com/office/drawing/2014/main" id="{E2FDB5B9-9D91-F95A-EAB4-9D79D2E37DF6}"/>
               </a:ext>
             </a:extLst>
           </p:cNvPr>
@@ -10208,7 +10687,7 @@
     </p:spTree>
     <p:extLst>
       <p:ext uri="{BB962C8B-B14F-4D97-AF65-F5344CB8AC3E}">
-        <p14:creationId xmlns:p14="http://schemas.microsoft.com/office/powerpoint/2010/main" val="2422621801"/>
+        <p14:creationId xmlns:p14="http://schemas.microsoft.com/office/powerpoint/2010/main" val="1758322540"/>
       </p:ext>
     </p:extLst>
   </p:cSld>
@@ -10518,63 +10997,47 @@
       </p:grpSpPr>
       <p:sp>
         <p:nvSpPr>
-          <p:cNvPr id="2" name="Título 1">
-            <a:extLst>
-              <a:ext uri="{FF2B5EF4-FFF2-40B4-BE49-F238E27FC236}">
-                <a16:creationId xmlns:a16="http://schemas.microsoft.com/office/drawing/2014/main" id="{F266CDD4-EDB6-893B-60CA-4B0AE3C7CB74}"/>
-              </a:ext>
-            </a:extLst>
-          </p:cNvPr>
-          <p:cNvSpPr>
-            <a:spLocks noGrp="1"/>
-          </p:cNvSpPr>
-          <p:nvPr>
-            <p:ph type="title"/>
-          </p:nvPr>
-        </p:nvSpPr>
-        <p:spPr/>
-        <p:txBody>
-          <a:bodyPr>
-            <a:normAutofit fontScale="90000"/>
-          </a:bodyPr>
-          <a:lstStyle/>
-          <a:p>
-            <a:br>
-              <a:rPr lang="es-ES" dirty="0"/>
-            </a:br>
-            <a:r>
-              <a:rPr lang="es-ES" dirty="0"/>
-              <a:t> Manejo de códigos de error y optimización del flujo de datos. </a:t>
-            </a:r>
-            <a:br>
-              <a:rPr lang="es-ES" dirty="0"/>
-            </a:br>
-            <a:endParaRPr lang="es-ES" dirty="0"/>
-          </a:p>
-        </p:txBody>
-      </p:sp>
-      <p:sp>
-        <p:nvSpPr>
-          <p:cNvPr id="3" name="Marcador de contenido 2">
-            <a:extLst>
-              <a:ext uri="{FF2B5EF4-FFF2-40B4-BE49-F238E27FC236}">
-                <a16:creationId xmlns:a16="http://schemas.microsoft.com/office/drawing/2014/main" id="{C08056EE-E35B-3B5E-BE59-4AD1A09BEC65}"/>
-              </a:ext>
-            </a:extLst>
-          </p:cNvPr>
-          <p:cNvSpPr>
-            <a:spLocks noGrp="1"/>
-          </p:cNvSpPr>
-          <p:nvPr>
-            <p:ph idx="1"/>
-          </p:nvPr>
-        </p:nvSpPr>
-        <p:spPr/>
-        <p:txBody>
-          <a:bodyPr/>
-          <a:lstStyle/>
-          <a:p>
-            <a:endParaRPr lang="es-ES"/>
+          <p:cNvPr id="5" name="Título 4">
+            <a:extLst>
+              <a:ext uri="{FF2B5EF4-FFF2-40B4-BE49-F238E27FC236}">
+                <a16:creationId xmlns:a16="http://schemas.microsoft.com/office/drawing/2014/main" id="{ECC6999A-7A1C-8CC7-7D39-52F9148A60B1}"/>
+              </a:ext>
+            </a:extLst>
+          </p:cNvPr>
+          <p:cNvSpPr>
+            <a:spLocks noGrp="1"/>
+          </p:cNvSpPr>
+          <p:nvPr>
+            <p:ph type="ctrTitle"/>
+          </p:nvPr>
+        </p:nvSpPr>
+        <p:spPr>
+          <a:xfrm>
+            <a:off x="1618268" y="1970775"/>
+            <a:ext cx="9144000" cy="2387600"/>
+          </a:xfrm>
+        </p:spPr>
+        <p:txBody>
+          <a:bodyPr/>
+          <a:lstStyle/>
+          <a:p>
+            <a:r>
+              <a:rPr lang="es-ES" b="1" dirty="0"/>
+              <a:t>Protocolos HTTP, </a:t>
+            </a:r>
+            <a:r>
+              <a:rPr lang="es-ES" b="1" dirty="0" err="1"/>
+              <a:t>HTTPs</a:t>
+            </a:r>
+            <a:r>
+              <a:rPr lang="es-ES" b="1" dirty="0"/>
+              <a:t> y </a:t>
+            </a:r>
+            <a:r>
+              <a:rPr lang="es-ES" b="1" dirty="0" err="1"/>
+              <a:t>WebSockets</a:t>
+            </a:r>
+            <a:endParaRPr lang="es-ES" b="1" dirty="0"/>
           </a:p>
         </p:txBody>
       </p:sp>
@@ -10583,7 +11046,7 @@
           <p:cNvPr id="4" name="Marcador de número de diapositiva 3">
             <a:extLst>
               <a:ext uri="{FF2B5EF4-FFF2-40B4-BE49-F238E27FC236}">
-                <a16:creationId xmlns:a16="http://schemas.microsoft.com/office/drawing/2014/main" id="{03D499BB-E425-E0C9-0687-0331BB1A6D20}"/>
+                <a16:creationId xmlns:a16="http://schemas.microsoft.com/office/drawing/2014/main" id="{22D54114-6E34-AFCD-E17D-AB247128EEE0}"/>
               </a:ext>
             </a:extLst>
           </p:cNvPr>
@@ -10599,7 +11062,7 @@
           <a:bodyPr/>
           <a:lstStyle/>
           <a:p>
-            <a:fld id="{A6EC93C0-D482-4F60-811A-DF574DBC2A85}" type="slidenum">
+            <a:fld id="{FE1ACEE4-8B3E-4875-98A0-9A2521022ECF}" type="slidenum">
               <a:rPr lang="es-ES" smtClean="0"/>
               <a:t>40</a:t>
             </a:fld>
@@ -10610,7 +11073,7 @@
     </p:spTree>
     <p:extLst>
       <p:ext uri="{BB962C8B-B14F-4D97-AF65-F5344CB8AC3E}">
-        <p14:creationId xmlns:p14="http://schemas.microsoft.com/office/powerpoint/2010/main" val="2812850526"/>
+        <p14:creationId xmlns:p14="http://schemas.microsoft.com/office/powerpoint/2010/main" val="3576769305"/>
       </p:ext>
     </p:extLst>
   </p:cSld>
@@ -10642,7 +11105,7 @@
           <p:cNvPr id="2" name="Título 1">
             <a:extLst>
               <a:ext uri="{FF2B5EF4-FFF2-40B4-BE49-F238E27FC236}">
-                <a16:creationId xmlns:a16="http://schemas.microsoft.com/office/drawing/2014/main" id="{8861855D-3888-02C8-89FF-756139B0DF01}"/>
+                <a16:creationId xmlns:a16="http://schemas.microsoft.com/office/drawing/2014/main" id="{50EFA297-DCE7-38AF-9582-22669B227B60}"/>
               </a:ext>
             </a:extLst>
           </p:cNvPr>
@@ -10655,47 +11118,85 @@
         </p:nvSpPr>
         <p:spPr/>
         <p:txBody>
+          <a:bodyPr/>
+          <a:lstStyle/>
+          <a:p>
+            <a:r>
+              <a:rPr lang="es-ES" dirty="0"/>
+              <a:t>HTTP</a:t>
+            </a:r>
+          </a:p>
+        </p:txBody>
+      </p:sp>
+      <p:sp>
+        <p:nvSpPr>
+          <p:cNvPr id="3" name="Marcador de contenido 2">
+            <a:extLst>
+              <a:ext uri="{FF2B5EF4-FFF2-40B4-BE49-F238E27FC236}">
+                <a16:creationId xmlns:a16="http://schemas.microsoft.com/office/drawing/2014/main" id="{F64D52EE-11BA-B1CF-F3DB-58C2196448F5}"/>
+              </a:ext>
+            </a:extLst>
+          </p:cNvPr>
+          <p:cNvSpPr>
+            <a:spLocks noGrp="1"/>
+          </p:cNvSpPr>
+          <p:nvPr>
+            <p:ph idx="1"/>
+          </p:nvPr>
+        </p:nvSpPr>
+        <p:spPr/>
+        <p:txBody>
           <a:bodyPr>
-            <a:normAutofit fontScale="90000"/>
+            <a:normAutofit fontScale="85000" lnSpcReduction="20000"/>
           </a:bodyPr>
           <a:lstStyle/>
           <a:p>
-            <a:br>
-              <a:rPr lang="es-ES" dirty="0"/>
-            </a:br>
-            <a:r>
-              <a:rPr lang="es-ES" dirty="0"/>
-              <a:t> Implementación de registros de errores y mensajes de diagnóstico </a:t>
-            </a:r>
-            <a:br>
-              <a:rPr lang="es-ES" dirty="0"/>
-            </a:br>
+            <a:r>
+              <a:rPr lang="es-ES" dirty="0"/>
+              <a:t>Es el protocolo base de la web. Permite la comunicación entre clientes (como navegadores) y servidores mediante un modelo solicitud-respuesta.</a:t>
+            </a:r>
+          </a:p>
+          <a:p>
             <a:endParaRPr lang="es-ES" dirty="0"/>
           </a:p>
-        </p:txBody>
-      </p:sp>
-      <p:sp>
-        <p:nvSpPr>
-          <p:cNvPr id="3" name="Marcador de contenido 2">
-            <a:extLst>
-              <a:ext uri="{FF2B5EF4-FFF2-40B4-BE49-F238E27FC236}">
-                <a16:creationId xmlns:a16="http://schemas.microsoft.com/office/drawing/2014/main" id="{A1241D2C-B2AE-A47F-A403-E91AA62215D7}"/>
-              </a:ext>
-            </a:extLst>
-          </p:cNvPr>
-          <p:cNvSpPr>
-            <a:spLocks noGrp="1"/>
-          </p:cNvSpPr>
-          <p:nvPr>
-            <p:ph idx="1"/>
-          </p:nvPr>
-        </p:nvSpPr>
-        <p:spPr/>
-        <p:txBody>
-          <a:bodyPr/>
-          <a:lstStyle/>
-          <a:p>
-            <a:endParaRPr lang="es-ES"/>
+          <a:p>
+            <a:r>
+              <a:rPr lang="es-ES" dirty="0"/>
+              <a:t>Características:</a:t>
+            </a:r>
+          </a:p>
+          <a:p>
+            <a:r>
+              <a:rPr lang="es-ES" dirty="0"/>
+              <a:t>Unidireccional: El cliente envía una solicitud, el servidor responde.</a:t>
+            </a:r>
+          </a:p>
+          <a:p>
+            <a:endParaRPr lang="es-ES" dirty="0"/>
+          </a:p>
+          <a:p>
+            <a:r>
+              <a:rPr lang="es-ES" dirty="0"/>
+              <a:t>Sin estado: No guarda información entre solicitudes (aunque puede usarse con cookies o sesiones).</a:t>
+            </a:r>
+          </a:p>
+          <a:p>
+            <a:endParaRPr lang="es-ES" dirty="0"/>
+          </a:p>
+          <a:p>
+            <a:r>
+              <a:rPr lang="es-ES" dirty="0"/>
+              <a:t>Usa el puerto 80 por defecto.</a:t>
+            </a:r>
+          </a:p>
+          <a:p>
+            <a:endParaRPr lang="es-ES" dirty="0"/>
+          </a:p>
+          <a:p>
+            <a:r>
+              <a:rPr lang="es-ES" dirty="0"/>
+              <a:t>Formato textual: Las solicitudes y respuestas son legibles y estructuradas.</a:t>
+            </a:r>
           </a:p>
         </p:txBody>
       </p:sp>
@@ -10704,7 +11205,7 @@
           <p:cNvPr id="4" name="Marcador de número de diapositiva 3">
             <a:extLst>
               <a:ext uri="{FF2B5EF4-FFF2-40B4-BE49-F238E27FC236}">
-                <a16:creationId xmlns:a16="http://schemas.microsoft.com/office/drawing/2014/main" id="{2655DB55-4558-77E3-020F-D0B544759506}"/>
+                <a16:creationId xmlns:a16="http://schemas.microsoft.com/office/drawing/2014/main" id="{BB238E83-12A7-17A3-07C7-538C87A7AE56}"/>
               </a:ext>
             </a:extLst>
           </p:cNvPr>
@@ -10720,7 +11221,7 @@
           <a:bodyPr/>
           <a:lstStyle/>
           <a:p>
-            <a:fld id="{A6EC93C0-D482-4F60-811A-DF574DBC2A85}" type="slidenum">
+            <a:fld id="{FE1ACEE4-8B3E-4875-98A0-9A2521022ECF}" type="slidenum">
               <a:rPr lang="es-ES" smtClean="0"/>
               <a:t>41</a:t>
             </a:fld>
@@ -10731,7 +11232,7 @@
     </p:spTree>
     <p:extLst>
       <p:ext uri="{BB962C8B-B14F-4D97-AF65-F5344CB8AC3E}">
-        <p14:creationId xmlns:p14="http://schemas.microsoft.com/office/powerpoint/2010/main" val="501616182"/>
+        <p14:creationId xmlns:p14="http://schemas.microsoft.com/office/powerpoint/2010/main" val="321893107"/>
       </p:ext>
     </p:extLst>
   </p:cSld>
@@ -10760,69 +11261,157 @@
       </p:grpSpPr>
       <p:sp>
         <p:nvSpPr>
-          <p:cNvPr id="4" name="Título 3">
-            <a:extLst>
-              <a:ext uri="{FF2B5EF4-FFF2-40B4-BE49-F238E27FC236}">
-                <a16:creationId xmlns:a16="http://schemas.microsoft.com/office/drawing/2014/main" id="{1B1EF0DB-760B-F32B-9093-522ECA80F97F}"/>
-              </a:ext>
-            </a:extLst>
-          </p:cNvPr>
-          <p:cNvSpPr>
-            <a:spLocks noGrp="1"/>
-          </p:cNvSpPr>
-          <p:nvPr>
-            <p:ph type="ctrTitle"/>
-          </p:nvPr>
-        </p:nvSpPr>
-        <p:spPr>
-          <a:xfrm>
-            <a:off x="664143" y="1029903"/>
-            <a:ext cx="10003857" cy="3592897"/>
-          </a:xfrm>
-        </p:spPr>
+          <p:cNvPr id="2" name="Título 1">
+            <a:extLst>
+              <a:ext uri="{FF2B5EF4-FFF2-40B4-BE49-F238E27FC236}">
+                <a16:creationId xmlns:a16="http://schemas.microsoft.com/office/drawing/2014/main" id="{5CB99181-EC00-A77B-2E00-656CF13968D7}"/>
+              </a:ext>
+            </a:extLst>
+          </p:cNvPr>
+          <p:cNvSpPr>
+            <a:spLocks noGrp="1"/>
+          </p:cNvSpPr>
+          <p:nvPr>
+            <p:ph type="title"/>
+          </p:nvPr>
+        </p:nvSpPr>
+        <p:spPr/>
+        <p:txBody>
+          <a:bodyPr/>
+          <a:lstStyle/>
+          <a:p>
+            <a:r>
+              <a:rPr lang="es-ES" dirty="0" err="1"/>
+              <a:t>HTTPs</a:t>
+            </a:r>
+            <a:endParaRPr lang="es-ES" dirty="0"/>
+          </a:p>
+        </p:txBody>
+      </p:sp>
+      <p:sp>
+        <p:nvSpPr>
+          <p:cNvPr id="3" name="Marcador de contenido 2">
+            <a:extLst>
+              <a:ext uri="{FF2B5EF4-FFF2-40B4-BE49-F238E27FC236}">
+                <a16:creationId xmlns:a16="http://schemas.microsoft.com/office/drawing/2014/main" id="{3EEEAAB4-1181-622E-EFB4-47981DE0614C}"/>
+              </a:ext>
+            </a:extLst>
+          </p:cNvPr>
+          <p:cNvSpPr>
+            <a:spLocks noGrp="1"/>
+          </p:cNvSpPr>
+          <p:nvPr>
+            <p:ph idx="1"/>
+          </p:nvPr>
+        </p:nvSpPr>
+        <p:spPr/>
         <p:txBody>
           <a:bodyPr>
-            <a:normAutofit fontScale="90000"/>
+            <a:normAutofit fontScale="92500" lnSpcReduction="20000"/>
           </a:bodyPr>
           <a:lstStyle/>
           <a:p>
-            <a:br>
-              <a:rPr lang="es-ES" dirty="0"/>
-            </a:br>
-            <a:r>
-              <a:rPr lang="es-ES" dirty="0"/>
-              <a:t> </a:t>
-            </a:r>
-            <a:br>
-              <a:rPr lang="es-ES" dirty="0"/>
-            </a:br>
-            <a:br>
-              <a:rPr lang="es-ES" dirty="0"/>
-            </a:br>
-            <a:br>
-              <a:rPr lang="es-ES" dirty="0"/>
-            </a:br>
-            <a:br>
-              <a:rPr lang="es-ES" dirty="0"/>
-            </a:br>
-            <a:r>
-              <a:rPr lang="es-ES" b="1" dirty="0"/>
-              <a:t>Apéndice</a:t>
-            </a:r>
-            <a:br>
-              <a:rPr lang="es-ES" dirty="0"/>
-            </a:br>
-            <a:r>
-              <a:rPr lang="es-ES" dirty="0"/>
-              <a:t>Comparación y selección de herramientas según el tipo de aplicación</a:t>
-            </a:r>
+            <a:r>
+              <a:rPr lang="es-ES" dirty="0"/>
+              <a:t>Http </a:t>
+            </a:r>
+            <a:r>
+              <a:rPr lang="es-ES" dirty="0" err="1"/>
+              <a:t>secure</a:t>
+            </a:r>
+            <a:endParaRPr lang="es-ES" dirty="0"/>
+          </a:p>
+          <a:p>
+            <a:pPr lvl="1"/>
+            <a:r>
+              <a:rPr lang="es-ES" dirty="0"/>
+              <a:t>Es la versión segura de HTTP. Utiliza TLS/SSL para cifrar la comunicación entre cliente y servidor.</a:t>
+            </a:r>
+          </a:p>
+          <a:p>
+            <a:endParaRPr lang="es-ES" dirty="0"/>
+          </a:p>
+          <a:p>
+            <a:r>
+              <a:rPr lang="es-ES" dirty="0"/>
+              <a:t>Características:</a:t>
+            </a:r>
+          </a:p>
+          <a:p>
+            <a:pPr lvl="1"/>
+            <a:r>
+              <a:rPr lang="es-ES" dirty="0"/>
+              <a:t>Cifrado de extremo a extremo: Protege datos sensibles como contraseñas o tarjetas.</a:t>
+            </a:r>
+          </a:p>
+          <a:p>
+            <a:pPr lvl="1"/>
+            <a:endParaRPr lang="es-ES" dirty="0"/>
+          </a:p>
+          <a:p>
+            <a:pPr lvl="1"/>
+            <a:r>
+              <a:rPr lang="es-ES" dirty="0"/>
+              <a:t>Autenticación: Verifica que estás hablando con el servidor correcto mediante certificados digitales.</a:t>
+            </a:r>
+          </a:p>
+          <a:p>
+            <a:pPr lvl="1"/>
+            <a:endParaRPr lang="es-ES" dirty="0"/>
+          </a:p>
+          <a:p>
+            <a:pPr lvl="1"/>
+            <a:r>
+              <a:rPr lang="es-ES" dirty="0"/>
+              <a:t>Integridad: Evita que los datos sean modificados durante la transmisión.</a:t>
+            </a:r>
+          </a:p>
+          <a:p>
+            <a:pPr lvl="1"/>
+            <a:endParaRPr lang="es-ES" dirty="0"/>
+          </a:p>
+          <a:p>
+            <a:pPr lvl="1"/>
+            <a:r>
+              <a:rPr lang="es-ES" dirty="0"/>
+              <a:t>Usa el puerto 443 por defecto.</a:t>
+            </a:r>
+          </a:p>
+        </p:txBody>
+      </p:sp>
+      <p:sp>
+        <p:nvSpPr>
+          <p:cNvPr id="4" name="Marcador de número de diapositiva 3">
+            <a:extLst>
+              <a:ext uri="{FF2B5EF4-FFF2-40B4-BE49-F238E27FC236}">
+                <a16:creationId xmlns:a16="http://schemas.microsoft.com/office/drawing/2014/main" id="{32B7950A-5D59-B96A-3145-E3EC0B834CC6}"/>
+              </a:ext>
+            </a:extLst>
+          </p:cNvPr>
+          <p:cNvSpPr>
+            <a:spLocks noGrp="1"/>
+          </p:cNvSpPr>
+          <p:nvPr>
+            <p:ph type="sldNum" sz="quarter" idx="12"/>
+          </p:nvPr>
+        </p:nvSpPr>
+        <p:spPr/>
+        <p:txBody>
+          <a:bodyPr/>
+          <a:lstStyle/>
+          <a:p>
+            <a:fld id="{FE1ACEE4-8B3E-4875-98A0-9A2521022ECF}" type="slidenum">
+              <a:rPr lang="es-ES" smtClean="0"/>
+              <a:t>42</a:t>
+            </a:fld>
+            <a:endParaRPr lang="es-ES"/>
           </a:p>
         </p:txBody>
       </p:sp>
     </p:spTree>
     <p:extLst>
       <p:ext uri="{BB962C8B-B14F-4D97-AF65-F5344CB8AC3E}">
-        <p14:creationId xmlns:p14="http://schemas.microsoft.com/office/powerpoint/2010/main" val="984160213"/>
+        <p14:creationId xmlns:p14="http://schemas.microsoft.com/office/powerpoint/2010/main" val="3281513645"/>
       </p:ext>
     </p:extLst>
   </p:cSld>
@@ -10854,7 +11443,7 @@
           <p:cNvPr id="2" name="Título 1">
             <a:extLst>
               <a:ext uri="{FF2B5EF4-FFF2-40B4-BE49-F238E27FC236}">
-                <a16:creationId xmlns:a16="http://schemas.microsoft.com/office/drawing/2014/main" id="{DB5D4917-17EC-0BC0-9910-B0D3D501DBC5}"/>
+                <a16:creationId xmlns:a16="http://schemas.microsoft.com/office/drawing/2014/main" id="{63EA9DEF-D7E9-A444-2E53-68AF21CC6912}"/>
               </a:ext>
             </a:extLst>
           </p:cNvPr>
@@ -10871,9 +11460,10 @@
           <a:lstStyle/>
           <a:p>
             <a:r>
-              <a:rPr lang="es-ES" dirty="0"/>
-              <a:t>Cuando utilizar una u otra tecnología</a:t>
-            </a:r>
+              <a:rPr lang="es-ES" dirty="0" err="1"/>
+              <a:t>WebSockets</a:t>
+            </a:r>
+            <a:endParaRPr lang="es-ES" dirty="0"/>
           </a:p>
         </p:txBody>
       </p:sp>
@@ -10882,7 +11472,7 @@
           <p:cNvPr id="3" name="Marcador de contenido 2">
             <a:extLst>
               <a:ext uri="{FF2B5EF4-FFF2-40B4-BE49-F238E27FC236}">
-                <a16:creationId xmlns:a16="http://schemas.microsoft.com/office/drawing/2014/main" id="{C31C66A3-8371-D597-C505-03023D070D4A}"/>
+                <a16:creationId xmlns:a16="http://schemas.microsoft.com/office/drawing/2014/main" id="{9574953E-8FAB-CE3E-5A83-D995F16E7F8C}"/>
               </a:ext>
             </a:extLst>
           </p:cNvPr>
@@ -10895,55 +11485,81 @@
         </p:nvSpPr>
         <p:spPr/>
         <p:txBody>
-          <a:bodyPr/>
-          <a:lstStyle/>
-          <a:p>
-            <a:r>
-              <a:rPr lang="es-ES" b="1" dirty="0" err="1"/>
-              <a:t>WebSocket</a:t>
-            </a:r>
-            <a:r>
-              <a:rPr lang="es-ES" dirty="0"/>
-              <a:t> ideal cuando necesitemos:</a:t>
-            </a:r>
-          </a:p>
-          <a:p>
-            <a:pPr lvl="1"/>
-            <a:r>
-              <a:rPr lang="es-ES" dirty="0"/>
-              <a:t>Comunicación bidireccional en tiempo real.</a:t>
-            </a:r>
-          </a:p>
-          <a:p>
-            <a:pPr lvl="1"/>
-            <a:r>
-              <a:rPr lang="es-ES" dirty="0"/>
-              <a:t>Actualizaciones instantáneas sin tener que hacer </a:t>
-            </a:r>
-            <a:r>
-              <a:rPr lang="es-ES" b="1" dirty="0" err="1"/>
-              <a:t>polling</a:t>
-            </a:r>
-            <a:r>
-              <a:rPr lang="es-ES" dirty="0"/>
-              <a:t> constante.</a:t>
-            </a:r>
-          </a:p>
-          <a:p>
-            <a:pPr lvl="1"/>
-            <a:r>
-              <a:rPr lang="es-ES" dirty="0"/>
-              <a:t>Menor sobrecarga que HTTP con conexiones persistentes.</a:t>
-            </a:r>
-          </a:p>
-          <a:p>
-            <a:pPr lvl="1"/>
+          <a:bodyPr>
+            <a:normAutofit fontScale="92500" lnSpcReduction="10000"/>
+          </a:bodyPr>
+          <a:lstStyle/>
+          <a:p>
+            <a:r>
+              <a:rPr lang="es-ES" dirty="0"/>
+              <a:t>Es un protocolo de comunicación </a:t>
+            </a:r>
+            <a:r>
+              <a:rPr lang="es-ES" b="1" dirty="0"/>
+              <a:t>bidireccional y persistente</a:t>
+            </a:r>
+            <a:r>
+              <a:rPr lang="es-ES" dirty="0"/>
+              <a:t> que permite que cliente y servidor intercambien datos en tiempo real sin necesidad de múltiples solicitudes HTTP</a:t>
+            </a:r>
+          </a:p>
+          <a:p>
             <a:endParaRPr lang="es-ES" dirty="0"/>
           </a:p>
           <a:p>
+            <a:r>
+              <a:rPr lang="es-ES" dirty="0"/>
+              <a:t>Características:</a:t>
+            </a:r>
+          </a:p>
+          <a:p>
+            <a:pPr lvl="1"/>
+            <a:r>
+              <a:rPr lang="es-ES" dirty="0"/>
+              <a:t>Full-</a:t>
+            </a:r>
+            <a:r>
+              <a:rPr lang="es-ES" dirty="0" err="1"/>
+              <a:t>duplex</a:t>
+            </a:r>
+            <a:r>
+              <a:rPr lang="es-ES" dirty="0"/>
+              <a:t>: Ambos lados pueden enviar y recibir datos simultáneamente.</a:t>
+            </a:r>
+          </a:p>
+          <a:p>
             <a:pPr lvl="1"/>
             <a:endParaRPr lang="es-ES" dirty="0"/>
           </a:p>
+          <a:p>
+            <a:pPr lvl="1"/>
+            <a:r>
+              <a:rPr lang="es-ES" dirty="0"/>
+              <a:t>Conexión persistente: Se mantiene abierta, ideal para apps en tiempo real.</a:t>
+            </a:r>
+          </a:p>
+          <a:p>
+            <a:pPr lvl="1"/>
+            <a:endParaRPr lang="es-ES" dirty="0"/>
+          </a:p>
+          <a:p>
+            <a:pPr lvl="1"/>
+            <a:r>
+              <a:rPr lang="es-ES" dirty="0"/>
+              <a:t>Menor latencia: Los datos se envían tan pronto como están disponibles.</a:t>
+            </a:r>
+          </a:p>
+          <a:p>
+            <a:pPr lvl="1"/>
+            <a:endParaRPr lang="es-ES" dirty="0"/>
+          </a:p>
+          <a:p>
+            <a:pPr lvl="1"/>
+            <a:r>
+              <a:rPr lang="es-ES" dirty="0"/>
+              <a:t>Usa el puerto 80 (ws://) o 443 (wss://) dependiendo de si es seguro.</a:t>
+            </a:r>
+          </a:p>
         </p:txBody>
       </p:sp>
       <p:sp>
@@ -10951,7 +11567,7 @@
           <p:cNvPr id="4" name="Marcador de número de diapositiva 3">
             <a:extLst>
               <a:ext uri="{FF2B5EF4-FFF2-40B4-BE49-F238E27FC236}">
-                <a16:creationId xmlns:a16="http://schemas.microsoft.com/office/drawing/2014/main" id="{F38E8D6A-CCA3-8C84-1FC6-2F3056FBC1F3}"/>
+                <a16:creationId xmlns:a16="http://schemas.microsoft.com/office/drawing/2014/main" id="{D13A084F-A5FA-008B-3E6D-D1D6E993C67A}"/>
               </a:ext>
             </a:extLst>
           </p:cNvPr>
@@ -10967,7 +11583,7 @@
           <a:bodyPr/>
           <a:lstStyle/>
           <a:p>
-            <a:fld id="{A6EC93C0-D482-4F60-811A-DF574DBC2A85}" type="slidenum">
+            <a:fld id="{FE1ACEE4-8B3E-4875-98A0-9A2521022ECF}" type="slidenum">
               <a:rPr lang="es-ES" smtClean="0"/>
               <a:t>43</a:t>
             </a:fld>
@@ -10978,7 +11594,7 @@
     </p:spTree>
     <p:extLst>
       <p:ext uri="{BB962C8B-B14F-4D97-AF65-F5344CB8AC3E}">
-        <p14:creationId xmlns:p14="http://schemas.microsoft.com/office/powerpoint/2010/main" val="581017601"/>
+        <p14:creationId xmlns:p14="http://schemas.microsoft.com/office/powerpoint/2010/main" val="3184174179"/>
       </p:ext>
     </p:extLst>
   </p:cSld>
@@ -11010,6 +11626,3306 @@
           <p:cNvPr id="2" name="Título 1">
             <a:extLst>
               <a:ext uri="{FF2B5EF4-FFF2-40B4-BE49-F238E27FC236}">
+                <a16:creationId xmlns:a16="http://schemas.microsoft.com/office/drawing/2014/main" id="{5011F459-8742-719B-59A6-D3DB19BE3292}"/>
+              </a:ext>
+            </a:extLst>
+          </p:cNvPr>
+          <p:cNvSpPr>
+            <a:spLocks noGrp="1"/>
+          </p:cNvSpPr>
+          <p:nvPr>
+            <p:ph type="title"/>
+          </p:nvPr>
+        </p:nvSpPr>
+        <p:spPr/>
+        <p:txBody>
+          <a:bodyPr/>
+          <a:lstStyle/>
+          <a:p>
+            <a:r>
+              <a:rPr lang="es-ES" dirty="0" err="1"/>
+              <a:t>WebSockets</a:t>
+            </a:r>
+            <a:endParaRPr lang="es-ES" dirty="0"/>
+          </a:p>
+        </p:txBody>
+      </p:sp>
+      <p:sp>
+        <p:nvSpPr>
+          <p:cNvPr id="3" name="Marcador de contenido 2">
+            <a:extLst>
+              <a:ext uri="{FF2B5EF4-FFF2-40B4-BE49-F238E27FC236}">
+                <a16:creationId xmlns:a16="http://schemas.microsoft.com/office/drawing/2014/main" id="{47DAE552-DAD3-7A88-938D-08AAA1C4843D}"/>
+              </a:ext>
+            </a:extLst>
+          </p:cNvPr>
+          <p:cNvSpPr>
+            <a:spLocks noGrp="1"/>
+          </p:cNvSpPr>
+          <p:nvPr>
+            <p:ph idx="1"/>
+          </p:nvPr>
+        </p:nvSpPr>
+        <p:spPr/>
+        <p:txBody>
+          <a:bodyPr/>
+          <a:lstStyle/>
+          <a:p>
+            <a:r>
+              <a:rPr lang="es-ES" b="1" dirty="0"/>
+              <a:t>Casos de uso:</a:t>
+            </a:r>
+          </a:p>
+          <a:p>
+            <a:pPr lvl="1"/>
+            <a:r>
+              <a:rPr lang="es-ES" dirty="0"/>
+              <a:t>Chats en vivo</a:t>
+            </a:r>
+          </a:p>
+          <a:p>
+            <a:pPr lvl="1"/>
+            <a:r>
+              <a:rPr lang="es-ES" dirty="0"/>
+              <a:t>Juegos multijugador</a:t>
+            </a:r>
+          </a:p>
+          <a:p>
+            <a:pPr lvl="1"/>
+            <a:r>
+              <a:rPr lang="es-ES" dirty="0"/>
+              <a:t>Notificaciones en tiempo real</a:t>
+            </a:r>
+          </a:p>
+          <a:p>
+            <a:pPr lvl="1"/>
+            <a:r>
+              <a:rPr lang="es-ES" dirty="0" err="1"/>
+              <a:t>Streaming</a:t>
+            </a:r>
+            <a:r>
+              <a:rPr lang="es-ES" dirty="0"/>
+              <a:t> de datos</a:t>
+            </a:r>
+          </a:p>
+          <a:p>
+            <a:endParaRPr lang="es-ES" dirty="0"/>
+          </a:p>
+        </p:txBody>
+      </p:sp>
+      <p:sp>
+        <p:nvSpPr>
+          <p:cNvPr id="4" name="Marcador de número de diapositiva 3">
+            <a:extLst>
+              <a:ext uri="{FF2B5EF4-FFF2-40B4-BE49-F238E27FC236}">
+                <a16:creationId xmlns:a16="http://schemas.microsoft.com/office/drawing/2014/main" id="{7DD9A03B-6BAE-D1BF-771B-E5E225D382EA}"/>
+              </a:ext>
+            </a:extLst>
+          </p:cNvPr>
+          <p:cNvSpPr>
+            <a:spLocks noGrp="1"/>
+          </p:cNvSpPr>
+          <p:nvPr>
+            <p:ph type="sldNum" sz="quarter" idx="12"/>
+          </p:nvPr>
+        </p:nvSpPr>
+        <p:spPr/>
+        <p:txBody>
+          <a:bodyPr/>
+          <a:lstStyle/>
+          <a:p>
+            <a:fld id="{FE1ACEE4-8B3E-4875-98A0-9A2521022ECF}" type="slidenum">
+              <a:rPr lang="es-ES" smtClean="0"/>
+              <a:t>44</a:t>
+            </a:fld>
+            <a:endParaRPr lang="es-ES"/>
+          </a:p>
+        </p:txBody>
+      </p:sp>
+    </p:spTree>
+    <p:extLst>
+      <p:ext uri="{BB962C8B-B14F-4D97-AF65-F5344CB8AC3E}">
+        <p14:creationId xmlns:p14="http://schemas.microsoft.com/office/powerpoint/2010/main" val="333991117"/>
+      </p:ext>
+    </p:extLst>
+  </p:cSld>
+  <p:clrMapOvr>
+    <a:masterClrMapping/>
+  </p:clrMapOvr>
+</p:sld>
+</file>
+
+<file path=ppt/slides/slide45.xml><?xml version="1.0" encoding="utf-8"?>
+<p:sld xmlns:a="http://schemas.openxmlformats.org/drawingml/2006/main" xmlns:r="http://schemas.openxmlformats.org/officeDocument/2006/relationships" xmlns:p="http://schemas.openxmlformats.org/presentationml/2006/main">
+  <p:cSld>
+    <p:spTree>
+      <p:nvGrpSpPr>
+        <p:cNvPr id="1" name=""/>
+        <p:cNvGrpSpPr/>
+        <p:nvPr/>
+      </p:nvGrpSpPr>
+      <p:grpSpPr>
+        <a:xfrm>
+          <a:off x="0" y="0"/>
+          <a:ext cx="0" cy="0"/>
+          <a:chOff x="0" y="0"/>
+          <a:chExt cx="0" cy="0"/>
+        </a:xfrm>
+      </p:grpSpPr>
+      <p:sp>
+        <p:nvSpPr>
+          <p:cNvPr id="2" name="Título 1">
+            <a:extLst>
+              <a:ext uri="{FF2B5EF4-FFF2-40B4-BE49-F238E27FC236}">
+                <a16:creationId xmlns:a16="http://schemas.microsoft.com/office/drawing/2014/main" id="{E7D0186A-3DFE-0B48-1974-910004A1ADDD}"/>
+              </a:ext>
+            </a:extLst>
+          </p:cNvPr>
+          <p:cNvSpPr>
+            <a:spLocks noGrp="1"/>
+          </p:cNvSpPr>
+          <p:nvPr>
+            <p:ph type="title"/>
+          </p:nvPr>
+        </p:nvSpPr>
+        <p:spPr/>
+        <p:txBody>
+          <a:bodyPr/>
+          <a:lstStyle/>
+          <a:p>
+            <a:r>
+              <a:rPr lang="es-ES" dirty="0"/>
+              <a:t>Comparativa</a:t>
+            </a:r>
+          </a:p>
+        </p:txBody>
+      </p:sp>
+      <p:sp>
+        <p:nvSpPr>
+          <p:cNvPr id="4" name="Marcador de número de diapositiva 3">
+            <a:extLst>
+              <a:ext uri="{FF2B5EF4-FFF2-40B4-BE49-F238E27FC236}">
+                <a16:creationId xmlns:a16="http://schemas.microsoft.com/office/drawing/2014/main" id="{D2F18B23-7B56-E0B7-A2EF-B0BCA12B8288}"/>
+              </a:ext>
+            </a:extLst>
+          </p:cNvPr>
+          <p:cNvSpPr>
+            <a:spLocks noGrp="1"/>
+          </p:cNvSpPr>
+          <p:nvPr>
+            <p:ph type="sldNum" sz="quarter" idx="12"/>
+          </p:nvPr>
+        </p:nvSpPr>
+        <p:spPr/>
+        <p:txBody>
+          <a:bodyPr/>
+          <a:lstStyle/>
+          <a:p>
+            <a:fld id="{FE1ACEE4-8B3E-4875-98A0-9A2521022ECF}" type="slidenum">
+              <a:rPr lang="es-ES" smtClean="0"/>
+              <a:t>45</a:t>
+            </a:fld>
+            <a:endParaRPr lang="es-ES"/>
+          </a:p>
+        </p:txBody>
+      </p:sp>
+      <p:pic>
+        <p:nvPicPr>
+          <p:cNvPr id="6" name="Imagen 5">
+            <a:extLst>
+              <a:ext uri="{FF2B5EF4-FFF2-40B4-BE49-F238E27FC236}">
+                <a16:creationId xmlns:a16="http://schemas.microsoft.com/office/drawing/2014/main" id="{631441D5-96AA-A1BC-F078-D84FF8444548}"/>
+              </a:ext>
+            </a:extLst>
+          </p:cNvPr>
+          <p:cNvPicPr>
+            <a:picLocks noChangeAspect="1"/>
+          </p:cNvPicPr>
+          <p:nvPr/>
+        </p:nvPicPr>
+        <p:blipFill>
+          <a:blip r:embed="rId2"/>
+          <a:stretch>
+            <a:fillRect/>
+          </a:stretch>
+        </p:blipFill>
+        <p:spPr>
+          <a:xfrm>
+            <a:off x="1059681" y="1782303"/>
+            <a:ext cx="10208036" cy="3213903"/>
+          </a:xfrm>
+          <a:prstGeom prst="rect">
+            <a:avLst/>
+          </a:prstGeom>
+        </p:spPr>
+      </p:pic>
+    </p:spTree>
+    <p:extLst>
+      <p:ext uri="{BB962C8B-B14F-4D97-AF65-F5344CB8AC3E}">
+        <p14:creationId xmlns:p14="http://schemas.microsoft.com/office/powerpoint/2010/main" val="350332747"/>
+      </p:ext>
+    </p:extLst>
+  </p:cSld>
+  <p:clrMapOvr>
+    <a:masterClrMapping/>
+  </p:clrMapOvr>
+</p:sld>
+</file>
+
+<file path=ppt/slides/slide46.xml><?xml version="1.0" encoding="utf-8"?>
+<p:sld xmlns:a="http://schemas.openxmlformats.org/drawingml/2006/main" xmlns:r="http://schemas.openxmlformats.org/officeDocument/2006/relationships" xmlns:p="http://schemas.openxmlformats.org/presentationml/2006/main">
+  <p:cSld>
+    <p:spTree>
+      <p:nvGrpSpPr>
+        <p:cNvPr id="1" name=""/>
+        <p:cNvGrpSpPr/>
+        <p:nvPr/>
+      </p:nvGrpSpPr>
+      <p:grpSpPr>
+        <a:xfrm>
+          <a:off x="0" y="0"/>
+          <a:ext cx="0" cy="0"/>
+          <a:chOff x="0" y="0"/>
+          <a:chExt cx="0" cy="0"/>
+        </a:xfrm>
+      </p:grpSpPr>
+      <p:sp>
+        <p:nvSpPr>
+          <p:cNvPr id="2" name="Título 1">
+            <a:extLst>
+              <a:ext uri="{FF2B5EF4-FFF2-40B4-BE49-F238E27FC236}">
+                <a16:creationId xmlns:a16="http://schemas.microsoft.com/office/drawing/2014/main" id="{256A5A6B-94E1-F8A5-C0FA-E75ABA0510A1}"/>
+              </a:ext>
+            </a:extLst>
+          </p:cNvPr>
+          <p:cNvSpPr>
+            <a:spLocks noGrp="1"/>
+          </p:cNvSpPr>
+          <p:nvPr>
+            <p:ph type="title"/>
+          </p:nvPr>
+        </p:nvSpPr>
+        <p:spPr/>
+        <p:txBody>
+          <a:bodyPr/>
+          <a:lstStyle/>
+          <a:p>
+            <a:r>
+              <a:rPr lang="es-ES" dirty="0"/>
+              <a:t>Peticiones HTTP</a:t>
+            </a:r>
+          </a:p>
+        </p:txBody>
+      </p:sp>
+      <p:sp>
+        <p:nvSpPr>
+          <p:cNvPr id="4" name="Marcador de número de diapositiva 3">
+            <a:extLst>
+              <a:ext uri="{FF2B5EF4-FFF2-40B4-BE49-F238E27FC236}">
+                <a16:creationId xmlns:a16="http://schemas.microsoft.com/office/drawing/2014/main" id="{7A64B2C2-C998-D14A-0669-49DB9014E397}"/>
+              </a:ext>
+            </a:extLst>
+          </p:cNvPr>
+          <p:cNvSpPr>
+            <a:spLocks noGrp="1"/>
+          </p:cNvSpPr>
+          <p:nvPr>
+            <p:ph type="sldNum" sz="quarter" idx="12"/>
+          </p:nvPr>
+        </p:nvSpPr>
+        <p:spPr/>
+        <p:txBody>
+          <a:bodyPr/>
+          <a:lstStyle/>
+          <a:p>
+            <a:fld id="{A6EC93C0-D482-4F60-811A-DF574DBC2A85}" type="slidenum">
+              <a:rPr lang="es-ES" smtClean="0"/>
+              <a:t>46</a:t>
+            </a:fld>
+            <a:endParaRPr lang="es-ES"/>
+          </a:p>
+        </p:txBody>
+      </p:sp>
+      <p:pic>
+        <p:nvPicPr>
+          <p:cNvPr id="8" name="Imagen 7">
+            <a:extLst>
+              <a:ext uri="{FF2B5EF4-FFF2-40B4-BE49-F238E27FC236}">
+                <a16:creationId xmlns:a16="http://schemas.microsoft.com/office/drawing/2014/main" id="{886FFFA2-C587-AD84-23C1-B69921B5CBFC}"/>
+              </a:ext>
+            </a:extLst>
+          </p:cNvPr>
+          <p:cNvPicPr>
+            <a:picLocks noChangeAspect="1"/>
+          </p:cNvPicPr>
+          <p:nvPr/>
+        </p:nvPicPr>
+        <p:blipFill>
+          <a:blip r:embed="rId2"/>
+          <a:stretch>
+            <a:fillRect/>
+          </a:stretch>
+        </p:blipFill>
+        <p:spPr>
+          <a:xfrm>
+            <a:off x="962626" y="1664219"/>
+            <a:ext cx="10391174" cy="4680444"/>
+          </a:xfrm>
+          <a:prstGeom prst="rect">
+            <a:avLst/>
+          </a:prstGeom>
+        </p:spPr>
+      </p:pic>
+    </p:spTree>
+    <p:extLst>
+      <p:ext uri="{BB962C8B-B14F-4D97-AF65-F5344CB8AC3E}">
+        <p14:creationId xmlns:p14="http://schemas.microsoft.com/office/powerpoint/2010/main" val="2983017815"/>
+      </p:ext>
+    </p:extLst>
+  </p:cSld>
+  <p:clrMapOvr>
+    <a:masterClrMapping/>
+  </p:clrMapOvr>
+</p:sld>
+</file>
+
+<file path=ppt/slides/slide47.xml><?xml version="1.0" encoding="utf-8"?>
+<p:sld xmlns:a="http://schemas.openxmlformats.org/drawingml/2006/main" xmlns:r="http://schemas.openxmlformats.org/officeDocument/2006/relationships" xmlns:p="http://schemas.openxmlformats.org/presentationml/2006/main">
+  <p:cSld>
+    <p:spTree>
+      <p:nvGrpSpPr>
+        <p:cNvPr id="1" name=""/>
+        <p:cNvGrpSpPr/>
+        <p:nvPr/>
+      </p:nvGrpSpPr>
+      <p:grpSpPr>
+        <a:xfrm>
+          <a:off x="0" y="0"/>
+          <a:ext cx="0" cy="0"/>
+          <a:chOff x="0" y="0"/>
+          <a:chExt cx="0" cy="0"/>
+        </a:xfrm>
+      </p:grpSpPr>
+      <p:sp>
+        <p:nvSpPr>
+          <p:cNvPr id="2" name="Título 1">
+            <a:extLst>
+              <a:ext uri="{FF2B5EF4-FFF2-40B4-BE49-F238E27FC236}">
+                <a16:creationId xmlns:a16="http://schemas.microsoft.com/office/drawing/2014/main" id="{3D9965F4-B948-7834-635A-F8DBA9AED5D6}"/>
+              </a:ext>
+            </a:extLst>
+          </p:cNvPr>
+          <p:cNvSpPr>
+            <a:spLocks noGrp="1"/>
+          </p:cNvSpPr>
+          <p:nvPr>
+            <p:ph type="title"/>
+          </p:nvPr>
+        </p:nvSpPr>
+        <p:spPr/>
+        <p:txBody>
+          <a:bodyPr/>
+          <a:lstStyle/>
+          <a:p>
+            <a:r>
+              <a:rPr lang="es-ES" dirty="0"/>
+              <a:t>Ejemplos</a:t>
+            </a:r>
+          </a:p>
+        </p:txBody>
+      </p:sp>
+      <p:sp>
+        <p:nvSpPr>
+          <p:cNvPr id="3" name="Marcador de contenido 2">
+            <a:extLst>
+              <a:ext uri="{FF2B5EF4-FFF2-40B4-BE49-F238E27FC236}">
+                <a16:creationId xmlns:a16="http://schemas.microsoft.com/office/drawing/2014/main" id="{55222298-4B62-B1A4-9EC3-57B90558661F}"/>
+              </a:ext>
+            </a:extLst>
+          </p:cNvPr>
+          <p:cNvSpPr>
+            <a:spLocks noGrp="1"/>
+          </p:cNvSpPr>
+          <p:nvPr>
+            <p:ph idx="1"/>
+          </p:nvPr>
+        </p:nvSpPr>
+        <p:spPr/>
+        <p:txBody>
+          <a:bodyPr>
+            <a:normAutofit lnSpcReduction="10000"/>
+          </a:bodyPr>
+          <a:lstStyle/>
+          <a:p>
+            <a:r>
+              <a:rPr lang="es-ES" b="1" dirty="0"/>
+              <a:t>GET</a:t>
+            </a:r>
+            <a:r>
+              <a:rPr lang="es-ES" dirty="0"/>
+              <a:t> /libros → devuelve la lista de libros.</a:t>
+            </a:r>
+          </a:p>
+          <a:p>
+            <a:endParaRPr lang="es-ES" dirty="0"/>
+          </a:p>
+          <a:p>
+            <a:r>
+              <a:rPr lang="es-ES" b="1" dirty="0"/>
+              <a:t>GET</a:t>
+            </a:r>
+            <a:r>
+              <a:rPr lang="es-ES" dirty="0"/>
+              <a:t> /libros/123 → devuelve el libro con ID 123.</a:t>
+            </a:r>
+          </a:p>
+          <a:p>
+            <a:endParaRPr lang="es-ES" dirty="0"/>
+          </a:p>
+          <a:p>
+            <a:r>
+              <a:rPr lang="es-ES" b="1" dirty="0"/>
+              <a:t>POST</a:t>
+            </a:r>
+            <a:r>
+              <a:rPr lang="es-ES" dirty="0"/>
+              <a:t> /libros → crea un nuevo libro (con datos en el cuerpo).</a:t>
+            </a:r>
+          </a:p>
+          <a:p>
+            <a:endParaRPr lang="es-ES" dirty="0"/>
+          </a:p>
+          <a:p>
+            <a:r>
+              <a:rPr lang="es-ES" b="1" dirty="0"/>
+              <a:t>PUT</a:t>
+            </a:r>
+            <a:r>
+              <a:rPr lang="es-ES" dirty="0"/>
+              <a:t> /libros/123 → actualiza el libro con ID 123.</a:t>
+            </a:r>
+          </a:p>
+          <a:p>
+            <a:endParaRPr lang="es-ES" dirty="0"/>
+          </a:p>
+          <a:p>
+            <a:r>
+              <a:rPr lang="es-ES" b="1" dirty="0"/>
+              <a:t>DELETE</a:t>
+            </a:r>
+            <a:r>
+              <a:rPr lang="es-ES" dirty="0"/>
+              <a:t> /libros/123 → elimina el libro con ID 123.</a:t>
+            </a:r>
+          </a:p>
+        </p:txBody>
+      </p:sp>
+      <p:sp>
+        <p:nvSpPr>
+          <p:cNvPr id="4" name="Marcador de número de diapositiva 3">
+            <a:extLst>
+              <a:ext uri="{FF2B5EF4-FFF2-40B4-BE49-F238E27FC236}">
+                <a16:creationId xmlns:a16="http://schemas.microsoft.com/office/drawing/2014/main" id="{FD362681-EA3E-C9D9-8FED-3C39AAED621E}"/>
+              </a:ext>
+            </a:extLst>
+          </p:cNvPr>
+          <p:cNvSpPr>
+            <a:spLocks noGrp="1"/>
+          </p:cNvSpPr>
+          <p:nvPr>
+            <p:ph type="sldNum" sz="quarter" idx="12"/>
+          </p:nvPr>
+        </p:nvSpPr>
+        <p:spPr/>
+        <p:txBody>
+          <a:bodyPr/>
+          <a:lstStyle/>
+          <a:p>
+            <a:fld id="{A6EC93C0-D482-4F60-811A-DF574DBC2A85}" type="slidenum">
+              <a:rPr lang="es-ES" smtClean="0"/>
+              <a:t>47</a:t>
+            </a:fld>
+            <a:endParaRPr lang="es-ES"/>
+          </a:p>
+        </p:txBody>
+      </p:sp>
+    </p:spTree>
+    <p:extLst>
+      <p:ext uri="{BB962C8B-B14F-4D97-AF65-F5344CB8AC3E}">
+        <p14:creationId xmlns:p14="http://schemas.microsoft.com/office/powerpoint/2010/main" val="3137167627"/>
+      </p:ext>
+    </p:extLst>
+  </p:cSld>
+  <p:clrMapOvr>
+    <a:masterClrMapping/>
+  </p:clrMapOvr>
+</p:sld>
+</file>
+
+<file path=ppt/slides/slide48.xml><?xml version="1.0" encoding="utf-8"?>
+<p:sld xmlns:a="http://schemas.openxmlformats.org/drawingml/2006/main" xmlns:r="http://schemas.openxmlformats.org/officeDocument/2006/relationships" xmlns:p="http://schemas.openxmlformats.org/presentationml/2006/main">
+  <p:cSld>
+    <p:spTree>
+      <p:nvGrpSpPr>
+        <p:cNvPr id="1" name=""/>
+        <p:cNvGrpSpPr/>
+        <p:nvPr/>
+      </p:nvGrpSpPr>
+      <p:grpSpPr>
+        <a:xfrm>
+          <a:off x="0" y="0"/>
+          <a:ext cx="0" cy="0"/>
+          <a:chOff x="0" y="0"/>
+          <a:chExt cx="0" cy="0"/>
+        </a:xfrm>
+      </p:grpSpPr>
+      <p:sp>
+        <p:nvSpPr>
+          <p:cNvPr id="5" name="Título 4">
+            <a:extLst>
+              <a:ext uri="{FF2B5EF4-FFF2-40B4-BE49-F238E27FC236}">
+                <a16:creationId xmlns:a16="http://schemas.microsoft.com/office/drawing/2014/main" id="{21369683-B4CD-FBB5-1978-2064899F837C}"/>
+              </a:ext>
+            </a:extLst>
+          </p:cNvPr>
+          <p:cNvSpPr>
+            <a:spLocks noGrp="1"/>
+          </p:cNvSpPr>
+          <p:nvPr>
+            <p:ph type="ctrTitle"/>
+          </p:nvPr>
+        </p:nvSpPr>
+        <p:spPr>
+          <a:xfrm>
+            <a:off x="1524000" y="2027137"/>
+            <a:ext cx="9144000" cy="2387600"/>
+          </a:xfrm>
+        </p:spPr>
+        <p:txBody>
+          <a:bodyPr>
+            <a:normAutofit/>
+          </a:bodyPr>
+          <a:lstStyle/>
+          <a:p>
+            <a:r>
+              <a:rPr lang="es-ES" b="1" dirty="0"/>
+              <a:t>Serialización  / Deserialización con JSON</a:t>
+            </a:r>
+          </a:p>
+        </p:txBody>
+      </p:sp>
+      <p:sp>
+        <p:nvSpPr>
+          <p:cNvPr id="4" name="Marcador de número de diapositiva 3">
+            <a:extLst>
+              <a:ext uri="{FF2B5EF4-FFF2-40B4-BE49-F238E27FC236}">
+                <a16:creationId xmlns:a16="http://schemas.microsoft.com/office/drawing/2014/main" id="{A08EB8E6-7293-B599-9557-C43F1852FF50}"/>
+              </a:ext>
+            </a:extLst>
+          </p:cNvPr>
+          <p:cNvSpPr>
+            <a:spLocks noGrp="1"/>
+          </p:cNvSpPr>
+          <p:nvPr>
+            <p:ph type="sldNum" sz="quarter" idx="12"/>
+          </p:nvPr>
+        </p:nvSpPr>
+        <p:spPr/>
+        <p:txBody>
+          <a:bodyPr/>
+          <a:lstStyle/>
+          <a:p>
+            <a:fld id="{FE1ACEE4-8B3E-4875-98A0-9A2521022ECF}" type="slidenum">
+              <a:rPr lang="es-ES" smtClean="0"/>
+              <a:t>48</a:t>
+            </a:fld>
+            <a:endParaRPr lang="es-ES"/>
+          </a:p>
+        </p:txBody>
+      </p:sp>
+    </p:spTree>
+    <p:extLst>
+      <p:ext uri="{BB962C8B-B14F-4D97-AF65-F5344CB8AC3E}">
+        <p14:creationId xmlns:p14="http://schemas.microsoft.com/office/powerpoint/2010/main" val="1840557362"/>
+      </p:ext>
+    </p:extLst>
+  </p:cSld>
+  <p:clrMapOvr>
+    <a:masterClrMapping/>
+  </p:clrMapOvr>
+</p:sld>
+</file>
+
+<file path=ppt/slides/slide49.xml><?xml version="1.0" encoding="utf-8"?>
+<p:sld xmlns:a="http://schemas.openxmlformats.org/drawingml/2006/main" xmlns:r="http://schemas.openxmlformats.org/officeDocument/2006/relationships" xmlns:p="http://schemas.openxmlformats.org/presentationml/2006/main">
+  <p:cSld>
+    <p:spTree>
+      <p:nvGrpSpPr>
+        <p:cNvPr id="1" name=""/>
+        <p:cNvGrpSpPr/>
+        <p:nvPr/>
+      </p:nvGrpSpPr>
+      <p:grpSpPr>
+        <a:xfrm>
+          <a:off x="0" y="0"/>
+          <a:ext cx="0" cy="0"/>
+          <a:chOff x="0" y="0"/>
+          <a:chExt cx="0" cy="0"/>
+        </a:xfrm>
+      </p:grpSpPr>
+      <p:sp>
+        <p:nvSpPr>
+          <p:cNvPr id="2" name="Título 1">
+            <a:extLst>
+              <a:ext uri="{FF2B5EF4-FFF2-40B4-BE49-F238E27FC236}">
+                <a16:creationId xmlns:a16="http://schemas.microsoft.com/office/drawing/2014/main" id="{476BE716-0CD4-B975-45DE-B0BC7C04EAD0}"/>
+              </a:ext>
+            </a:extLst>
+          </p:cNvPr>
+          <p:cNvSpPr>
+            <a:spLocks noGrp="1"/>
+          </p:cNvSpPr>
+          <p:nvPr>
+            <p:ph type="title"/>
+          </p:nvPr>
+        </p:nvSpPr>
+        <p:spPr/>
+        <p:txBody>
+          <a:bodyPr/>
+          <a:lstStyle/>
+          <a:p>
+            <a:r>
+              <a:rPr lang="es-ES" dirty="0" err="1"/>
+              <a:t>Parsear</a:t>
+            </a:r>
+            <a:r>
+              <a:rPr lang="es-ES" dirty="0"/>
+              <a:t> datos en </a:t>
+            </a:r>
+            <a:r>
+              <a:rPr lang="es-ES" dirty="0" err="1"/>
+              <a:t>Json</a:t>
+            </a:r>
+            <a:endParaRPr lang="es-ES" dirty="0"/>
+          </a:p>
+        </p:txBody>
+      </p:sp>
+      <p:sp>
+        <p:nvSpPr>
+          <p:cNvPr id="3" name="Marcador de contenido 2">
+            <a:extLst>
+              <a:ext uri="{FF2B5EF4-FFF2-40B4-BE49-F238E27FC236}">
+                <a16:creationId xmlns:a16="http://schemas.microsoft.com/office/drawing/2014/main" id="{43CA018E-4290-D7B0-B519-09B20D72516B}"/>
+              </a:ext>
+            </a:extLst>
+          </p:cNvPr>
+          <p:cNvSpPr>
+            <a:spLocks noGrp="1"/>
+          </p:cNvSpPr>
+          <p:nvPr>
+            <p:ph idx="1"/>
+          </p:nvPr>
+        </p:nvSpPr>
+        <p:spPr/>
+        <p:txBody>
+          <a:bodyPr/>
+          <a:lstStyle/>
+          <a:p>
+            <a:r>
+              <a:rPr lang="es-ES" dirty="0"/>
+              <a:t>Librería: </a:t>
+            </a:r>
+            <a:r>
+              <a:rPr lang="es-ES" b="1" dirty="0" err="1"/>
+              <a:t>nlohmann-json</a:t>
+            </a:r>
+            <a:endParaRPr lang="es-ES" b="1" dirty="0"/>
+          </a:p>
+          <a:p>
+            <a:r>
+              <a:rPr lang="es-ES" b="1" dirty="0" err="1"/>
+              <a:t>vcpkg</a:t>
+            </a:r>
+            <a:r>
+              <a:rPr lang="es-ES" b="1" dirty="0"/>
+              <a:t> </a:t>
+            </a:r>
+            <a:r>
+              <a:rPr lang="es-ES" b="1" dirty="0" err="1"/>
+              <a:t>install</a:t>
+            </a:r>
+            <a:r>
+              <a:rPr lang="es-ES" b="1" dirty="0"/>
+              <a:t> </a:t>
+            </a:r>
+            <a:r>
+              <a:rPr lang="es-ES" b="1" dirty="0" err="1"/>
+              <a:t>nlohmann-json</a:t>
+            </a:r>
+            <a:endParaRPr lang="es-ES" b="1" dirty="0"/>
+          </a:p>
+          <a:p>
+            <a:r>
+              <a:rPr lang="es-ES" b="1" dirty="0" err="1"/>
+              <a:t>vcpkg</a:t>
+            </a:r>
+            <a:r>
+              <a:rPr lang="es-ES" b="1" dirty="0"/>
+              <a:t> </a:t>
+            </a:r>
+            <a:r>
+              <a:rPr lang="es-ES" b="1" dirty="0" err="1"/>
+              <a:t>integrate</a:t>
+            </a:r>
+            <a:r>
+              <a:rPr lang="es-ES" b="1" dirty="0"/>
+              <a:t> </a:t>
+            </a:r>
+            <a:r>
+              <a:rPr lang="es-ES" b="1" dirty="0" err="1"/>
+              <a:t>install</a:t>
+            </a:r>
+            <a:endParaRPr lang="es-ES" b="1" dirty="0"/>
+          </a:p>
+          <a:p>
+            <a:endParaRPr lang="es-ES" dirty="0"/>
+          </a:p>
+          <a:p>
+            <a:r>
+              <a:rPr lang="es-ES" dirty="0"/>
+              <a:t>En el proyecto hacemos referencia a:</a:t>
+            </a:r>
+          </a:p>
+          <a:p>
+            <a:r>
+              <a:rPr lang="es-ES" b="1" dirty="0"/>
+              <a:t>#include &lt;</a:t>
+            </a:r>
+            <a:r>
+              <a:rPr lang="es-ES" b="1" dirty="0" err="1"/>
+              <a:t>nlohmann</a:t>
+            </a:r>
+            <a:r>
+              <a:rPr lang="es-ES" b="1" dirty="0"/>
+              <a:t>/json.hpp&gt;</a:t>
+            </a:r>
+          </a:p>
+        </p:txBody>
+      </p:sp>
+      <p:sp>
+        <p:nvSpPr>
+          <p:cNvPr id="4" name="Marcador de número de diapositiva 3">
+            <a:extLst>
+              <a:ext uri="{FF2B5EF4-FFF2-40B4-BE49-F238E27FC236}">
+                <a16:creationId xmlns:a16="http://schemas.microsoft.com/office/drawing/2014/main" id="{1E37B480-7C4B-2232-31C7-AD8F9586F7B7}"/>
+              </a:ext>
+            </a:extLst>
+          </p:cNvPr>
+          <p:cNvSpPr>
+            <a:spLocks noGrp="1"/>
+          </p:cNvSpPr>
+          <p:nvPr>
+            <p:ph type="sldNum" sz="quarter" idx="12"/>
+          </p:nvPr>
+        </p:nvSpPr>
+        <p:spPr/>
+        <p:txBody>
+          <a:bodyPr/>
+          <a:lstStyle/>
+          <a:p>
+            <a:fld id="{FE1ACEE4-8B3E-4875-98A0-9A2521022ECF}" type="slidenum">
+              <a:rPr lang="es-ES" smtClean="0"/>
+              <a:t>49</a:t>
+            </a:fld>
+            <a:endParaRPr lang="es-ES"/>
+          </a:p>
+        </p:txBody>
+      </p:sp>
+    </p:spTree>
+    <p:extLst>
+      <p:ext uri="{BB962C8B-B14F-4D97-AF65-F5344CB8AC3E}">
+        <p14:creationId xmlns:p14="http://schemas.microsoft.com/office/powerpoint/2010/main" val="3369341525"/>
+      </p:ext>
+    </p:extLst>
+  </p:cSld>
+  <p:clrMapOvr>
+    <a:masterClrMapping/>
+  </p:clrMapOvr>
+</p:sld>
+</file>
+
+<file path=ppt/slides/slide5.xml><?xml version="1.0" encoding="utf-8"?>
+<p:sld xmlns:a="http://schemas.openxmlformats.org/drawingml/2006/main" xmlns:r="http://schemas.openxmlformats.org/officeDocument/2006/relationships" xmlns:p="http://schemas.openxmlformats.org/presentationml/2006/main">
+  <p:cSld>
+    <p:spTree>
+      <p:nvGrpSpPr>
+        <p:cNvPr id="1" name=""/>
+        <p:cNvGrpSpPr/>
+        <p:nvPr/>
+      </p:nvGrpSpPr>
+      <p:grpSpPr>
+        <a:xfrm>
+          <a:off x="0" y="0"/>
+          <a:ext cx="0" cy="0"/>
+          <a:chOff x="0" y="0"/>
+          <a:chExt cx="0" cy="0"/>
+        </a:xfrm>
+      </p:grpSpPr>
+      <p:sp>
+        <p:nvSpPr>
+          <p:cNvPr id="2" name="Título 1">
+            <a:extLst>
+              <a:ext uri="{FF2B5EF4-FFF2-40B4-BE49-F238E27FC236}">
+                <a16:creationId xmlns:a16="http://schemas.microsoft.com/office/drawing/2014/main" id="{EA701376-8342-4B48-B12F-FD13990FD2CF}"/>
+              </a:ext>
+            </a:extLst>
+          </p:cNvPr>
+          <p:cNvSpPr>
+            <a:spLocks noGrp="1"/>
+          </p:cNvSpPr>
+          <p:nvPr>
+            <p:ph type="title"/>
+          </p:nvPr>
+        </p:nvSpPr>
+        <p:spPr/>
+        <p:txBody>
+          <a:bodyPr/>
+          <a:lstStyle/>
+          <a:p>
+            <a:r>
+              <a:rPr lang="es-ES" dirty="0"/>
+              <a:t>Características de la librería</a:t>
+            </a:r>
+          </a:p>
+        </p:txBody>
+      </p:sp>
+      <p:sp>
+        <p:nvSpPr>
+          <p:cNvPr id="3" name="Marcador de contenido 2">
+            <a:extLst>
+              <a:ext uri="{FF2B5EF4-FFF2-40B4-BE49-F238E27FC236}">
+                <a16:creationId xmlns:a16="http://schemas.microsoft.com/office/drawing/2014/main" id="{5231B51C-0D87-EC2A-3EC4-0DC40C523E3D}"/>
+              </a:ext>
+            </a:extLst>
+          </p:cNvPr>
+          <p:cNvSpPr>
+            <a:spLocks noGrp="1"/>
+          </p:cNvSpPr>
+          <p:nvPr>
+            <p:ph idx="1"/>
+          </p:nvPr>
+        </p:nvSpPr>
+        <p:spPr/>
+        <p:txBody>
+          <a:bodyPr/>
+          <a:lstStyle/>
+          <a:p>
+            <a:r>
+              <a:rPr lang="es-ES" dirty="0" err="1"/>
+              <a:t>Boost.Beast</a:t>
+            </a:r>
+            <a:r>
+              <a:rPr lang="es-ES" dirty="0"/>
+              <a:t> es una biblioteca </a:t>
+            </a:r>
+            <a:r>
+              <a:rPr lang="es-ES" b="1" dirty="0" err="1"/>
+              <a:t>header-only</a:t>
+            </a:r>
+            <a:r>
+              <a:rPr lang="es-ES" dirty="0"/>
+              <a:t> (solo incluye cabeceras, no requiere compilación previa) que proporciona componentes de bajo nivel para manejar protocolos de red como </a:t>
+            </a:r>
+            <a:r>
+              <a:rPr lang="es-ES" b="1" dirty="0"/>
+              <a:t>HTTP/1</a:t>
+            </a:r>
+            <a:r>
+              <a:rPr lang="es-ES" dirty="0"/>
+              <a:t> y </a:t>
+            </a:r>
+            <a:r>
+              <a:rPr lang="es-ES" b="1" dirty="0" err="1"/>
+              <a:t>WebSocket</a:t>
+            </a:r>
+            <a:r>
+              <a:rPr lang="es-ES" dirty="0"/>
+              <a:t>, </a:t>
+            </a:r>
+          </a:p>
+          <a:p>
+            <a:endParaRPr lang="es-ES" dirty="0"/>
+          </a:p>
+          <a:p>
+            <a:r>
+              <a:rPr lang="es-ES" dirty="0"/>
+              <a:t>Con soporte para operaciones </a:t>
+            </a:r>
+            <a:r>
+              <a:rPr lang="es-ES" b="1" dirty="0"/>
+              <a:t>síncronas</a:t>
+            </a:r>
+            <a:r>
+              <a:rPr lang="es-ES" dirty="0"/>
+              <a:t> y </a:t>
+            </a:r>
+            <a:r>
+              <a:rPr lang="es-ES" b="1" dirty="0"/>
+              <a:t>asíncronas</a:t>
+            </a:r>
+          </a:p>
+        </p:txBody>
+      </p:sp>
+      <p:sp>
+        <p:nvSpPr>
+          <p:cNvPr id="4" name="Marcador de número de diapositiva 3">
+            <a:extLst>
+              <a:ext uri="{FF2B5EF4-FFF2-40B4-BE49-F238E27FC236}">
+                <a16:creationId xmlns:a16="http://schemas.microsoft.com/office/drawing/2014/main" id="{A9E9BCCB-0FE7-90D1-92A5-5D2B007F2418}"/>
+              </a:ext>
+            </a:extLst>
+          </p:cNvPr>
+          <p:cNvSpPr>
+            <a:spLocks noGrp="1"/>
+          </p:cNvSpPr>
+          <p:nvPr>
+            <p:ph type="sldNum" sz="quarter" idx="12"/>
+          </p:nvPr>
+        </p:nvSpPr>
+        <p:spPr/>
+        <p:txBody>
+          <a:bodyPr/>
+          <a:lstStyle/>
+          <a:p>
+            <a:fld id="{A6EC93C0-D482-4F60-811A-DF574DBC2A85}" type="slidenum">
+              <a:rPr lang="es-ES" smtClean="0"/>
+              <a:t>5</a:t>
+            </a:fld>
+            <a:endParaRPr lang="es-ES"/>
+          </a:p>
+        </p:txBody>
+      </p:sp>
+    </p:spTree>
+    <p:extLst>
+      <p:ext uri="{BB962C8B-B14F-4D97-AF65-F5344CB8AC3E}">
+        <p14:creationId xmlns:p14="http://schemas.microsoft.com/office/powerpoint/2010/main" val="680178201"/>
+      </p:ext>
+    </p:extLst>
+  </p:cSld>
+  <p:clrMapOvr>
+    <a:masterClrMapping/>
+  </p:clrMapOvr>
+</p:sld>
+</file>
+
+<file path=ppt/slides/slide50.xml><?xml version="1.0" encoding="utf-8"?>
+<p:sld xmlns:a="http://schemas.openxmlformats.org/drawingml/2006/main" xmlns:r="http://schemas.openxmlformats.org/officeDocument/2006/relationships" xmlns:p="http://schemas.openxmlformats.org/presentationml/2006/main">
+  <p:cSld>
+    <p:spTree>
+      <p:nvGrpSpPr>
+        <p:cNvPr id="1" name=""/>
+        <p:cNvGrpSpPr/>
+        <p:nvPr/>
+      </p:nvGrpSpPr>
+      <p:grpSpPr>
+        <a:xfrm>
+          <a:off x="0" y="0"/>
+          <a:ext cx="0" cy="0"/>
+          <a:chOff x="0" y="0"/>
+          <a:chExt cx="0" cy="0"/>
+        </a:xfrm>
+      </p:grpSpPr>
+      <p:sp>
+        <p:nvSpPr>
+          <p:cNvPr id="2" name="Título 1">
+            <a:extLst>
+              <a:ext uri="{FF2B5EF4-FFF2-40B4-BE49-F238E27FC236}">
+                <a16:creationId xmlns:a16="http://schemas.microsoft.com/office/drawing/2014/main" id="{9EC9EB1A-867E-003C-D332-005F2D874478}"/>
+              </a:ext>
+            </a:extLst>
+          </p:cNvPr>
+          <p:cNvSpPr>
+            <a:spLocks noGrp="1"/>
+          </p:cNvSpPr>
+          <p:nvPr>
+            <p:ph type="title"/>
+          </p:nvPr>
+        </p:nvSpPr>
+        <p:spPr>
+          <a:xfrm>
+            <a:off x="10124388" y="0"/>
+            <a:ext cx="2067612" cy="492714"/>
+          </a:xfrm>
+        </p:spPr>
+        <p:txBody>
+          <a:bodyPr>
+            <a:normAutofit fontScale="90000"/>
+          </a:bodyPr>
+          <a:lstStyle/>
+          <a:p>
+            <a:r>
+              <a:rPr lang="es-ES" dirty="0"/>
+              <a:t>Ejemplo</a:t>
+            </a:r>
+          </a:p>
+        </p:txBody>
+      </p:sp>
+      <p:sp>
+        <p:nvSpPr>
+          <p:cNvPr id="3" name="Marcador de contenido 2">
+            <a:extLst>
+              <a:ext uri="{FF2B5EF4-FFF2-40B4-BE49-F238E27FC236}">
+                <a16:creationId xmlns:a16="http://schemas.microsoft.com/office/drawing/2014/main" id="{A0E470A9-CB26-A2D8-918F-BDCFB67974B1}"/>
+              </a:ext>
+            </a:extLst>
+          </p:cNvPr>
+          <p:cNvSpPr>
+            <a:spLocks noGrp="1"/>
+          </p:cNvSpPr>
+          <p:nvPr>
+            <p:ph idx="1"/>
+          </p:nvPr>
+        </p:nvSpPr>
+        <p:spPr>
+          <a:xfrm>
+            <a:off x="838200" y="136524"/>
+            <a:ext cx="10719062" cy="6452811"/>
+          </a:xfrm>
+        </p:spPr>
+        <p:txBody>
+          <a:bodyPr>
+            <a:noAutofit/>
+          </a:bodyPr>
+          <a:lstStyle/>
+          <a:p>
+            <a:pPr marL="0" indent="0">
+              <a:buNone/>
+            </a:pPr>
+            <a:r>
+              <a:rPr lang="es-ES" sz="2400" dirty="0"/>
+              <a:t>#include &lt;iostream&gt;</a:t>
+            </a:r>
+          </a:p>
+          <a:p>
+            <a:pPr marL="0" indent="0">
+              <a:buNone/>
+            </a:pPr>
+            <a:r>
+              <a:rPr lang="es-ES" sz="2400" dirty="0"/>
+              <a:t>#include &lt;</a:t>
+            </a:r>
+            <a:r>
+              <a:rPr lang="es-ES" sz="2400" dirty="0" err="1"/>
+              <a:t>sstream</a:t>
+            </a:r>
+            <a:r>
+              <a:rPr lang="es-ES" sz="2400" dirty="0"/>
+              <a:t>&gt;</a:t>
+            </a:r>
+          </a:p>
+          <a:p>
+            <a:pPr marL="0" indent="0">
+              <a:buNone/>
+            </a:pPr>
+            <a:r>
+              <a:rPr lang="es-ES" sz="2400" dirty="0"/>
+              <a:t>#include &lt;</a:t>
+            </a:r>
+            <a:r>
+              <a:rPr lang="es-ES" sz="2400" dirty="0" err="1"/>
+              <a:t>nlohmann</a:t>
+            </a:r>
+            <a:r>
+              <a:rPr lang="es-ES" sz="2400" dirty="0"/>
+              <a:t>/json.hpp&gt;</a:t>
+            </a:r>
+          </a:p>
+          <a:p>
+            <a:pPr marL="0" indent="0">
+              <a:buNone/>
+            </a:pPr>
+            <a:endParaRPr lang="es-ES" sz="2400" dirty="0"/>
+          </a:p>
+          <a:p>
+            <a:pPr marL="0" indent="0">
+              <a:buNone/>
+            </a:pPr>
+            <a:r>
+              <a:rPr lang="es-ES" sz="2400" dirty="0" err="1"/>
+              <a:t>void</a:t>
+            </a:r>
+            <a:r>
+              <a:rPr lang="es-ES" sz="2400" dirty="0"/>
+              <a:t> </a:t>
+            </a:r>
+            <a:r>
+              <a:rPr lang="es-ES" sz="2400" dirty="0" err="1"/>
+              <a:t>testJson</a:t>
+            </a:r>
+            <a:r>
+              <a:rPr lang="es-ES" sz="2400" dirty="0"/>
+              <a:t>() {</a:t>
+            </a:r>
+          </a:p>
+          <a:p>
+            <a:pPr marL="0" indent="0">
+              <a:buNone/>
+            </a:pPr>
+            <a:r>
+              <a:rPr lang="es-ES" sz="2400" b="1" dirty="0"/>
+              <a:t>    </a:t>
+            </a:r>
+            <a:r>
+              <a:rPr lang="es-ES" sz="2400" b="1" dirty="0" err="1"/>
+              <a:t>nlohmann</a:t>
+            </a:r>
+            <a:r>
+              <a:rPr lang="es-ES" sz="2400" b="1" dirty="0"/>
+              <a:t>::</a:t>
+            </a:r>
+            <a:r>
+              <a:rPr lang="es-ES" sz="2400" b="1" dirty="0" err="1"/>
+              <a:t>json</a:t>
+            </a:r>
+            <a:r>
+              <a:rPr lang="es-ES" sz="2400" b="1" dirty="0"/>
+              <a:t> </a:t>
+            </a:r>
+            <a:r>
+              <a:rPr lang="es-ES" sz="2400" b="1" dirty="0" err="1"/>
+              <a:t>doc</a:t>
+            </a:r>
+            <a:r>
+              <a:rPr lang="es-ES" sz="2400" b="1" dirty="0"/>
+              <a:t>;</a:t>
+            </a:r>
+          </a:p>
+          <a:p>
+            <a:pPr marL="0" indent="0">
+              <a:buNone/>
+            </a:pPr>
+            <a:endParaRPr lang="es-ES" sz="2400" dirty="0"/>
+          </a:p>
+          <a:p>
+            <a:pPr marL="0" indent="0">
+              <a:buNone/>
+            </a:pPr>
+            <a:r>
+              <a:rPr lang="es-ES" sz="2400" dirty="0"/>
+              <a:t>    </a:t>
+            </a:r>
+            <a:r>
+              <a:rPr lang="es-ES" sz="2400" dirty="0" err="1"/>
+              <a:t>doc</a:t>
+            </a:r>
+            <a:r>
+              <a:rPr lang="es-ES" sz="2400" dirty="0"/>
+              <a:t>["curso"] = "Microservicios en C++";</a:t>
+            </a:r>
+          </a:p>
+          <a:p>
+            <a:pPr marL="0" indent="0">
+              <a:buNone/>
+            </a:pPr>
+            <a:r>
+              <a:rPr lang="es-ES" sz="2400" dirty="0"/>
+              <a:t>    </a:t>
+            </a:r>
+            <a:r>
+              <a:rPr lang="es-ES" sz="2400" dirty="0" err="1"/>
+              <a:t>doc</a:t>
+            </a:r>
+            <a:r>
+              <a:rPr lang="es-ES" sz="2400" dirty="0"/>
+              <a:t>["horas"] = 25;</a:t>
+            </a:r>
+          </a:p>
+          <a:p>
+            <a:pPr marL="0" indent="0">
+              <a:buNone/>
+            </a:pPr>
+            <a:r>
+              <a:rPr lang="sv-SE" sz="2400" dirty="0"/>
+              <a:t>    doc["tecnologias"] = { "xml", "json", "rest", "soap" };</a:t>
+            </a:r>
+            <a:endParaRPr lang="es-ES" sz="2400" dirty="0"/>
+          </a:p>
+          <a:p>
+            <a:pPr marL="0" indent="0">
+              <a:buNone/>
+            </a:pPr>
+            <a:r>
+              <a:rPr lang="es-ES" sz="2400" dirty="0"/>
+              <a:t>    </a:t>
+            </a:r>
+            <a:r>
+              <a:rPr lang="es-ES" sz="2400" dirty="0" err="1"/>
+              <a:t>std</a:t>
+            </a:r>
+            <a:r>
+              <a:rPr lang="es-ES" sz="2400" dirty="0"/>
+              <a:t>::</a:t>
+            </a:r>
+            <a:r>
+              <a:rPr lang="es-ES" sz="2400" dirty="0" err="1"/>
+              <a:t>cout</a:t>
+            </a:r>
+            <a:r>
+              <a:rPr lang="es-ES" sz="2400" dirty="0"/>
+              <a:t> &lt;&lt; "</a:t>
+            </a:r>
+            <a:r>
+              <a:rPr lang="es-ES" sz="2400" dirty="0" err="1"/>
+              <a:t>Json</a:t>
+            </a:r>
+            <a:r>
+              <a:rPr lang="es-ES" sz="2400" dirty="0"/>
+              <a:t>: " &lt;&lt; </a:t>
+            </a:r>
+            <a:r>
+              <a:rPr lang="es-ES" sz="2400" dirty="0" err="1"/>
+              <a:t>doc.</a:t>
+            </a:r>
+            <a:r>
+              <a:rPr lang="es-ES" sz="2400" b="1" dirty="0" err="1"/>
+              <a:t>dump</a:t>
+            </a:r>
+            <a:r>
+              <a:rPr lang="es-ES" sz="2400" b="1" dirty="0"/>
+              <a:t>(4) </a:t>
+            </a:r>
+            <a:r>
+              <a:rPr lang="es-ES" sz="2400" dirty="0"/>
+              <a:t>&lt;&lt; </a:t>
+            </a:r>
+            <a:r>
+              <a:rPr lang="es-ES" sz="2400" dirty="0" err="1"/>
+              <a:t>std</a:t>
+            </a:r>
+            <a:r>
+              <a:rPr lang="es-ES" sz="2400" dirty="0"/>
+              <a:t>::</a:t>
+            </a:r>
+            <a:r>
+              <a:rPr lang="es-ES" sz="2400" dirty="0" err="1"/>
+              <a:t>endl</a:t>
+            </a:r>
+            <a:r>
+              <a:rPr lang="es-ES" sz="2400" dirty="0"/>
+              <a:t>;</a:t>
+            </a:r>
+          </a:p>
+          <a:p>
+            <a:pPr marL="0" indent="0">
+              <a:buNone/>
+            </a:pPr>
+            <a:r>
+              <a:rPr lang="es-ES" sz="2400" dirty="0"/>
+              <a:t>    </a:t>
+            </a:r>
+            <a:r>
+              <a:rPr lang="es-ES" sz="2400" dirty="0" err="1"/>
+              <a:t>std</a:t>
+            </a:r>
+            <a:r>
+              <a:rPr lang="es-ES" sz="2400" dirty="0"/>
+              <a:t>::</a:t>
+            </a:r>
+            <a:r>
+              <a:rPr lang="es-ES" sz="2400" dirty="0" err="1"/>
+              <a:t>cout</a:t>
+            </a:r>
+            <a:r>
+              <a:rPr lang="es-ES" sz="2400" dirty="0"/>
+              <a:t> &lt;&lt; "curso: " &lt;&lt; </a:t>
+            </a:r>
+            <a:r>
+              <a:rPr lang="es-ES" sz="2400" dirty="0" err="1"/>
+              <a:t>doc</a:t>
+            </a:r>
+            <a:r>
+              <a:rPr lang="es-ES" sz="2400" dirty="0"/>
+              <a:t>["curso"] &lt;&lt; </a:t>
+            </a:r>
+            <a:r>
+              <a:rPr lang="es-ES" sz="2400" dirty="0" err="1"/>
+              <a:t>std</a:t>
+            </a:r>
+            <a:r>
+              <a:rPr lang="es-ES" sz="2400" dirty="0"/>
+              <a:t>::</a:t>
+            </a:r>
+            <a:r>
+              <a:rPr lang="es-ES" sz="2400" dirty="0" err="1"/>
+              <a:t>endl</a:t>
+            </a:r>
+            <a:r>
+              <a:rPr lang="es-ES" sz="2400" dirty="0"/>
+              <a:t>;</a:t>
+            </a:r>
+          </a:p>
+          <a:p>
+            <a:pPr marL="0" indent="0">
+              <a:buNone/>
+            </a:pPr>
+            <a:r>
+              <a:rPr lang="es-ES" sz="2400" dirty="0"/>
+              <a:t>}</a:t>
+            </a:r>
+          </a:p>
+          <a:p>
+            <a:endParaRPr lang="es-ES" sz="1400" dirty="0"/>
+          </a:p>
+          <a:p>
+            <a:endParaRPr lang="es-ES" sz="1400" dirty="0"/>
+          </a:p>
+        </p:txBody>
+      </p:sp>
+      <p:sp>
+        <p:nvSpPr>
+          <p:cNvPr id="4" name="Marcador de número de diapositiva 3">
+            <a:extLst>
+              <a:ext uri="{FF2B5EF4-FFF2-40B4-BE49-F238E27FC236}">
+                <a16:creationId xmlns:a16="http://schemas.microsoft.com/office/drawing/2014/main" id="{73550AC7-9935-49B4-BDB6-AA040E25C44F}"/>
+              </a:ext>
+            </a:extLst>
+          </p:cNvPr>
+          <p:cNvSpPr>
+            <a:spLocks noGrp="1"/>
+          </p:cNvSpPr>
+          <p:nvPr>
+            <p:ph type="sldNum" sz="quarter" idx="12"/>
+          </p:nvPr>
+        </p:nvSpPr>
+        <p:spPr/>
+        <p:txBody>
+          <a:bodyPr/>
+          <a:lstStyle/>
+          <a:p>
+            <a:fld id="{FE1ACEE4-8B3E-4875-98A0-9A2521022ECF}" type="slidenum">
+              <a:rPr lang="es-ES" smtClean="0"/>
+              <a:t>50</a:t>
+            </a:fld>
+            <a:endParaRPr lang="es-ES"/>
+          </a:p>
+        </p:txBody>
+      </p:sp>
+    </p:spTree>
+    <p:extLst>
+      <p:ext uri="{BB962C8B-B14F-4D97-AF65-F5344CB8AC3E}">
+        <p14:creationId xmlns:p14="http://schemas.microsoft.com/office/powerpoint/2010/main" val="2675076822"/>
+      </p:ext>
+    </p:extLst>
+  </p:cSld>
+  <p:clrMapOvr>
+    <a:masterClrMapping/>
+  </p:clrMapOvr>
+</p:sld>
+</file>
+
+<file path=ppt/slides/slide51.xml><?xml version="1.0" encoding="utf-8"?>
+<p:sld xmlns:a="http://schemas.openxmlformats.org/drawingml/2006/main" xmlns:r="http://schemas.openxmlformats.org/officeDocument/2006/relationships" xmlns:p="http://schemas.openxmlformats.org/presentationml/2006/main">
+  <p:cSld>
+    <p:spTree>
+      <p:nvGrpSpPr>
+        <p:cNvPr id="1" name=""/>
+        <p:cNvGrpSpPr/>
+        <p:nvPr/>
+      </p:nvGrpSpPr>
+      <p:grpSpPr>
+        <a:xfrm>
+          <a:off x="0" y="0"/>
+          <a:ext cx="0" cy="0"/>
+          <a:chOff x="0" y="0"/>
+          <a:chExt cx="0" cy="0"/>
+        </a:xfrm>
+      </p:grpSpPr>
+      <p:sp>
+        <p:nvSpPr>
+          <p:cNvPr id="2" name="Título 1">
+            <a:extLst>
+              <a:ext uri="{FF2B5EF4-FFF2-40B4-BE49-F238E27FC236}">
+                <a16:creationId xmlns:a16="http://schemas.microsoft.com/office/drawing/2014/main" id="{C4B52513-BBF4-BFDE-CA2D-C15AA2CD79C9}"/>
+              </a:ext>
+            </a:extLst>
+          </p:cNvPr>
+          <p:cNvSpPr>
+            <a:spLocks noGrp="1"/>
+          </p:cNvSpPr>
+          <p:nvPr>
+            <p:ph type="title"/>
+          </p:nvPr>
+        </p:nvSpPr>
+        <p:spPr>
+          <a:xfrm>
+            <a:off x="9718249" y="0"/>
+            <a:ext cx="2473751" cy="577555"/>
+          </a:xfrm>
+        </p:spPr>
+        <p:txBody>
+          <a:bodyPr>
+            <a:normAutofit fontScale="90000"/>
+          </a:bodyPr>
+          <a:lstStyle/>
+          <a:p>
+            <a:r>
+              <a:rPr lang="es-ES" dirty="0"/>
+              <a:t>Ejemplo 2</a:t>
+            </a:r>
+          </a:p>
+        </p:txBody>
+      </p:sp>
+      <p:sp>
+        <p:nvSpPr>
+          <p:cNvPr id="3" name="Marcador de contenido 2">
+            <a:extLst>
+              <a:ext uri="{FF2B5EF4-FFF2-40B4-BE49-F238E27FC236}">
+                <a16:creationId xmlns:a16="http://schemas.microsoft.com/office/drawing/2014/main" id="{EFA8DB1B-1C9E-8B8F-FE61-55EAD05B31D0}"/>
+              </a:ext>
+            </a:extLst>
+          </p:cNvPr>
+          <p:cNvSpPr>
+            <a:spLocks noGrp="1"/>
+          </p:cNvSpPr>
+          <p:nvPr>
+            <p:ph idx="1"/>
+          </p:nvPr>
+        </p:nvSpPr>
+        <p:spPr>
+          <a:xfrm>
+            <a:off x="339365" y="301658"/>
+            <a:ext cx="11133056" cy="6202837"/>
+          </a:xfrm>
+        </p:spPr>
+        <p:txBody>
+          <a:bodyPr>
+            <a:normAutofit/>
+          </a:bodyPr>
+          <a:lstStyle/>
+          <a:p>
+            <a:pPr marL="0" indent="0">
+              <a:buNone/>
+            </a:pPr>
+            <a:endParaRPr lang="es-ES" dirty="0"/>
+          </a:p>
+          <a:p>
+            <a:pPr marL="0" indent="0">
+              <a:buNone/>
+            </a:pPr>
+            <a:r>
+              <a:rPr lang="es-ES" dirty="0" err="1"/>
+              <a:t>void</a:t>
+            </a:r>
+            <a:r>
+              <a:rPr lang="es-ES" dirty="0"/>
+              <a:t> </a:t>
+            </a:r>
+            <a:r>
+              <a:rPr lang="es-ES" dirty="0" err="1"/>
+              <a:t>strJson</a:t>
+            </a:r>
+            <a:r>
+              <a:rPr lang="es-ES" dirty="0"/>
+              <a:t>() {</a:t>
+            </a:r>
+          </a:p>
+          <a:p>
+            <a:pPr marL="0" indent="0">
+              <a:buNone/>
+            </a:pPr>
+            <a:r>
+              <a:rPr lang="it-IT" dirty="0"/>
+              <a:t>    // Se define una cadena Raw: con formato json</a:t>
+            </a:r>
+          </a:p>
+          <a:p>
+            <a:pPr marL="0" indent="0">
+              <a:buNone/>
+            </a:pPr>
+            <a:r>
+              <a:rPr lang="es-ES" dirty="0"/>
+              <a:t>    </a:t>
+            </a:r>
+            <a:r>
+              <a:rPr lang="es-ES" dirty="0" err="1"/>
+              <a:t>std</a:t>
+            </a:r>
+            <a:r>
+              <a:rPr lang="es-ES" dirty="0"/>
+              <a:t>::</a:t>
+            </a:r>
+            <a:r>
+              <a:rPr lang="es-ES" b="1" dirty="0" err="1"/>
+              <a:t>istringstream</a:t>
+            </a:r>
+            <a:r>
+              <a:rPr lang="es-ES" dirty="0"/>
+              <a:t> </a:t>
+            </a:r>
+            <a:r>
+              <a:rPr lang="es-ES" dirty="0" err="1"/>
+              <a:t>ss</a:t>
+            </a:r>
+            <a:r>
+              <a:rPr lang="es-ES" dirty="0"/>
+              <a:t>(R"({"nombre":"Ana","edad":28,</a:t>
+            </a:r>
+          </a:p>
+          <a:p>
+            <a:pPr marL="457200" lvl="1" indent="0">
+              <a:buNone/>
+            </a:pPr>
+            <a:r>
+              <a:rPr lang="es-ES" dirty="0"/>
+              <a:t>"intereses":["</a:t>
+            </a:r>
+            <a:r>
+              <a:rPr lang="es-ES" dirty="0" err="1"/>
+              <a:t>programacion</a:t>
+            </a:r>
+            <a:r>
+              <a:rPr lang="es-ES" dirty="0"/>
+              <a:t>","</a:t>
+            </a:r>
+            <a:r>
+              <a:rPr lang="es-ES" dirty="0" err="1"/>
+              <a:t>musica</a:t>
+            </a:r>
+            <a:r>
+              <a:rPr lang="es-ES" dirty="0"/>
+              <a:t>","senderismo"]})");</a:t>
+            </a:r>
+          </a:p>
+          <a:p>
+            <a:pPr marL="0" indent="0">
+              <a:buNone/>
+            </a:pPr>
+            <a:r>
+              <a:rPr lang="es-ES" dirty="0"/>
+              <a:t>    </a:t>
+            </a:r>
+            <a:r>
+              <a:rPr lang="es-ES" b="1" dirty="0" err="1"/>
+              <a:t>nlohmann</a:t>
+            </a:r>
+            <a:r>
+              <a:rPr lang="es-ES" b="1" dirty="0"/>
+              <a:t>::</a:t>
+            </a:r>
+            <a:r>
+              <a:rPr lang="es-ES" b="1" dirty="0" err="1"/>
+              <a:t>json</a:t>
+            </a:r>
+            <a:r>
+              <a:rPr lang="es-ES" b="1" dirty="0"/>
+              <a:t> </a:t>
+            </a:r>
+            <a:r>
+              <a:rPr lang="es-ES" dirty="0" err="1"/>
+              <a:t>doc</a:t>
+            </a:r>
+            <a:r>
+              <a:rPr lang="es-ES" dirty="0"/>
+              <a:t>;</a:t>
+            </a:r>
+          </a:p>
+          <a:p>
+            <a:pPr marL="0" indent="0">
+              <a:buNone/>
+            </a:pPr>
+            <a:endParaRPr lang="es-ES" dirty="0"/>
+          </a:p>
+          <a:p>
+            <a:pPr marL="0" indent="0">
+              <a:buNone/>
+            </a:pPr>
+            <a:r>
+              <a:rPr lang="es-ES" dirty="0"/>
+              <a:t>    // Se convierte a </a:t>
+            </a:r>
+            <a:r>
+              <a:rPr lang="es-ES" dirty="0" err="1"/>
+              <a:t>json</a:t>
+            </a:r>
+            <a:r>
+              <a:rPr lang="es-ES" dirty="0"/>
+              <a:t>: </a:t>
+            </a:r>
+          </a:p>
+          <a:p>
+            <a:pPr marL="0" indent="0">
+              <a:buNone/>
+            </a:pPr>
+            <a:r>
+              <a:rPr lang="es-ES" dirty="0"/>
+              <a:t>    </a:t>
+            </a:r>
+            <a:r>
+              <a:rPr lang="es-ES" dirty="0" err="1"/>
+              <a:t>ss</a:t>
+            </a:r>
+            <a:r>
+              <a:rPr lang="es-ES" dirty="0"/>
+              <a:t> </a:t>
+            </a:r>
+            <a:r>
+              <a:rPr lang="es-ES" b="1" dirty="0"/>
+              <a:t>&gt;&gt;</a:t>
+            </a:r>
+            <a:r>
+              <a:rPr lang="es-ES" dirty="0"/>
+              <a:t> </a:t>
+            </a:r>
+            <a:r>
+              <a:rPr lang="es-ES" dirty="0" err="1"/>
+              <a:t>doc</a:t>
+            </a:r>
+            <a:r>
+              <a:rPr lang="es-ES" dirty="0"/>
+              <a:t>;</a:t>
+            </a:r>
+          </a:p>
+          <a:p>
+            <a:pPr marL="0" indent="0">
+              <a:buNone/>
+            </a:pPr>
+            <a:r>
+              <a:rPr lang="fr-FR" dirty="0"/>
+              <a:t>    std::cout &lt;&lt; "nombre: " &lt;&lt; doc["nombre"] &lt;&lt; std::</a:t>
+            </a:r>
+            <a:r>
+              <a:rPr lang="fr-FR" dirty="0" err="1"/>
+              <a:t>endl</a:t>
+            </a:r>
+            <a:r>
+              <a:rPr lang="fr-FR" dirty="0"/>
+              <a:t>;</a:t>
+            </a:r>
+          </a:p>
+          <a:p>
+            <a:pPr marL="0" indent="0">
+              <a:buNone/>
+            </a:pPr>
+            <a:r>
+              <a:rPr lang="en-US" dirty="0"/>
+              <a:t>    std::</a:t>
+            </a:r>
+            <a:r>
+              <a:rPr lang="en-US" dirty="0" err="1"/>
+              <a:t>cout</a:t>
+            </a:r>
+            <a:r>
+              <a:rPr lang="en-US" dirty="0"/>
+              <a:t> &lt;&lt; doc &lt;&lt; std::</a:t>
+            </a:r>
+            <a:r>
+              <a:rPr lang="en-US" dirty="0" err="1"/>
+              <a:t>endl</a:t>
+            </a:r>
+            <a:r>
+              <a:rPr lang="en-US" dirty="0"/>
+              <a:t>;</a:t>
+            </a:r>
+            <a:endParaRPr lang="es-ES" dirty="0"/>
+          </a:p>
+          <a:p>
+            <a:pPr marL="0" indent="0">
+              <a:buNone/>
+            </a:pPr>
+            <a:r>
+              <a:rPr lang="es-ES" dirty="0"/>
+              <a:t>}</a:t>
+            </a:r>
+          </a:p>
+        </p:txBody>
+      </p:sp>
+      <p:sp>
+        <p:nvSpPr>
+          <p:cNvPr id="4" name="Marcador de número de diapositiva 3">
+            <a:extLst>
+              <a:ext uri="{FF2B5EF4-FFF2-40B4-BE49-F238E27FC236}">
+                <a16:creationId xmlns:a16="http://schemas.microsoft.com/office/drawing/2014/main" id="{7895CEE5-C739-0597-3075-E5208C67B1C2}"/>
+              </a:ext>
+            </a:extLst>
+          </p:cNvPr>
+          <p:cNvSpPr>
+            <a:spLocks noGrp="1"/>
+          </p:cNvSpPr>
+          <p:nvPr>
+            <p:ph type="sldNum" sz="quarter" idx="12"/>
+          </p:nvPr>
+        </p:nvSpPr>
+        <p:spPr/>
+        <p:txBody>
+          <a:bodyPr/>
+          <a:lstStyle/>
+          <a:p>
+            <a:fld id="{FE1ACEE4-8B3E-4875-98A0-9A2521022ECF}" type="slidenum">
+              <a:rPr lang="es-ES" smtClean="0"/>
+              <a:t>51</a:t>
+            </a:fld>
+            <a:endParaRPr lang="es-ES"/>
+          </a:p>
+        </p:txBody>
+      </p:sp>
+    </p:spTree>
+    <p:extLst>
+      <p:ext uri="{BB962C8B-B14F-4D97-AF65-F5344CB8AC3E}">
+        <p14:creationId xmlns:p14="http://schemas.microsoft.com/office/powerpoint/2010/main" val="3329693337"/>
+      </p:ext>
+    </p:extLst>
+  </p:cSld>
+  <p:clrMapOvr>
+    <a:masterClrMapping/>
+  </p:clrMapOvr>
+</p:sld>
+</file>
+
+<file path=ppt/slides/slide52.xml><?xml version="1.0" encoding="utf-8"?>
+<p:sld xmlns:a="http://schemas.openxmlformats.org/drawingml/2006/main" xmlns:r="http://schemas.openxmlformats.org/officeDocument/2006/relationships" xmlns:p="http://schemas.openxmlformats.org/presentationml/2006/main">
+  <p:cSld>
+    <p:spTree>
+      <p:nvGrpSpPr>
+        <p:cNvPr id="1" name=""/>
+        <p:cNvGrpSpPr/>
+        <p:nvPr/>
+      </p:nvGrpSpPr>
+      <p:grpSpPr>
+        <a:xfrm>
+          <a:off x="0" y="0"/>
+          <a:ext cx="0" cy="0"/>
+          <a:chOff x="0" y="0"/>
+          <a:chExt cx="0" cy="0"/>
+        </a:xfrm>
+      </p:grpSpPr>
+      <p:sp>
+        <p:nvSpPr>
+          <p:cNvPr id="2" name="Título 1">
+            <a:extLst>
+              <a:ext uri="{FF2B5EF4-FFF2-40B4-BE49-F238E27FC236}">
+                <a16:creationId xmlns:a16="http://schemas.microsoft.com/office/drawing/2014/main" id="{9ED02644-74A7-E8C7-5296-1A0568719877}"/>
+              </a:ext>
+            </a:extLst>
+          </p:cNvPr>
+          <p:cNvSpPr>
+            <a:spLocks noGrp="1"/>
+          </p:cNvSpPr>
+          <p:nvPr>
+            <p:ph type="title"/>
+          </p:nvPr>
+        </p:nvSpPr>
+        <p:spPr/>
+        <p:txBody>
+          <a:bodyPr/>
+          <a:lstStyle/>
+          <a:p>
+            <a:r>
+              <a:rPr lang="es-ES" dirty="0"/>
+              <a:t>Vector / Grabar a fichero</a:t>
+            </a:r>
+          </a:p>
+        </p:txBody>
+      </p:sp>
+      <p:sp>
+        <p:nvSpPr>
+          <p:cNvPr id="3" name="Marcador de contenido 2">
+            <a:extLst>
+              <a:ext uri="{FF2B5EF4-FFF2-40B4-BE49-F238E27FC236}">
+                <a16:creationId xmlns:a16="http://schemas.microsoft.com/office/drawing/2014/main" id="{942828E9-5B2C-B719-FED4-C09CDF965E9B}"/>
+              </a:ext>
+            </a:extLst>
+          </p:cNvPr>
+          <p:cNvSpPr>
+            <a:spLocks noGrp="1"/>
+          </p:cNvSpPr>
+          <p:nvPr>
+            <p:ph idx="1"/>
+          </p:nvPr>
+        </p:nvSpPr>
+        <p:spPr>
+          <a:xfrm>
+            <a:off x="838200" y="1835052"/>
+            <a:ext cx="10515600" cy="4351338"/>
+          </a:xfrm>
+        </p:spPr>
+        <p:txBody>
+          <a:bodyPr>
+            <a:normAutofit lnSpcReduction="10000"/>
+          </a:bodyPr>
+          <a:lstStyle/>
+          <a:p>
+            <a:r>
+              <a:rPr lang="es-ES" dirty="0"/>
+              <a:t>Se pueden definir vectores del tipo: </a:t>
+            </a:r>
+            <a:r>
+              <a:rPr lang="es-ES" b="1" dirty="0" err="1"/>
+              <a:t>nlohmann</a:t>
+            </a:r>
+            <a:r>
+              <a:rPr lang="es-ES" b="1" dirty="0"/>
+              <a:t>::</a:t>
+            </a:r>
+            <a:r>
+              <a:rPr lang="es-ES" b="1" dirty="0" err="1"/>
+              <a:t>json</a:t>
+            </a:r>
+            <a:r>
+              <a:rPr lang="es-ES" b="1" dirty="0"/>
+              <a:t> </a:t>
+            </a:r>
+            <a:r>
+              <a:rPr lang="es-ES" dirty="0"/>
+              <a:t>para almacenar  objetos </a:t>
+            </a:r>
+            <a:r>
+              <a:rPr lang="es-ES" dirty="0" err="1"/>
+              <a:t>json</a:t>
+            </a:r>
+            <a:r>
+              <a:rPr lang="es-ES" dirty="0"/>
+              <a:t>:</a:t>
+            </a:r>
+          </a:p>
+          <a:p>
+            <a:pPr lvl="1"/>
+            <a:r>
+              <a:rPr lang="es-ES" dirty="0" err="1"/>
+              <a:t>std</a:t>
+            </a:r>
+            <a:r>
+              <a:rPr lang="es-ES" dirty="0"/>
+              <a:t>::vector&lt;</a:t>
+            </a:r>
+            <a:r>
+              <a:rPr lang="es-ES" dirty="0" err="1"/>
+              <a:t>nlohmann</a:t>
+            </a:r>
+            <a:r>
+              <a:rPr lang="es-ES" dirty="0"/>
+              <a:t>::</a:t>
+            </a:r>
+            <a:r>
+              <a:rPr lang="es-ES" dirty="0" err="1"/>
+              <a:t>json</a:t>
+            </a:r>
+            <a:r>
+              <a:rPr lang="es-ES" dirty="0"/>
+              <a:t>&gt; array;</a:t>
+            </a:r>
+          </a:p>
+          <a:p>
+            <a:pPr lvl="1"/>
+            <a:endParaRPr lang="es-ES" dirty="0"/>
+          </a:p>
+          <a:p>
+            <a:pPr lvl="1"/>
+            <a:r>
+              <a:rPr lang="es-ES" dirty="0" err="1"/>
+              <a:t>nlohmann</a:t>
+            </a:r>
+            <a:r>
+              <a:rPr lang="es-ES" dirty="0"/>
+              <a:t>::</a:t>
+            </a:r>
+            <a:r>
+              <a:rPr lang="es-ES" dirty="0" err="1"/>
+              <a:t>json</a:t>
+            </a:r>
+            <a:r>
+              <a:rPr lang="es-ES" dirty="0"/>
+              <a:t> grupo;</a:t>
+            </a:r>
+          </a:p>
+          <a:p>
+            <a:pPr lvl="1"/>
+            <a:endParaRPr lang="es-ES" dirty="0"/>
+          </a:p>
+          <a:p>
+            <a:pPr lvl="1"/>
+            <a:r>
+              <a:rPr lang="es-ES" dirty="0"/>
+              <a:t>grupo = array;  // Se convierte automáticamente</a:t>
+            </a:r>
+          </a:p>
+          <a:p>
+            <a:pPr lvl="1"/>
+            <a:endParaRPr lang="es-ES" dirty="0"/>
+          </a:p>
+          <a:p>
+            <a:pPr lvl="1"/>
+            <a:r>
+              <a:rPr lang="es-ES" b="1" dirty="0" err="1"/>
+              <a:t>grupo.dump</a:t>
+            </a:r>
+            <a:r>
+              <a:rPr lang="es-ES" b="1" dirty="0"/>
+              <a:t>(4) </a:t>
+            </a:r>
+            <a:r>
+              <a:rPr lang="es-ES" dirty="0"/>
+              <a:t>// Añade </a:t>
+            </a:r>
+            <a:r>
+              <a:rPr lang="es-ES" dirty="0" err="1"/>
+              <a:t>indentación</a:t>
+            </a:r>
+            <a:r>
+              <a:rPr lang="es-ES" dirty="0"/>
+              <a:t>, el resultado se puede grabar en un fichero o se imprime por la pantalla.</a:t>
+            </a:r>
+          </a:p>
+          <a:p>
+            <a:pPr lvl="1"/>
+            <a:endParaRPr lang="es-ES" dirty="0"/>
+          </a:p>
+          <a:p>
+            <a:pPr lvl="1"/>
+            <a:r>
+              <a:rPr lang="es-ES" dirty="0"/>
+              <a:t>Utilizar operador </a:t>
+            </a:r>
+            <a:r>
+              <a:rPr lang="es-ES" b="1" dirty="0"/>
+              <a:t>&lt;&lt;</a:t>
+            </a:r>
+            <a:r>
+              <a:rPr lang="es-ES" dirty="0"/>
+              <a:t>, con un objeto </a:t>
+            </a:r>
+            <a:r>
+              <a:rPr lang="es-ES" b="1" dirty="0" err="1"/>
+              <a:t>std</a:t>
+            </a:r>
+            <a:r>
+              <a:rPr lang="es-ES" b="1" dirty="0"/>
+              <a:t>::</a:t>
+            </a:r>
+            <a:r>
+              <a:rPr lang="es-ES" b="1" dirty="0" err="1"/>
+              <a:t>ofstream</a:t>
+            </a:r>
+            <a:r>
+              <a:rPr lang="es-ES" b="1" dirty="0"/>
+              <a:t> </a:t>
+            </a:r>
+            <a:r>
+              <a:rPr lang="es-ES" dirty="0"/>
+              <a:t>o </a:t>
+            </a:r>
+            <a:r>
+              <a:rPr lang="es-ES" b="1" dirty="0" err="1"/>
+              <a:t>std</a:t>
+            </a:r>
+            <a:r>
+              <a:rPr lang="es-ES" b="1" dirty="0"/>
+              <a:t>::</a:t>
+            </a:r>
+            <a:r>
+              <a:rPr lang="es-ES" b="1" dirty="0" err="1"/>
+              <a:t>cout</a:t>
+            </a:r>
+            <a:endParaRPr lang="es-ES" b="1" dirty="0"/>
+          </a:p>
+          <a:p>
+            <a:pPr marL="0" indent="0">
+              <a:buNone/>
+            </a:pPr>
+            <a:endParaRPr lang="es-ES" dirty="0"/>
+          </a:p>
+        </p:txBody>
+      </p:sp>
+      <p:sp>
+        <p:nvSpPr>
+          <p:cNvPr id="4" name="Marcador de número de diapositiva 3">
+            <a:extLst>
+              <a:ext uri="{FF2B5EF4-FFF2-40B4-BE49-F238E27FC236}">
+                <a16:creationId xmlns:a16="http://schemas.microsoft.com/office/drawing/2014/main" id="{487AFD7B-3643-4A83-0872-490B482E29CD}"/>
+              </a:ext>
+            </a:extLst>
+          </p:cNvPr>
+          <p:cNvSpPr>
+            <a:spLocks noGrp="1"/>
+          </p:cNvSpPr>
+          <p:nvPr>
+            <p:ph type="sldNum" sz="quarter" idx="12"/>
+          </p:nvPr>
+        </p:nvSpPr>
+        <p:spPr/>
+        <p:txBody>
+          <a:bodyPr/>
+          <a:lstStyle/>
+          <a:p>
+            <a:fld id="{FE1ACEE4-8B3E-4875-98A0-9A2521022ECF}" type="slidenum">
+              <a:rPr lang="es-ES" smtClean="0"/>
+              <a:t>52</a:t>
+            </a:fld>
+            <a:endParaRPr lang="es-ES"/>
+          </a:p>
+        </p:txBody>
+      </p:sp>
+    </p:spTree>
+    <p:extLst>
+      <p:ext uri="{BB962C8B-B14F-4D97-AF65-F5344CB8AC3E}">
+        <p14:creationId xmlns:p14="http://schemas.microsoft.com/office/powerpoint/2010/main" val="2557041136"/>
+      </p:ext>
+    </p:extLst>
+  </p:cSld>
+  <p:clrMapOvr>
+    <a:masterClrMapping/>
+  </p:clrMapOvr>
+</p:sld>
+</file>
+
+<file path=ppt/slides/slide53.xml><?xml version="1.0" encoding="utf-8"?>
+<p:sld xmlns:a="http://schemas.openxmlformats.org/drawingml/2006/main" xmlns:r="http://schemas.openxmlformats.org/officeDocument/2006/relationships" xmlns:p="http://schemas.openxmlformats.org/presentationml/2006/main">
+  <p:cSld>
+    <p:spTree>
+      <p:nvGrpSpPr>
+        <p:cNvPr id="1" name=""/>
+        <p:cNvGrpSpPr/>
+        <p:nvPr/>
+      </p:nvGrpSpPr>
+      <p:grpSpPr>
+        <a:xfrm>
+          <a:off x="0" y="0"/>
+          <a:ext cx="0" cy="0"/>
+          <a:chOff x="0" y="0"/>
+          <a:chExt cx="0" cy="0"/>
+        </a:xfrm>
+      </p:grpSpPr>
+      <p:sp>
+        <p:nvSpPr>
+          <p:cNvPr id="2" name="Título 1">
+            <a:extLst>
+              <a:ext uri="{FF2B5EF4-FFF2-40B4-BE49-F238E27FC236}">
+                <a16:creationId xmlns:a16="http://schemas.microsoft.com/office/drawing/2014/main" id="{E13C8727-DA11-53B5-73E7-2EC419A45EFF}"/>
+              </a:ext>
+            </a:extLst>
+          </p:cNvPr>
+          <p:cNvSpPr>
+            <a:spLocks noGrp="1"/>
+          </p:cNvSpPr>
+          <p:nvPr>
+            <p:ph type="title"/>
+          </p:nvPr>
+        </p:nvSpPr>
+        <p:spPr/>
+        <p:txBody>
+          <a:bodyPr/>
+          <a:lstStyle/>
+          <a:p>
+            <a:r>
+              <a:rPr lang="es-ES" dirty="0"/>
+              <a:t>Objetos a </a:t>
+            </a:r>
+            <a:r>
+              <a:rPr lang="es-ES" dirty="0" err="1"/>
+              <a:t>Json</a:t>
+            </a:r>
+            <a:endParaRPr lang="es-ES" dirty="0"/>
+          </a:p>
+        </p:txBody>
+      </p:sp>
+      <p:sp>
+        <p:nvSpPr>
+          <p:cNvPr id="3" name="Marcador de contenido 2">
+            <a:extLst>
+              <a:ext uri="{FF2B5EF4-FFF2-40B4-BE49-F238E27FC236}">
+                <a16:creationId xmlns:a16="http://schemas.microsoft.com/office/drawing/2014/main" id="{404E5987-095A-06F2-47EB-DBA1FFE1C309}"/>
+              </a:ext>
+            </a:extLst>
+          </p:cNvPr>
+          <p:cNvSpPr>
+            <a:spLocks noGrp="1"/>
+          </p:cNvSpPr>
+          <p:nvPr>
+            <p:ph idx="1"/>
+          </p:nvPr>
+        </p:nvSpPr>
+        <p:spPr/>
+        <p:txBody>
+          <a:bodyPr>
+            <a:normAutofit/>
+          </a:bodyPr>
+          <a:lstStyle/>
+          <a:p>
+            <a:pPr marL="0" indent="0">
+              <a:buNone/>
+            </a:pPr>
+            <a:r>
+              <a:rPr lang="es-ES" dirty="0" err="1"/>
+              <a:t>nlohmann</a:t>
+            </a:r>
+            <a:r>
+              <a:rPr lang="es-ES" dirty="0"/>
+              <a:t>::</a:t>
+            </a:r>
+            <a:r>
+              <a:rPr lang="es-ES" dirty="0" err="1"/>
+              <a:t>json</a:t>
+            </a:r>
+            <a:r>
+              <a:rPr lang="es-ES" dirty="0"/>
+              <a:t> Pedido::</a:t>
+            </a:r>
+            <a:r>
+              <a:rPr lang="es-ES" dirty="0" err="1"/>
+              <a:t>to_json</a:t>
+            </a:r>
+            <a:r>
+              <a:rPr lang="es-ES" dirty="0"/>
+              <a:t>() </a:t>
+            </a:r>
+            <a:r>
+              <a:rPr lang="es-ES" dirty="0" err="1"/>
+              <a:t>const</a:t>
+            </a:r>
+            <a:endParaRPr lang="es-ES" dirty="0"/>
+          </a:p>
+          <a:p>
+            <a:pPr marL="0" indent="0">
+              <a:buNone/>
+            </a:pPr>
+            <a:r>
+              <a:rPr lang="es-ES" dirty="0"/>
+              <a:t>{</a:t>
+            </a:r>
+          </a:p>
+          <a:p>
+            <a:pPr marL="457200" lvl="1" indent="0">
+              <a:buNone/>
+            </a:pPr>
+            <a:r>
+              <a:rPr lang="es-ES" dirty="0" err="1"/>
+              <a:t>return</a:t>
+            </a:r>
+            <a:r>
+              <a:rPr lang="es-ES" dirty="0"/>
+              <a:t> </a:t>
+            </a:r>
+            <a:r>
+              <a:rPr lang="es-ES" dirty="0" err="1"/>
+              <a:t>nlohmann</a:t>
+            </a:r>
+            <a:r>
+              <a:rPr lang="es-ES" dirty="0"/>
+              <a:t>::</a:t>
+            </a:r>
+            <a:r>
+              <a:rPr lang="es-ES" dirty="0" err="1"/>
+              <a:t>json</a:t>
+            </a:r>
+            <a:r>
+              <a:rPr lang="es-ES" dirty="0"/>
+              <a:t>{ {"</a:t>
+            </a:r>
+            <a:r>
+              <a:rPr lang="es-ES" dirty="0" err="1"/>
+              <a:t>idpedido</a:t>
+            </a:r>
+            <a:r>
+              <a:rPr lang="es-ES" dirty="0"/>
+              <a:t>", </a:t>
+            </a:r>
+            <a:r>
+              <a:rPr lang="es-ES" dirty="0" err="1"/>
+              <a:t>this</a:t>
+            </a:r>
+            <a:r>
+              <a:rPr lang="es-ES" dirty="0"/>
+              <a:t>-&gt;</a:t>
+            </a:r>
+            <a:r>
+              <a:rPr lang="es-ES" dirty="0" err="1"/>
+              <a:t>idpedido</a:t>
+            </a:r>
+            <a:r>
+              <a:rPr lang="es-ES" dirty="0"/>
+              <a:t>},</a:t>
+            </a:r>
+          </a:p>
+          <a:p>
+            <a:pPr marL="457200" lvl="1" indent="0">
+              <a:buNone/>
+            </a:pPr>
+            <a:r>
+              <a:rPr lang="es-ES" dirty="0"/>
+              <a:t>{"cliente", </a:t>
+            </a:r>
+            <a:r>
+              <a:rPr lang="es-ES" dirty="0" err="1"/>
+              <a:t>this</a:t>
+            </a:r>
+            <a:r>
+              <a:rPr lang="es-ES" dirty="0"/>
+              <a:t>-&gt;cliente},</a:t>
+            </a:r>
+          </a:p>
+          <a:p>
+            <a:pPr marL="457200" lvl="1" indent="0">
+              <a:buNone/>
+            </a:pPr>
+            <a:r>
+              <a:rPr lang="es-ES" dirty="0"/>
+              <a:t>{"empresa", </a:t>
+            </a:r>
+            <a:r>
+              <a:rPr lang="es-ES" dirty="0" err="1"/>
+              <a:t>this</a:t>
+            </a:r>
+            <a:r>
+              <a:rPr lang="es-ES" dirty="0"/>
+              <a:t>-&gt;empresa},</a:t>
+            </a:r>
+          </a:p>
+          <a:p>
+            <a:pPr marL="457200" lvl="1" indent="0">
+              <a:buNone/>
+            </a:pPr>
+            <a:r>
+              <a:rPr lang="es-ES" dirty="0"/>
+              <a:t>{"empleado", </a:t>
+            </a:r>
+            <a:r>
+              <a:rPr lang="es-ES" dirty="0" err="1"/>
+              <a:t>this</a:t>
+            </a:r>
+            <a:r>
+              <a:rPr lang="es-ES" dirty="0"/>
+              <a:t>-&gt;empleado},</a:t>
+            </a:r>
+          </a:p>
+          <a:p>
+            <a:pPr marL="457200" lvl="1" indent="0">
+              <a:buNone/>
+            </a:pPr>
+            <a:r>
+              <a:rPr lang="es-ES" dirty="0"/>
+              <a:t>{"importe", </a:t>
+            </a:r>
+            <a:r>
+              <a:rPr lang="es-ES" dirty="0" err="1"/>
+              <a:t>this</a:t>
+            </a:r>
+            <a:r>
+              <a:rPr lang="es-ES" dirty="0"/>
+              <a:t>-&gt;importe},</a:t>
+            </a:r>
+          </a:p>
+          <a:p>
+            <a:pPr marL="457200" lvl="1" indent="0">
+              <a:buNone/>
+            </a:pPr>
+            <a:r>
+              <a:rPr lang="es-ES" dirty="0"/>
+              <a:t>{"</a:t>
+            </a:r>
+            <a:r>
+              <a:rPr lang="es-ES" dirty="0" err="1"/>
+              <a:t>pais</a:t>
+            </a:r>
+            <a:r>
+              <a:rPr lang="es-ES" dirty="0"/>
+              <a:t>", </a:t>
+            </a:r>
+            <a:r>
+              <a:rPr lang="es-ES" dirty="0" err="1"/>
+              <a:t>this</a:t>
+            </a:r>
+            <a:r>
+              <a:rPr lang="es-ES" dirty="0"/>
+              <a:t>-&gt;</a:t>
+            </a:r>
+            <a:r>
+              <a:rPr lang="es-ES" dirty="0" err="1"/>
+              <a:t>pais</a:t>
+            </a:r>
+            <a:r>
+              <a:rPr lang="es-ES" dirty="0"/>
+              <a:t>}};</a:t>
+            </a:r>
+          </a:p>
+          <a:p>
+            <a:pPr marL="0" indent="0">
+              <a:buNone/>
+            </a:pPr>
+            <a:r>
+              <a:rPr lang="es-ES" dirty="0"/>
+              <a:t>}</a:t>
+            </a:r>
+          </a:p>
+        </p:txBody>
+      </p:sp>
+      <p:sp>
+        <p:nvSpPr>
+          <p:cNvPr id="4" name="Marcador de número de diapositiva 3">
+            <a:extLst>
+              <a:ext uri="{FF2B5EF4-FFF2-40B4-BE49-F238E27FC236}">
+                <a16:creationId xmlns:a16="http://schemas.microsoft.com/office/drawing/2014/main" id="{7FA66131-FB6C-494C-891F-F7BCC6D95D8E}"/>
+              </a:ext>
+            </a:extLst>
+          </p:cNvPr>
+          <p:cNvSpPr>
+            <a:spLocks noGrp="1"/>
+          </p:cNvSpPr>
+          <p:nvPr>
+            <p:ph type="sldNum" sz="quarter" idx="12"/>
+          </p:nvPr>
+        </p:nvSpPr>
+        <p:spPr/>
+        <p:txBody>
+          <a:bodyPr/>
+          <a:lstStyle/>
+          <a:p>
+            <a:fld id="{FE1ACEE4-8B3E-4875-98A0-9A2521022ECF}" type="slidenum">
+              <a:rPr lang="es-ES" smtClean="0"/>
+              <a:t>53</a:t>
+            </a:fld>
+            <a:endParaRPr lang="es-ES"/>
+          </a:p>
+        </p:txBody>
+      </p:sp>
+    </p:spTree>
+    <p:extLst>
+      <p:ext uri="{BB962C8B-B14F-4D97-AF65-F5344CB8AC3E}">
+        <p14:creationId xmlns:p14="http://schemas.microsoft.com/office/powerpoint/2010/main" val="3736473280"/>
+      </p:ext>
+    </p:extLst>
+  </p:cSld>
+  <p:clrMapOvr>
+    <a:masterClrMapping/>
+  </p:clrMapOvr>
+</p:sld>
+</file>
+
+<file path=ppt/slides/slide54.xml><?xml version="1.0" encoding="utf-8"?>
+<p:sld xmlns:a="http://schemas.openxmlformats.org/drawingml/2006/main" xmlns:r="http://schemas.openxmlformats.org/officeDocument/2006/relationships" xmlns:p="http://schemas.openxmlformats.org/presentationml/2006/main">
+  <p:cSld>
+    <p:spTree>
+      <p:nvGrpSpPr>
+        <p:cNvPr id="1" name=""/>
+        <p:cNvGrpSpPr/>
+        <p:nvPr/>
+      </p:nvGrpSpPr>
+      <p:grpSpPr>
+        <a:xfrm>
+          <a:off x="0" y="0"/>
+          <a:ext cx="0" cy="0"/>
+          <a:chOff x="0" y="0"/>
+          <a:chExt cx="0" cy="0"/>
+        </a:xfrm>
+      </p:grpSpPr>
+      <p:sp>
+        <p:nvSpPr>
+          <p:cNvPr id="2" name="Título 1">
+            <a:extLst>
+              <a:ext uri="{FF2B5EF4-FFF2-40B4-BE49-F238E27FC236}">
+                <a16:creationId xmlns:a16="http://schemas.microsoft.com/office/drawing/2014/main" id="{68E6776B-437E-4340-49D0-EB021EEE35BE}"/>
+              </a:ext>
+            </a:extLst>
+          </p:cNvPr>
+          <p:cNvSpPr>
+            <a:spLocks noGrp="1"/>
+          </p:cNvSpPr>
+          <p:nvPr>
+            <p:ph type="title"/>
+          </p:nvPr>
+        </p:nvSpPr>
+        <p:spPr/>
+        <p:txBody>
+          <a:bodyPr/>
+          <a:lstStyle/>
+          <a:p>
+            <a:r>
+              <a:rPr lang="es-ES" dirty="0"/>
+              <a:t>De JSON a Objeto</a:t>
+            </a:r>
+          </a:p>
+        </p:txBody>
+      </p:sp>
+      <p:sp>
+        <p:nvSpPr>
+          <p:cNvPr id="3" name="Marcador de contenido 2">
+            <a:extLst>
+              <a:ext uri="{FF2B5EF4-FFF2-40B4-BE49-F238E27FC236}">
+                <a16:creationId xmlns:a16="http://schemas.microsoft.com/office/drawing/2014/main" id="{B5BF5160-36BB-A374-6187-BF468E8A3D88}"/>
+              </a:ext>
+            </a:extLst>
+          </p:cNvPr>
+          <p:cNvSpPr>
+            <a:spLocks noGrp="1"/>
+          </p:cNvSpPr>
+          <p:nvPr>
+            <p:ph idx="1"/>
+          </p:nvPr>
+        </p:nvSpPr>
+        <p:spPr/>
+        <p:txBody>
+          <a:bodyPr/>
+          <a:lstStyle/>
+          <a:p>
+            <a:endParaRPr lang="es-ES"/>
+          </a:p>
+        </p:txBody>
+      </p:sp>
+      <p:sp>
+        <p:nvSpPr>
+          <p:cNvPr id="4" name="Marcador de número de diapositiva 3">
+            <a:extLst>
+              <a:ext uri="{FF2B5EF4-FFF2-40B4-BE49-F238E27FC236}">
+                <a16:creationId xmlns:a16="http://schemas.microsoft.com/office/drawing/2014/main" id="{2BD7DB9F-426E-4697-EBCB-45BB93504DFB}"/>
+              </a:ext>
+            </a:extLst>
+          </p:cNvPr>
+          <p:cNvSpPr>
+            <a:spLocks noGrp="1"/>
+          </p:cNvSpPr>
+          <p:nvPr>
+            <p:ph type="sldNum" sz="quarter" idx="12"/>
+          </p:nvPr>
+        </p:nvSpPr>
+        <p:spPr/>
+        <p:txBody>
+          <a:bodyPr/>
+          <a:lstStyle/>
+          <a:p>
+            <a:fld id="{FE1ACEE4-8B3E-4875-98A0-9A2521022ECF}" type="slidenum">
+              <a:rPr lang="es-ES" smtClean="0"/>
+              <a:t>54</a:t>
+            </a:fld>
+            <a:endParaRPr lang="es-ES"/>
+          </a:p>
+        </p:txBody>
+      </p:sp>
+    </p:spTree>
+    <p:extLst>
+      <p:ext uri="{BB962C8B-B14F-4D97-AF65-F5344CB8AC3E}">
+        <p14:creationId xmlns:p14="http://schemas.microsoft.com/office/powerpoint/2010/main" val="246151936"/>
+      </p:ext>
+    </p:extLst>
+  </p:cSld>
+  <p:clrMapOvr>
+    <a:masterClrMapping/>
+  </p:clrMapOvr>
+</p:sld>
+</file>
+
+<file path=ppt/slides/slide55.xml><?xml version="1.0" encoding="utf-8"?>
+<p:sld xmlns:a="http://schemas.openxmlformats.org/drawingml/2006/main" xmlns:r="http://schemas.openxmlformats.org/officeDocument/2006/relationships" xmlns:p="http://schemas.openxmlformats.org/presentationml/2006/main">
+  <p:cSld>
+    <p:spTree>
+      <p:nvGrpSpPr>
+        <p:cNvPr id="1" name=""/>
+        <p:cNvGrpSpPr/>
+        <p:nvPr/>
+      </p:nvGrpSpPr>
+      <p:grpSpPr>
+        <a:xfrm>
+          <a:off x="0" y="0"/>
+          <a:ext cx="0" cy="0"/>
+          <a:chOff x="0" y="0"/>
+          <a:chExt cx="0" cy="0"/>
+        </a:xfrm>
+      </p:grpSpPr>
+      <p:sp>
+        <p:nvSpPr>
+          <p:cNvPr id="5" name="Título 4">
+            <a:extLst>
+              <a:ext uri="{FF2B5EF4-FFF2-40B4-BE49-F238E27FC236}">
+                <a16:creationId xmlns:a16="http://schemas.microsoft.com/office/drawing/2014/main" id="{5E974CFD-7153-9938-FB38-C64B9FD5C8E7}"/>
+              </a:ext>
+            </a:extLst>
+          </p:cNvPr>
+          <p:cNvSpPr>
+            <a:spLocks noGrp="1"/>
+          </p:cNvSpPr>
+          <p:nvPr>
+            <p:ph type="ctrTitle"/>
+          </p:nvPr>
+        </p:nvSpPr>
+        <p:spPr>
+          <a:xfrm>
+            <a:off x="1524000" y="1873134"/>
+            <a:ext cx="9144000" cy="2387600"/>
+          </a:xfrm>
+        </p:spPr>
+        <p:txBody>
+          <a:bodyPr/>
+          <a:lstStyle/>
+          <a:p>
+            <a:r>
+              <a:rPr lang="es-ES" b="1" dirty="0"/>
+              <a:t>Gestión de errores y excepciones</a:t>
+            </a:r>
+          </a:p>
+        </p:txBody>
+      </p:sp>
+      <p:sp>
+        <p:nvSpPr>
+          <p:cNvPr id="4" name="Marcador de número de diapositiva 3">
+            <a:extLst>
+              <a:ext uri="{FF2B5EF4-FFF2-40B4-BE49-F238E27FC236}">
+                <a16:creationId xmlns:a16="http://schemas.microsoft.com/office/drawing/2014/main" id="{1B17217E-A631-B147-B47D-D397042722DA}"/>
+              </a:ext>
+            </a:extLst>
+          </p:cNvPr>
+          <p:cNvSpPr>
+            <a:spLocks noGrp="1"/>
+          </p:cNvSpPr>
+          <p:nvPr>
+            <p:ph type="sldNum" sz="quarter" idx="12"/>
+          </p:nvPr>
+        </p:nvSpPr>
+        <p:spPr/>
+        <p:txBody>
+          <a:bodyPr/>
+          <a:lstStyle/>
+          <a:p>
+            <a:fld id="{A6EC93C0-D482-4F60-811A-DF574DBC2A85}" type="slidenum">
+              <a:rPr lang="es-ES" smtClean="0"/>
+              <a:t>55</a:t>
+            </a:fld>
+            <a:endParaRPr lang="es-ES"/>
+          </a:p>
+        </p:txBody>
+      </p:sp>
+    </p:spTree>
+    <p:extLst>
+      <p:ext uri="{BB962C8B-B14F-4D97-AF65-F5344CB8AC3E}">
+        <p14:creationId xmlns:p14="http://schemas.microsoft.com/office/powerpoint/2010/main" val="2422621801"/>
+      </p:ext>
+    </p:extLst>
+  </p:cSld>
+  <p:clrMapOvr>
+    <a:masterClrMapping/>
+  </p:clrMapOvr>
+</p:sld>
+</file>
+
+<file path=ppt/slides/slide56.xml><?xml version="1.0" encoding="utf-8"?>
+<p:sld xmlns:a="http://schemas.openxmlformats.org/drawingml/2006/main" xmlns:r="http://schemas.openxmlformats.org/officeDocument/2006/relationships" xmlns:p="http://schemas.openxmlformats.org/presentationml/2006/main">
+  <p:cSld>
+    <p:spTree>
+      <p:nvGrpSpPr>
+        <p:cNvPr id="1" name=""/>
+        <p:cNvGrpSpPr/>
+        <p:nvPr/>
+      </p:nvGrpSpPr>
+      <p:grpSpPr>
+        <a:xfrm>
+          <a:off x="0" y="0"/>
+          <a:ext cx="0" cy="0"/>
+          <a:chOff x="0" y="0"/>
+          <a:chExt cx="0" cy="0"/>
+        </a:xfrm>
+      </p:grpSpPr>
+      <p:sp>
+        <p:nvSpPr>
+          <p:cNvPr id="2" name="Título 1">
+            <a:extLst>
+              <a:ext uri="{FF2B5EF4-FFF2-40B4-BE49-F238E27FC236}">
+                <a16:creationId xmlns:a16="http://schemas.microsoft.com/office/drawing/2014/main" id="{F266CDD4-EDB6-893B-60CA-4B0AE3C7CB74}"/>
+              </a:ext>
+            </a:extLst>
+          </p:cNvPr>
+          <p:cNvSpPr>
+            <a:spLocks noGrp="1"/>
+          </p:cNvSpPr>
+          <p:nvPr>
+            <p:ph type="title"/>
+          </p:nvPr>
+        </p:nvSpPr>
+        <p:spPr/>
+        <p:txBody>
+          <a:bodyPr>
+            <a:normAutofit fontScale="90000"/>
+          </a:bodyPr>
+          <a:lstStyle/>
+          <a:p>
+            <a:br>
+              <a:rPr lang="es-ES" dirty="0"/>
+            </a:br>
+            <a:r>
+              <a:rPr lang="es-ES" dirty="0"/>
+              <a:t> Manejo de códigos de error y optimización del flujo de datos. </a:t>
+            </a:r>
+            <a:br>
+              <a:rPr lang="es-ES" dirty="0"/>
+            </a:br>
+            <a:endParaRPr lang="es-ES" dirty="0"/>
+          </a:p>
+        </p:txBody>
+      </p:sp>
+      <p:sp>
+        <p:nvSpPr>
+          <p:cNvPr id="3" name="Marcador de contenido 2">
+            <a:extLst>
+              <a:ext uri="{FF2B5EF4-FFF2-40B4-BE49-F238E27FC236}">
+                <a16:creationId xmlns:a16="http://schemas.microsoft.com/office/drawing/2014/main" id="{C08056EE-E35B-3B5E-BE59-4AD1A09BEC65}"/>
+              </a:ext>
+            </a:extLst>
+          </p:cNvPr>
+          <p:cNvSpPr>
+            <a:spLocks noGrp="1"/>
+          </p:cNvSpPr>
+          <p:nvPr>
+            <p:ph idx="1"/>
+          </p:nvPr>
+        </p:nvSpPr>
+        <p:spPr/>
+        <p:txBody>
+          <a:bodyPr/>
+          <a:lstStyle/>
+          <a:p>
+            <a:endParaRPr lang="es-ES"/>
+          </a:p>
+        </p:txBody>
+      </p:sp>
+      <p:sp>
+        <p:nvSpPr>
+          <p:cNvPr id="4" name="Marcador de número de diapositiva 3">
+            <a:extLst>
+              <a:ext uri="{FF2B5EF4-FFF2-40B4-BE49-F238E27FC236}">
+                <a16:creationId xmlns:a16="http://schemas.microsoft.com/office/drawing/2014/main" id="{03D499BB-E425-E0C9-0687-0331BB1A6D20}"/>
+              </a:ext>
+            </a:extLst>
+          </p:cNvPr>
+          <p:cNvSpPr>
+            <a:spLocks noGrp="1"/>
+          </p:cNvSpPr>
+          <p:nvPr>
+            <p:ph type="sldNum" sz="quarter" idx="12"/>
+          </p:nvPr>
+        </p:nvSpPr>
+        <p:spPr/>
+        <p:txBody>
+          <a:bodyPr/>
+          <a:lstStyle/>
+          <a:p>
+            <a:fld id="{A6EC93C0-D482-4F60-811A-DF574DBC2A85}" type="slidenum">
+              <a:rPr lang="es-ES" smtClean="0"/>
+              <a:t>56</a:t>
+            </a:fld>
+            <a:endParaRPr lang="es-ES"/>
+          </a:p>
+        </p:txBody>
+      </p:sp>
+    </p:spTree>
+    <p:extLst>
+      <p:ext uri="{BB962C8B-B14F-4D97-AF65-F5344CB8AC3E}">
+        <p14:creationId xmlns:p14="http://schemas.microsoft.com/office/powerpoint/2010/main" val="2812850526"/>
+      </p:ext>
+    </p:extLst>
+  </p:cSld>
+  <p:clrMapOvr>
+    <a:masterClrMapping/>
+  </p:clrMapOvr>
+</p:sld>
+</file>
+
+<file path=ppt/slides/slide57.xml><?xml version="1.0" encoding="utf-8"?>
+<p:sld xmlns:a="http://schemas.openxmlformats.org/drawingml/2006/main" xmlns:r="http://schemas.openxmlformats.org/officeDocument/2006/relationships" xmlns:p="http://schemas.openxmlformats.org/presentationml/2006/main">
+  <p:cSld>
+    <p:spTree>
+      <p:nvGrpSpPr>
+        <p:cNvPr id="1" name=""/>
+        <p:cNvGrpSpPr/>
+        <p:nvPr/>
+      </p:nvGrpSpPr>
+      <p:grpSpPr>
+        <a:xfrm>
+          <a:off x="0" y="0"/>
+          <a:ext cx="0" cy="0"/>
+          <a:chOff x="0" y="0"/>
+          <a:chExt cx="0" cy="0"/>
+        </a:xfrm>
+      </p:grpSpPr>
+      <p:sp>
+        <p:nvSpPr>
+          <p:cNvPr id="2" name="Título 1">
+            <a:extLst>
+              <a:ext uri="{FF2B5EF4-FFF2-40B4-BE49-F238E27FC236}">
+                <a16:creationId xmlns:a16="http://schemas.microsoft.com/office/drawing/2014/main" id="{8861855D-3888-02C8-89FF-756139B0DF01}"/>
+              </a:ext>
+            </a:extLst>
+          </p:cNvPr>
+          <p:cNvSpPr>
+            <a:spLocks noGrp="1"/>
+          </p:cNvSpPr>
+          <p:nvPr>
+            <p:ph type="title"/>
+          </p:nvPr>
+        </p:nvSpPr>
+        <p:spPr/>
+        <p:txBody>
+          <a:bodyPr>
+            <a:normAutofit fontScale="90000"/>
+          </a:bodyPr>
+          <a:lstStyle/>
+          <a:p>
+            <a:br>
+              <a:rPr lang="es-ES" dirty="0"/>
+            </a:br>
+            <a:r>
+              <a:rPr lang="es-ES" dirty="0"/>
+              <a:t> Implementación de registros de errores y mensajes de diagnóstico </a:t>
+            </a:r>
+            <a:br>
+              <a:rPr lang="es-ES" dirty="0"/>
+            </a:br>
+            <a:endParaRPr lang="es-ES" dirty="0"/>
+          </a:p>
+        </p:txBody>
+      </p:sp>
+      <p:sp>
+        <p:nvSpPr>
+          <p:cNvPr id="3" name="Marcador de contenido 2">
+            <a:extLst>
+              <a:ext uri="{FF2B5EF4-FFF2-40B4-BE49-F238E27FC236}">
+                <a16:creationId xmlns:a16="http://schemas.microsoft.com/office/drawing/2014/main" id="{A1241D2C-B2AE-A47F-A403-E91AA62215D7}"/>
+              </a:ext>
+            </a:extLst>
+          </p:cNvPr>
+          <p:cNvSpPr>
+            <a:spLocks noGrp="1"/>
+          </p:cNvSpPr>
+          <p:nvPr>
+            <p:ph idx="1"/>
+          </p:nvPr>
+        </p:nvSpPr>
+        <p:spPr/>
+        <p:txBody>
+          <a:bodyPr/>
+          <a:lstStyle/>
+          <a:p>
+            <a:endParaRPr lang="es-ES"/>
+          </a:p>
+        </p:txBody>
+      </p:sp>
+      <p:sp>
+        <p:nvSpPr>
+          <p:cNvPr id="4" name="Marcador de número de diapositiva 3">
+            <a:extLst>
+              <a:ext uri="{FF2B5EF4-FFF2-40B4-BE49-F238E27FC236}">
+                <a16:creationId xmlns:a16="http://schemas.microsoft.com/office/drawing/2014/main" id="{2655DB55-4558-77E3-020F-D0B544759506}"/>
+              </a:ext>
+            </a:extLst>
+          </p:cNvPr>
+          <p:cNvSpPr>
+            <a:spLocks noGrp="1"/>
+          </p:cNvSpPr>
+          <p:nvPr>
+            <p:ph type="sldNum" sz="quarter" idx="12"/>
+          </p:nvPr>
+        </p:nvSpPr>
+        <p:spPr/>
+        <p:txBody>
+          <a:bodyPr/>
+          <a:lstStyle/>
+          <a:p>
+            <a:fld id="{A6EC93C0-D482-4F60-811A-DF574DBC2A85}" type="slidenum">
+              <a:rPr lang="es-ES" smtClean="0"/>
+              <a:t>57</a:t>
+            </a:fld>
+            <a:endParaRPr lang="es-ES"/>
+          </a:p>
+        </p:txBody>
+      </p:sp>
+    </p:spTree>
+    <p:extLst>
+      <p:ext uri="{BB962C8B-B14F-4D97-AF65-F5344CB8AC3E}">
+        <p14:creationId xmlns:p14="http://schemas.microsoft.com/office/powerpoint/2010/main" val="501616182"/>
+      </p:ext>
+    </p:extLst>
+  </p:cSld>
+  <p:clrMapOvr>
+    <a:masterClrMapping/>
+  </p:clrMapOvr>
+</p:sld>
+</file>
+
+<file path=ppt/slides/slide58.xml><?xml version="1.0" encoding="utf-8"?>
+<p:sld xmlns:a="http://schemas.openxmlformats.org/drawingml/2006/main" xmlns:r="http://schemas.openxmlformats.org/officeDocument/2006/relationships" xmlns:p="http://schemas.openxmlformats.org/presentationml/2006/main">
+  <p:cSld>
+    <p:spTree>
+      <p:nvGrpSpPr>
+        <p:cNvPr id="1" name=""/>
+        <p:cNvGrpSpPr/>
+        <p:nvPr/>
+      </p:nvGrpSpPr>
+      <p:grpSpPr>
+        <a:xfrm>
+          <a:off x="0" y="0"/>
+          <a:ext cx="0" cy="0"/>
+          <a:chOff x="0" y="0"/>
+          <a:chExt cx="0" cy="0"/>
+        </a:xfrm>
+      </p:grpSpPr>
+      <p:sp>
+        <p:nvSpPr>
+          <p:cNvPr id="4" name="Título 3">
+            <a:extLst>
+              <a:ext uri="{FF2B5EF4-FFF2-40B4-BE49-F238E27FC236}">
+                <a16:creationId xmlns:a16="http://schemas.microsoft.com/office/drawing/2014/main" id="{1B1EF0DB-760B-F32B-9093-522ECA80F97F}"/>
+              </a:ext>
+            </a:extLst>
+          </p:cNvPr>
+          <p:cNvSpPr>
+            <a:spLocks noGrp="1"/>
+          </p:cNvSpPr>
+          <p:nvPr>
+            <p:ph type="ctrTitle"/>
+          </p:nvPr>
+        </p:nvSpPr>
+        <p:spPr>
+          <a:xfrm>
+            <a:off x="664143" y="1029903"/>
+            <a:ext cx="10003857" cy="3592897"/>
+          </a:xfrm>
+        </p:spPr>
+        <p:txBody>
+          <a:bodyPr>
+            <a:normAutofit fontScale="90000"/>
+          </a:bodyPr>
+          <a:lstStyle/>
+          <a:p>
+            <a:br>
+              <a:rPr lang="es-ES" dirty="0"/>
+            </a:br>
+            <a:r>
+              <a:rPr lang="es-ES" dirty="0"/>
+              <a:t> </a:t>
+            </a:r>
+            <a:br>
+              <a:rPr lang="es-ES" dirty="0"/>
+            </a:br>
+            <a:br>
+              <a:rPr lang="es-ES" dirty="0"/>
+            </a:br>
+            <a:br>
+              <a:rPr lang="es-ES" dirty="0"/>
+            </a:br>
+            <a:br>
+              <a:rPr lang="es-ES" dirty="0"/>
+            </a:br>
+            <a:r>
+              <a:rPr lang="es-ES" b="1" dirty="0"/>
+              <a:t>Apéndice</a:t>
+            </a:r>
+            <a:br>
+              <a:rPr lang="es-ES" dirty="0"/>
+            </a:br>
+            <a:r>
+              <a:rPr lang="es-ES" dirty="0"/>
+              <a:t>Comparación y selección de herramientas según el tipo de aplicación</a:t>
+            </a:r>
+          </a:p>
+        </p:txBody>
+      </p:sp>
+    </p:spTree>
+    <p:extLst>
+      <p:ext uri="{BB962C8B-B14F-4D97-AF65-F5344CB8AC3E}">
+        <p14:creationId xmlns:p14="http://schemas.microsoft.com/office/powerpoint/2010/main" val="984160213"/>
+      </p:ext>
+    </p:extLst>
+  </p:cSld>
+  <p:clrMapOvr>
+    <a:masterClrMapping/>
+  </p:clrMapOvr>
+</p:sld>
+</file>
+
+<file path=ppt/slides/slide59.xml><?xml version="1.0" encoding="utf-8"?>
+<p:sld xmlns:a="http://schemas.openxmlformats.org/drawingml/2006/main" xmlns:r="http://schemas.openxmlformats.org/officeDocument/2006/relationships" xmlns:p="http://schemas.openxmlformats.org/presentationml/2006/main">
+  <p:cSld>
+    <p:spTree>
+      <p:nvGrpSpPr>
+        <p:cNvPr id="1" name=""/>
+        <p:cNvGrpSpPr/>
+        <p:nvPr/>
+      </p:nvGrpSpPr>
+      <p:grpSpPr>
+        <a:xfrm>
+          <a:off x="0" y="0"/>
+          <a:ext cx="0" cy="0"/>
+          <a:chOff x="0" y="0"/>
+          <a:chExt cx="0" cy="0"/>
+        </a:xfrm>
+      </p:grpSpPr>
+      <p:sp>
+        <p:nvSpPr>
+          <p:cNvPr id="2" name="Título 1">
+            <a:extLst>
+              <a:ext uri="{FF2B5EF4-FFF2-40B4-BE49-F238E27FC236}">
+                <a16:creationId xmlns:a16="http://schemas.microsoft.com/office/drawing/2014/main" id="{DB5D4917-17EC-0BC0-9910-B0D3D501DBC5}"/>
+              </a:ext>
+            </a:extLst>
+          </p:cNvPr>
+          <p:cNvSpPr>
+            <a:spLocks noGrp="1"/>
+          </p:cNvSpPr>
+          <p:nvPr>
+            <p:ph type="title"/>
+          </p:nvPr>
+        </p:nvSpPr>
+        <p:spPr/>
+        <p:txBody>
+          <a:bodyPr/>
+          <a:lstStyle/>
+          <a:p>
+            <a:r>
+              <a:rPr lang="es-ES" dirty="0"/>
+              <a:t>Cuando utilizar una u otra tecnología</a:t>
+            </a:r>
+          </a:p>
+        </p:txBody>
+      </p:sp>
+      <p:sp>
+        <p:nvSpPr>
+          <p:cNvPr id="3" name="Marcador de contenido 2">
+            <a:extLst>
+              <a:ext uri="{FF2B5EF4-FFF2-40B4-BE49-F238E27FC236}">
+                <a16:creationId xmlns:a16="http://schemas.microsoft.com/office/drawing/2014/main" id="{C31C66A3-8371-D597-C505-03023D070D4A}"/>
+              </a:ext>
+            </a:extLst>
+          </p:cNvPr>
+          <p:cNvSpPr>
+            <a:spLocks noGrp="1"/>
+          </p:cNvSpPr>
+          <p:nvPr>
+            <p:ph idx="1"/>
+          </p:nvPr>
+        </p:nvSpPr>
+        <p:spPr/>
+        <p:txBody>
+          <a:bodyPr/>
+          <a:lstStyle/>
+          <a:p>
+            <a:r>
+              <a:rPr lang="es-ES" b="1" dirty="0" err="1"/>
+              <a:t>WebSocket</a:t>
+            </a:r>
+            <a:r>
+              <a:rPr lang="es-ES" dirty="0"/>
+              <a:t> ideal cuando necesitemos:</a:t>
+            </a:r>
+          </a:p>
+          <a:p>
+            <a:pPr lvl="1"/>
+            <a:r>
+              <a:rPr lang="es-ES" dirty="0"/>
+              <a:t>Comunicación bidireccional en tiempo real.</a:t>
+            </a:r>
+          </a:p>
+          <a:p>
+            <a:pPr lvl="1"/>
+            <a:r>
+              <a:rPr lang="es-ES" dirty="0"/>
+              <a:t>Actualizaciones instantáneas sin tener que hacer </a:t>
+            </a:r>
+            <a:r>
+              <a:rPr lang="es-ES" b="1" dirty="0" err="1"/>
+              <a:t>polling</a:t>
+            </a:r>
+            <a:r>
+              <a:rPr lang="es-ES" dirty="0"/>
+              <a:t> constante.</a:t>
+            </a:r>
+          </a:p>
+          <a:p>
+            <a:pPr lvl="1"/>
+            <a:r>
+              <a:rPr lang="es-ES" dirty="0"/>
+              <a:t>Menor sobrecarga que HTTP con conexiones persistentes.</a:t>
+            </a:r>
+          </a:p>
+          <a:p>
+            <a:pPr lvl="1"/>
+            <a:endParaRPr lang="es-ES" dirty="0"/>
+          </a:p>
+          <a:p>
+            <a:pPr lvl="1"/>
+            <a:endParaRPr lang="es-ES" dirty="0"/>
+          </a:p>
+        </p:txBody>
+      </p:sp>
+      <p:sp>
+        <p:nvSpPr>
+          <p:cNvPr id="4" name="Marcador de número de diapositiva 3">
+            <a:extLst>
+              <a:ext uri="{FF2B5EF4-FFF2-40B4-BE49-F238E27FC236}">
+                <a16:creationId xmlns:a16="http://schemas.microsoft.com/office/drawing/2014/main" id="{F38E8D6A-CCA3-8C84-1FC6-2F3056FBC1F3}"/>
+              </a:ext>
+            </a:extLst>
+          </p:cNvPr>
+          <p:cNvSpPr>
+            <a:spLocks noGrp="1"/>
+          </p:cNvSpPr>
+          <p:nvPr>
+            <p:ph type="sldNum" sz="quarter" idx="12"/>
+          </p:nvPr>
+        </p:nvSpPr>
+        <p:spPr/>
+        <p:txBody>
+          <a:bodyPr/>
+          <a:lstStyle/>
+          <a:p>
+            <a:fld id="{A6EC93C0-D482-4F60-811A-DF574DBC2A85}" type="slidenum">
+              <a:rPr lang="es-ES" smtClean="0"/>
+              <a:t>59</a:t>
+            </a:fld>
+            <a:endParaRPr lang="es-ES"/>
+          </a:p>
+        </p:txBody>
+      </p:sp>
+    </p:spTree>
+    <p:extLst>
+      <p:ext uri="{BB962C8B-B14F-4D97-AF65-F5344CB8AC3E}">
+        <p14:creationId xmlns:p14="http://schemas.microsoft.com/office/powerpoint/2010/main" val="581017601"/>
+      </p:ext>
+    </p:extLst>
+  </p:cSld>
+  <p:clrMapOvr>
+    <a:masterClrMapping/>
+  </p:clrMapOvr>
+</p:sld>
+</file>
+
+<file path=ppt/slides/slide6.xml><?xml version="1.0" encoding="utf-8"?>
+<p:sld xmlns:a="http://schemas.openxmlformats.org/drawingml/2006/main" xmlns:r="http://schemas.openxmlformats.org/officeDocument/2006/relationships" xmlns:p="http://schemas.openxmlformats.org/presentationml/2006/main">
+  <p:cSld>
+    <p:spTree>
+      <p:nvGrpSpPr>
+        <p:cNvPr id="1" name=""/>
+        <p:cNvGrpSpPr/>
+        <p:nvPr/>
+      </p:nvGrpSpPr>
+      <p:grpSpPr>
+        <a:xfrm>
+          <a:off x="0" y="0"/>
+          <a:ext cx="0" cy="0"/>
+          <a:chOff x="0" y="0"/>
+          <a:chExt cx="0" cy="0"/>
+        </a:xfrm>
+      </p:grpSpPr>
+      <p:sp>
+        <p:nvSpPr>
+          <p:cNvPr id="2" name="Título 1">
+            <a:extLst>
+              <a:ext uri="{FF2B5EF4-FFF2-40B4-BE49-F238E27FC236}">
+                <a16:creationId xmlns:a16="http://schemas.microsoft.com/office/drawing/2014/main" id="{731BF23D-8BE9-145B-56A0-1F57EBAEDC1E}"/>
+              </a:ext>
+            </a:extLst>
+          </p:cNvPr>
+          <p:cNvSpPr>
+            <a:spLocks noGrp="1"/>
+          </p:cNvSpPr>
+          <p:nvPr>
+            <p:ph type="title"/>
+          </p:nvPr>
+        </p:nvSpPr>
+        <p:spPr/>
+        <p:txBody>
+          <a:bodyPr/>
+          <a:lstStyle/>
+          <a:p>
+            <a:r>
+              <a:rPr lang="es-ES" dirty="0"/>
+              <a:t>Características de la librería II</a:t>
+            </a:r>
+          </a:p>
+        </p:txBody>
+      </p:sp>
+      <p:sp>
+        <p:nvSpPr>
+          <p:cNvPr id="3" name="Marcador de contenido 2">
+            <a:extLst>
+              <a:ext uri="{FF2B5EF4-FFF2-40B4-BE49-F238E27FC236}">
+                <a16:creationId xmlns:a16="http://schemas.microsoft.com/office/drawing/2014/main" id="{5DE12AB8-8680-A087-6579-157911DDF765}"/>
+              </a:ext>
+            </a:extLst>
+          </p:cNvPr>
+          <p:cNvSpPr>
+            <a:spLocks noGrp="1"/>
+          </p:cNvSpPr>
+          <p:nvPr>
+            <p:ph idx="1"/>
+          </p:nvPr>
+        </p:nvSpPr>
+        <p:spPr/>
+        <p:txBody>
+          <a:bodyPr>
+            <a:normAutofit/>
+          </a:bodyPr>
+          <a:lstStyle/>
+          <a:p>
+            <a:r>
+              <a:rPr lang="es-ES" dirty="0"/>
+              <a:t>Basada en </a:t>
+            </a:r>
+            <a:r>
+              <a:rPr lang="es-ES" b="1" dirty="0" err="1"/>
+              <a:t>Boost.Asio</a:t>
+            </a:r>
+            <a:endParaRPr lang="es-ES" b="1" dirty="0"/>
+          </a:p>
+          <a:p>
+            <a:pPr lvl="1"/>
+            <a:r>
+              <a:rPr lang="es-ES" dirty="0"/>
+              <a:t>Usa el modelo asincrónico de </a:t>
+            </a:r>
+            <a:r>
+              <a:rPr lang="es-ES" dirty="0" err="1"/>
+              <a:t>Boost.Asio</a:t>
+            </a:r>
+            <a:r>
+              <a:rPr lang="es-ES" dirty="0"/>
+              <a:t>, lo que permite construir aplicaciones altamente concurrentes.</a:t>
+            </a:r>
+          </a:p>
+          <a:p>
+            <a:pPr lvl="1"/>
+            <a:r>
+              <a:rPr lang="es-ES" dirty="0"/>
+              <a:t>Compatible con </a:t>
+            </a:r>
+            <a:r>
+              <a:rPr lang="es-ES" dirty="0" err="1"/>
+              <a:t>io_context</a:t>
+            </a:r>
+            <a:r>
+              <a:rPr lang="es-ES" dirty="0"/>
+              <a:t>, </a:t>
+            </a:r>
+            <a:r>
+              <a:rPr lang="es-ES" dirty="0" err="1"/>
+              <a:t>executors</a:t>
+            </a:r>
+            <a:r>
+              <a:rPr lang="es-ES" dirty="0"/>
+              <a:t>, y operaciones compuestas.</a:t>
+            </a:r>
+          </a:p>
+          <a:p>
+            <a:pPr lvl="1"/>
+            <a:endParaRPr lang="es-ES" dirty="0"/>
+          </a:p>
+          <a:p>
+            <a:r>
+              <a:rPr lang="es-ES" dirty="0"/>
+              <a:t>Protocolos soportados</a:t>
+            </a:r>
+          </a:p>
+          <a:p>
+            <a:pPr lvl="1"/>
+            <a:r>
+              <a:rPr lang="es-ES" b="1" dirty="0"/>
+              <a:t>HTTP/1.1</a:t>
+            </a:r>
+            <a:r>
+              <a:rPr lang="es-ES" dirty="0"/>
+              <a:t>: Lectura, escritura, serialización y análisis de mensajes HTTP.</a:t>
+            </a:r>
+          </a:p>
+          <a:p>
+            <a:pPr lvl="1"/>
+            <a:endParaRPr lang="es-ES" dirty="0"/>
+          </a:p>
+          <a:p>
+            <a:pPr lvl="1"/>
+            <a:r>
+              <a:rPr lang="es-ES" b="1" dirty="0" err="1"/>
+              <a:t>WebSocket</a:t>
+            </a:r>
+            <a:r>
+              <a:rPr lang="es-ES" dirty="0"/>
+              <a:t>: Comunicación bidireccional en tiempo real, incluyendo control </a:t>
+            </a:r>
+            <a:r>
+              <a:rPr lang="es-ES" dirty="0" err="1"/>
+              <a:t>frames</a:t>
+            </a:r>
+            <a:r>
+              <a:rPr lang="es-ES" dirty="0"/>
+              <a:t> y compresión (</a:t>
+            </a:r>
+            <a:r>
+              <a:rPr lang="es-ES" dirty="0" err="1"/>
+              <a:t>permessage-deflate</a:t>
+            </a:r>
+            <a:r>
+              <a:rPr lang="es-ES" dirty="0"/>
+              <a:t>).</a:t>
+            </a:r>
+          </a:p>
+        </p:txBody>
+      </p:sp>
+      <p:sp>
+        <p:nvSpPr>
+          <p:cNvPr id="4" name="Marcador de número de diapositiva 3">
+            <a:extLst>
+              <a:ext uri="{FF2B5EF4-FFF2-40B4-BE49-F238E27FC236}">
+                <a16:creationId xmlns:a16="http://schemas.microsoft.com/office/drawing/2014/main" id="{BAA0C23A-2E54-EC5A-D707-28CE9C42C8B4}"/>
+              </a:ext>
+            </a:extLst>
+          </p:cNvPr>
+          <p:cNvSpPr>
+            <a:spLocks noGrp="1"/>
+          </p:cNvSpPr>
+          <p:nvPr>
+            <p:ph type="sldNum" sz="quarter" idx="12"/>
+          </p:nvPr>
+        </p:nvSpPr>
+        <p:spPr/>
+        <p:txBody>
+          <a:bodyPr/>
+          <a:lstStyle/>
+          <a:p>
+            <a:fld id="{A6EC93C0-D482-4F60-811A-DF574DBC2A85}" type="slidenum">
+              <a:rPr lang="es-ES" smtClean="0"/>
+              <a:t>6</a:t>
+            </a:fld>
+            <a:endParaRPr lang="es-ES"/>
+          </a:p>
+        </p:txBody>
+      </p:sp>
+    </p:spTree>
+    <p:extLst>
+      <p:ext uri="{BB962C8B-B14F-4D97-AF65-F5344CB8AC3E}">
+        <p14:creationId xmlns:p14="http://schemas.microsoft.com/office/powerpoint/2010/main" val="756304521"/>
+      </p:ext>
+    </p:extLst>
+  </p:cSld>
+  <p:clrMapOvr>
+    <a:masterClrMapping/>
+  </p:clrMapOvr>
+</p:sld>
+</file>
+
+<file path=ppt/slides/slide60.xml><?xml version="1.0" encoding="utf-8"?>
+<p:sld xmlns:a="http://schemas.openxmlformats.org/drawingml/2006/main" xmlns:r="http://schemas.openxmlformats.org/officeDocument/2006/relationships" xmlns:p="http://schemas.openxmlformats.org/presentationml/2006/main">
+  <p:cSld>
+    <p:spTree>
+      <p:nvGrpSpPr>
+        <p:cNvPr id="1" name=""/>
+        <p:cNvGrpSpPr/>
+        <p:nvPr/>
+      </p:nvGrpSpPr>
+      <p:grpSpPr>
+        <a:xfrm>
+          <a:off x="0" y="0"/>
+          <a:ext cx="0" cy="0"/>
+          <a:chOff x="0" y="0"/>
+          <a:chExt cx="0" cy="0"/>
+        </a:xfrm>
+      </p:grpSpPr>
+      <p:sp>
+        <p:nvSpPr>
+          <p:cNvPr id="2" name="Título 1">
+            <a:extLst>
+              <a:ext uri="{FF2B5EF4-FFF2-40B4-BE49-F238E27FC236}">
                 <a16:creationId xmlns:a16="http://schemas.microsoft.com/office/drawing/2014/main" id="{46C04648-22AD-A7B8-27A0-BEB0B5E206B5}"/>
               </a:ext>
             </a:extLst>
@@ -11079,7 +14995,7 @@
           <a:p>
             <a:fld id="{A6EC93C0-D482-4F60-811A-DF574DBC2A85}" type="slidenum">
               <a:rPr lang="es-ES" smtClean="0"/>
-              <a:t>44</a:t>
+              <a:t>60</a:t>
             </a:fld>
             <a:endParaRPr lang="es-ES"/>
           </a:p>
@@ -11128,7 +15044,7 @@
 </p:sld>
 </file>
 
-<file path=ppt/slides/slide45.xml><?xml version="1.0" encoding="utf-8"?>
+<file path=ppt/slides/slide61.xml><?xml version="1.0" encoding="utf-8"?>
 <p:sld xmlns:a="http://schemas.openxmlformats.org/drawingml/2006/main" xmlns:r="http://schemas.openxmlformats.org/officeDocument/2006/relationships" xmlns:p="http://schemas.openxmlformats.org/presentationml/2006/main">
   <p:cSld>
     <p:spTree>
@@ -11283,7 +15199,7 @@
           <a:p>
             <a:fld id="{A6EC93C0-D482-4F60-811A-DF574DBC2A85}" type="slidenum">
               <a:rPr lang="es-ES" smtClean="0"/>
-              <a:t>45</a:t>
+              <a:t>61</a:t>
             </a:fld>
             <a:endParaRPr lang="es-ES"/>
           </a:p>
@@ -11302,7 +15218,7 @@
 </p:sld>
 </file>
 
-<file path=ppt/slides/slide46.xml><?xml version="1.0" encoding="utf-8"?>
+<file path=ppt/slides/slide62.xml><?xml version="1.0" encoding="utf-8"?>
 <p:sld xmlns:a="http://schemas.openxmlformats.org/drawingml/2006/main" xmlns:r="http://schemas.openxmlformats.org/officeDocument/2006/relationships" xmlns:p="http://schemas.openxmlformats.org/presentationml/2006/main">
   <p:cSld>
     <p:spTree>
@@ -11454,7 +15370,7 @@
           <a:p>
             <a:fld id="{A6EC93C0-D482-4F60-811A-DF574DBC2A85}" type="slidenum">
               <a:rPr lang="es-ES" smtClean="0"/>
-              <a:t>46</a:t>
+              <a:t>62</a:t>
             </a:fld>
             <a:endParaRPr lang="es-ES"/>
           </a:p>
@@ -11473,7 +15389,7 @@
 </p:sld>
 </file>
 
-<file path=ppt/slides/slide47.xml><?xml version="1.0" encoding="utf-8"?>
+<file path=ppt/slides/slide63.xml><?xml version="1.0" encoding="utf-8"?>
 <p:sld xmlns:a="http://schemas.openxmlformats.org/drawingml/2006/main" xmlns:r="http://schemas.openxmlformats.org/officeDocument/2006/relationships" xmlns:p="http://schemas.openxmlformats.org/presentationml/2006/main">
   <p:cSld>
     <p:spTree>
@@ -11604,7 +15520,7 @@
           <a:p>
             <a:fld id="{A6EC93C0-D482-4F60-811A-DF574DBC2A85}" type="slidenum">
               <a:rPr lang="es-ES" smtClean="0"/>
-              <a:t>47</a:t>
+              <a:t>63</a:t>
             </a:fld>
             <a:endParaRPr lang="es-ES"/>
           </a:p>
@@ -11614,382 +15530,6 @@
     <p:extLst>
       <p:ext uri="{BB962C8B-B14F-4D97-AF65-F5344CB8AC3E}">
         <p14:creationId xmlns:p14="http://schemas.microsoft.com/office/powerpoint/2010/main" val="217917064"/>
-      </p:ext>
-    </p:extLst>
-  </p:cSld>
-  <p:clrMapOvr>
-    <a:masterClrMapping/>
-  </p:clrMapOvr>
-</p:sld>
-</file>
-
-<file path=ppt/slides/slide5.xml><?xml version="1.0" encoding="utf-8"?>
-<p:sld xmlns:a="http://schemas.openxmlformats.org/drawingml/2006/main" xmlns:r="http://schemas.openxmlformats.org/officeDocument/2006/relationships" xmlns:p="http://schemas.openxmlformats.org/presentationml/2006/main">
-  <p:cSld>
-    <p:spTree>
-      <p:nvGrpSpPr>
-        <p:cNvPr id="1" name=""/>
-        <p:cNvGrpSpPr/>
-        <p:nvPr/>
-      </p:nvGrpSpPr>
-      <p:grpSpPr>
-        <a:xfrm>
-          <a:off x="0" y="0"/>
-          <a:ext cx="0" cy="0"/>
-          <a:chOff x="0" y="0"/>
-          <a:chExt cx="0" cy="0"/>
-        </a:xfrm>
-      </p:grpSpPr>
-      <p:sp>
-        <p:nvSpPr>
-          <p:cNvPr id="2" name="Título 1">
-            <a:extLst>
-              <a:ext uri="{FF2B5EF4-FFF2-40B4-BE49-F238E27FC236}">
-                <a16:creationId xmlns:a16="http://schemas.microsoft.com/office/drawing/2014/main" id="{EA701376-8342-4B48-B12F-FD13990FD2CF}"/>
-              </a:ext>
-            </a:extLst>
-          </p:cNvPr>
-          <p:cNvSpPr>
-            <a:spLocks noGrp="1"/>
-          </p:cNvSpPr>
-          <p:nvPr>
-            <p:ph type="title"/>
-          </p:nvPr>
-        </p:nvSpPr>
-        <p:spPr/>
-        <p:txBody>
-          <a:bodyPr/>
-          <a:lstStyle/>
-          <a:p>
-            <a:r>
-              <a:rPr lang="es-ES" dirty="0"/>
-              <a:t>Características de la librería</a:t>
-            </a:r>
-          </a:p>
-        </p:txBody>
-      </p:sp>
-      <p:sp>
-        <p:nvSpPr>
-          <p:cNvPr id="3" name="Marcador de contenido 2">
-            <a:extLst>
-              <a:ext uri="{FF2B5EF4-FFF2-40B4-BE49-F238E27FC236}">
-                <a16:creationId xmlns:a16="http://schemas.microsoft.com/office/drawing/2014/main" id="{5231B51C-0D87-EC2A-3EC4-0DC40C523E3D}"/>
-              </a:ext>
-            </a:extLst>
-          </p:cNvPr>
-          <p:cNvSpPr>
-            <a:spLocks noGrp="1"/>
-          </p:cNvSpPr>
-          <p:nvPr>
-            <p:ph idx="1"/>
-          </p:nvPr>
-        </p:nvSpPr>
-        <p:spPr/>
-        <p:txBody>
-          <a:bodyPr/>
-          <a:lstStyle/>
-          <a:p>
-            <a:r>
-              <a:rPr lang="es-ES" dirty="0" err="1"/>
-              <a:t>Boost.Beast</a:t>
-            </a:r>
-            <a:r>
-              <a:rPr lang="es-ES" dirty="0"/>
-              <a:t> es una biblioteca </a:t>
-            </a:r>
-            <a:r>
-              <a:rPr lang="es-ES" b="1" dirty="0" err="1"/>
-              <a:t>header-only</a:t>
-            </a:r>
-            <a:r>
-              <a:rPr lang="es-ES" dirty="0"/>
-              <a:t> (solo incluye cabeceras, no requiere compilación previa) que proporciona componentes de bajo nivel para manejar protocolos de red como </a:t>
-            </a:r>
-            <a:r>
-              <a:rPr lang="es-ES" b="1" dirty="0"/>
-              <a:t>HTTP/1</a:t>
-            </a:r>
-            <a:r>
-              <a:rPr lang="es-ES" dirty="0"/>
-              <a:t> y </a:t>
-            </a:r>
-            <a:r>
-              <a:rPr lang="es-ES" b="1" dirty="0" err="1"/>
-              <a:t>WebSocket</a:t>
-            </a:r>
-            <a:r>
-              <a:rPr lang="es-ES" dirty="0"/>
-              <a:t>, </a:t>
-            </a:r>
-          </a:p>
-          <a:p>
-            <a:endParaRPr lang="es-ES" dirty="0"/>
-          </a:p>
-          <a:p>
-            <a:r>
-              <a:rPr lang="es-ES" dirty="0"/>
-              <a:t>Con soporte para operaciones </a:t>
-            </a:r>
-            <a:r>
-              <a:rPr lang="es-ES" b="1" dirty="0"/>
-              <a:t>síncronas</a:t>
-            </a:r>
-            <a:r>
-              <a:rPr lang="es-ES" dirty="0"/>
-              <a:t> y </a:t>
-            </a:r>
-            <a:r>
-              <a:rPr lang="es-ES" b="1" dirty="0"/>
-              <a:t>asíncronas</a:t>
-            </a:r>
-          </a:p>
-        </p:txBody>
-      </p:sp>
-      <p:sp>
-        <p:nvSpPr>
-          <p:cNvPr id="4" name="Marcador de número de diapositiva 3">
-            <a:extLst>
-              <a:ext uri="{FF2B5EF4-FFF2-40B4-BE49-F238E27FC236}">
-                <a16:creationId xmlns:a16="http://schemas.microsoft.com/office/drawing/2014/main" id="{A9E9BCCB-0FE7-90D1-92A5-5D2B007F2418}"/>
-              </a:ext>
-            </a:extLst>
-          </p:cNvPr>
-          <p:cNvSpPr>
-            <a:spLocks noGrp="1"/>
-          </p:cNvSpPr>
-          <p:nvPr>
-            <p:ph type="sldNum" sz="quarter" idx="12"/>
-          </p:nvPr>
-        </p:nvSpPr>
-        <p:spPr/>
-        <p:txBody>
-          <a:bodyPr/>
-          <a:lstStyle/>
-          <a:p>
-            <a:fld id="{A6EC93C0-D482-4F60-811A-DF574DBC2A85}" type="slidenum">
-              <a:rPr lang="es-ES" smtClean="0"/>
-              <a:t>5</a:t>
-            </a:fld>
-            <a:endParaRPr lang="es-ES"/>
-          </a:p>
-        </p:txBody>
-      </p:sp>
-    </p:spTree>
-    <p:extLst>
-      <p:ext uri="{BB962C8B-B14F-4D97-AF65-F5344CB8AC3E}">
-        <p14:creationId xmlns:p14="http://schemas.microsoft.com/office/powerpoint/2010/main" val="680178201"/>
-      </p:ext>
-    </p:extLst>
-  </p:cSld>
-  <p:clrMapOvr>
-    <a:masterClrMapping/>
-  </p:clrMapOvr>
-</p:sld>
-</file>
-
-<file path=ppt/slides/slide6.xml><?xml version="1.0" encoding="utf-8"?>
-<p:sld xmlns:a="http://schemas.openxmlformats.org/drawingml/2006/main" xmlns:r="http://schemas.openxmlformats.org/officeDocument/2006/relationships" xmlns:p="http://schemas.openxmlformats.org/presentationml/2006/main">
-  <p:cSld>
-    <p:spTree>
-      <p:nvGrpSpPr>
-        <p:cNvPr id="1" name=""/>
-        <p:cNvGrpSpPr/>
-        <p:nvPr/>
-      </p:nvGrpSpPr>
-      <p:grpSpPr>
-        <a:xfrm>
-          <a:off x="0" y="0"/>
-          <a:ext cx="0" cy="0"/>
-          <a:chOff x="0" y="0"/>
-          <a:chExt cx="0" cy="0"/>
-        </a:xfrm>
-      </p:grpSpPr>
-      <p:sp>
-        <p:nvSpPr>
-          <p:cNvPr id="2" name="Título 1">
-            <a:extLst>
-              <a:ext uri="{FF2B5EF4-FFF2-40B4-BE49-F238E27FC236}">
-                <a16:creationId xmlns:a16="http://schemas.microsoft.com/office/drawing/2014/main" id="{731BF23D-8BE9-145B-56A0-1F57EBAEDC1E}"/>
-              </a:ext>
-            </a:extLst>
-          </p:cNvPr>
-          <p:cNvSpPr>
-            <a:spLocks noGrp="1"/>
-          </p:cNvSpPr>
-          <p:nvPr>
-            <p:ph type="title"/>
-          </p:nvPr>
-        </p:nvSpPr>
-        <p:spPr/>
-        <p:txBody>
-          <a:bodyPr/>
-          <a:lstStyle/>
-          <a:p>
-            <a:r>
-              <a:rPr lang="es-ES" dirty="0"/>
-              <a:t>Características de la librería II</a:t>
-            </a:r>
-          </a:p>
-        </p:txBody>
-      </p:sp>
-      <p:sp>
-        <p:nvSpPr>
-          <p:cNvPr id="3" name="Marcador de contenido 2">
-            <a:extLst>
-              <a:ext uri="{FF2B5EF4-FFF2-40B4-BE49-F238E27FC236}">
-                <a16:creationId xmlns:a16="http://schemas.microsoft.com/office/drawing/2014/main" id="{5DE12AB8-8680-A087-6579-157911DDF765}"/>
-              </a:ext>
-            </a:extLst>
-          </p:cNvPr>
-          <p:cNvSpPr>
-            <a:spLocks noGrp="1"/>
-          </p:cNvSpPr>
-          <p:nvPr>
-            <p:ph idx="1"/>
-          </p:nvPr>
-        </p:nvSpPr>
-        <p:spPr/>
-        <p:txBody>
-          <a:bodyPr>
-            <a:normAutofit/>
-          </a:bodyPr>
-          <a:lstStyle/>
-          <a:p>
-            <a:r>
-              <a:rPr lang="es-ES" dirty="0"/>
-              <a:t>Basada en </a:t>
-            </a:r>
-            <a:r>
-              <a:rPr lang="es-ES" b="1" dirty="0" err="1"/>
-              <a:t>Boost.Asio</a:t>
-            </a:r>
-            <a:endParaRPr lang="es-ES" b="1" dirty="0"/>
-          </a:p>
-          <a:p>
-            <a:pPr lvl="1"/>
-            <a:r>
-              <a:rPr lang="es-ES" dirty="0"/>
-              <a:t>Usa el modelo asincrónico de </a:t>
-            </a:r>
-            <a:r>
-              <a:rPr lang="es-ES" dirty="0" err="1"/>
-              <a:t>Boost.Asio</a:t>
-            </a:r>
-            <a:r>
-              <a:rPr lang="es-ES" dirty="0"/>
-              <a:t>, lo que permite construir aplicaciones altamente concurrentes.</a:t>
-            </a:r>
-          </a:p>
-          <a:p>
-            <a:pPr lvl="1"/>
-            <a:r>
-              <a:rPr lang="es-ES" dirty="0"/>
-              <a:t>Compatible con </a:t>
-            </a:r>
-            <a:r>
-              <a:rPr lang="es-ES" dirty="0" err="1"/>
-              <a:t>io_context</a:t>
-            </a:r>
-            <a:r>
-              <a:rPr lang="es-ES" dirty="0"/>
-              <a:t>, </a:t>
-            </a:r>
-            <a:r>
-              <a:rPr lang="es-ES" dirty="0" err="1"/>
-              <a:t>executors</a:t>
-            </a:r>
-            <a:r>
-              <a:rPr lang="es-ES" dirty="0"/>
-              <a:t>, y operaciones compuestas.</a:t>
-            </a:r>
-          </a:p>
-          <a:p>
-            <a:pPr lvl="1"/>
-            <a:endParaRPr lang="es-ES" dirty="0"/>
-          </a:p>
-          <a:p>
-            <a:r>
-              <a:rPr lang="es-ES" dirty="0"/>
-              <a:t>Protocolos soportados</a:t>
-            </a:r>
-          </a:p>
-          <a:p>
-            <a:pPr lvl="1"/>
-            <a:r>
-              <a:rPr lang="es-ES" b="1" dirty="0"/>
-              <a:t>HTTP/1.1</a:t>
-            </a:r>
-            <a:r>
-              <a:rPr lang="es-ES" dirty="0"/>
-              <a:t>: Lectura, escritura, serialización y análisis de mensajes HTTP.</a:t>
-            </a:r>
-          </a:p>
-          <a:p>
-            <a:pPr lvl="1"/>
-            <a:endParaRPr lang="es-ES" dirty="0"/>
-          </a:p>
-          <a:p>
-            <a:pPr lvl="1"/>
-            <a:r>
-              <a:rPr lang="es-ES" b="1" dirty="0" err="1"/>
-              <a:t>WebSocket</a:t>
-            </a:r>
-            <a:r>
-              <a:rPr lang="es-ES" dirty="0"/>
-              <a:t>: Comunicación bidireccional en tiempo real, incluyendo control </a:t>
-            </a:r>
-            <a:r>
-              <a:rPr lang="es-ES" dirty="0" err="1"/>
-              <a:t>frames</a:t>
-            </a:r>
-            <a:r>
-              <a:rPr lang="es-ES" dirty="0"/>
-              <a:t> y compresión (</a:t>
-            </a:r>
-            <a:r>
-              <a:rPr lang="es-ES" dirty="0" err="1"/>
-              <a:t>permessage-deflate</a:t>
-            </a:r>
-            <a:r>
-              <a:rPr lang="es-ES" dirty="0"/>
-              <a:t>).</a:t>
-            </a:r>
-          </a:p>
-        </p:txBody>
-      </p:sp>
-      <p:sp>
-        <p:nvSpPr>
-          <p:cNvPr id="4" name="Marcador de número de diapositiva 3">
-            <a:extLst>
-              <a:ext uri="{FF2B5EF4-FFF2-40B4-BE49-F238E27FC236}">
-                <a16:creationId xmlns:a16="http://schemas.microsoft.com/office/drawing/2014/main" id="{BAA0C23A-2E54-EC5A-D707-28CE9C42C8B4}"/>
-              </a:ext>
-            </a:extLst>
-          </p:cNvPr>
-          <p:cNvSpPr>
-            <a:spLocks noGrp="1"/>
-          </p:cNvSpPr>
-          <p:nvPr>
-            <p:ph type="sldNum" sz="quarter" idx="12"/>
-          </p:nvPr>
-        </p:nvSpPr>
-        <p:spPr/>
-        <p:txBody>
-          <a:bodyPr/>
-          <a:lstStyle/>
-          <a:p>
-            <a:fld id="{A6EC93C0-D482-4F60-811A-DF574DBC2A85}" type="slidenum">
-              <a:rPr lang="es-ES" smtClean="0"/>
-              <a:t>6</a:t>
-            </a:fld>
-            <a:endParaRPr lang="es-ES"/>
-          </a:p>
-        </p:txBody>
-      </p:sp>
-    </p:spTree>
-    <p:extLst>
-      <p:ext uri="{BB962C8B-B14F-4D97-AF65-F5344CB8AC3E}">
-        <p14:creationId xmlns:p14="http://schemas.microsoft.com/office/powerpoint/2010/main" val="756304521"/>
       </p:ext>
     </p:extLst>
   </p:cSld>

--- a/doc/2_Creacion_API_RESTfull_C++.pptx
+++ b/doc/2_Creacion_API_RESTfull_C++.pptx
@@ -5,7 +5,7 @@
     <p:sldMasterId id="2147483648" r:id="rId1"/>
   </p:sldMasterIdLst>
   <p:notesMasterIdLst>
-    <p:notesMasterId r:id="rId65"/>
+    <p:notesMasterId r:id="rId80"/>
   </p:notesMasterIdLst>
   <p:sldIdLst>
     <p:sldId id="256" r:id="rId2"/>
@@ -46,31 +46,46 @@
     <p:sldId id="346" r:id="rId37"/>
     <p:sldId id="347" r:id="rId38"/>
     <p:sldId id="348" r:id="rId39"/>
-    <p:sldId id="349" r:id="rId40"/>
-    <p:sldId id="342" r:id="rId41"/>
-    <p:sldId id="343" r:id="rId42"/>
-    <p:sldId id="291" r:id="rId43"/>
-    <p:sldId id="344" r:id="rId44"/>
-    <p:sldId id="293" r:id="rId45"/>
-    <p:sldId id="294" r:id="rId46"/>
-    <p:sldId id="330" r:id="rId47"/>
-    <p:sldId id="345" r:id="rId48"/>
-    <p:sldId id="336" r:id="rId49"/>
-    <p:sldId id="263" r:id="rId50"/>
-    <p:sldId id="337" r:id="rId51"/>
-    <p:sldId id="338" r:id="rId52"/>
-    <p:sldId id="339" r:id="rId53"/>
-    <p:sldId id="340" r:id="rId54"/>
-    <p:sldId id="341" r:id="rId55"/>
-    <p:sldId id="333" r:id="rId56"/>
-    <p:sldId id="334" r:id="rId57"/>
-    <p:sldId id="335" r:id="rId58"/>
-    <p:sldId id="264" r:id="rId59"/>
-    <p:sldId id="269" r:id="rId60"/>
-    <p:sldId id="326" r:id="rId61"/>
-    <p:sldId id="327" r:id="rId62"/>
-    <p:sldId id="328" r:id="rId63"/>
-    <p:sldId id="329" r:id="rId64"/>
+    <p:sldId id="350" r:id="rId40"/>
+    <p:sldId id="351" r:id="rId41"/>
+    <p:sldId id="349" r:id="rId42"/>
+    <p:sldId id="354" r:id="rId43"/>
+    <p:sldId id="355" r:id="rId44"/>
+    <p:sldId id="352" r:id="rId45"/>
+    <p:sldId id="356" r:id="rId46"/>
+    <p:sldId id="357" r:id="rId47"/>
+    <p:sldId id="358" r:id="rId48"/>
+    <p:sldId id="359" r:id="rId49"/>
+    <p:sldId id="353" r:id="rId50"/>
+    <p:sldId id="360" r:id="rId51"/>
+    <p:sldId id="361" r:id="rId52"/>
+    <p:sldId id="362" r:id="rId53"/>
+    <p:sldId id="363" r:id="rId54"/>
+    <p:sldId id="364" r:id="rId55"/>
+    <p:sldId id="342" r:id="rId56"/>
+    <p:sldId id="343" r:id="rId57"/>
+    <p:sldId id="291" r:id="rId58"/>
+    <p:sldId id="344" r:id="rId59"/>
+    <p:sldId id="293" r:id="rId60"/>
+    <p:sldId id="294" r:id="rId61"/>
+    <p:sldId id="330" r:id="rId62"/>
+    <p:sldId id="345" r:id="rId63"/>
+    <p:sldId id="336" r:id="rId64"/>
+    <p:sldId id="263" r:id="rId65"/>
+    <p:sldId id="337" r:id="rId66"/>
+    <p:sldId id="338" r:id="rId67"/>
+    <p:sldId id="339" r:id="rId68"/>
+    <p:sldId id="340" r:id="rId69"/>
+    <p:sldId id="341" r:id="rId70"/>
+    <p:sldId id="333" r:id="rId71"/>
+    <p:sldId id="334" r:id="rId72"/>
+    <p:sldId id="335" r:id="rId73"/>
+    <p:sldId id="264" r:id="rId74"/>
+    <p:sldId id="269" r:id="rId75"/>
+    <p:sldId id="326" r:id="rId76"/>
+    <p:sldId id="327" r:id="rId77"/>
+    <p:sldId id="328" r:id="rId78"/>
+    <p:sldId id="329" r:id="rId79"/>
   </p:sldIdLst>
   <p:sldSz cx="12192000" cy="6858000"/>
   <p:notesSz cx="6858000" cy="9144000"/>
@@ -259,7 +274,7 @@
           <a:p>
             <a:fld id="{EC6FAF2B-A184-4166-8202-EF392D72A67C}" type="datetimeFigureOut">
               <a:rPr lang="es-ES" smtClean="0"/>
-              <a:t>08/09/2025</a:t>
+              <a:t>09/09/2025</a:t>
             </a:fld>
             <a:endParaRPr lang="es-ES"/>
           </a:p>
@@ -673,7 +688,7 @@
           <a:p>
             <a:fld id="{BB631EB5-1849-4B73-8289-CB8B9ED6FDFB}" type="datetime1">
               <a:rPr lang="es-ES" smtClean="0"/>
-              <a:t>08/09/2025</a:t>
+              <a:t>09/09/2025</a:t>
             </a:fld>
             <a:endParaRPr lang="es-ES"/>
           </a:p>
@@ -871,7 +886,7 @@
           <a:p>
             <a:fld id="{CB287FCC-EC41-44B3-AAD2-5015CE0813C6}" type="datetime1">
               <a:rPr lang="es-ES" smtClean="0"/>
-              <a:t>08/09/2025</a:t>
+              <a:t>09/09/2025</a:t>
             </a:fld>
             <a:endParaRPr lang="es-ES"/>
           </a:p>
@@ -1079,7 +1094,7 @@
           <a:p>
             <a:fld id="{FBE71D30-A6DE-46C3-92BC-41C30DE1EB76}" type="datetime1">
               <a:rPr lang="es-ES" smtClean="0"/>
-              <a:t>08/09/2025</a:t>
+              <a:t>09/09/2025</a:t>
             </a:fld>
             <a:endParaRPr lang="es-ES"/>
           </a:p>
@@ -1277,7 +1292,7 @@
           <a:p>
             <a:fld id="{37A842DE-9AEF-4C05-8319-0BD15CAFE9C4}" type="datetime1">
               <a:rPr lang="es-ES" smtClean="0"/>
-              <a:t>08/09/2025</a:t>
+              <a:t>09/09/2025</a:t>
             </a:fld>
             <a:endParaRPr lang="es-ES"/>
           </a:p>
@@ -1552,7 +1567,7 @@
           <a:p>
             <a:fld id="{8EA2949F-C96A-48CE-8185-E78F19F7FC12}" type="datetime1">
               <a:rPr lang="es-ES" smtClean="0"/>
-              <a:t>08/09/2025</a:t>
+              <a:t>09/09/2025</a:t>
             </a:fld>
             <a:endParaRPr lang="es-ES"/>
           </a:p>
@@ -1817,7 +1832,7 @@
           <a:p>
             <a:fld id="{B0E4801E-7B1E-4A55-827F-BC63457F23E6}" type="datetime1">
               <a:rPr lang="es-ES" smtClean="0"/>
-              <a:t>08/09/2025</a:t>
+              <a:t>09/09/2025</a:t>
             </a:fld>
             <a:endParaRPr lang="es-ES"/>
           </a:p>
@@ -2229,7 +2244,7 @@
           <a:p>
             <a:fld id="{A0CDD82D-E157-43B3-82F4-9E196621D9E2}" type="datetime1">
               <a:rPr lang="es-ES" smtClean="0"/>
-              <a:t>08/09/2025</a:t>
+              <a:t>09/09/2025</a:t>
             </a:fld>
             <a:endParaRPr lang="es-ES"/>
           </a:p>
@@ -2370,7 +2385,7 @@
           <a:p>
             <a:fld id="{56D8DC1B-7CC2-4A23-B0D8-891680BEC27E}" type="datetime1">
               <a:rPr lang="es-ES" smtClean="0"/>
-              <a:t>08/09/2025</a:t>
+              <a:t>09/09/2025</a:t>
             </a:fld>
             <a:endParaRPr lang="es-ES"/>
           </a:p>
@@ -2483,7 +2498,7 @@
           <a:p>
             <a:fld id="{C52AEEF0-66BC-4BF3-B343-B15AAEA33E58}" type="datetime1">
               <a:rPr lang="es-ES" smtClean="0"/>
-              <a:t>08/09/2025</a:t>
+              <a:t>09/09/2025</a:t>
             </a:fld>
             <a:endParaRPr lang="es-ES"/>
           </a:p>
@@ -2794,7 +2809,7 @@
           <a:p>
             <a:fld id="{E4548BA0-314D-4D64-8956-0C8EA6039A37}" type="datetime1">
               <a:rPr lang="es-ES" smtClean="0"/>
-              <a:t>08/09/2025</a:t>
+              <a:t>09/09/2025</a:t>
             </a:fld>
             <a:endParaRPr lang="es-ES"/>
           </a:p>
@@ -3082,7 +3097,7 @@
           <a:p>
             <a:fld id="{EAB91C3A-DD9E-4AF2-AED7-C4F4E6578CFB}" type="datetime1">
               <a:rPr lang="es-ES" smtClean="0"/>
-              <a:t>08/09/2025</a:t>
+              <a:t>09/09/2025</a:t>
             </a:fld>
             <a:endParaRPr lang="es-ES"/>
           </a:p>
@@ -3323,7 +3338,7 @@
           <a:p>
             <a:fld id="{683C88C4-DEDB-497B-8A7C-76D4ADE12761}" type="datetime1">
               <a:rPr lang="es-ES" smtClean="0"/>
-              <a:t>08/09/2025</a:t>
+              <a:t>09/09/2025</a:t>
             </a:fld>
             <a:endParaRPr lang="es-ES"/>
           </a:p>
@@ -8875,15 +8890,15 @@
           <a:lstStyle/>
           <a:p>
             <a:r>
-              <a:rPr lang="es-ES" dirty="0"/>
+              <a:rPr lang="es-ES" b="1" dirty="0"/>
               <a:t>Librería </a:t>
             </a:r>
             <a:r>
-              <a:rPr lang="es-ES" dirty="0" err="1"/>
+              <a:rPr lang="es-ES" b="1" dirty="0" err="1"/>
               <a:t>crow</a:t>
             </a:r>
             <a:r>
-              <a:rPr lang="es-ES" dirty="0"/>
+              <a:rPr lang="es-ES" b="1" dirty="0"/>
               <a:t> </a:t>
             </a:r>
           </a:p>
@@ -10259,8 +10274,27 @@
               <a:rPr lang="es-ES" dirty="0">
                 <a:sym typeface="Wingdings" panose="05000000000000000000" pitchFamily="2" charset="2"/>
               </a:rPr>
-              <a:t> POST</a:t>
-            </a:r>
+              <a:t> POST  </a:t>
+            </a:r>
+            <a:r>
+              <a:rPr lang="es-ES" dirty="0" err="1"/>
+              <a:t>crow</a:t>
+            </a:r>
+            <a:r>
+              <a:rPr lang="es-ES" dirty="0"/>
+              <a:t>::</a:t>
+            </a:r>
+            <a:r>
+              <a:rPr lang="es-ES" dirty="0" err="1"/>
+              <a:t>HTTPMethod</a:t>
+            </a:r>
+            <a:r>
+              <a:rPr lang="es-ES" dirty="0"/>
+              <a:t>::POST</a:t>
+            </a:r>
+            <a:endParaRPr lang="es-ES" dirty="0">
+              <a:sym typeface="Wingdings" panose="05000000000000000000" pitchFamily="2" charset="2"/>
+            </a:endParaRPr>
           </a:p>
           <a:p>
             <a:pPr lvl="1"/>
@@ -10306,8 +10340,27 @@
               <a:rPr lang="es-ES" dirty="0">
                 <a:sym typeface="Wingdings" panose="05000000000000000000" pitchFamily="2" charset="2"/>
               </a:rPr>
-              <a:t>  GET</a:t>
-            </a:r>
+              <a:t>  GET  </a:t>
+            </a:r>
+            <a:r>
+              <a:rPr lang="es-ES" dirty="0" err="1"/>
+              <a:t>crow</a:t>
+            </a:r>
+            <a:r>
+              <a:rPr lang="es-ES" dirty="0"/>
+              <a:t>::</a:t>
+            </a:r>
+            <a:r>
+              <a:rPr lang="es-ES" dirty="0" err="1"/>
+              <a:t>HTTPMethod</a:t>
+            </a:r>
+            <a:r>
+              <a:rPr lang="es-ES" dirty="0"/>
+              <a:t>::GET</a:t>
+            </a:r>
+            <a:endParaRPr lang="es-ES" dirty="0">
+              <a:sym typeface="Wingdings" panose="05000000000000000000" pitchFamily="2" charset="2"/>
+            </a:endParaRPr>
           </a:p>
           <a:p>
             <a:pPr lvl="1"/>
@@ -10344,8 +10397,27 @@
               <a:rPr lang="es-ES" dirty="0">
                 <a:sym typeface="Wingdings" panose="05000000000000000000" pitchFamily="2" charset="2"/>
               </a:rPr>
-              <a:t>  PUT</a:t>
-            </a:r>
+              <a:t>  PUT  </a:t>
+            </a:r>
+            <a:r>
+              <a:rPr lang="es-ES" dirty="0" err="1"/>
+              <a:t>crow</a:t>
+            </a:r>
+            <a:r>
+              <a:rPr lang="es-ES" dirty="0"/>
+              <a:t>::</a:t>
+            </a:r>
+            <a:r>
+              <a:rPr lang="es-ES" dirty="0" err="1"/>
+              <a:t>HTTPMethod</a:t>
+            </a:r>
+            <a:r>
+              <a:rPr lang="es-ES" dirty="0"/>
+              <a:t>::PUT</a:t>
+            </a:r>
+            <a:endParaRPr lang="es-ES" dirty="0">
+              <a:sym typeface="Wingdings" panose="05000000000000000000" pitchFamily="2" charset="2"/>
+            </a:endParaRPr>
           </a:p>
           <a:p>
             <a:pPr lvl="1"/>
@@ -10397,8 +10469,31 @@
               <a:rPr lang="es-ES" dirty="0">
                 <a:sym typeface="Wingdings" panose="05000000000000000000" pitchFamily="2" charset="2"/>
               </a:rPr>
-              <a:t>  DELETE</a:t>
-            </a:r>
+              <a:t>  DELETE  </a:t>
+            </a:r>
+            <a:r>
+              <a:rPr lang="es-ES" dirty="0" err="1"/>
+              <a:t>crow</a:t>
+            </a:r>
+            <a:r>
+              <a:rPr lang="es-ES" dirty="0"/>
+              <a:t>::</a:t>
+            </a:r>
+            <a:r>
+              <a:rPr lang="es-ES" dirty="0" err="1"/>
+              <a:t>HTTPMethod</a:t>
+            </a:r>
+            <a:r>
+              <a:rPr lang="es-ES" dirty="0"/>
+              <a:t>::</a:t>
+            </a:r>
+            <a:r>
+              <a:rPr lang="es-ES" dirty="0" err="1"/>
+              <a:t>Delete</a:t>
+            </a:r>
+            <a:endParaRPr lang="es-ES" dirty="0">
+              <a:sym typeface="Wingdings" panose="05000000000000000000" pitchFamily="2" charset="2"/>
+            </a:endParaRPr>
           </a:p>
           <a:p>
             <a:pPr lvl="1"/>
@@ -10516,7 +10611,7 @@
           <a:p>
             <a:r>
               <a:rPr lang="es-ES" dirty="0"/>
-              <a:t>Formato de las peticiones</a:t>
+              <a:t>Parámetros en las peticiones</a:t>
             </a:r>
           </a:p>
         </p:txBody>
@@ -10539,10 +10634,245 @@
         </p:nvSpPr>
         <p:spPr/>
         <p:txBody>
-          <a:bodyPr/>
-          <a:lstStyle/>
-          <a:p>
-            <a:endParaRPr lang="es-ES"/>
+          <a:bodyPr>
+            <a:normAutofit fontScale="92500" lnSpcReduction="20000"/>
+          </a:bodyPr>
+          <a:lstStyle/>
+          <a:p>
+            <a:r>
+              <a:rPr lang="es-ES" dirty="0"/>
+              <a:t>Necesitamos un objeto: </a:t>
+            </a:r>
+            <a:r>
+              <a:rPr lang="es-ES" b="1" dirty="0" err="1"/>
+              <a:t>crow</a:t>
+            </a:r>
+            <a:r>
+              <a:rPr lang="es-ES" b="1" dirty="0"/>
+              <a:t>::</a:t>
+            </a:r>
+            <a:r>
+              <a:rPr lang="es-ES" b="1" dirty="0" err="1"/>
+              <a:t>SimpleApp</a:t>
+            </a:r>
+            <a:r>
+              <a:rPr lang="es-ES" b="1" dirty="0"/>
+              <a:t> app;</a:t>
+            </a:r>
+          </a:p>
+          <a:p>
+            <a:r>
+              <a:rPr lang="es-ES" dirty="0"/>
+              <a:t>Sobre este se van definiendo las rutas y los métodos:</a:t>
+            </a:r>
+          </a:p>
+          <a:p>
+            <a:r>
+              <a:rPr lang="en-US" dirty="0"/>
+              <a:t>CROW_ROUTE(</a:t>
+            </a:r>
+            <a:r>
+              <a:rPr lang="en-US" b="1" dirty="0"/>
+              <a:t>app</a:t>
+            </a:r>
+            <a:r>
+              <a:rPr lang="en-US" dirty="0"/>
+              <a:t>, /</a:t>
+            </a:r>
+            <a:r>
+              <a:rPr lang="en-US" dirty="0" err="1"/>
+              <a:t>ruta</a:t>
+            </a:r>
+            <a:r>
+              <a:rPr lang="en-US" dirty="0"/>
+              <a:t>").methods(</a:t>
+            </a:r>
+            <a:r>
+              <a:rPr lang="en-US" b="1" dirty="0" err="1"/>
+              <a:t>método</a:t>
+            </a:r>
+            <a:r>
+              <a:rPr lang="en-US" dirty="0"/>
+              <a:t>)(</a:t>
+            </a:r>
+            <a:r>
+              <a:rPr lang="en-US" b="1" dirty="0"/>
+              <a:t>lambda</a:t>
+            </a:r>
+            <a:r>
+              <a:rPr lang="en-US" dirty="0"/>
+              <a:t>) {}</a:t>
+            </a:r>
+          </a:p>
+          <a:p>
+            <a:endParaRPr lang="en-US" dirty="0"/>
+          </a:p>
+          <a:p>
+            <a:pPr marL="0" indent="0">
+              <a:buNone/>
+            </a:pPr>
+            <a:r>
+              <a:rPr lang="en-US" dirty="0"/>
+              <a:t>CROW_ROUTE(</a:t>
+            </a:r>
+            <a:r>
+              <a:rPr lang="en-US" b="1" dirty="0"/>
+              <a:t>app</a:t>
+            </a:r>
+            <a:r>
+              <a:rPr lang="en-US" dirty="0"/>
+              <a:t>, "/</a:t>
+            </a:r>
+            <a:r>
+              <a:rPr lang="en-US" b="1" dirty="0" err="1"/>
+              <a:t>ruta</a:t>
+            </a:r>
+            <a:r>
+              <a:rPr lang="en-US" dirty="0"/>
+              <a:t>")</a:t>
+            </a:r>
+          </a:p>
+          <a:p>
+            <a:pPr marL="0" indent="0">
+              <a:buNone/>
+            </a:pPr>
+            <a:r>
+              <a:rPr lang="en-US" dirty="0"/>
+              <a:t>    .methods("</a:t>
+            </a:r>
+            <a:r>
+              <a:rPr lang="en-US" dirty="0" err="1"/>
+              <a:t>GET"_method</a:t>
+            </a:r>
+            <a:r>
+              <a:rPr lang="en-US" dirty="0"/>
+              <a:t>, "</a:t>
+            </a:r>
+            <a:r>
+              <a:rPr lang="en-US" dirty="0" err="1"/>
+              <a:t>POST"_method</a:t>
+            </a:r>
+            <a:r>
+              <a:rPr lang="en-US" dirty="0"/>
+              <a:t>)  // </a:t>
+            </a:r>
+            <a:r>
+              <a:rPr lang="en-US" dirty="0" err="1"/>
+              <a:t>Opcional</a:t>
+            </a:r>
+            <a:r>
+              <a:rPr lang="en-US" dirty="0"/>
+              <a:t>: </a:t>
+            </a:r>
+            <a:r>
+              <a:rPr lang="en-US" dirty="0" err="1"/>
+              <a:t>especifica</a:t>
+            </a:r>
+            <a:r>
+              <a:rPr lang="en-US" dirty="0"/>
+              <a:t> </a:t>
+            </a:r>
+            <a:r>
+              <a:rPr lang="en-US" dirty="0" err="1"/>
+              <a:t>métodos</a:t>
+            </a:r>
+            <a:endParaRPr lang="en-US" dirty="0"/>
+          </a:p>
+          <a:p>
+            <a:pPr marL="0" indent="0">
+              <a:buNone/>
+            </a:pPr>
+            <a:r>
+              <a:rPr lang="en-US" dirty="0"/>
+              <a:t>    ([](const crow::request&amp; </a:t>
+            </a:r>
+            <a:r>
+              <a:rPr lang="en-US" b="1" dirty="0"/>
+              <a:t>req</a:t>
+            </a:r>
+            <a:r>
+              <a:rPr lang="en-US" dirty="0"/>
+              <a:t>){</a:t>
+            </a:r>
+          </a:p>
+          <a:p>
+            <a:pPr marL="0" indent="0">
+              <a:buNone/>
+            </a:pPr>
+            <a:r>
+              <a:rPr lang="en-US" dirty="0"/>
+              <a:t>        // </a:t>
+            </a:r>
+            <a:r>
+              <a:rPr lang="en-US" dirty="0" err="1"/>
+              <a:t>Aquí</a:t>
+            </a:r>
+            <a:r>
+              <a:rPr lang="en-US" dirty="0"/>
+              <a:t> </a:t>
+            </a:r>
+            <a:r>
+              <a:rPr lang="en-US" dirty="0" err="1"/>
+              <a:t>va</a:t>
+            </a:r>
+            <a:r>
+              <a:rPr lang="en-US" dirty="0"/>
+              <a:t> </a:t>
+            </a:r>
+            <a:r>
+              <a:rPr lang="en-US" dirty="0" err="1"/>
+              <a:t>tu</a:t>
+            </a:r>
+            <a:r>
+              <a:rPr lang="en-US" dirty="0"/>
+              <a:t> </a:t>
+            </a:r>
+            <a:r>
+              <a:rPr lang="en-US" dirty="0" err="1"/>
+              <a:t>lógica</a:t>
+            </a:r>
+            <a:endParaRPr lang="en-US" dirty="0"/>
+          </a:p>
+          <a:p>
+            <a:pPr marL="0" indent="0">
+              <a:buNone/>
+            </a:pPr>
+            <a:r>
+              <a:rPr lang="en-US" dirty="0"/>
+              <a:t>        return crow::response("Hola </a:t>
+            </a:r>
+            <a:r>
+              <a:rPr lang="en-US" dirty="0" err="1"/>
+              <a:t>mundo</a:t>
+            </a:r>
+            <a:r>
+              <a:rPr lang="en-US" dirty="0"/>
+              <a:t>");</a:t>
+            </a:r>
+          </a:p>
+          <a:p>
+            <a:pPr marL="0" indent="0">
+              <a:buNone/>
+            </a:pPr>
+            <a:r>
+              <a:rPr lang="en-US" dirty="0"/>
+              <a:t>    });</a:t>
+            </a:r>
+          </a:p>
+          <a:p>
+            <a:pPr marL="0" indent="0">
+              <a:buNone/>
+            </a:pPr>
+            <a:endParaRPr lang="en-US" dirty="0"/>
+          </a:p>
+          <a:p>
+            <a:endParaRPr lang="en-US" dirty="0"/>
+          </a:p>
+          <a:p>
+            <a:endParaRPr lang="en-US" dirty="0"/>
+          </a:p>
+          <a:p>
+            <a:endParaRPr lang="en-US" dirty="0"/>
           </a:p>
         </p:txBody>
       </p:sp>
@@ -10572,6 +10902,112 @@
               <a:t>38</a:t>
             </a:fld>
             <a:endParaRPr lang="es-ES"/>
+          </a:p>
+        </p:txBody>
+      </p:sp>
+      <p:sp>
+        <p:nvSpPr>
+          <p:cNvPr id="7" name="CuadroTexto 6">
+            <a:extLst>
+              <a:ext uri="{FF2B5EF4-FFF2-40B4-BE49-F238E27FC236}">
+                <a16:creationId xmlns:a16="http://schemas.microsoft.com/office/drawing/2014/main" id="{B1EDEAE6-A019-D3F7-4864-36E1EDA05C1B}"/>
+              </a:ext>
+            </a:extLst>
+          </p:cNvPr>
+          <p:cNvSpPr txBox="1"/>
+          <p:nvPr/>
+        </p:nvSpPr>
+        <p:spPr>
+          <a:xfrm>
+            <a:off x="7372952" y="4822257"/>
+            <a:ext cx="3647537" cy="1754326"/>
+          </a:xfrm>
+          <a:prstGeom prst="rect">
+            <a:avLst/>
+          </a:prstGeom>
+          <a:solidFill>
+            <a:schemeClr val="accent1">
+              <a:lumMod val="60000"/>
+              <a:lumOff val="40000"/>
+            </a:schemeClr>
+          </a:solidFill>
+          <a:ln>
+            <a:solidFill>
+              <a:schemeClr val="tx1"/>
+            </a:solidFill>
+          </a:ln>
+        </p:spPr>
+        <p:txBody>
+          <a:bodyPr wrap="none" rtlCol="0">
+            <a:spAutoFit/>
+          </a:bodyPr>
+          <a:lstStyle/>
+          <a:p>
+            <a:r>
+              <a:rPr lang="es-ES" b="1" dirty="0"/>
+              <a:t>app</a:t>
+            </a:r>
+            <a:r>
+              <a:rPr lang="es-ES" dirty="0"/>
+              <a:t>: instancia de </a:t>
+            </a:r>
+            <a:r>
+              <a:rPr lang="es-ES" dirty="0" err="1"/>
+              <a:t>crow</a:t>
+            </a:r>
+            <a:r>
+              <a:rPr lang="es-ES" dirty="0"/>
+              <a:t>::</a:t>
+            </a:r>
+            <a:r>
+              <a:rPr lang="es-ES" dirty="0" err="1"/>
+              <a:t>SimpleApp</a:t>
+            </a:r>
+            <a:endParaRPr lang="es-ES" dirty="0"/>
+          </a:p>
+          <a:p>
+            <a:endParaRPr lang="es-ES" dirty="0"/>
+          </a:p>
+          <a:p>
+            <a:r>
+              <a:rPr lang="es-ES" dirty="0"/>
+              <a:t>"/</a:t>
+            </a:r>
+            <a:r>
+              <a:rPr lang="es-ES" b="1" dirty="0"/>
+              <a:t>ruta</a:t>
+            </a:r>
+            <a:r>
+              <a:rPr lang="es-ES" dirty="0"/>
+              <a:t>": URL que responde</a:t>
+            </a:r>
+          </a:p>
+          <a:p>
+            <a:endParaRPr lang="es-ES" dirty="0"/>
+          </a:p>
+          <a:p>
+            <a:r>
+              <a:rPr lang="es-ES" b="1" dirty="0" err="1"/>
+              <a:t>req</a:t>
+            </a:r>
+            <a:r>
+              <a:rPr lang="es-ES" dirty="0"/>
+              <a:t>: objeto que contiene </a:t>
+            </a:r>
+            <a:r>
+              <a:rPr lang="es-ES" dirty="0" err="1"/>
+              <a:t>headers</a:t>
+            </a:r>
+            <a:r>
+              <a:rPr lang="es-ES" dirty="0"/>
+              <a:t>, </a:t>
+            </a:r>
+          </a:p>
+          <a:p>
+            <a:r>
+              <a:rPr lang="es-ES" dirty="0"/>
+              <a:t>cuerpo, método, etc.</a:t>
+            </a:r>
           </a:p>
         </p:txBody>
       </p:sp>
@@ -10610,7 +11046,7 @@
           <p:cNvPr id="2" name="Título 1">
             <a:extLst>
               <a:ext uri="{FF2B5EF4-FFF2-40B4-BE49-F238E27FC236}">
-                <a16:creationId xmlns:a16="http://schemas.microsoft.com/office/drawing/2014/main" id="{15B21DFB-606B-E84D-E540-1238D47F3953}"/>
+                <a16:creationId xmlns:a16="http://schemas.microsoft.com/office/drawing/2014/main" id="{58BEF225-9FD8-FC29-8C09-54DA7467FD49}"/>
               </a:ext>
             </a:extLst>
           </p:cNvPr>
@@ -10626,7 +11062,10 @@
           <a:bodyPr/>
           <a:lstStyle/>
           <a:p>
-            <a:endParaRPr lang="es-ES"/>
+            <a:r>
+              <a:rPr lang="es-ES" dirty="0"/>
+              <a:t>Formato de las lambdas</a:t>
+            </a:r>
           </a:p>
         </p:txBody>
       </p:sp>
@@ -10635,7 +11074,7 @@
           <p:cNvPr id="3" name="Marcador de contenido 2">
             <a:extLst>
               <a:ext uri="{FF2B5EF4-FFF2-40B4-BE49-F238E27FC236}">
-                <a16:creationId xmlns:a16="http://schemas.microsoft.com/office/drawing/2014/main" id="{A7A277CF-A8F9-7FBB-EBC9-1BCB8CE9DE09}"/>
+                <a16:creationId xmlns:a16="http://schemas.microsoft.com/office/drawing/2014/main" id="{E8F24E55-3F05-6E92-D647-41BF753F07EA}"/>
               </a:ext>
             </a:extLst>
           </p:cNvPr>
@@ -10648,10 +11087,115 @@
         </p:nvSpPr>
         <p:spPr/>
         <p:txBody>
-          <a:bodyPr/>
-          <a:lstStyle/>
-          <a:p>
-            <a:endParaRPr lang="es-ES"/>
+          <a:bodyPr>
+            <a:normAutofit lnSpcReduction="10000"/>
+          </a:bodyPr>
+          <a:lstStyle/>
+          <a:p>
+            <a:r>
+              <a:rPr lang="es-ES" dirty="0"/>
+              <a:t>Sin parámetros:</a:t>
+            </a:r>
+          </a:p>
+          <a:p>
+            <a:pPr marL="457200" lvl="1" indent="0">
+              <a:buNone/>
+            </a:pPr>
+            <a:r>
+              <a:rPr lang="en-US" dirty="0"/>
+              <a:t>CROW_ROUTE(app, "/ping")</a:t>
+            </a:r>
+          </a:p>
+          <a:p>
+            <a:pPr marL="457200" lvl="1" indent="0">
+              <a:buNone/>
+            </a:pPr>
+            <a:r>
+              <a:rPr lang="en-US" dirty="0"/>
+              <a:t>([](){</a:t>
+            </a:r>
+          </a:p>
+          <a:p>
+            <a:pPr marL="457200" lvl="1" indent="0">
+              <a:buNone/>
+            </a:pPr>
+            <a:r>
+              <a:rPr lang="en-US" dirty="0"/>
+              <a:t>    return "pong";</a:t>
+            </a:r>
+          </a:p>
+          <a:p>
+            <a:pPr marL="457200" lvl="1" indent="0">
+              <a:buNone/>
+            </a:pPr>
+            <a:r>
+              <a:rPr lang="en-US" dirty="0"/>
+              <a:t>});</a:t>
+            </a:r>
+          </a:p>
+          <a:p>
+            <a:endParaRPr lang="es-ES" dirty="0"/>
+          </a:p>
+          <a:p>
+            <a:r>
+              <a:rPr lang="es-ES" dirty="0"/>
+              <a:t>Con acceso al cuerpo de la petición:</a:t>
+            </a:r>
+          </a:p>
+          <a:p>
+            <a:pPr marL="457200" lvl="1" indent="0">
+              <a:buNone/>
+            </a:pPr>
+            <a:r>
+              <a:rPr lang="en-US" dirty="0"/>
+              <a:t>CROW_ROUTE(app, "/echo").methods("</a:t>
+            </a:r>
+            <a:r>
+              <a:rPr lang="en-US" dirty="0" err="1"/>
+              <a:t>POST"_method</a:t>
+            </a:r>
+            <a:r>
+              <a:rPr lang="en-US" dirty="0"/>
+              <a:t>)</a:t>
+            </a:r>
+          </a:p>
+          <a:p>
+            <a:pPr marL="457200" lvl="1" indent="0">
+              <a:buNone/>
+            </a:pPr>
+            <a:r>
+              <a:rPr lang="en-US" dirty="0"/>
+              <a:t>([](const crow::request&amp; req){</a:t>
+            </a:r>
+          </a:p>
+          <a:p>
+            <a:pPr marL="457200" lvl="1" indent="0">
+              <a:buNone/>
+            </a:pPr>
+            <a:r>
+              <a:rPr lang="en-US" dirty="0"/>
+              <a:t>    return crow::response(</a:t>
+            </a:r>
+            <a:r>
+              <a:rPr lang="en-US" dirty="0" err="1"/>
+              <a:t>req.body</a:t>
+            </a:r>
+            <a:r>
+              <a:rPr lang="en-US" dirty="0"/>
+              <a:t>);</a:t>
+            </a:r>
+          </a:p>
+          <a:p>
+            <a:pPr marL="457200" lvl="1" indent="0">
+              <a:buNone/>
+            </a:pPr>
+            <a:r>
+              <a:rPr lang="en-US" dirty="0"/>
+              <a:t>});</a:t>
+            </a:r>
+          </a:p>
+          <a:p>
+            <a:endParaRPr lang="es-ES" dirty="0"/>
           </a:p>
         </p:txBody>
       </p:sp>
@@ -10660,7 +11204,7 @@
           <p:cNvPr id="4" name="Marcador de número de diapositiva 3">
             <a:extLst>
               <a:ext uri="{FF2B5EF4-FFF2-40B4-BE49-F238E27FC236}">
-                <a16:creationId xmlns:a16="http://schemas.microsoft.com/office/drawing/2014/main" id="{E2FDB5B9-9D91-F95A-EAB4-9D79D2E37DF6}"/>
+                <a16:creationId xmlns:a16="http://schemas.microsoft.com/office/drawing/2014/main" id="{833ACB58-B7CC-022C-0678-3E60E74C2BD6}"/>
               </a:ext>
             </a:extLst>
           </p:cNvPr>
@@ -10687,7 +11231,7 @@
     </p:spTree>
     <p:extLst>
       <p:ext uri="{BB962C8B-B14F-4D97-AF65-F5344CB8AC3E}">
-        <p14:creationId xmlns:p14="http://schemas.microsoft.com/office/powerpoint/2010/main" val="1758322540"/>
+        <p14:creationId xmlns:p14="http://schemas.microsoft.com/office/powerpoint/2010/main" val="2409161557"/>
       </p:ext>
     </p:extLst>
   </p:cSld>
@@ -10997,47 +11541,110 @@
       </p:grpSpPr>
       <p:sp>
         <p:nvSpPr>
-          <p:cNvPr id="5" name="Título 4">
-            <a:extLst>
-              <a:ext uri="{FF2B5EF4-FFF2-40B4-BE49-F238E27FC236}">
-                <a16:creationId xmlns:a16="http://schemas.microsoft.com/office/drawing/2014/main" id="{ECC6999A-7A1C-8CC7-7D39-52F9148A60B1}"/>
-              </a:ext>
-            </a:extLst>
-          </p:cNvPr>
-          <p:cNvSpPr>
-            <a:spLocks noGrp="1"/>
-          </p:cNvSpPr>
-          <p:nvPr>
-            <p:ph type="ctrTitle"/>
-          </p:nvPr>
-        </p:nvSpPr>
-        <p:spPr>
-          <a:xfrm>
-            <a:off x="1618268" y="1970775"/>
-            <a:ext cx="9144000" cy="2387600"/>
-          </a:xfrm>
-        </p:spPr>
-        <p:txBody>
-          <a:bodyPr/>
-          <a:lstStyle/>
-          <a:p>
-            <a:r>
-              <a:rPr lang="es-ES" b="1" dirty="0"/>
-              <a:t>Protocolos HTTP, </a:t>
+          <p:cNvPr id="2" name="Título 1">
+            <a:extLst>
+              <a:ext uri="{FF2B5EF4-FFF2-40B4-BE49-F238E27FC236}">
+                <a16:creationId xmlns:a16="http://schemas.microsoft.com/office/drawing/2014/main" id="{DC5EF0DF-A038-967B-9EAD-C4F373953326}"/>
+              </a:ext>
+            </a:extLst>
+          </p:cNvPr>
+          <p:cNvSpPr>
+            <a:spLocks noGrp="1"/>
+          </p:cNvSpPr>
+          <p:nvPr>
+            <p:ph type="title"/>
+          </p:nvPr>
+        </p:nvSpPr>
+        <p:spPr/>
+        <p:txBody>
+          <a:bodyPr/>
+          <a:lstStyle/>
+          <a:p>
+            <a:r>
+              <a:rPr lang="es-ES" dirty="0"/>
+              <a:t>Con parámetros en la URL</a:t>
+            </a:r>
+          </a:p>
+        </p:txBody>
+      </p:sp>
+      <p:sp>
+        <p:nvSpPr>
+          <p:cNvPr id="3" name="Marcador de contenido 2">
+            <a:extLst>
+              <a:ext uri="{FF2B5EF4-FFF2-40B4-BE49-F238E27FC236}">
+                <a16:creationId xmlns:a16="http://schemas.microsoft.com/office/drawing/2014/main" id="{1AECF1C6-3399-DD3D-1E70-E04CC0A13300}"/>
+              </a:ext>
+            </a:extLst>
+          </p:cNvPr>
+          <p:cNvSpPr>
+            <a:spLocks noGrp="1"/>
+          </p:cNvSpPr>
+          <p:nvPr>
+            <p:ph idx="1"/>
+          </p:nvPr>
+        </p:nvSpPr>
+        <p:spPr/>
+        <p:txBody>
+          <a:bodyPr/>
+          <a:lstStyle/>
+          <a:p>
+            <a:r>
+              <a:rPr lang="es-ES" dirty="0"/>
+              <a:t>CROW_ROUTE(app, "/saludo/&lt;</a:t>
             </a:r>
             <a:r>
               <a:rPr lang="es-ES" b="1" dirty="0" err="1"/>
-              <a:t>HTTPs</a:t>
-            </a:r>
-            <a:r>
-              <a:rPr lang="es-ES" b="1" dirty="0"/>
-              <a:t> y </a:t>
-            </a:r>
-            <a:r>
-              <a:rPr lang="es-ES" b="1" dirty="0" err="1"/>
-              <a:t>WebSockets</a:t>
-            </a:r>
-            <a:endParaRPr lang="es-ES" b="1" dirty="0"/>
+              <a:t>string</a:t>
+            </a:r>
+            <a:r>
+              <a:rPr lang="es-ES" dirty="0"/>
+              <a:t>&gt;")</a:t>
+            </a:r>
+          </a:p>
+          <a:p>
+            <a:r>
+              <a:rPr lang="es-ES" dirty="0"/>
+              <a:t>([](</a:t>
+            </a:r>
+            <a:r>
+              <a:rPr lang="es-ES" dirty="0" err="1"/>
+              <a:t>std</a:t>
+            </a:r>
+            <a:r>
+              <a:rPr lang="es-ES" dirty="0"/>
+              <a:t>::</a:t>
+            </a:r>
+            <a:r>
+              <a:rPr lang="es-ES" dirty="0" err="1"/>
+              <a:t>string</a:t>
+            </a:r>
+            <a:r>
+              <a:rPr lang="es-ES" dirty="0"/>
+              <a:t> nombre){</a:t>
+            </a:r>
+          </a:p>
+          <a:p>
+            <a:r>
+              <a:rPr lang="es-ES" dirty="0"/>
+              <a:t>    </a:t>
+            </a:r>
+            <a:r>
+              <a:rPr lang="es-ES" dirty="0" err="1"/>
+              <a:t>return</a:t>
+            </a:r>
+            <a:r>
+              <a:rPr lang="es-ES" dirty="0"/>
+              <a:t> "Hola " + nombre;</a:t>
+            </a:r>
+          </a:p>
+          <a:p>
+            <a:r>
+              <a:rPr lang="es-ES" dirty="0"/>
+              <a:t>});</a:t>
+            </a:r>
+          </a:p>
+          <a:p>
+            <a:endParaRPr lang="es-ES" dirty="0"/>
           </a:p>
         </p:txBody>
       </p:sp>
@@ -11046,7 +11653,7 @@
           <p:cNvPr id="4" name="Marcador de número de diapositiva 3">
             <a:extLst>
               <a:ext uri="{FF2B5EF4-FFF2-40B4-BE49-F238E27FC236}">
-                <a16:creationId xmlns:a16="http://schemas.microsoft.com/office/drawing/2014/main" id="{22D54114-6E34-AFCD-E17D-AB247128EEE0}"/>
+                <a16:creationId xmlns:a16="http://schemas.microsoft.com/office/drawing/2014/main" id="{F7EAEFF6-9D9F-3788-FCBB-52A6074DCAAB}"/>
               </a:ext>
             </a:extLst>
           </p:cNvPr>
@@ -11062,7 +11669,7 @@
           <a:bodyPr/>
           <a:lstStyle/>
           <a:p>
-            <a:fld id="{FE1ACEE4-8B3E-4875-98A0-9A2521022ECF}" type="slidenum">
+            <a:fld id="{A6EC93C0-D482-4F60-811A-DF574DBC2A85}" type="slidenum">
               <a:rPr lang="es-ES" smtClean="0"/>
               <a:t>40</a:t>
             </a:fld>
@@ -11073,7 +11680,7 @@
     </p:spTree>
     <p:extLst>
       <p:ext uri="{BB962C8B-B14F-4D97-AF65-F5344CB8AC3E}">
-        <p14:creationId xmlns:p14="http://schemas.microsoft.com/office/powerpoint/2010/main" val="3576769305"/>
+        <p14:creationId xmlns:p14="http://schemas.microsoft.com/office/powerpoint/2010/main" val="1427448920"/>
       </p:ext>
     </p:extLst>
   </p:cSld>
@@ -11105,7 +11712,7 @@
           <p:cNvPr id="2" name="Título 1">
             <a:extLst>
               <a:ext uri="{FF2B5EF4-FFF2-40B4-BE49-F238E27FC236}">
-                <a16:creationId xmlns:a16="http://schemas.microsoft.com/office/drawing/2014/main" id="{50EFA297-DCE7-38AF-9582-22669B227B60}"/>
+                <a16:creationId xmlns:a16="http://schemas.microsoft.com/office/drawing/2014/main" id="{15B21DFB-606B-E84D-E540-1238D47F3953}"/>
               </a:ext>
             </a:extLst>
           </p:cNvPr>
@@ -11123,79 +11730,7 @@
           <a:p>
             <a:r>
               <a:rPr lang="es-ES" dirty="0"/>
-              <a:t>HTTP</a:t>
-            </a:r>
-          </a:p>
-        </p:txBody>
-      </p:sp>
-      <p:sp>
-        <p:nvSpPr>
-          <p:cNvPr id="3" name="Marcador de contenido 2">
-            <a:extLst>
-              <a:ext uri="{FF2B5EF4-FFF2-40B4-BE49-F238E27FC236}">
-                <a16:creationId xmlns:a16="http://schemas.microsoft.com/office/drawing/2014/main" id="{F64D52EE-11BA-B1CF-F3DB-58C2196448F5}"/>
-              </a:ext>
-            </a:extLst>
-          </p:cNvPr>
-          <p:cNvSpPr>
-            <a:spLocks noGrp="1"/>
-          </p:cNvSpPr>
-          <p:nvPr>
-            <p:ph idx="1"/>
-          </p:nvPr>
-        </p:nvSpPr>
-        <p:spPr/>
-        <p:txBody>
-          <a:bodyPr>
-            <a:normAutofit fontScale="85000" lnSpcReduction="20000"/>
-          </a:bodyPr>
-          <a:lstStyle/>
-          <a:p>
-            <a:r>
-              <a:rPr lang="es-ES" dirty="0"/>
-              <a:t>Es el protocolo base de la web. Permite la comunicación entre clientes (como navegadores) y servidores mediante un modelo solicitud-respuesta.</a:t>
-            </a:r>
-          </a:p>
-          <a:p>
-            <a:endParaRPr lang="es-ES" dirty="0"/>
-          </a:p>
-          <a:p>
-            <a:r>
-              <a:rPr lang="es-ES" dirty="0"/>
-              <a:t>Características:</a:t>
-            </a:r>
-          </a:p>
-          <a:p>
-            <a:r>
-              <a:rPr lang="es-ES" dirty="0"/>
-              <a:t>Unidireccional: El cliente envía una solicitud, el servidor responde.</a:t>
-            </a:r>
-          </a:p>
-          <a:p>
-            <a:endParaRPr lang="es-ES" dirty="0"/>
-          </a:p>
-          <a:p>
-            <a:r>
-              <a:rPr lang="es-ES" dirty="0"/>
-              <a:t>Sin estado: No guarda información entre solicitudes (aunque puede usarse con cookies o sesiones).</a:t>
-            </a:r>
-          </a:p>
-          <a:p>
-            <a:endParaRPr lang="es-ES" dirty="0"/>
-          </a:p>
-          <a:p>
-            <a:r>
-              <a:rPr lang="es-ES" dirty="0"/>
-              <a:t>Usa el puerto 80 por defecto.</a:t>
-            </a:r>
-          </a:p>
-          <a:p>
-            <a:endParaRPr lang="es-ES" dirty="0"/>
-          </a:p>
-          <a:p>
-            <a:r>
-              <a:rPr lang="es-ES" dirty="0"/>
-              <a:t>Formato textual: Las solicitudes y respuestas son legibles y estructuradas.</a:t>
+              <a:t>Tipo de los parámetros en las peticiones</a:t>
             </a:r>
           </a:p>
         </p:txBody>
@@ -11205,7 +11740,7 @@
           <p:cNvPr id="4" name="Marcador de número de diapositiva 3">
             <a:extLst>
               <a:ext uri="{FF2B5EF4-FFF2-40B4-BE49-F238E27FC236}">
-                <a16:creationId xmlns:a16="http://schemas.microsoft.com/office/drawing/2014/main" id="{BB238E83-12A7-17A3-07C7-538C87A7AE56}"/>
+                <a16:creationId xmlns:a16="http://schemas.microsoft.com/office/drawing/2014/main" id="{E2FDB5B9-9D91-F95A-EAB4-9D79D2E37DF6}"/>
               </a:ext>
             </a:extLst>
           </p:cNvPr>
@@ -11221,7 +11756,7 @@
           <a:bodyPr/>
           <a:lstStyle/>
           <a:p>
-            <a:fld id="{FE1ACEE4-8B3E-4875-98A0-9A2521022ECF}" type="slidenum">
+            <a:fld id="{A6EC93C0-D482-4F60-811A-DF574DBC2A85}" type="slidenum">
               <a:rPr lang="es-ES" smtClean="0"/>
               <a:t>41</a:t>
             </a:fld>
@@ -11229,10 +11764,109 @@
           </a:p>
         </p:txBody>
       </p:sp>
+      <p:pic>
+        <p:nvPicPr>
+          <p:cNvPr id="8" name="Imagen 7">
+            <a:extLst>
+              <a:ext uri="{FF2B5EF4-FFF2-40B4-BE49-F238E27FC236}">
+                <a16:creationId xmlns:a16="http://schemas.microsoft.com/office/drawing/2014/main" id="{C81EF03B-1034-0413-1665-8DFEBA6580BD}"/>
+              </a:ext>
+            </a:extLst>
+          </p:cNvPr>
+          <p:cNvPicPr>
+            <a:picLocks noChangeAspect="1"/>
+          </p:cNvPicPr>
+          <p:nvPr/>
+        </p:nvPicPr>
+        <p:blipFill>
+          <a:blip r:embed="rId2"/>
+          <a:stretch>
+            <a:fillRect/>
+          </a:stretch>
+        </p:blipFill>
+        <p:spPr>
+          <a:xfrm>
+            <a:off x="765057" y="1373053"/>
+            <a:ext cx="9620602" cy="4583853"/>
+          </a:xfrm>
+          <a:prstGeom prst="rect">
+            <a:avLst/>
+          </a:prstGeom>
+        </p:spPr>
+      </p:pic>
+      <p:sp>
+        <p:nvSpPr>
+          <p:cNvPr id="9" name="CuadroTexto 8">
+            <a:extLst>
+              <a:ext uri="{FF2B5EF4-FFF2-40B4-BE49-F238E27FC236}">
+                <a16:creationId xmlns:a16="http://schemas.microsoft.com/office/drawing/2014/main" id="{CA5D45EA-2801-5880-2695-30093E58D9D7}"/>
+              </a:ext>
+            </a:extLst>
+          </p:cNvPr>
+          <p:cNvSpPr txBox="1"/>
+          <p:nvPr/>
+        </p:nvSpPr>
+        <p:spPr>
+          <a:xfrm>
+            <a:off x="838200" y="6266046"/>
+            <a:ext cx="3969485" cy="369332"/>
+          </a:xfrm>
+          <a:prstGeom prst="rect">
+            <a:avLst/>
+          </a:prstGeom>
+          <a:solidFill>
+            <a:schemeClr val="accent6">
+              <a:lumMod val="20000"/>
+              <a:lumOff val="80000"/>
+            </a:schemeClr>
+          </a:solidFill>
+          <a:ln>
+            <a:solidFill>
+              <a:schemeClr val="tx1"/>
+            </a:solidFill>
+          </a:ln>
+        </p:spPr>
+        <p:txBody>
+          <a:bodyPr wrap="none" rtlCol="0">
+            <a:spAutoFit/>
+          </a:bodyPr>
+          <a:lstStyle/>
+          <a:p>
+            <a:r>
+              <a:rPr lang="es-ES" b="1" dirty="0"/>
+              <a:t>/productos/&lt;</a:t>
+            </a:r>
+            <a:r>
+              <a:rPr lang="es-ES" b="1" dirty="0" err="1"/>
+              <a:t>int</a:t>
+            </a:r>
+            <a:r>
+              <a:rPr lang="es-ES" b="1" dirty="0"/>
+              <a:t>&gt;/&lt;</a:t>
+            </a:r>
+            <a:r>
+              <a:rPr lang="es-ES" b="1" dirty="0" err="1"/>
+              <a:t>double</a:t>
+            </a:r>
+            <a:r>
+              <a:rPr lang="es-ES" b="1" dirty="0"/>
+              <a:t>&gt;/&lt;</a:t>
+            </a:r>
+            <a:r>
+              <a:rPr lang="es-ES" b="1" dirty="0" err="1"/>
+              <a:t>string</a:t>
+            </a:r>
+            <a:r>
+              <a:rPr lang="es-ES" b="1" dirty="0"/>
+              <a:t>&gt;</a:t>
+            </a:r>
+          </a:p>
+        </p:txBody>
+      </p:sp>
     </p:spTree>
     <p:extLst>
       <p:ext uri="{BB962C8B-B14F-4D97-AF65-F5344CB8AC3E}">
-        <p14:creationId xmlns:p14="http://schemas.microsoft.com/office/powerpoint/2010/main" val="321893107"/>
+        <p14:creationId xmlns:p14="http://schemas.microsoft.com/office/powerpoint/2010/main" val="1758322540"/>
       </p:ext>
     </p:extLst>
   </p:cSld>
@@ -11264,7 +11898,7 @@
           <p:cNvPr id="2" name="Título 1">
             <a:extLst>
               <a:ext uri="{FF2B5EF4-FFF2-40B4-BE49-F238E27FC236}">
-                <a16:creationId xmlns:a16="http://schemas.microsoft.com/office/drawing/2014/main" id="{5CB99181-EC00-A77B-2E00-656CF13968D7}"/>
+                <a16:creationId xmlns:a16="http://schemas.microsoft.com/office/drawing/2014/main" id="{CCF30F2D-9316-755E-8CB9-CADA03BF0E57}"/>
               </a:ext>
             </a:extLst>
           </p:cNvPr>
@@ -11281,51 +11915,80 @@
           <a:lstStyle/>
           <a:p>
             <a:r>
-              <a:rPr lang="es-ES" dirty="0" err="1"/>
-              <a:t>HTTPs</a:t>
-            </a:r>
+              <a:rPr lang="es-ES" dirty="0"/>
+              <a:t>Tipos de parámetros en las peticiones</a:t>
+            </a:r>
+          </a:p>
+        </p:txBody>
+      </p:sp>
+      <p:sp>
+        <p:nvSpPr>
+          <p:cNvPr id="3" name="Marcador de contenido 2">
+            <a:extLst>
+              <a:ext uri="{FF2B5EF4-FFF2-40B4-BE49-F238E27FC236}">
+                <a16:creationId xmlns:a16="http://schemas.microsoft.com/office/drawing/2014/main" id="{279BF09F-E37E-C7EF-4741-DAD8E842AA49}"/>
+              </a:ext>
+            </a:extLst>
+          </p:cNvPr>
+          <p:cNvSpPr>
+            <a:spLocks noGrp="1"/>
+          </p:cNvSpPr>
+          <p:nvPr>
+            <p:ph idx="1"/>
+          </p:nvPr>
+        </p:nvSpPr>
+        <p:spPr/>
+        <p:txBody>
+          <a:bodyPr>
+            <a:normAutofit fontScale="92500" lnSpcReduction="10000"/>
+          </a:bodyPr>
+          <a:lstStyle/>
+          <a:p>
+            <a:r>
+              <a:rPr lang="es-ES" dirty="0"/>
+              <a:t>Si el tipo no se puede convertir desde la URL, </a:t>
+            </a:r>
+            <a:r>
+              <a:rPr lang="es-ES" dirty="0" err="1"/>
+              <a:t>Crow</a:t>
+            </a:r>
+            <a:r>
+              <a:rPr lang="es-ES" dirty="0"/>
+              <a:t> devuelve automáticamente un error 404.</a:t>
+            </a:r>
+          </a:p>
+          <a:p>
             <a:endParaRPr lang="es-ES" dirty="0"/>
           </a:p>
-        </p:txBody>
-      </p:sp>
-      <p:sp>
-        <p:nvSpPr>
-          <p:cNvPr id="3" name="Marcador de contenido 2">
-            <a:extLst>
-              <a:ext uri="{FF2B5EF4-FFF2-40B4-BE49-F238E27FC236}">
-                <a16:creationId xmlns:a16="http://schemas.microsoft.com/office/drawing/2014/main" id="{3EEEAAB4-1181-622E-EFB4-47981DE0614C}"/>
-              </a:ext>
-            </a:extLst>
-          </p:cNvPr>
-          <p:cNvSpPr>
-            <a:spLocks noGrp="1"/>
-          </p:cNvSpPr>
-          <p:nvPr>
-            <p:ph idx="1"/>
-          </p:nvPr>
-        </p:nvSpPr>
-        <p:spPr/>
-        <p:txBody>
-          <a:bodyPr>
-            <a:normAutofit fontScale="92500" lnSpcReduction="20000"/>
-          </a:bodyPr>
-          <a:lstStyle/>
-          <a:p>
-            <a:r>
-              <a:rPr lang="es-ES" dirty="0"/>
-              <a:t>Http </a:t>
-            </a:r>
-            <a:r>
-              <a:rPr lang="es-ES" dirty="0" err="1"/>
-              <a:t>secure</a:t>
-            </a:r>
+          <a:p>
+            <a:r>
+              <a:rPr lang="es-ES" dirty="0"/>
+              <a:t>Los parámetros se extraen en el orden en que aparecen en la ruta.</a:t>
+            </a:r>
+          </a:p>
+          <a:p>
             <a:endParaRPr lang="es-ES" dirty="0"/>
           </a:p>
           <a:p>
-            <a:pPr lvl="1"/>
-            <a:r>
-              <a:rPr lang="es-ES" dirty="0"/>
-              <a:t>Es la versión segura de HTTP. Utiliza TLS/SSL para cifrar la comunicación entre cliente y servidor.</a:t>
+            <a:r>
+              <a:rPr lang="es-ES" dirty="0"/>
+              <a:t>No se puede usar tipos complejos directamente (como </a:t>
+            </a:r>
+            <a:r>
+              <a:rPr lang="es-ES" dirty="0" err="1"/>
+              <a:t>std</a:t>
+            </a:r>
+            <a:r>
+              <a:rPr lang="es-ES" dirty="0"/>
+              <a:t>::vector, </a:t>
+            </a:r>
+            <a:r>
+              <a:rPr lang="es-ES" dirty="0" err="1"/>
+              <a:t>struct</a:t>
+            </a:r>
+            <a:r>
+              <a:rPr lang="es-ES" dirty="0"/>
+              <a:t>, etc.) en rutas, pero sí dentro del cuerpo JSON de la petición.</a:t>
             </a:r>
           </a:p>
           <a:p>
@@ -11334,47 +11997,7 @@
           <a:p>
             <a:r>
               <a:rPr lang="es-ES" dirty="0"/>
-              <a:t>Características:</a:t>
-            </a:r>
-          </a:p>
-          <a:p>
-            <a:pPr lvl="1"/>
-            <a:r>
-              <a:rPr lang="es-ES" dirty="0"/>
-              <a:t>Cifrado de extremo a extremo: Protege datos sensibles como contraseñas o tarjetas.</a:t>
-            </a:r>
-          </a:p>
-          <a:p>
-            <a:pPr lvl="1"/>
-            <a:endParaRPr lang="es-ES" dirty="0"/>
-          </a:p>
-          <a:p>
-            <a:pPr lvl="1"/>
-            <a:r>
-              <a:rPr lang="es-ES" dirty="0"/>
-              <a:t>Autenticación: Verifica que estás hablando con el servidor correcto mediante certificados digitales.</a:t>
-            </a:r>
-          </a:p>
-          <a:p>
-            <a:pPr lvl="1"/>
-            <a:endParaRPr lang="es-ES" dirty="0"/>
-          </a:p>
-          <a:p>
-            <a:pPr lvl="1"/>
-            <a:r>
-              <a:rPr lang="es-ES" dirty="0"/>
-              <a:t>Integridad: Evita que los datos sean modificados durante la transmisión.</a:t>
-            </a:r>
-          </a:p>
-          <a:p>
-            <a:pPr lvl="1"/>
-            <a:endParaRPr lang="es-ES" dirty="0"/>
-          </a:p>
-          <a:p>
-            <a:pPr lvl="1"/>
-            <a:r>
-              <a:rPr lang="es-ES" dirty="0"/>
-              <a:t>Usa el puerto 443 por defecto.</a:t>
+              <a:t>Los parámetros definidos, tendrán que ser luego parámetros en las funciones lambda.</a:t>
             </a:r>
           </a:p>
         </p:txBody>
@@ -11384,7 +12007,7 @@
           <p:cNvPr id="4" name="Marcador de número de diapositiva 3">
             <a:extLst>
               <a:ext uri="{FF2B5EF4-FFF2-40B4-BE49-F238E27FC236}">
-                <a16:creationId xmlns:a16="http://schemas.microsoft.com/office/drawing/2014/main" id="{32B7950A-5D59-B96A-3145-E3EC0B834CC6}"/>
+                <a16:creationId xmlns:a16="http://schemas.microsoft.com/office/drawing/2014/main" id="{612A00DB-B0B0-D60D-91F4-1F455DCD4BA2}"/>
               </a:ext>
             </a:extLst>
           </p:cNvPr>
@@ -11400,7 +12023,7 @@
           <a:bodyPr/>
           <a:lstStyle/>
           <a:p>
-            <a:fld id="{FE1ACEE4-8B3E-4875-98A0-9A2521022ECF}" type="slidenum">
+            <a:fld id="{A6EC93C0-D482-4F60-811A-DF574DBC2A85}" type="slidenum">
               <a:rPr lang="es-ES" smtClean="0"/>
               <a:t>42</a:t>
             </a:fld>
@@ -11411,7 +12034,7 @@
     </p:spTree>
     <p:extLst>
       <p:ext uri="{BB962C8B-B14F-4D97-AF65-F5344CB8AC3E}">
-        <p14:creationId xmlns:p14="http://schemas.microsoft.com/office/powerpoint/2010/main" val="3281513645"/>
+        <p14:creationId xmlns:p14="http://schemas.microsoft.com/office/powerpoint/2010/main" val="1789825487"/>
       </p:ext>
     </p:extLst>
   </p:cSld>
@@ -11443,7 +12066,7 @@
           <p:cNvPr id="2" name="Título 1">
             <a:extLst>
               <a:ext uri="{FF2B5EF4-FFF2-40B4-BE49-F238E27FC236}">
-                <a16:creationId xmlns:a16="http://schemas.microsoft.com/office/drawing/2014/main" id="{63EA9DEF-D7E9-A444-2E53-68AF21CC6912}"/>
+                <a16:creationId xmlns:a16="http://schemas.microsoft.com/office/drawing/2014/main" id="{01BCF486-5487-C4AF-035A-8B289E66FBFE}"/>
               </a:ext>
             </a:extLst>
           </p:cNvPr>
@@ -11454,14 +12077,25 @@
             <p:ph type="title"/>
           </p:nvPr>
         </p:nvSpPr>
-        <p:spPr/>
-        <p:txBody>
-          <a:bodyPr/>
-          <a:lstStyle/>
-          <a:p>
-            <a:r>
-              <a:rPr lang="es-ES" dirty="0" err="1"/>
-              <a:t>WebSockets</a:t>
+        <p:spPr>
+          <a:xfrm>
+            <a:off x="838200" y="154358"/>
+            <a:ext cx="10515600" cy="901416"/>
+          </a:xfrm>
+        </p:spPr>
+        <p:txBody>
+          <a:bodyPr/>
+          <a:lstStyle/>
+          <a:p>
+            <a:r>
+              <a:rPr lang="es-ES" dirty="0"/>
+              <a:t>Asociación rutas </a:t>
+            </a:r>
+            <a:r>
+              <a:rPr lang="es-ES" dirty="0">
+                <a:sym typeface="Wingdings" panose="05000000000000000000" pitchFamily="2" charset="2"/>
+              </a:rPr>
+              <a:t> lambdas</a:t>
             </a:r>
             <a:endParaRPr lang="es-ES" dirty="0"/>
           </a:p>
@@ -11469,105 +12103,10 @@
       </p:sp>
       <p:sp>
         <p:nvSpPr>
-          <p:cNvPr id="3" name="Marcador de contenido 2">
-            <a:extLst>
-              <a:ext uri="{FF2B5EF4-FFF2-40B4-BE49-F238E27FC236}">
-                <a16:creationId xmlns:a16="http://schemas.microsoft.com/office/drawing/2014/main" id="{9574953E-8FAB-CE3E-5A83-D995F16E7F8C}"/>
-              </a:ext>
-            </a:extLst>
-          </p:cNvPr>
-          <p:cNvSpPr>
-            <a:spLocks noGrp="1"/>
-          </p:cNvSpPr>
-          <p:nvPr>
-            <p:ph idx="1"/>
-          </p:nvPr>
-        </p:nvSpPr>
-        <p:spPr/>
-        <p:txBody>
-          <a:bodyPr>
-            <a:normAutofit fontScale="92500" lnSpcReduction="10000"/>
-          </a:bodyPr>
-          <a:lstStyle/>
-          <a:p>
-            <a:r>
-              <a:rPr lang="es-ES" dirty="0"/>
-              <a:t>Es un protocolo de comunicación </a:t>
-            </a:r>
-            <a:r>
-              <a:rPr lang="es-ES" b="1" dirty="0"/>
-              <a:t>bidireccional y persistente</a:t>
-            </a:r>
-            <a:r>
-              <a:rPr lang="es-ES" dirty="0"/>
-              <a:t> que permite que cliente y servidor intercambien datos en tiempo real sin necesidad de múltiples solicitudes HTTP</a:t>
-            </a:r>
-          </a:p>
-          <a:p>
-            <a:endParaRPr lang="es-ES" dirty="0"/>
-          </a:p>
-          <a:p>
-            <a:r>
-              <a:rPr lang="es-ES" dirty="0"/>
-              <a:t>Características:</a:t>
-            </a:r>
-          </a:p>
-          <a:p>
-            <a:pPr lvl="1"/>
-            <a:r>
-              <a:rPr lang="es-ES" dirty="0"/>
-              <a:t>Full-</a:t>
-            </a:r>
-            <a:r>
-              <a:rPr lang="es-ES" dirty="0" err="1"/>
-              <a:t>duplex</a:t>
-            </a:r>
-            <a:r>
-              <a:rPr lang="es-ES" dirty="0"/>
-              <a:t>: Ambos lados pueden enviar y recibir datos simultáneamente.</a:t>
-            </a:r>
-          </a:p>
-          <a:p>
-            <a:pPr lvl="1"/>
-            <a:endParaRPr lang="es-ES" dirty="0"/>
-          </a:p>
-          <a:p>
-            <a:pPr lvl="1"/>
-            <a:r>
-              <a:rPr lang="es-ES" dirty="0"/>
-              <a:t>Conexión persistente: Se mantiene abierta, ideal para apps en tiempo real.</a:t>
-            </a:r>
-          </a:p>
-          <a:p>
-            <a:pPr lvl="1"/>
-            <a:endParaRPr lang="es-ES" dirty="0"/>
-          </a:p>
-          <a:p>
-            <a:pPr lvl="1"/>
-            <a:r>
-              <a:rPr lang="es-ES" dirty="0"/>
-              <a:t>Menor latencia: Los datos se envían tan pronto como están disponibles.</a:t>
-            </a:r>
-          </a:p>
-          <a:p>
-            <a:pPr lvl="1"/>
-            <a:endParaRPr lang="es-ES" dirty="0"/>
-          </a:p>
-          <a:p>
-            <a:pPr lvl="1"/>
-            <a:r>
-              <a:rPr lang="es-ES" dirty="0"/>
-              <a:t>Usa el puerto 80 (ws://) o 443 (wss://) dependiendo de si es seguro.</a:t>
-            </a:r>
-          </a:p>
-        </p:txBody>
-      </p:sp>
-      <p:sp>
-        <p:nvSpPr>
           <p:cNvPr id="4" name="Marcador de número de diapositiva 3">
             <a:extLst>
               <a:ext uri="{FF2B5EF4-FFF2-40B4-BE49-F238E27FC236}">
-                <a16:creationId xmlns:a16="http://schemas.microsoft.com/office/drawing/2014/main" id="{D13A084F-A5FA-008B-3E6D-D1D6E993C67A}"/>
+                <a16:creationId xmlns:a16="http://schemas.microsoft.com/office/drawing/2014/main" id="{688C1A37-8D08-D75B-3E5B-81AEC468B1C6}"/>
               </a:ext>
             </a:extLst>
           </p:cNvPr>
@@ -11583,7 +12122,7 @@
           <a:bodyPr/>
           <a:lstStyle/>
           <a:p>
-            <a:fld id="{FE1ACEE4-8B3E-4875-98A0-9A2521022ECF}" type="slidenum">
+            <a:fld id="{A6EC93C0-D482-4F60-811A-DF574DBC2A85}" type="slidenum">
               <a:rPr lang="es-ES" smtClean="0"/>
               <a:t>43</a:t>
             </a:fld>
@@ -11591,10 +12130,93 @@
           </a:p>
         </p:txBody>
       </p:sp>
+      <p:pic>
+        <p:nvPicPr>
+          <p:cNvPr id="6" name="Imagen 5">
+            <a:extLst>
+              <a:ext uri="{FF2B5EF4-FFF2-40B4-BE49-F238E27FC236}">
+                <a16:creationId xmlns:a16="http://schemas.microsoft.com/office/drawing/2014/main" id="{6EF58FFF-4CF8-0777-2685-DD2CAF6EA6E4}"/>
+              </a:ext>
+            </a:extLst>
+          </p:cNvPr>
+          <p:cNvPicPr>
+            <a:picLocks noChangeAspect="1"/>
+          </p:cNvPicPr>
+          <p:nvPr/>
+        </p:nvPicPr>
+        <p:blipFill>
+          <a:blip r:embed="rId2"/>
+          <a:stretch>
+            <a:fillRect/>
+          </a:stretch>
+        </p:blipFill>
+        <p:spPr>
+          <a:xfrm>
+            <a:off x="962425" y="1187290"/>
+            <a:ext cx="9423234" cy="4483420"/>
+          </a:xfrm>
+          <a:prstGeom prst="rect">
+            <a:avLst/>
+          </a:prstGeom>
+        </p:spPr>
+      </p:pic>
+      <p:sp>
+        <p:nvSpPr>
+          <p:cNvPr id="7" name="CuadroTexto 6">
+            <a:extLst>
+              <a:ext uri="{FF2B5EF4-FFF2-40B4-BE49-F238E27FC236}">
+                <a16:creationId xmlns:a16="http://schemas.microsoft.com/office/drawing/2014/main" id="{A88DD946-30C4-B29C-EB3B-AA136EFBA86C}"/>
+              </a:ext>
+            </a:extLst>
+          </p:cNvPr>
+          <p:cNvSpPr txBox="1"/>
+          <p:nvPr/>
+        </p:nvSpPr>
+        <p:spPr>
+          <a:xfrm>
+            <a:off x="2242686" y="6192403"/>
+            <a:ext cx="7560083" cy="369332"/>
+          </a:xfrm>
+          <a:prstGeom prst="rect">
+            <a:avLst/>
+          </a:prstGeom>
+          <a:solidFill>
+            <a:schemeClr val="accent2">
+              <a:lumMod val="40000"/>
+              <a:lumOff val="60000"/>
+            </a:schemeClr>
+          </a:solidFill>
+          <a:ln>
+            <a:solidFill>
+              <a:schemeClr val="tx1"/>
+            </a:solidFill>
+          </a:ln>
+        </p:spPr>
+        <p:txBody>
+          <a:bodyPr wrap="none" rtlCol="0">
+            <a:spAutoFit/>
+          </a:bodyPr>
+          <a:lstStyle/>
+          <a:p>
+            <a:r>
+              <a:rPr lang="es-ES" dirty="0"/>
+              <a:t>Si la lambda tiene que recibir la </a:t>
+            </a:r>
+            <a:r>
+              <a:rPr lang="es-ES" dirty="0" err="1"/>
+              <a:t>request</a:t>
+            </a:r>
+            <a:r>
+              <a:rPr lang="es-ES" dirty="0"/>
+              <a:t> tiene que ser el primer parámetro</a:t>
+            </a:r>
+          </a:p>
+        </p:txBody>
+      </p:sp>
     </p:spTree>
     <p:extLst>
       <p:ext uri="{BB962C8B-B14F-4D97-AF65-F5344CB8AC3E}">
-        <p14:creationId xmlns:p14="http://schemas.microsoft.com/office/powerpoint/2010/main" val="3184174179"/>
+        <p14:creationId xmlns:p14="http://schemas.microsoft.com/office/powerpoint/2010/main" val="659152219"/>
       </p:ext>
     </p:extLst>
   </p:cSld>
@@ -11626,7 +12248,7 @@
           <p:cNvPr id="2" name="Título 1">
             <a:extLst>
               <a:ext uri="{FF2B5EF4-FFF2-40B4-BE49-F238E27FC236}">
-                <a16:creationId xmlns:a16="http://schemas.microsoft.com/office/drawing/2014/main" id="{5011F459-8742-719B-59A6-D3DB19BE3292}"/>
+                <a16:creationId xmlns:a16="http://schemas.microsoft.com/office/drawing/2014/main" id="{F24BBE15-2DEE-14CF-6EF5-631B2CAD8978}"/>
               </a:ext>
             </a:extLst>
           </p:cNvPr>
@@ -11643,69 +12265,266 @@
           <a:lstStyle/>
           <a:p>
             <a:r>
-              <a:rPr lang="es-ES" dirty="0" err="1"/>
-              <a:t>WebSockets</a:t>
+              <a:rPr lang="es-ES" dirty="0"/>
+              <a:t>Con JSON</a:t>
+            </a:r>
+          </a:p>
+        </p:txBody>
+      </p:sp>
+      <p:sp>
+        <p:nvSpPr>
+          <p:cNvPr id="3" name="Marcador de contenido 2">
+            <a:extLst>
+              <a:ext uri="{FF2B5EF4-FFF2-40B4-BE49-F238E27FC236}">
+                <a16:creationId xmlns:a16="http://schemas.microsoft.com/office/drawing/2014/main" id="{C2C8C01F-36AE-2595-F9F2-0CC225121016}"/>
+              </a:ext>
+            </a:extLst>
+          </p:cNvPr>
+          <p:cNvSpPr>
+            <a:spLocks noGrp="1"/>
+          </p:cNvSpPr>
+          <p:nvPr>
+            <p:ph idx="1"/>
+          </p:nvPr>
+        </p:nvSpPr>
+        <p:spPr/>
+        <p:txBody>
+          <a:bodyPr>
+            <a:normAutofit lnSpcReduction="10000"/>
+          </a:bodyPr>
+          <a:lstStyle/>
+          <a:p>
+            <a:pPr marL="0" indent="0">
+              <a:buNone/>
+            </a:pPr>
+            <a:r>
+              <a:rPr lang="es-ES" dirty="0"/>
+              <a:t>CROW_ROUTE(app, "/</a:t>
+            </a:r>
+            <a:r>
+              <a:rPr lang="es-ES" dirty="0" err="1"/>
+              <a:t>json</a:t>
+            </a:r>
+            <a:r>
+              <a:rPr lang="es-ES" dirty="0"/>
+              <a:t>").</a:t>
+            </a:r>
+            <a:r>
+              <a:rPr lang="es-ES" dirty="0" err="1"/>
+              <a:t>methods</a:t>
+            </a:r>
+            <a:r>
+              <a:rPr lang="es-ES" dirty="0"/>
+              <a:t>("POST"_</a:t>
+            </a:r>
+            <a:r>
+              <a:rPr lang="es-ES" dirty="0" err="1"/>
+              <a:t>method</a:t>
+            </a:r>
+            <a:r>
+              <a:rPr lang="es-ES" dirty="0"/>
+              <a:t>)</a:t>
+            </a:r>
+          </a:p>
+          <a:p>
+            <a:pPr marL="0" indent="0">
+              <a:buNone/>
+            </a:pPr>
+            <a:r>
+              <a:rPr lang="es-ES" dirty="0"/>
+              <a:t>([](</a:t>
+            </a:r>
+            <a:r>
+              <a:rPr lang="es-ES" dirty="0" err="1"/>
+              <a:t>const</a:t>
+            </a:r>
+            <a:r>
+              <a:rPr lang="es-ES" dirty="0"/>
+              <a:t> </a:t>
+            </a:r>
+            <a:r>
+              <a:rPr lang="es-ES" dirty="0" err="1"/>
+              <a:t>crow</a:t>
+            </a:r>
+            <a:r>
+              <a:rPr lang="es-ES" dirty="0"/>
+              <a:t>::</a:t>
+            </a:r>
+            <a:r>
+              <a:rPr lang="es-ES" dirty="0" err="1"/>
+              <a:t>request</a:t>
+            </a:r>
+            <a:r>
+              <a:rPr lang="es-ES" dirty="0"/>
+              <a:t>&amp; </a:t>
+            </a:r>
+            <a:r>
+              <a:rPr lang="es-ES" dirty="0" err="1"/>
+              <a:t>req</a:t>
+            </a:r>
+            <a:r>
+              <a:rPr lang="es-ES" dirty="0"/>
+              <a:t>){</a:t>
+            </a:r>
+          </a:p>
+          <a:p>
+            <a:pPr marL="0" indent="0">
+              <a:buNone/>
+            </a:pPr>
+            <a:r>
+              <a:rPr lang="es-ES" dirty="0"/>
+              <a:t>    auto datos = </a:t>
+            </a:r>
+            <a:r>
+              <a:rPr lang="es-ES" b="1" dirty="0" err="1"/>
+              <a:t>crow</a:t>
+            </a:r>
+            <a:r>
+              <a:rPr lang="es-ES" b="1" dirty="0"/>
+              <a:t>::</a:t>
+            </a:r>
+            <a:r>
+              <a:rPr lang="es-ES" b="1" dirty="0" err="1"/>
+              <a:t>json</a:t>
+            </a:r>
+            <a:r>
+              <a:rPr lang="es-ES" b="1" dirty="0"/>
+              <a:t>::load</a:t>
+            </a:r>
+            <a:r>
+              <a:rPr lang="es-ES" dirty="0"/>
+              <a:t>(</a:t>
+            </a:r>
+            <a:r>
+              <a:rPr lang="es-ES" dirty="0" err="1"/>
+              <a:t>req.body</a:t>
+            </a:r>
+            <a:r>
+              <a:rPr lang="es-ES" dirty="0"/>
+              <a:t>);</a:t>
+            </a:r>
+          </a:p>
+          <a:p>
+            <a:pPr marL="0" indent="0">
+              <a:buNone/>
+            </a:pPr>
+            <a:r>
+              <a:rPr lang="es-ES" dirty="0"/>
+              <a:t>    </a:t>
+            </a:r>
+            <a:r>
+              <a:rPr lang="es-ES" dirty="0" err="1"/>
+              <a:t>if</a:t>
+            </a:r>
+            <a:r>
+              <a:rPr lang="es-ES" dirty="0"/>
+              <a:t> (!datos)</a:t>
+            </a:r>
+          </a:p>
+          <a:p>
+            <a:pPr marL="0" indent="0">
+              <a:buNone/>
+            </a:pPr>
+            <a:r>
+              <a:rPr lang="es-ES" dirty="0"/>
+              <a:t>        </a:t>
+            </a:r>
+            <a:r>
+              <a:rPr lang="es-ES" dirty="0" err="1"/>
+              <a:t>return</a:t>
+            </a:r>
+            <a:r>
+              <a:rPr lang="es-ES" dirty="0"/>
+              <a:t> </a:t>
+            </a:r>
+            <a:r>
+              <a:rPr lang="es-ES" dirty="0" err="1"/>
+              <a:t>crow</a:t>
+            </a:r>
+            <a:r>
+              <a:rPr lang="es-ES" dirty="0"/>
+              <a:t>::response(400);</a:t>
+            </a:r>
+          </a:p>
+          <a:p>
+            <a:pPr marL="0" indent="0">
+              <a:buNone/>
+            </a:pPr>
+            <a:r>
+              <a:rPr lang="es-ES" dirty="0"/>
+              <a:t>    </a:t>
+            </a:r>
+          </a:p>
+          <a:p>
+            <a:pPr marL="0" indent="0">
+              <a:buNone/>
+            </a:pPr>
+            <a:r>
+              <a:rPr lang="es-ES" dirty="0"/>
+              <a:t>    </a:t>
+            </a:r>
+            <a:r>
+              <a:rPr lang="es-ES" dirty="0" err="1"/>
+              <a:t>std</a:t>
+            </a:r>
+            <a:r>
+              <a:rPr lang="es-ES" dirty="0"/>
+              <a:t>::</a:t>
+            </a:r>
+            <a:r>
+              <a:rPr lang="es-ES" dirty="0" err="1"/>
+              <a:t>string</a:t>
+            </a:r>
+            <a:r>
+              <a:rPr lang="es-ES" dirty="0"/>
+              <a:t> nombre = datos["nombre"].</a:t>
+            </a:r>
+            <a:r>
+              <a:rPr lang="es-ES" b="1" dirty="0"/>
+              <a:t>s()</a:t>
+            </a:r>
+            <a:r>
+              <a:rPr lang="es-ES" dirty="0"/>
+              <a:t>; // A </a:t>
+            </a:r>
+            <a:r>
+              <a:rPr lang="es-ES" dirty="0" err="1"/>
+              <a:t>string</a:t>
             </a:r>
             <a:endParaRPr lang="es-ES" dirty="0"/>
           </a:p>
-        </p:txBody>
-      </p:sp>
-      <p:sp>
-        <p:nvSpPr>
-          <p:cNvPr id="3" name="Marcador de contenido 2">
-            <a:extLst>
-              <a:ext uri="{FF2B5EF4-FFF2-40B4-BE49-F238E27FC236}">
-                <a16:creationId xmlns:a16="http://schemas.microsoft.com/office/drawing/2014/main" id="{47DAE552-DAD3-7A88-938D-08AAA1C4843D}"/>
-              </a:ext>
-            </a:extLst>
-          </p:cNvPr>
-          <p:cNvSpPr>
-            <a:spLocks noGrp="1"/>
-          </p:cNvSpPr>
-          <p:nvPr>
-            <p:ph idx="1"/>
-          </p:nvPr>
-        </p:nvSpPr>
-        <p:spPr/>
-        <p:txBody>
-          <a:bodyPr/>
-          <a:lstStyle/>
-          <a:p>
-            <a:r>
-              <a:rPr lang="es-ES" b="1" dirty="0"/>
-              <a:t>Casos de uso:</a:t>
-            </a:r>
-          </a:p>
-          <a:p>
-            <a:pPr lvl="1"/>
-            <a:r>
-              <a:rPr lang="es-ES" dirty="0"/>
-              <a:t>Chats en vivo</a:t>
-            </a:r>
-          </a:p>
-          <a:p>
-            <a:pPr lvl="1"/>
-            <a:r>
-              <a:rPr lang="es-ES" dirty="0"/>
-              <a:t>Juegos multijugador</a:t>
-            </a:r>
-          </a:p>
-          <a:p>
-            <a:pPr lvl="1"/>
-            <a:r>
-              <a:rPr lang="es-ES" dirty="0"/>
-              <a:t>Notificaciones en tiempo real</a:t>
-            </a:r>
-          </a:p>
-          <a:p>
-            <a:pPr lvl="1"/>
-            <a:r>
-              <a:rPr lang="es-ES" dirty="0" err="1"/>
-              <a:t>Streaming</a:t>
-            </a:r>
-            <a:r>
-              <a:rPr lang="es-ES" dirty="0"/>
-              <a:t> de datos</a:t>
+          <a:p>
+            <a:pPr marL="0" indent="0">
+              <a:buNone/>
+            </a:pPr>
+            <a:r>
+              <a:rPr lang="es-ES" dirty="0"/>
+              <a:t>    </a:t>
+            </a:r>
+            <a:r>
+              <a:rPr lang="es-ES" dirty="0" err="1"/>
+              <a:t>return</a:t>
+            </a:r>
+            <a:r>
+              <a:rPr lang="es-ES" dirty="0"/>
+              <a:t> </a:t>
+            </a:r>
+            <a:r>
+              <a:rPr lang="es-ES" dirty="0" err="1"/>
+              <a:t>crow</a:t>
+            </a:r>
+            <a:r>
+              <a:rPr lang="es-ES" dirty="0"/>
+              <a:t>::response("Hola " + nombre);</a:t>
+            </a:r>
+          </a:p>
+          <a:p>
+            <a:pPr marL="0" indent="0">
+              <a:buNone/>
+            </a:pPr>
+            <a:r>
+              <a:rPr lang="es-ES" dirty="0"/>
+              <a:t>});</a:t>
             </a:r>
           </a:p>
           <a:p>
@@ -11718,7 +12537,7 @@
           <p:cNvPr id="4" name="Marcador de número de diapositiva 3">
             <a:extLst>
               <a:ext uri="{FF2B5EF4-FFF2-40B4-BE49-F238E27FC236}">
-                <a16:creationId xmlns:a16="http://schemas.microsoft.com/office/drawing/2014/main" id="{7DD9A03B-6BAE-D1BF-771B-E5E225D382EA}"/>
+                <a16:creationId xmlns:a16="http://schemas.microsoft.com/office/drawing/2014/main" id="{4202BA57-1105-B148-372D-8E894CE9114E}"/>
               </a:ext>
             </a:extLst>
           </p:cNvPr>
@@ -11734,7 +12553,7 @@
           <a:bodyPr/>
           <a:lstStyle/>
           <a:p>
-            <a:fld id="{FE1ACEE4-8B3E-4875-98A0-9A2521022ECF}" type="slidenum">
+            <a:fld id="{A6EC93C0-D482-4F60-811A-DF574DBC2A85}" type="slidenum">
               <a:rPr lang="es-ES" smtClean="0"/>
               <a:t>44</a:t>
             </a:fld>
@@ -11745,7 +12564,7 @@
     </p:spTree>
     <p:extLst>
       <p:ext uri="{BB962C8B-B14F-4D97-AF65-F5344CB8AC3E}">
-        <p14:creationId xmlns:p14="http://schemas.microsoft.com/office/powerpoint/2010/main" val="333991117"/>
+        <p14:creationId xmlns:p14="http://schemas.microsoft.com/office/powerpoint/2010/main" val="2112702355"/>
       </p:ext>
     </p:extLst>
   </p:cSld>
@@ -11777,7 +12596,7 @@
           <p:cNvPr id="2" name="Título 1">
             <a:extLst>
               <a:ext uri="{FF2B5EF4-FFF2-40B4-BE49-F238E27FC236}">
-                <a16:creationId xmlns:a16="http://schemas.microsoft.com/office/drawing/2014/main" id="{E7D0186A-3DFE-0B48-1974-910004A1ADDD}"/>
+                <a16:creationId xmlns:a16="http://schemas.microsoft.com/office/drawing/2014/main" id="{B71D9CBF-4F66-5E37-20CC-0ABFDA2812C7}"/>
               </a:ext>
             </a:extLst>
           </p:cNvPr>
@@ -11795,8 +12614,214 @@
           <a:p>
             <a:r>
               <a:rPr lang="es-ES" dirty="0"/>
-              <a:t>Comparativa</a:t>
-            </a:r>
+              <a:t>Con JSON</a:t>
+            </a:r>
+          </a:p>
+        </p:txBody>
+      </p:sp>
+      <p:sp>
+        <p:nvSpPr>
+          <p:cNvPr id="3" name="Marcador de contenido 2">
+            <a:extLst>
+              <a:ext uri="{FF2B5EF4-FFF2-40B4-BE49-F238E27FC236}">
+                <a16:creationId xmlns:a16="http://schemas.microsoft.com/office/drawing/2014/main" id="{DC07B035-F5A2-7D4E-F13A-BC3EA7BD9233}"/>
+              </a:ext>
+            </a:extLst>
+          </p:cNvPr>
+          <p:cNvSpPr>
+            <a:spLocks noGrp="1"/>
+          </p:cNvSpPr>
+          <p:nvPr>
+            <p:ph idx="1"/>
+          </p:nvPr>
+        </p:nvSpPr>
+        <p:spPr>
+          <a:xfrm>
+            <a:off x="838200" y="1835249"/>
+            <a:ext cx="10515600" cy="4729179"/>
+          </a:xfrm>
+        </p:spPr>
+        <p:txBody>
+          <a:bodyPr>
+            <a:normAutofit fontScale="92500" lnSpcReduction="10000"/>
+          </a:bodyPr>
+          <a:lstStyle/>
+          <a:p>
+            <a:r>
+              <a:rPr lang="es-ES" dirty="0"/>
+              <a:t>Los datos que vienen por la </a:t>
+            </a:r>
+            <a:r>
+              <a:rPr lang="es-ES" dirty="0" err="1"/>
+              <a:t>request</a:t>
+            </a:r>
+            <a:r>
+              <a:rPr lang="es-ES" dirty="0"/>
+              <a:t> en </a:t>
+            </a:r>
+            <a:r>
+              <a:rPr lang="es-ES" dirty="0" err="1"/>
+              <a:t>json</a:t>
+            </a:r>
+            <a:r>
+              <a:rPr lang="es-ES" dirty="0"/>
+              <a:t> se cargan con:</a:t>
+            </a:r>
+          </a:p>
+          <a:p>
+            <a:pPr lvl="1"/>
+            <a:r>
+              <a:rPr lang="es-ES" dirty="0"/>
+              <a:t>auto datos = </a:t>
+            </a:r>
+            <a:r>
+              <a:rPr lang="es-ES" dirty="0" err="1"/>
+              <a:t>crow</a:t>
+            </a:r>
+            <a:r>
+              <a:rPr lang="es-ES" dirty="0"/>
+              <a:t>::</a:t>
+            </a:r>
+            <a:r>
+              <a:rPr lang="es-ES" dirty="0" err="1"/>
+              <a:t>json</a:t>
+            </a:r>
+            <a:r>
+              <a:rPr lang="es-ES" dirty="0"/>
+              <a:t>::load(</a:t>
+            </a:r>
+            <a:r>
+              <a:rPr lang="es-ES" dirty="0" err="1"/>
+              <a:t>req.body</a:t>
+            </a:r>
+            <a:r>
+              <a:rPr lang="es-ES" dirty="0"/>
+              <a:t>);</a:t>
+            </a:r>
+          </a:p>
+          <a:p>
+            <a:pPr lvl="1"/>
+            <a:r>
+              <a:rPr lang="es-ES" dirty="0"/>
+              <a:t>Devuelve un objeto de tipo: </a:t>
+            </a:r>
+            <a:r>
+              <a:rPr lang="es-ES" b="1" dirty="0" err="1"/>
+              <a:t>crow</a:t>
+            </a:r>
+            <a:r>
+              <a:rPr lang="es-ES" b="1" dirty="0"/>
+              <a:t>::</a:t>
+            </a:r>
+            <a:r>
+              <a:rPr lang="es-ES" b="1" dirty="0" err="1"/>
+              <a:t>json</a:t>
+            </a:r>
+            <a:r>
+              <a:rPr lang="es-ES" b="1" dirty="0"/>
+              <a:t>::</a:t>
+            </a:r>
+            <a:r>
+              <a:rPr lang="es-ES" b="1" dirty="0" err="1"/>
+              <a:t>rvalue</a:t>
+            </a:r>
+            <a:endParaRPr lang="es-ES" b="1" dirty="0"/>
+          </a:p>
+          <a:p>
+            <a:pPr lvl="1"/>
+            <a:endParaRPr lang="es-ES" dirty="0"/>
+          </a:p>
+          <a:p>
+            <a:r>
+              <a:rPr lang="es-ES" dirty="0"/>
+              <a:t>Si los datos enviados son:</a:t>
+            </a:r>
+          </a:p>
+          <a:p>
+            <a:pPr marL="457200" lvl="1" indent="0">
+              <a:buNone/>
+            </a:pPr>
+            <a:r>
+              <a:rPr lang="es-ES" dirty="0"/>
+              <a:t>{</a:t>
+            </a:r>
+          </a:p>
+          <a:p>
+            <a:pPr marL="457200" lvl="1" indent="0">
+              <a:buNone/>
+            </a:pPr>
+            <a:r>
+              <a:rPr lang="es-ES" dirty="0"/>
+              <a:t>  "nombre": “Ana",</a:t>
+            </a:r>
+          </a:p>
+          <a:p>
+            <a:pPr marL="457200" lvl="1" indent="0">
+              <a:buNone/>
+            </a:pPr>
+            <a:r>
+              <a:rPr lang="es-ES" dirty="0"/>
+              <a:t>  "edad": 42</a:t>
+            </a:r>
+          </a:p>
+          <a:p>
+            <a:pPr marL="457200" lvl="1" indent="0">
+              <a:buNone/>
+            </a:pPr>
+            <a:r>
+              <a:rPr lang="es-ES" dirty="0"/>
+              <a:t>}</a:t>
+            </a:r>
+          </a:p>
+          <a:p>
+            <a:pPr lvl="1"/>
+            <a:endParaRPr lang="es-ES" dirty="0"/>
+          </a:p>
+          <a:p>
+            <a:r>
+              <a:rPr lang="es-ES" dirty="0"/>
+              <a:t>Para utilizarlos en C++:</a:t>
+            </a:r>
+          </a:p>
+          <a:p>
+            <a:pPr lvl="1"/>
+            <a:r>
+              <a:rPr lang="es-ES" dirty="0" err="1"/>
+              <a:t>std</a:t>
+            </a:r>
+            <a:r>
+              <a:rPr lang="es-ES" dirty="0"/>
+              <a:t>::</a:t>
+            </a:r>
+            <a:r>
+              <a:rPr lang="es-ES" dirty="0" err="1"/>
+              <a:t>string</a:t>
+            </a:r>
+            <a:r>
+              <a:rPr lang="es-ES" dirty="0"/>
+              <a:t> nombre = datos["nombre"].s();  	// Extrae "Ana"</a:t>
+            </a:r>
+          </a:p>
+          <a:p>
+            <a:pPr lvl="1"/>
+            <a:r>
+              <a:rPr lang="es-ES" dirty="0" err="1"/>
+              <a:t>int</a:t>
+            </a:r>
+            <a:r>
+              <a:rPr lang="es-ES" dirty="0"/>
+              <a:t> edad = datos["edad"].i();              		// Extrae 42 como entero</a:t>
+            </a:r>
+          </a:p>
+          <a:p>
+            <a:pPr lvl="1"/>
+            <a:endParaRPr lang="es-ES" dirty="0"/>
+          </a:p>
+          <a:p>
+            <a:endParaRPr lang="es-ES" dirty="0"/>
+          </a:p>
+          <a:p>
+            <a:endParaRPr lang="es-ES" dirty="0"/>
           </a:p>
         </p:txBody>
       </p:sp>
@@ -11805,7 +12830,2331 @@
           <p:cNvPr id="4" name="Marcador de número de diapositiva 3">
             <a:extLst>
               <a:ext uri="{FF2B5EF4-FFF2-40B4-BE49-F238E27FC236}">
-                <a16:creationId xmlns:a16="http://schemas.microsoft.com/office/drawing/2014/main" id="{D2F18B23-7B56-E0B7-A2EF-B0BCA12B8288}"/>
+                <a16:creationId xmlns:a16="http://schemas.microsoft.com/office/drawing/2014/main" id="{4D7C4FA6-D799-D1C5-4FA5-8533281B8BB8}"/>
+              </a:ext>
+            </a:extLst>
+          </p:cNvPr>
+          <p:cNvSpPr>
+            <a:spLocks noGrp="1"/>
+          </p:cNvSpPr>
+          <p:nvPr>
+            <p:ph type="sldNum" sz="quarter" idx="12"/>
+          </p:nvPr>
+        </p:nvSpPr>
+        <p:spPr/>
+        <p:txBody>
+          <a:bodyPr/>
+          <a:lstStyle/>
+          <a:p>
+            <a:fld id="{A6EC93C0-D482-4F60-811A-DF574DBC2A85}" type="slidenum">
+              <a:rPr lang="es-ES" smtClean="0"/>
+              <a:t>45</a:t>
+            </a:fld>
+            <a:endParaRPr lang="es-ES"/>
+          </a:p>
+        </p:txBody>
+      </p:sp>
+    </p:spTree>
+    <p:extLst>
+      <p:ext uri="{BB962C8B-B14F-4D97-AF65-F5344CB8AC3E}">
+        <p14:creationId xmlns:p14="http://schemas.microsoft.com/office/powerpoint/2010/main" val="2758830018"/>
+      </p:ext>
+    </p:extLst>
+  </p:cSld>
+  <p:clrMapOvr>
+    <a:masterClrMapping/>
+  </p:clrMapOvr>
+</p:sld>
+</file>
+
+<file path=ppt/slides/slide46.xml><?xml version="1.0" encoding="utf-8"?>
+<p:sld xmlns:a="http://schemas.openxmlformats.org/drawingml/2006/main" xmlns:r="http://schemas.openxmlformats.org/officeDocument/2006/relationships" xmlns:p="http://schemas.openxmlformats.org/presentationml/2006/main">
+  <p:cSld>
+    <p:spTree>
+      <p:nvGrpSpPr>
+        <p:cNvPr id="1" name=""/>
+        <p:cNvGrpSpPr/>
+        <p:nvPr/>
+      </p:nvGrpSpPr>
+      <p:grpSpPr>
+        <a:xfrm>
+          <a:off x="0" y="0"/>
+          <a:ext cx="0" cy="0"/>
+          <a:chOff x="0" y="0"/>
+          <a:chExt cx="0" cy="0"/>
+        </a:xfrm>
+      </p:grpSpPr>
+      <p:sp>
+        <p:nvSpPr>
+          <p:cNvPr id="2" name="Título 1">
+            <a:extLst>
+              <a:ext uri="{FF2B5EF4-FFF2-40B4-BE49-F238E27FC236}">
+                <a16:creationId xmlns:a16="http://schemas.microsoft.com/office/drawing/2014/main" id="{673FDAA1-E8C9-E99E-6645-ECC32D752030}"/>
+              </a:ext>
+            </a:extLst>
+          </p:cNvPr>
+          <p:cNvSpPr>
+            <a:spLocks noGrp="1"/>
+          </p:cNvSpPr>
+          <p:nvPr>
+            <p:ph type="title"/>
+          </p:nvPr>
+        </p:nvSpPr>
+        <p:spPr/>
+        <p:txBody>
+          <a:bodyPr/>
+          <a:lstStyle/>
+          <a:p>
+            <a:r>
+              <a:rPr lang="es-ES" dirty="0"/>
+              <a:t>Otros métodos relacionados</a:t>
+            </a:r>
+          </a:p>
+        </p:txBody>
+      </p:sp>
+      <p:sp>
+        <p:nvSpPr>
+          <p:cNvPr id="4" name="Marcador de número de diapositiva 3">
+            <a:extLst>
+              <a:ext uri="{FF2B5EF4-FFF2-40B4-BE49-F238E27FC236}">
+                <a16:creationId xmlns:a16="http://schemas.microsoft.com/office/drawing/2014/main" id="{E5B8FA6A-78F2-AEA9-92F0-A489FAFE250B}"/>
+              </a:ext>
+            </a:extLst>
+          </p:cNvPr>
+          <p:cNvSpPr>
+            <a:spLocks noGrp="1"/>
+          </p:cNvSpPr>
+          <p:nvPr>
+            <p:ph type="sldNum" sz="quarter" idx="12"/>
+          </p:nvPr>
+        </p:nvSpPr>
+        <p:spPr/>
+        <p:txBody>
+          <a:bodyPr/>
+          <a:lstStyle/>
+          <a:p>
+            <a:fld id="{A6EC93C0-D482-4F60-811A-DF574DBC2A85}" type="slidenum">
+              <a:rPr lang="es-ES" smtClean="0"/>
+              <a:t>46</a:t>
+            </a:fld>
+            <a:endParaRPr lang="es-ES"/>
+          </a:p>
+        </p:txBody>
+      </p:sp>
+      <p:pic>
+        <p:nvPicPr>
+          <p:cNvPr id="6" name="Imagen 5">
+            <a:extLst>
+              <a:ext uri="{FF2B5EF4-FFF2-40B4-BE49-F238E27FC236}">
+                <a16:creationId xmlns:a16="http://schemas.microsoft.com/office/drawing/2014/main" id="{26D2AFA9-6A60-7B0D-27E8-C8B81482360F}"/>
+              </a:ext>
+            </a:extLst>
+          </p:cNvPr>
+          <p:cNvPicPr>
+            <a:picLocks noChangeAspect="1"/>
+          </p:cNvPicPr>
+          <p:nvPr/>
+        </p:nvPicPr>
+        <p:blipFill>
+          <a:blip r:embed="rId2"/>
+          <a:stretch>
+            <a:fillRect/>
+          </a:stretch>
+        </p:blipFill>
+        <p:spPr>
+          <a:xfrm>
+            <a:off x="834259" y="1820026"/>
+            <a:ext cx="10339007" cy="3753001"/>
+          </a:xfrm>
+          <a:prstGeom prst="rect">
+            <a:avLst/>
+          </a:prstGeom>
+        </p:spPr>
+      </p:pic>
+    </p:spTree>
+    <p:extLst>
+      <p:ext uri="{BB962C8B-B14F-4D97-AF65-F5344CB8AC3E}">
+        <p14:creationId xmlns:p14="http://schemas.microsoft.com/office/powerpoint/2010/main" val="180871187"/>
+      </p:ext>
+    </p:extLst>
+  </p:cSld>
+  <p:clrMapOvr>
+    <a:masterClrMapping/>
+  </p:clrMapOvr>
+</p:sld>
+</file>
+
+<file path=ppt/slides/slide47.xml><?xml version="1.0" encoding="utf-8"?>
+<p:sld xmlns:a="http://schemas.openxmlformats.org/drawingml/2006/main" xmlns:r="http://schemas.openxmlformats.org/officeDocument/2006/relationships" xmlns:p="http://schemas.openxmlformats.org/presentationml/2006/main">
+  <p:cSld>
+    <p:spTree>
+      <p:nvGrpSpPr>
+        <p:cNvPr id="1" name=""/>
+        <p:cNvGrpSpPr/>
+        <p:nvPr/>
+      </p:nvGrpSpPr>
+      <p:grpSpPr>
+        <a:xfrm>
+          <a:off x="0" y="0"/>
+          <a:ext cx="0" cy="0"/>
+          <a:chOff x="0" y="0"/>
+          <a:chExt cx="0" cy="0"/>
+        </a:xfrm>
+      </p:grpSpPr>
+      <p:sp>
+        <p:nvSpPr>
+          <p:cNvPr id="2" name="Título 1">
+            <a:extLst>
+              <a:ext uri="{FF2B5EF4-FFF2-40B4-BE49-F238E27FC236}">
+                <a16:creationId xmlns:a16="http://schemas.microsoft.com/office/drawing/2014/main" id="{223E698E-D488-7B29-2F09-B459FF8A296C}"/>
+              </a:ext>
+            </a:extLst>
+          </p:cNvPr>
+          <p:cNvSpPr>
+            <a:spLocks noGrp="1"/>
+          </p:cNvSpPr>
+          <p:nvPr>
+            <p:ph type="title"/>
+          </p:nvPr>
+        </p:nvSpPr>
+        <p:spPr/>
+        <p:txBody>
+          <a:bodyPr/>
+          <a:lstStyle/>
+          <a:p>
+            <a:r>
+              <a:rPr lang="es-ES" dirty="0"/>
+              <a:t>Tipos relacionados con JSON en </a:t>
+            </a:r>
+            <a:r>
+              <a:rPr lang="es-ES" dirty="0" err="1"/>
+              <a:t>crow</a:t>
+            </a:r>
+            <a:endParaRPr lang="es-ES" dirty="0"/>
+          </a:p>
+        </p:txBody>
+      </p:sp>
+      <p:sp>
+        <p:nvSpPr>
+          <p:cNvPr id="4" name="Marcador de número de diapositiva 3">
+            <a:extLst>
+              <a:ext uri="{FF2B5EF4-FFF2-40B4-BE49-F238E27FC236}">
+                <a16:creationId xmlns:a16="http://schemas.microsoft.com/office/drawing/2014/main" id="{F1E80663-C612-1029-A506-00FC23B312A4}"/>
+              </a:ext>
+            </a:extLst>
+          </p:cNvPr>
+          <p:cNvSpPr>
+            <a:spLocks noGrp="1"/>
+          </p:cNvSpPr>
+          <p:nvPr>
+            <p:ph type="sldNum" sz="quarter" idx="12"/>
+          </p:nvPr>
+        </p:nvSpPr>
+        <p:spPr/>
+        <p:txBody>
+          <a:bodyPr/>
+          <a:lstStyle/>
+          <a:p>
+            <a:fld id="{A6EC93C0-D482-4F60-811A-DF574DBC2A85}" type="slidenum">
+              <a:rPr lang="es-ES" smtClean="0"/>
+              <a:t>47</a:t>
+            </a:fld>
+            <a:endParaRPr lang="es-ES"/>
+          </a:p>
+        </p:txBody>
+      </p:sp>
+      <p:pic>
+        <p:nvPicPr>
+          <p:cNvPr id="6" name="Imagen 5">
+            <a:extLst>
+              <a:ext uri="{FF2B5EF4-FFF2-40B4-BE49-F238E27FC236}">
+                <a16:creationId xmlns:a16="http://schemas.microsoft.com/office/drawing/2014/main" id="{B1725942-C97C-0F7C-9EE1-C6E6D7A405A7}"/>
+              </a:ext>
+            </a:extLst>
+          </p:cNvPr>
+          <p:cNvPicPr>
+            <a:picLocks noChangeAspect="1"/>
+          </p:cNvPicPr>
+          <p:nvPr/>
+        </p:nvPicPr>
+        <p:blipFill>
+          <a:blip r:embed="rId2"/>
+          <a:stretch>
+            <a:fillRect/>
+          </a:stretch>
+        </p:blipFill>
+        <p:spPr>
+          <a:xfrm>
+            <a:off x="838200" y="1884547"/>
+            <a:ext cx="10033773" cy="4188994"/>
+          </a:xfrm>
+          <a:prstGeom prst="rect">
+            <a:avLst/>
+          </a:prstGeom>
+        </p:spPr>
+      </p:pic>
+    </p:spTree>
+    <p:extLst>
+      <p:ext uri="{BB962C8B-B14F-4D97-AF65-F5344CB8AC3E}">
+        <p14:creationId xmlns:p14="http://schemas.microsoft.com/office/powerpoint/2010/main" val="1971666449"/>
+      </p:ext>
+    </p:extLst>
+  </p:cSld>
+  <p:clrMapOvr>
+    <a:masterClrMapping/>
+  </p:clrMapOvr>
+</p:sld>
+</file>
+
+<file path=ppt/slides/slide48.xml><?xml version="1.0" encoding="utf-8"?>
+<p:sld xmlns:a="http://schemas.openxmlformats.org/drawingml/2006/main" xmlns:r="http://schemas.openxmlformats.org/officeDocument/2006/relationships" xmlns:p="http://schemas.openxmlformats.org/presentationml/2006/main">
+  <p:cSld>
+    <p:spTree>
+      <p:nvGrpSpPr>
+        <p:cNvPr id="1" name=""/>
+        <p:cNvGrpSpPr/>
+        <p:nvPr/>
+      </p:nvGrpSpPr>
+      <p:grpSpPr>
+        <a:xfrm>
+          <a:off x="0" y="0"/>
+          <a:ext cx="0" cy="0"/>
+          <a:chOff x="0" y="0"/>
+          <a:chExt cx="0" cy="0"/>
+        </a:xfrm>
+      </p:grpSpPr>
+      <p:sp>
+        <p:nvSpPr>
+          <p:cNvPr id="2" name="Título 1">
+            <a:extLst>
+              <a:ext uri="{FF2B5EF4-FFF2-40B4-BE49-F238E27FC236}">
+                <a16:creationId xmlns:a16="http://schemas.microsoft.com/office/drawing/2014/main" id="{9A70581B-58E4-C51A-CABA-68DA9AAB49BC}"/>
+              </a:ext>
+            </a:extLst>
+          </p:cNvPr>
+          <p:cNvSpPr>
+            <a:spLocks noGrp="1"/>
+          </p:cNvSpPr>
+          <p:nvPr>
+            <p:ph type="title"/>
+          </p:nvPr>
+        </p:nvSpPr>
+        <p:spPr/>
+        <p:txBody>
+          <a:bodyPr/>
+          <a:lstStyle/>
+          <a:p>
+            <a:r>
+              <a:rPr lang="es-ES" dirty="0"/>
+              <a:t>Ejemplos</a:t>
+            </a:r>
+          </a:p>
+        </p:txBody>
+      </p:sp>
+      <p:sp>
+        <p:nvSpPr>
+          <p:cNvPr id="3" name="Marcador de contenido 2">
+            <a:extLst>
+              <a:ext uri="{FF2B5EF4-FFF2-40B4-BE49-F238E27FC236}">
+                <a16:creationId xmlns:a16="http://schemas.microsoft.com/office/drawing/2014/main" id="{39A429DC-5DAF-D8E2-9107-808F5A3C8B05}"/>
+              </a:ext>
+            </a:extLst>
+          </p:cNvPr>
+          <p:cNvSpPr>
+            <a:spLocks noGrp="1"/>
+          </p:cNvSpPr>
+          <p:nvPr>
+            <p:ph idx="1"/>
+          </p:nvPr>
+        </p:nvSpPr>
+        <p:spPr/>
+        <p:txBody>
+          <a:bodyPr/>
+          <a:lstStyle/>
+          <a:p>
+            <a:r>
+              <a:rPr lang="es-ES" b="1" dirty="0" err="1"/>
+              <a:t>rvalue</a:t>
+            </a:r>
+            <a:r>
+              <a:rPr lang="es-ES" dirty="0"/>
+              <a:t>  para </a:t>
+            </a:r>
+            <a:r>
+              <a:rPr lang="es-ES" b="1" dirty="0"/>
+              <a:t>extraer</a:t>
+            </a:r>
+            <a:r>
+              <a:rPr lang="es-ES" dirty="0"/>
+              <a:t> datos del JSON</a:t>
+            </a:r>
+          </a:p>
+          <a:p>
+            <a:pPr lvl="1"/>
+            <a:r>
+              <a:rPr lang="es-ES" dirty="0"/>
+              <a:t>auto datos = </a:t>
+            </a:r>
+            <a:r>
+              <a:rPr lang="es-ES" dirty="0" err="1"/>
+              <a:t>crow</a:t>
+            </a:r>
+            <a:r>
+              <a:rPr lang="es-ES" dirty="0"/>
+              <a:t>::</a:t>
+            </a:r>
+            <a:r>
+              <a:rPr lang="es-ES" dirty="0" err="1"/>
+              <a:t>json</a:t>
+            </a:r>
+            <a:r>
+              <a:rPr lang="es-ES" dirty="0"/>
+              <a:t>::load(</a:t>
+            </a:r>
+            <a:r>
+              <a:rPr lang="es-ES" dirty="0" err="1"/>
+              <a:t>req.body</a:t>
+            </a:r>
+            <a:r>
+              <a:rPr lang="es-ES" dirty="0"/>
+              <a:t>);</a:t>
+            </a:r>
+          </a:p>
+          <a:p>
+            <a:pPr lvl="1"/>
+            <a:r>
+              <a:rPr lang="es-ES" dirty="0" err="1"/>
+              <a:t>std</a:t>
+            </a:r>
+            <a:r>
+              <a:rPr lang="es-ES" dirty="0"/>
+              <a:t>::</a:t>
+            </a:r>
+            <a:r>
+              <a:rPr lang="es-ES" dirty="0" err="1"/>
+              <a:t>string</a:t>
+            </a:r>
+            <a:r>
+              <a:rPr lang="es-ES" dirty="0"/>
+              <a:t> nombre = datos["nombre"].s();</a:t>
+            </a:r>
+          </a:p>
+          <a:p>
+            <a:pPr lvl="1"/>
+            <a:endParaRPr lang="es-ES" dirty="0"/>
+          </a:p>
+          <a:p>
+            <a:r>
+              <a:rPr lang="es-ES" b="1" dirty="0" err="1"/>
+              <a:t>wvalue</a:t>
+            </a:r>
+            <a:r>
+              <a:rPr lang="es-ES" dirty="0"/>
+              <a:t> para </a:t>
+            </a:r>
+            <a:r>
+              <a:rPr lang="es-ES" b="1" dirty="0"/>
+              <a:t>construir</a:t>
+            </a:r>
+            <a:r>
+              <a:rPr lang="es-ES" dirty="0"/>
+              <a:t> un JSON para devolverlo como respuesta</a:t>
+            </a:r>
+          </a:p>
+          <a:p>
+            <a:pPr lvl="1"/>
+            <a:r>
+              <a:rPr lang="es-ES" dirty="0" err="1"/>
+              <a:t>crow</a:t>
+            </a:r>
+            <a:r>
+              <a:rPr lang="es-ES" dirty="0"/>
+              <a:t>::</a:t>
+            </a:r>
+            <a:r>
+              <a:rPr lang="es-ES" dirty="0" err="1"/>
+              <a:t>json</a:t>
+            </a:r>
+            <a:r>
+              <a:rPr lang="es-ES" dirty="0"/>
+              <a:t>::</a:t>
+            </a:r>
+            <a:r>
+              <a:rPr lang="es-ES" dirty="0" err="1"/>
+              <a:t>wvalue</a:t>
+            </a:r>
+            <a:r>
+              <a:rPr lang="es-ES" dirty="0"/>
+              <a:t> respuesta;</a:t>
+            </a:r>
+          </a:p>
+          <a:p>
+            <a:pPr lvl="1"/>
+            <a:r>
+              <a:rPr lang="es-ES" dirty="0"/>
+              <a:t>respuesta["estado"] = "ok";</a:t>
+            </a:r>
+          </a:p>
+          <a:p>
+            <a:pPr lvl="1"/>
+            <a:r>
+              <a:rPr lang="es-ES" dirty="0"/>
+              <a:t>respuesta["</a:t>
+            </a:r>
+            <a:r>
+              <a:rPr lang="es-ES" dirty="0" err="1"/>
+              <a:t>codigo</a:t>
+            </a:r>
+            <a:r>
+              <a:rPr lang="es-ES" dirty="0"/>
+              <a:t>"] = 200;</a:t>
+            </a:r>
+          </a:p>
+          <a:p>
+            <a:pPr lvl="1"/>
+            <a:r>
+              <a:rPr lang="es-ES" dirty="0" err="1"/>
+              <a:t>return</a:t>
+            </a:r>
+            <a:r>
+              <a:rPr lang="es-ES" dirty="0"/>
+              <a:t> </a:t>
+            </a:r>
+            <a:r>
+              <a:rPr lang="es-ES" dirty="0" err="1"/>
+              <a:t>crow</a:t>
+            </a:r>
+            <a:r>
+              <a:rPr lang="es-ES" dirty="0"/>
+              <a:t>::response(respuesta);</a:t>
+            </a:r>
+          </a:p>
+          <a:p>
+            <a:pPr lvl="1"/>
+            <a:endParaRPr lang="es-ES" dirty="0"/>
+          </a:p>
+          <a:p>
+            <a:endParaRPr lang="es-ES" dirty="0"/>
+          </a:p>
+        </p:txBody>
+      </p:sp>
+      <p:sp>
+        <p:nvSpPr>
+          <p:cNvPr id="4" name="Marcador de número de diapositiva 3">
+            <a:extLst>
+              <a:ext uri="{FF2B5EF4-FFF2-40B4-BE49-F238E27FC236}">
+                <a16:creationId xmlns:a16="http://schemas.microsoft.com/office/drawing/2014/main" id="{D3706827-9046-63AD-5002-E1B083F38374}"/>
+              </a:ext>
+            </a:extLst>
+          </p:cNvPr>
+          <p:cNvSpPr>
+            <a:spLocks noGrp="1"/>
+          </p:cNvSpPr>
+          <p:nvPr>
+            <p:ph type="sldNum" sz="quarter" idx="12"/>
+          </p:nvPr>
+        </p:nvSpPr>
+        <p:spPr/>
+        <p:txBody>
+          <a:bodyPr/>
+          <a:lstStyle/>
+          <a:p>
+            <a:fld id="{A6EC93C0-D482-4F60-811A-DF574DBC2A85}" type="slidenum">
+              <a:rPr lang="es-ES" smtClean="0"/>
+              <a:t>48</a:t>
+            </a:fld>
+            <a:endParaRPr lang="es-ES"/>
+          </a:p>
+        </p:txBody>
+      </p:sp>
+    </p:spTree>
+    <p:extLst>
+      <p:ext uri="{BB962C8B-B14F-4D97-AF65-F5344CB8AC3E}">
+        <p14:creationId xmlns:p14="http://schemas.microsoft.com/office/powerpoint/2010/main" val="92398564"/>
+      </p:ext>
+    </p:extLst>
+  </p:cSld>
+  <p:clrMapOvr>
+    <a:masterClrMapping/>
+  </p:clrMapOvr>
+</p:sld>
+</file>
+
+<file path=ppt/slides/slide49.xml><?xml version="1.0" encoding="utf-8"?>
+<p:sld xmlns:a="http://schemas.openxmlformats.org/drawingml/2006/main" xmlns:r="http://schemas.openxmlformats.org/officeDocument/2006/relationships" xmlns:p="http://schemas.openxmlformats.org/presentationml/2006/main">
+  <p:cSld>
+    <p:spTree>
+      <p:nvGrpSpPr>
+        <p:cNvPr id="1" name=""/>
+        <p:cNvGrpSpPr/>
+        <p:nvPr/>
+      </p:nvGrpSpPr>
+      <p:grpSpPr>
+        <a:xfrm>
+          <a:off x="0" y="0"/>
+          <a:ext cx="0" cy="0"/>
+          <a:chOff x="0" y="0"/>
+          <a:chExt cx="0" cy="0"/>
+        </a:xfrm>
+      </p:grpSpPr>
+      <p:sp>
+        <p:nvSpPr>
+          <p:cNvPr id="2" name="Título 1">
+            <a:extLst>
+              <a:ext uri="{FF2B5EF4-FFF2-40B4-BE49-F238E27FC236}">
+                <a16:creationId xmlns:a16="http://schemas.microsoft.com/office/drawing/2014/main" id="{1F6E6353-589F-1432-4EB2-15EC39341A6C}"/>
+              </a:ext>
+            </a:extLst>
+          </p:cNvPr>
+          <p:cNvSpPr>
+            <a:spLocks noGrp="1"/>
+          </p:cNvSpPr>
+          <p:nvPr>
+            <p:ph type="title"/>
+          </p:nvPr>
+        </p:nvSpPr>
+        <p:spPr/>
+        <p:txBody>
+          <a:bodyPr/>
+          <a:lstStyle/>
+          <a:p>
+            <a:r>
+              <a:rPr lang="es-ES" dirty="0"/>
+              <a:t>Acceso a </a:t>
+            </a:r>
+            <a:r>
+              <a:rPr lang="es-ES" dirty="0" err="1"/>
+              <a:t>headers</a:t>
+            </a:r>
+            <a:r>
+              <a:rPr lang="es-ES" dirty="0"/>
+              <a:t>, </a:t>
+            </a:r>
+            <a:r>
+              <a:rPr lang="es-ES" dirty="0" err="1"/>
+              <a:t>query</a:t>
+            </a:r>
+            <a:r>
+              <a:rPr lang="es-ES" dirty="0"/>
+              <a:t> </a:t>
+            </a:r>
+            <a:r>
+              <a:rPr lang="es-ES" dirty="0" err="1"/>
+              <a:t>params</a:t>
+            </a:r>
+            <a:endParaRPr lang="es-ES" dirty="0"/>
+          </a:p>
+        </p:txBody>
+      </p:sp>
+      <p:sp>
+        <p:nvSpPr>
+          <p:cNvPr id="3" name="Marcador de contenido 2">
+            <a:extLst>
+              <a:ext uri="{FF2B5EF4-FFF2-40B4-BE49-F238E27FC236}">
+                <a16:creationId xmlns:a16="http://schemas.microsoft.com/office/drawing/2014/main" id="{0AACCFE2-AF59-2DD7-1097-D2BEC31491B6}"/>
+              </a:ext>
+            </a:extLst>
+          </p:cNvPr>
+          <p:cNvSpPr>
+            <a:spLocks noGrp="1"/>
+          </p:cNvSpPr>
+          <p:nvPr>
+            <p:ph idx="1"/>
+          </p:nvPr>
+        </p:nvSpPr>
+        <p:spPr/>
+        <p:txBody>
+          <a:bodyPr/>
+          <a:lstStyle/>
+          <a:p>
+            <a:pPr marL="0" indent="0">
+              <a:buNone/>
+            </a:pPr>
+            <a:r>
+              <a:rPr lang="es-ES" dirty="0"/>
+              <a:t>CROW_ROUTE(app, "/</a:t>
+            </a:r>
+            <a:r>
+              <a:rPr lang="es-ES" dirty="0" err="1"/>
+              <a:t>info</a:t>
+            </a:r>
+            <a:r>
+              <a:rPr lang="es-ES" dirty="0"/>
+              <a:t>")</a:t>
+            </a:r>
+          </a:p>
+          <a:p>
+            <a:pPr marL="0" indent="0">
+              <a:buNone/>
+            </a:pPr>
+            <a:r>
+              <a:rPr lang="es-ES" dirty="0"/>
+              <a:t>([](</a:t>
+            </a:r>
+            <a:r>
+              <a:rPr lang="es-ES" dirty="0" err="1"/>
+              <a:t>const</a:t>
+            </a:r>
+            <a:r>
+              <a:rPr lang="es-ES" dirty="0"/>
+              <a:t> </a:t>
+            </a:r>
+            <a:r>
+              <a:rPr lang="es-ES" dirty="0" err="1"/>
+              <a:t>crow</a:t>
+            </a:r>
+            <a:r>
+              <a:rPr lang="es-ES" dirty="0"/>
+              <a:t>::</a:t>
+            </a:r>
+            <a:r>
+              <a:rPr lang="es-ES" dirty="0" err="1"/>
+              <a:t>request</a:t>
+            </a:r>
+            <a:r>
+              <a:rPr lang="es-ES" dirty="0"/>
+              <a:t>&amp; </a:t>
+            </a:r>
+            <a:r>
+              <a:rPr lang="es-ES" dirty="0" err="1"/>
+              <a:t>req</a:t>
+            </a:r>
+            <a:r>
+              <a:rPr lang="es-ES" dirty="0"/>
+              <a:t>){</a:t>
+            </a:r>
+          </a:p>
+          <a:p>
+            <a:pPr marL="0" indent="0">
+              <a:buNone/>
+            </a:pPr>
+            <a:r>
+              <a:rPr lang="es-ES" dirty="0"/>
+              <a:t>    </a:t>
+            </a:r>
+            <a:r>
+              <a:rPr lang="es-ES" dirty="0" err="1"/>
+              <a:t>std</a:t>
+            </a:r>
+            <a:r>
+              <a:rPr lang="es-ES" dirty="0"/>
+              <a:t>::</a:t>
+            </a:r>
+            <a:r>
+              <a:rPr lang="es-ES" dirty="0" err="1"/>
+              <a:t>string</a:t>
+            </a:r>
+            <a:r>
+              <a:rPr lang="es-ES" dirty="0"/>
+              <a:t> agente = </a:t>
+            </a:r>
+            <a:r>
+              <a:rPr lang="es-ES" b="1" dirty="0" err="1"/>
+              <a:t>req.get_header_value</a:t>
+            </a:r>
+            <a:r>
+              <a:rPr lang="es-ES" dirty="0"/>
+              <a:t>("</a:t>
+            </a:r>
+            <a:r>
+              <a:rPr lang="es-ES" dirty="0" err="1"/>
+              <a:t>User-Agent</a:t>
+            </a:r>
+            <a:r>
+              <a:rPr lang="es-ES" dirty="0"/>
+              <a:t>");</a:t>
+            </a:r>
+          </a:p>
+          <a:p>
+            <a:pPr marL="0" indent="0">
+              <a:buNone/>
+            </a:pPr>
+            <a:r>
+              <a:rPr lang="es-ES" dirty="0"/>
+              <a:t>    </a:t>
+            </a:r>
+            <a:r>
+              <a:rPr lang="es-ES" dirty="0" err="1"/>
+              <a:t>std</a:t>
+            </a:r>
+            <a:r>
+              <a:rPr lang="es-ES" dirty="0"/>
+              <a:t>::</a:t>
+            </a:r>
+            <a:r>
+              <a:rPr lang="es-ES" dirty="0" err="1"/>
+              <a:t>string</a:t>
+            </a:r>
+            <a:r>
+              <a:rPr lang="es-ES" dirty="0"/>
+              <a:t> </a:t>
+            </a:r>
+            <a:r>
+              <a:rPr lang="es-ES" dirty="0" err="1"/>
+              <a:t>param</a:t>
+            </a:r>
+            <a:r>
+              <a:rPr lang="es-ES" dirty="0"/>
+              <a:t> = </a:t>
+            </a:r>
+            <a:r>
+              <a:rPr lang="es-ES" b="1" dirty="0" err="1"/>
+              <a:t>req.url_params.get</a:t>
+            </a:r>
+            <a:r>
+              <a:rPr lang="es-ES" dirty="0"/>
+              <a:t>("</a:t>
+            </a:r>
+            <a:r>
+              <a:rPr lang="es-ES" b="1" dirty="0">
+                <a:solidFill>
+                  <a:srgbClr val="FF0000"/>
+                </a:solidFill>
+              </a:rPr>
+              <a:t>id</a:t>
+            </a:r>
+            <a:r>
+              <a:rPr lang="es-ES" dirty="0"/>
+              <a:t>");  // /</a:t>
+            </a:r>
+            <a:r>
+              <a:rPr lang="es-ES" dirty="0" err="1"/>
+              <a:t>info?</a:t>
+            </a:r>
+            <a:r>
+              <a:rPr lang="es-ES" b="1" dirty="0" err="1">
+                <a:solidFill>
+                  <a:srgbClr val="FF0000"/>
+                </a:solidFill>
+              </a:rPr>
+              <a:t>id</a:t>
+            </a:r>
+            <a:r>
+              <a:rPr lang="es-ES" dirty="0"/>
+              <a:t>=123</a:t>
+            </a:r>
+          </a:p>
+          <a:p>
+            <a:pPr marL="0" indent="0">
+              <a:buNone/>
+            </a:pPr>
+            <a:r>
+              <a:rPr lang="es-ES" dirty="0"/>
+              <a:t>    </a:t>
+            </a:r>
+            <a:r>
+              <a:rPr lang="es-ES" dirty="0" err="1"/>
+              <a:t>return</a:t>
+            </a:r>
+            <a:r>
+              <a:rPr lang="es-ES" dirty="0"/>
+              <a:t> </a:t>
+            </a:r>
+            <a:r>
+              <a:rPr lang="es-ES" dirty="0" err="1"/>
+              <a:t>crow</a:t>
+            </a:r>
+            <a:r>
+              <a:rPr lang="es-ES" dirty="0"/>
+              <a:t>::response("Agente: " + agente + ", ID: " + </a:t>
+            </a:r>
+            <a:r>
+              <a:rPr lang="es-ES" dirty="0" err="1"/>
+              <a:t>param</a:t>
+            </a:r>
+            <a:r>
+              <a:rPr lang="es-ES" dirty="0"/>
+              <a:t>);</a:t>
+            </a:r>
+          </a:p>
+          <a:p>
+            <a:pPr marL="0" indent="0">
+              <a:buNone/>
+            </a:pPr>
+            <a:r>
+              <a:rPr lang="es-ES" dirty="0"/>
+              <a:t>});</a:t>
+            </a:r>
+          </a:p>
+          <a:p>
+            <a:endParaRPr lang="es-ES" dirty="0"/>
+          </a:p>
+        </p:txBody>
+      </p:sp>
+      <p:sp>
+        <p:nvSpPr>
+          <p:cNvPr id="4" name="Marcador de número de diapositiva 3">
+            <a:extLst>
+              <a:ext uri="{FF2B5EF4-FFF2-40B4-BE49-F238E27FC236}">
+                <a16:creationId xmlns:a16="http://schemas.microsoft.com/office/drawing/2014/main" id="{F451E6A1-A556-E646-2503-D5A4343486C2}"/>
+              </a:ext>
+            </a:extLst>
+          </p:cNvPr>
+          <p:cNvSpPr>
+            <a:spLocks noGrp="1"/>
+          </p:cNvSpPr>
+          <p:nvPr>
+            <p:ph type="sldNum" sz="quarter" idx="12"/>
+          </p:nvPr>
+        </p:nvSpPr>
+        <p:spPr/>
+        <p:txBody>
+          <a:bodyPr/>
+          <a:lstStyle/>
+          <a:p>
+            <a:fld id="{A6EC93C0-D482-4F60-811A-DF574DBC2A85}" type="slidenum">
+              <a:rPr lang="es-ES" smtClean="0"/>
+              <a:t>49</a:t>
+            </a:fld>
+            <a:endParaRPr lang="es-ES"/>
+          </a:p>
+        </p:txBody>
+      </p:sp>
+    </p:spTree>
+    <p:extLst>
+      <p:ext uri="{BB962C8B-B14F-4D97-AF65-F5344CB8AC3E}">
+        <p14:creationId xmlns:p14="http://schemas.microsoft.com/office/powerpoint/2010/main" val="2722468255"/>
+      </p:ext>
+    </p:extLst>
+  </p:cSld>
+  <p:clrMapOvr>
+    <a:masterClrMapping/>
+  </p:clrMapOvr>
+</p:sld>
+</file>
+
+<file path=ppt/slides/slide5.xml><?xml version="1.0" encoding="utf-8"?>
+<p:sld xmlns:a="http://schemas.openxmlformats.org/drawingml/2006/main" xmlns:r="http://schemas.openxmlformats.org/officeDocument/2006/relationships" xmlns:p="http://schemas.openxmlformats.org/presentationml/2006/main">
+  <p:cSld>
+    <p:spTree>
+      <p:nvGrpSpPr>
+        <p:cNvPr id="1" name=""/>
+        <p:cNvGrpSpPr/>
+        <p:nvPr/>
+      </p:nvGrpSpPr>
+      <p:grpSpPr>
+        <a:xfrm>
+          <a:off x="0" y="0"/>
+          <a:ext cx="0" cy="0"/>
+          <a:chOff x="0" y="0"/>
+          <a:chExt cx="0" cy="0"/>
+        </a:xfrm>
+      </p:grpSpPr>
+      <p:sp>
+        <p:nvSpPr>
+          <p:cNvPr id="2" name="Título 1">
+            <a:extLst>
+              <a:ext uri="{FF2B5EF4-FFF2-40B4-BE49-F238E27FC236}">
+                <a16:creationId xmlns:a16="http://schemas.microsoft.com/office/drawing/2014/main" id="{EA701376-8342-4B48-B12F-FD13990FD2CF}"/>
+              </a:ext>
+            </a:extLst>
+          </p:cNvPr>
+          <p:cNvSpPr>
+            <a:spLocks noGrp="1"/>
+          </p:cNvSpPr>
+          <p:nvPr>
+            <p:ph type="title"/>
+          </p:nvPr>
+        </p:nvSpPr>
+        <p:spPr/>
+        <p:txBody>
+          <a:bodyPr/>
+          <a:lstStyle/>
+          <a:p>
+            <a:r>
+              <a:rPr lang="es-ES" dirty="0"/>
+              <a:t>Características de la librería</a:t>
+            </a:r>
+          </a:p>
+        </p:txBody>
+      </p:sp>
+      <p:sp>
+        <p:nvSpPr>
+          <p:cNvPr id="3" name="Marcador de contenido 2">
+            <a:extLst>
+              <a:ext uri="{FF2B5EF4-FFF2-40B4-BE49-F238E27FC236}">
+                <a16:creationId xmlns:a16="http://schemas.microsoft.com/office/drawing/2014/main" id="{5231B51C-0D87-EC2A-3EC4-0DC40C523E3D}"/>
+              </a:ext>
+            </a:extLst>
+          </p:cNvPr>
+          <p:cNvSpPr>
+            <a:spLocks noGrp="1"/>
+          </p:cNvSpPr>
+          <p:nvPr>
+            <p:ph idx="1"/>
+          </p:nvPr>
+        </p:nvSpPr>
+        <p:spPr/>
+        <p:txBody>
+          <a:bodyPr/>
+          <a:lstStyle/>
+          <a:p>
+            <a:r>
+              <a:rPr lang="es-ES" dirty="0" err="1"/>
+              <a:t>Boost.Beast</a:t>
+            </a:r>
+            <a:r>
+              <a:rPr lang="es-ES" dirty="0"/>
+              <a:t> es una biblioteca </a:t>
+            </a:r>
+            <a:r>
+              <a:rPr lang="es-ES" b="1" dirty="0" err="1"/>
+              <a:t>header-only</a:t>
+            </a:r>
+            <a:r>
+              <a:rPr lang="es-ES" dirty="0"/>
+              <a:t> (solo incluye cabeceras, no requiere compilación previa) que proporciona componentes de bajo nivel para manejar protocolos de red como </a:t>
+            </a:r>
+            <a:r>
+              <a:rPr lang="es-ES" b="1" dirty="0"/>
+              <a:t>HTTP/1</a:t>
+            </a:r>
+            <a:r>
+              <a:rPr lang="es-ES" dirty="0"/>
+              <a:t> y </a:t>
+            </a:r>
+            <a:r>
+              <a:rPr lang="es-ES" b="1" dirty="0" err="1"/>
+              <a:t>WebSocket</a:t>
+            </a:r>
+            <a:r>
+              <a:rPr lang="es-ES" dirty="0"/>
+              <a:t>, </a:t>
+            </a:r>
+          </a:p>
+          <a:p>
+            <a:endParaRPr lang="es-ES" dirty="0"/>
+          </a:p>
+          <a:p>
+            <a:r>
+              <a:rPr lang="es-ES" dirty="0"/>
+              <a:t>Con soporte para operaciones </a:t>
+            </a:r>
+            <a:r>
+              <a:rPr lang="es-ES" b="1" dirty="0"/>
+              <a:t>síncronas</a:t>
+            </a:r>
+            <a:r>
+              <a:rPr lang="es-ES" dirty="0"/>
+              <a:t> y </a:t>
+            </a:r>
+            <a:r>
+              <a:rPr lang="es-ES" b="1" dirty="0"/>
+              <a:t>asíncronas</a:t>
+            </a:r>
+          </a:p>
+        </p:txBody>
+      </p:sp>
+      <p:sp>
+        <p:nvSpPr>
+          <p:cNvPr id="4" name="Marcador de número de diapositiva 3">
+            <a:extLst>
+              <a:ext uri="{FF2B5EF4-FFF2-40B4-BE49-F238E27FC236}">
+                <a16:creationId xmlns:a16="http://schemas.microsoft.com/office/drawing/2014/main" id="{A9E9BCCB-0FE7-90D1-92A5-5D2B007F2418}"/>
+              </a:ext>
+            </a:extLst>
+          </p:cNvPr>
+          <p:cNvSpPr>
+            <a:spLocks noGrp="1"/>
+          </p:cNvSpPr>
+          <p:nvPr>
+            <p:ph type="sldNum" sz="quarter" idx="12"/>
+          </p:nvPr>
+        </p:nvSpPr>
+        <p:spPr/>
+        <p:txBody>
+          <a:bodyPr/>
+          <a:lstStyle/>
+          <a:p>
+            <a:fld id="{A6EC93C0-D482-4F60-811A-DF574DBC2A85}" type="slidenum">
+              <a:rPr lang="es-ES" smtClean="0"/>
+              <a:t>5</a:t>
+            </a:fld>
+            <a:endParaRPr lang="es-ES"/>
+          </a:p>
+        </p:txBody>
+      </p:sp>
+    </p:spTree>
+    <p:extLst>
+      <p:ext uri="{BB962C8B-B14F-4D97-AF65-F5344CB8AC3E}">
+        <p14:creationId xmlns:p14="http://schemas.microsoft.com/office/powerpoint/2010/main" val="680178201"/>
+      </p:ext>
+    </p:extLst>
+  </p:cSld>
+  <p:clrMapOvr>
+    <a:masterClrMapping/>
+  </p:clrMapOvr>
+</p:sld>
+</file>
+
+<file path=ppt/slides/slide50.xml><?xml version="1.0" encoding="utf-8"?>
+<p:sld xmlns:a="http://schemas.openxmlformats.org/drawingml/2006/main" xmlns:r="http://schemas.openxmlformats.org/officeDocument/2006/relationships" xmlns:p="http://schemas.openxmlformats.org/presentationml/2006/main">
+  <p:cSld>
+    <p:spTree>
+      <p:nvGrpSpPr>
+        <p:cNvPr id="1" name=""/>
+        <p:cNvGrpSpPr/>
+        <p:nvPr/>
+      </p:nvGrpSpPr>
+      <p:grpSpPr>
+        <a:xfrm>
+          <a:off x="0" y="0"/>
+          <a:ext cx="0" cy="0"/>
+          <a:chOff x="0" y="0"/>
+          <a:chExt cx="0" cy="0"/>
+        </a:xfrm>
+      </p:grpSpPr>
+      <p:sp>
+        <p:nvSpPr>
+          <p:cNvPr id="2" name="Título 1">
+            <a:extLst>
+              <a:ext uri="{FF2B5EF4-FFF2-40B4-BE49-F238E27FC236}">
+                <a16:creationId xmlns:a16="http://schemas.microsoft.com/office/drawing/2014/main" id="{DFBCC6A3-5897-12F6-5D97-E44E854BD9E0}"/>
+              </a:ext>
+            </a:extLst>
+          </p:cNvPr>
+          <p:cNvSpPr>
+            <a:spLocks noGrp="1"/>
+          </p:cNvSpPr>
+          <p:nvPr>
+            <p:ph type="title"/>
+          </p:nvPr>
+        </p:nvSpPr>
+        <p:spPr>
+          <a:xfrm>
+            <a:off x="838200" y="136525"/>
+            <a:ext cx="10515600" cy="729749"/>
+          </a:xfrm>
+        </p:spPr>
+        <p:txBody>
+          <a:bodyPr/>
+          <a:lstStyle/>
+          <a:p>
+            <a:r>
+              <a:rPr lang="es-ES" dirty="0"/>
+              <a:t>Puesta en marcha del Servidor</a:t>
+            </a:r>
+          </a:p>
+        </p:txBody>
+      </p:sp>
+      <p:sp>
+        <p:nvSpPr>
+          <p:cNvPr id="3" name="Marcador de contenido 2">
+            <a:extLst>
+              <a:ext uri="{FF2B5EF4-FFF2-40B4-BE49-F238E27FC236}">
+                <a16:creationId xmlns:a16="http://schemas.microsoft.com/office/drawing/2014/main" id="{41FAA9C2-3210-B9C5-62B4-9297E331096F}"/>
+              </a:ext>
+            </a:extLst>
+          </p:cNvPr>
+          <p:cNvSpPr>
+            <a:spLocks noGrp="1"/>
+          </p:cNvSpPr>
+          <p:nvPr>
+            <p:ph idx="1"/>
+          </p:nvPr>
+        </p:nvSpPr>
+        <p:spPr>
+          <a:xfrm>
+            <a:off x="664143" y="1203158"/>
+            <a:ext cx="10689657" cy="4973805"/>
+          </a:xfrm>
+        </p:spPr>
+        <p:txBody>
+          <a:bodyPr>
+            <a:normAutofit fontScale="62500" lnSpcReduction="20000"/>
+          </a:bodyPr>
+          <a:lstStyle/>
+          <a:p>
+            <a:pPr marL="0" indent="0">
+              <a:buNone/>
+            </a:pPr>
+            <a:r>
+              <a:rPr lang="es-ES" dirty="0"/>
+              <a:t>#include &lt;</a:t>
+            </a:r>
+            <a:r>
+              <a:rPr lang="es-ES" dirty="0" err="1"/>
+              <a:t>crow.h</a:t>
+            </a:r>
+            <a:r>
+              <a:rPr lang="es-ES" dirty="0"/>
+              <a:t>&gt;</a:t>
+            </a:r>
+          </a:p>
+          <a:p>
+            <a:pPr marL="0" indent="0">
+              <a:buNone/>
+            </a:pPr>
+            <a:endParaRPr lang="es-ES" dirty="0"/>
+          </a:p>
+          <a:p>
+            <a:pPr marL="0" indent="0">
+              <a:buNone/>
+            </a:pPr>
+            <a:r>
+              <a:rPr lang="es-ES" dirty="0" err="1"/>
+              <a:t>int</a:t>
+            </a:r>
+            <a:r>
+              <a:rPr lang="es-ES" dirty="0"/>
+              <a:t> </a:t>
+            </a:r>
+            <a:r>
+              <a:rPr lang="es-ES" dirty="0" err="1"/>
+              <a:t>main</a:t>
+            </a:r>
+            <a:r>
+              <a:rPr lang="es-ES" dirty="0"/>
+              <a:t>() {</a:t>
+            </a:r>
+          </a:p>
+          <a:p>
+            <a:pPr marL="0" indent="0">
+              <a:buNone/>
+            </a:pPr>
+            <a:r>
+              <a:rPr lang="es-ES" dirty="0"/>
+              <a:t>    </a:t>
+            </a:r>
+            <a:r>
+              <a:rPr lang="es-ES" dirty="0" err="1"/>
+              <a:t>crow</a:t>
+            </a:r>
+            <a:r>
+              <a:rPr lang="es-ES" dirty="0"/>
+              <a:t>::</a:t>
+            </a:r>
+            <a:r>
+              <a:rPr lang="es-ES" dirty="0" err="1"/>
+              <a:t>SimpleApp</a:t>
+            </a:r>
+            <a:r>
+              <a:rPr lang="es-ES" dirty="0"/>
+              <a:t> app;</a:t>
+            </a:r>
+          </a:p>
+          <a:p>
+            <a:pPr marL="0" indent="0">
+              <a:buNone/>
+            </a:pPr>
+            <a:endParaRPr lang="es-ES" dirty="0"/>
+          </a:p>
+          <a:p>
+            <a:pPr marL="0" indent="0">
+              <a:buNone/>
+            </a:pPr>
+            <a:r>
+              <a:rPr lang="es-ES" dirty="0"/>
+              <a:t>    CROW_ROUTE(app, "/")</a:t>
+            </a:r>
+          </a:p>
+          <a:p>
+            <a:pPr marL="0" indent="0">
+              <a:buNone/>
+            </a:pPr>
+            <a:r>
+              <a:rPr lang="es-ES" dirty="0"/>
+              <a:t>    ([](){</a:t>
+            </a:r>
+          </a:p>
+          <a:p>
+            <a:pPr marL="0" indent="0">
+              <a:buNone/>
+            </a:pPr>
+            <a:r>
+              <a:rPr lang="es-ES" dirty="0"/>
+              <a:t>        </a:t>
+            </a:r>
+            <a:r>
+              <a:rPr lang="es-ES" dirty="0" err="1"/>
+              <a:t>return</a:t>
+            </a:r>
+            <a:r>
+              <a:rPr lang="es-ES" dirty="0"/>
+              <a:t> "¡Servidor </a:t>
+            </a:r>
+            <a:r>
+              <a:rPr lang="es-ES" dirty="0" err="1"/>
+              <a:t>Crow</a:t>
+            </a:r>
+            <a:r>
+              <a:rPr lang="es-ES" dirty="0"/>
+              <a:t> en marcha!";</a:t>
+            </a:r>
+          </a:p>
+          <a:p>
+            <a:pPr marL="0" indent="0">
+              <a:buNone/>
+            </a:pPr>
+            <a:r>
+              <a:rPr lang="es-ES" dirty="0"/>
+              <a:t>    });</a:t>
+            </a:r>
+          </a:p>
+          <a:p>
+            <a:pPr marL="0" indent="0">
+              <a:buNone/>
+            </a:pPr>
+            <a:endParaRPr lang="es-ES" dirty="0"/>
+          </a:p>
+          <a:p>
+            <a:pPr marL="0" indent="0">
+              <a:buNone/>
+            </a:pPr>
+            <a:r>
+              <a:rPr lang="es-ES" b="1" dirty="0"/>
+              <a:t>    </a:t>
+            </a:r>
+            <a:r>
+              <a:rPr lang="es-ES" b="1" dirty="0" err="1"/>
+              <a:t>app.port</a:t>
+            </a:r>
+            <a:r>
+              <a:rPr lang="es-ES" b="1" dirty="0"/>
+              <a:t>(18080)          	// Puerto donde escucha el servidor</a:t>
+            </a:r>
+          </a:p>
+          <a:p>
+            <a:pPr marL="0" indent="0">
+              <a:buNone/>
+            </a:pPr>
+            <a:r>
+              <a:rPr lang="es-ES" b="1" dirty="0"/>
+              <a:t>       .</a:t>
+            </a:r>
+            <a:r>
+              <a:rPr lang="es-ES" b="1" dirty="0" err="1"/>
+              <a:t>concurrency</a:t>
+            </a:r>
+            <a:r>
+              <a:rPr lang="es-ES" b="1" dirty="0"/>
+              <a:t>(4)       	// Número de hilos (</a:t>
+            </a:r>
+            <a:r>
+              <a:rPr lang="es-ES" b="1" dirty="0" err="1"/>
+              <a:t>multithreading</a:t>
+            </a:r>
+            <a:r>
+              <a:rPr lang="es-ES" b="1" dirty="0"/>
+              <a:t>)</a:t>
+            </a:r>
+          </a:p>
+          <a:p>
+            <a:pPr marL="0" indent="0">
+              <a:buNone/>
+            </a:pPr>
+            <a:r>
+              <a:rPr lang="es-ES" b="1" dirty="0"/>
+              <a:t>       .</a:t>
+            </a:r>
+            <a:r>
+              <a:rPr lang="es-ES" b="1" dirty="0" err="1"/>
+              <a:t>multithreaded</a:t>
+            </a:r>
+            <a:r>
+              <a:rPr lang="es-ES" b="1" dirty="0"/>
+              <a:t>()      	// Activa el modo multihilo</a:t>
+            </a:r>
+          </a:p>
+          <a:p>
+            <a:pPr marL="0" indent="0">
+              <a:buNone/>
+            </a:pPr>
+            <a:r>
+              <a:rPr lang="es-ES" b="1" dirty="0"/>
+              <a:t>       .run();               		// Arranca el servidor</a:t>
+            </a:r>
+          </a:p>
+          <a:p>
+            <a:pPr marL="0" indent="0">
+              <a:buNone/>
+            </a:pPr>
+            <a:r>
+              <a:rPr lang="es-ES" dirty="0"/>
+              <a:t>}</a:t>
+            </a:r>
+          </a:p>
+          <a:p>
+            <a:endParaRPr lang="es-ES" dirty="0"/>
+          </a:p>
+        </p:txBody>
+      </p:sp>
+      <p:sp>
+        <p:nvSpPr>
+          <p:cNvPr id="4" name="Marcador de número de diapositiva 3">
+            <a:extLst>
+              <a:ext uri="{FF2B5EF4-FFF2-40B4-BE49-F238E27FC236}">
+                <a16:creationId xmlns:a16="http://schemas.microsoft.com/office/drawing/2014/main" id="{0965ECCE-22DD-4FBC-9946-4744397A9B21}"/>
+              </a:ext>
+            </a:extLst>
+          </p:cNvPr>
+          <p:cNvSpPr>
+            <a:spLocks noGrp="1"/>
+          </p:cNvSpPr>
+          <p:nvPr>
+            <p:ph type="sldNum" sz="quarter" idx="12"/>
+          </p:nvPr>
+        </p:nvSpPr>
+        <p:spPr/>
+        <p:txBody>
+          <a:bodyPr/>
+          <a:lstStyle/>
+          <a:p>
+            <a:fld id="{A6EC93C0-D482-4F60-811A-DF574DBC2A85}" type="slidenum">
+              <a:rPr lang="es-ES" smtClean="0"/>
+              <a:t>50</a:t>
+            </a:fld>
+            <a:endParaRPr lang="es-ES"/>
+          </a:p>
+        </p:txBody>
+      </p:sp>
+    </p:spTree>
+    <p:extLst>
+      <p:ext uri="{BB962C8B-B14F-4D97-AF65-F5344CB8AC3E}">
+        <p14:creationId xmlns:p14="http://schemas.microsoft.com/office/powerpoint/2010/main" val="3567479062"/>
+      </p:ext>
+    </p:extLst>
+  </p:cSld>
+  <p:clrMapOvr>
+    <a:masterClrMapping/>
+  </p:clrMapOvr>
+</p:sld>
+</file>
+
+<file path=ppt/slides/slide51.xml><?xml version="1.0" encoding="utf-8"?>
+<p:sld xmlns:a="http://schemas.openxmlformats.org/drawingml/2006/main" xmlns:r="http://schemas.openxmlformats.org/officeDocument/2006/relationships" xmlns:p="http://schemas.openxmlformats.org/presentationml/2006/main">
+  <p:cSld>
+    <p:spTree>
+      <p:nvGrpSpPr>
+        <p:cNvPr id="1" name=""/>
+        <p:cNvGrpSpPr/>
+        <p:nvPr/>
+      </p:nvGrpSpPr>
+      <p:grpSpPr>
+        <a:xfrm>
+          <a:off x="0" y="0"/>
+          <a:ext cx="0" cy="0"/>
+          <a:chOff x="0" y="0"/>
+          <a:chExt cx="0" cy="0"/>
+        </a:xfrm>
+      </p:grpSpPr>
+      <p:sp>
+        <p:nvSpPr>
+          <p:cNvPr id="2" name="Título 1">
+            <a:extLst>
+              <a:ext uri="{FF2B5EF4-FFF2-40B4-BE49-F238E27FC236}">
+                <a16:creationId xmlns:a16="http://schemas.microsoft.com/office/drawing/2014/main" id="{0429672A-0245-406A-C927-9370E7DCF3B5}"/>
+              </a:ext>
+            </a:extLst>
+          </p:cNvPr>
+          <p:cNvSpPr>
+            <a:spLocks noGrp="1"/>
+          </p:cNvSpPr>
+          <p:nvPr>
+            <p:ph type="title"/>
+          </p:nvPr>
+        </p:nvSpPr>
+        <p:spPr>
+          <a:xfrm>
+            <a:off x="838200" y="136525"/>
+            <a:ext cx="10515600" cy="934286"/>
+          </a:xfrm>
+        </p:spPr>
+        <p:txBody>
+          <a:bodyPr/>
+          <a:lstStyle/>
+          <a:p>
+            <a:r>
+              <a:rPr lang="es-ES" dirty="0"/>
+              <a:t>Puesta en marcha Servidor</a:t>
+            </a:r>
+          </a:p>
+        </p:txBody>
+      </p:sp>
+      <p:sp>
+        <p:nvSpPr>
+          <p:cNvPr id="3" name="Marcador de contenido 2">
+            <a:extLst>
+              <a:ext uri="{FF2B5EF4-FFF2-40B4-BE49-F238E27FC236}">
+                <a16:creationId xmlns:a16="http://schemas.microsoft.com/office/drawing/2014/main" id="{72B66F58-6E7E-4519-F136-C264C1267328}"/>
+              </a:ext>
+            </a:extLst>
+          </p:cNvPr>
+          <p:cNvSpPr>
+            <a:spLocks noGrp="1"/>
+          </p:cNvSpPr>
+          <p:nvPr>
+            <p:ph idx="1"/>
+          </p:nvPr>
+        </p:nvSpPr>
+        <p:spPr>
+          <a:xfrm>
+            <a:off x="596766" y="1309036"/>
+            <a:ext cx="10757034" cy="5284269"/>
+          </a:xfrm>
+        </p:spPr>
+        <p:txBody>
+          <a:bodyPr>
+            <a:normAutofit fontScale="85000" lnSpcReduction="20000"/>
+          </a:bodyPr>
+          <a:lstStyle/>
+          <a:p>
+            <a:r>
+              <a:rPr lang="es-ES" b="1" dirty="0" err="1"/>
+              <a:t>app.port</a:t>
+            </a:r>
+            <a:r>
+              <a:rPr lang="es-ES" b="1" dirty="0"/>
+              <a:t>(&lt;número&gt;)</a:t>
+            </a:r>
+          </a:p>
+          <a:p>
+            <a:pPr lvl="1"/>
+            <a:r>
+              <a:rPr lang="es-ES" dirty="0"/>
+              <a:t>Define el </a:t>
+            </a:r>
+            <a:r>
+              <a:rPr lang="es-ES" b="1" dirty="0"/>
+              <a:t>puerto TCP</a:t>
+            </a:r>
+            <a:r>
+              <a:rPr lang="es-ES" dirty="0"/>
+              <a:t> donde el servidor escucha.</a:t>
+            </a:r>
+          </a:p>
+          <a:p>
+            <a:pPr lvl="1"/>
+            <a:r>
+              <a:rPr lang="es-ES" dirty="0"/>
+              <a:t>Ejemplo: </a:t>
+            </a:r>
+            <a:r>
+              <a:rPr lang="es-ES" dirty="0" err="1"/>
+              <a:t>app.port</a:t>
+            </a:r>
+            <a:r>
+              <a:rPr lang="es-ES" dirty="0"/>
+              <a:t>(8080) → accesible en </a:t>
+            </a:r>
+            <a:r>
+              <a:rPr lang="es-ES" dirty="0">
+                <a:hlinkClick r:id="rId2"/>
+              </a:rPr>
+              <a:t>http://localhost:8080</a:t>
+            </a:r>
+            <a:endParaRPr lang="es-ES" dirty="0"/>
+          </a:p>
+          <a:p>
+            <a:endParaRPr lang="es-ES" dirty="0"/>
+          </a:p>
+          <a:p>
+            <a:r>
+              <a:rPr lang="es-ES" b="1" dirty="0" err="1"/>
+              <a:t>app.concurrency</a:t>
+            </a:r>
+            <a:r>
+              <a:rPr lang="es-ES" b="1" dirty="0"/>
+              <a:t>(&lt;número&gt;)</a:t>
+            </a:r>
+          </a:p>
+          <a:p>
+            <a:pPr lvl="1"/>
+            <a:r>
+              <a:rPr lang="es-ES" dirty="0"/>
+              <a:t>Número de </a:t>
+            </a:r>
+            <a:r>
+              <a:rPr lang="es-ES" b="1" dirty="0"/>
+              <a:t>hilos de ejecución</a:t>
+            </a:r>
+            <a:r>
+              <a:rPr lang="es-ES" dirty="0"/>
+              <a:t> que </a:t>
+            </a:r>
+            <a:r>
+              <a:rPr lang="es-ES" dirty="0" err="1"/>
+              <a:t>Crow</a:t>
+            </a:r>
+            <a:r>
+              <a:rPr lang="es-ES" dirty="0"/>
+              <a:t> usará para manejar peticiones simultáneas.</a:t>
+            </a:r>
+          </a:p>
+          <a:p>
+            <a:pPr lvl="1"/>
+            <a:r>
+              <a:rPr lang="es-ES" b="1" i="1" dirty="0"/>
+              <a:t>Valor recomendado: igual al número de núcleos del procesador.</a:t>
+            </a:r>
+          </a:p>
+          <a:p>
+            <a:pPr lvl="1"/>
+            <a:r>
+              <a:rPr lang="es-ES" dirty="0"/>
+              <a:t>Ejemplo: </a:t>
+            </a:r>
+            <a:r>
+              <a:rPr lang="es-ES" dirty="0" err="1"/>
+              <a:t>app.concurrency</a:t>
+            </a:r>
+            <a:r>
+              <a:rPr lang="es-ES" dirty="0"/>
+              <a:t>(4) en una Raspberry Pi de 4 núcleos.</a:t>
+            </a:r>
+          </a:p>
+          <a:p>
+            <a:endParaRPr lang="es-ES" dirty="0"/>
+          </a:p>
+          <a:p>
+            <a:r>
+              <a:rPr lang="es-ES" b="1" dirty="0" err="1"/>
+              <a:t>app.multithreaded</a:t>
+            </a:r>
+            <a:r>
+              <a:rPr lang="es-ES" b="1" dirty="0"/>
+              <a:t>()</a:t>
+            </a:r>
+          </a:p>
+          <a:p>
+            <a:pPr lvl="1"/>
+            <a:r>
+              <a:rPr lang="es-ES" dirty="0"/>
+              <a:t>Activa el </a:t>
+            </a:r>
+            <a:r>
+              <a:rPr lang="es-ES" b="1" dirty="0"/>
+              <a:t>modo multihilo</a:t>
+            </a:r>
+            <a:r>
+              <a:rPr lang="es-ES" dirty="0"/>
+              <a:t>.</a:t>
+            </a:r>
+          </a:p>
+          <a:p>
+            <a:pPr lvl="1"/>
+            <a:r>
+              <a:rPr lang="es-ES" dirty="0"/>
+              <a:t>Si no lo usas, </a:t>
+            </a:r>
+            <a:r>
+              <a:rPr lang="es-ES" dirty="0" err="1"/>
+              <a:t>Crow</a:t>
+            </a:r>
+            <a:r>
+              <a:rPr lang="es-ES" dirty="0"/>
+              <a:t> funcionará en modo </a:t>
+            </a:r>
+            <a:r>
+              <a:rPr lang="es-ES" dirty="0" err="1"/>
+              <a:t>monohilo</a:t>
+            </a:r>
+            <a:r>
+              <a:rPr lang="es-ES" dirty="0"/>
+              <a:t> (una petición a la vez).</a:t>
+            </a:r>
+          </a:p>
+          <a:p>
+            <a:endParaRPr lang="es-ES" dirty="0"/>
+          </a:p>
+          <a:p>
+            <a:r>
+              <a:rPr lang="es-ES" b="1" dirty="0" err="1"/>
+              <a:t>app.run</a:t>
+            </a:r>
+            <a:r>
+              <a:rPr lang="es-ES" b="1" dirty="0"/>
+              <a:t>()</a:t>
+            </a:r>
+          </a:p>
+          <a:p>
+            <a:pPr lvl="1"/>
+            <a:r>
+              <a:rPr lang="es-ES" dirty="0"/>
+              <a:t>Lanza el servidor y lo deja escuchando indefinidamente.</a:t>
+            </a:r>
+          </a:p>
+          <a:p>
+            <a:endParaRPr lang="es-ES" dirty="0"/>
+          </a:p>
+        </p:txBody>
+      </p:sp>
+      <p:sp>
+        <p:nvSpPr>
+          <p:cNvPr id="4" name="Marcador de número de diapositiva 3">
+            <a:extLst>
+              <a:ext uri="{FF2B5EF4-FFF2-40B4-BE49-F238E27FC236}">
+                <a16:creationId xmlns:a16="http://schemas.microsoft.com/office/drawing/2014/main" id="{C4B7E94E-0B6B-8718-17E3-F3C135C8A663}"/>
+              </a:ext>
+            </a:extLst>
+          </p:cNvPr>
+          <p:cNvSpPr>
+            <a:spLocks noGrp="1"/>
+          </p:cNvSpPr>
+          <p:nvPr>
+            <p:ph type="sldNum" sz="quarter" idx="12"/>
+          </p:nvPr>
+        </p:nvSpPr>
+        <p:spPr/>
+        <p:txBody>
+          <a:bodyPr/>
+          <a:lstStyle/>
+          <a:p>
+            <a:fld id="{A6EC93C0-D482-4F60-811A-DF574DBC2A85}" type="slidenum">
+              <a:rPr lang="es-ES" smtClean="0"/>
+              <a:t>51</a:t>
+            </a:fld>
+            <a:endParaRPr lang="es-ES"/>
+          </a:p>
+        </p:txBody>
+      </p:sp>
+    </p:spTree>
+    <p:extLst>
+      <p:ext uri="{BB962C8B-B14F-4D97-AF65-F5344CB8AC3E}">
+        <p14:creationId xmlns:p14="http://schemas.microsoft.com/office/powerpoint/2010/main" val="525082148"/>
+      </p:ext>
+    </p:extLst>
+  </p:cSld>
+  <p:clrMapOvr>
+    <a:masterClrMapping/>
+  </p:clrMapOvr>
+</p:sld>
+</file>
+
+<file path=ppt/slides/slide52.xml><?xml version="1.0" encoding="utf-8"?>
+<p:sld xmlns:a="http://schemas.openxmlformats.org/drawingml/2006/main" xmlns:r="http://schemas.openxmlformats.org/officeDocument/2006/relationships" xmlns:p="http://schemas.openxmlformats.org/presentationml/2006/main">
+  <p:cSld>
+    <p:spTree>
+      <p:nvGrpSpPr>
+        <p:cNvPr id="1" name=""/>
+        <p:cNvGrpSpPr/>
+        <p:nvPr/>
+      </p:nvGrpSpPr>
+      <p:grpSpPr>
+        <a:xfrm>
+          <a:off x="0" y="0"/>
+          <a:ext cx="0" cy="0"/>
+          <a:chOff x="0" y="0"/>
+          <a:chExt cx="0" cy="0"/>
+        </a:xfrm>
+      </p:grpSpPr>
+      <p:sp>
+        <p:nvSpPr>
+          <p:cNvPr id="2" name="Título 1">
+            <a:extLst>
+              <a:ext uri="{FF2B5EF4-FFF2-40B4-BE49-F238E27FC236}">
+                <a16:creationId xmlns:a16="http://schemas.microsoft.com/office/drawing/2014/main" id="{6E8C9549-1B77-F55C-A77F-78ABA56360C3}"/>
+              </a:ext>
+            </a:extLst>
+          </p:cNvPr>
+          <p:cNvSpPr>
+            <a:spLocks noGrp="1"/>
+          </p:cNvSpPr>
+          <p:nvPr>
+            <p:ph type="title"/>
+          </p:nvPr>
+        </p:nvSpPr>
+        <p:spPr/>
+        <p:txBody>
+          <a:bodyPr/>
+          <a:lstStyle/>
+          <a:p>
+            <a:r>
+              <a:rPr lang="es-ES" dirty="0"/>
+              <a:t>Consideraciones</a:t>
+            </a:r>
+          </a:p>
+        </p:txBody>
+      </p:sp>
+      <p:sp>
+        <p:nvSpPr>
+          <p:cNvPr id="3" name="Marcador de contenido 2">
+            <a:extLst>
+              <a:ext uri="{FF2B5EF4-FFF2-40B4-BE49-F238E27FC236}">
+                <a16:creationId xmlns:a16="http://schemas.microsoft.com/office/drawing/2014/main" id="{AC1A5728-AFEE-B6D1-F960-1816530DC2D0}"/>
+              </a:ext>
+            </a:extLst>
+          </p:cNvPr>
+          <p:cNvSpPr>
+            <a:spLocks noGrp="1"/>
+          </p:cNvSpPr>
+          <p:nvPr>
+            <p:ph idx="1"/>
+          </p:nvPr>
+        </p:nvSpPr>
+        <p:spPr/>
+        <p:txBody>
+          <a:bodyPr/>
+          <a:lstStyle/>
+          <a:p>
+            <a:r>
+              <a:rPr lang="es-ES" dirty="0"/>
+              <a:t>Si no usamos </a:t>
+            </a:r>
+            <a:r>
+              <a:rPr lang="es-ES" b="1" dirty="0" err="1"/>
+              <a:t>multithreaded</a:t>
+            </a:r>
+            <a:r>
+              <a:rPr lang="es-ES" b="1" dirty="0"/>
+              <a:t>()</a:t>
+            </a:r>
+          </a:p>
+          <a:p>
+            <a:pPr lvl="1"/>
+            <a:r>
+              <a:rPr lang="es-ES" b="1" dirty="0" err="1"/>
+              <a:t>crow</a:t>
+            </a:r>
+            <a:r>
+              <a:rPr lang="es-ES" dirty="0"/>
+              <a:t> seguirá funcionando, pero solo podrá atender </a:t>
+            </a:r>
+            <a:r>
+              <a:rPr lang="es-ES" b="1" dirty="0"/>
+              <a:t>una petición a la vez</a:t>
+            </a:r>
+            <a:r>
+              <a:rPr lang="es-ES" dirty="0"/>
+              <a:t>, lo cual no es ideal si esperas concurrencia o múltiples clientes.</a:t>
+            </a:r>
+          </a:p>
+          <a:p>
+            <a:pPr lvl="1"/>
+            <a:endParaRPr lang="es-ES" dirty="0"/>
+          </a:p>
+          <a:p>
+            <a:pPr marL="457200" lvl="1" indent="0">
+              <a:buNone/>
+            </a:pPr>
+            <a:r>
+              <a:rPr lang="en-US" dirty="0" err="1"/>
+              <a:t>app.port</a:t>
+            </a:r>
+            <a:r>
+              <a:rPr lang="en-US" dirty="0"/>
+              <a:t>(8080)</a:t>
+            </a:r>
+          </a:p>
+          <a:p>
+            <a:pPr marL="457200" lvl="1" indent="0">
+              <a:buNone/>
+            </a:pPr>
+            <a:r>
+              <a:rPr lang="en-US" dirty="0"/>
+              <a:t>   .concurrency(</a:t>
+            </a:r>
+            <a:r>
+              <a:rPr lang="en-US" b="1" dirty="0"/>
+              <a:t>std::thread::</a:t>
+            </a:r>
+            <a:r>
+              <a:rPr lang="en-US" b="1" dirty="0" err="1"/>
+              <a:t>hardware_concurrency</a:t>
+            </a:r>
+            <a:r>
+              <a:rPr lang="en-US" dirty="0"/>
+              <a:t>())</a:t>
+            </a:r>
+          </a:p>
+          <a:p>
+            <a:pPr marL="457200" lvl="1" indent="0">
+              <a:buNone/>
+            </a:pPr>
+            <a:r>
+              <a:rPr lang="en-US" dirty="0"/>
+              <a:t>   .multithreaded()</a:t>
+            </a:r>
+          </a:p>
+          <a:p>
+            <a:pPr marL="457200" lvl="1" indent="0">
+              <a:buNone/>
+            </a:pPr>
+            <a:r>
+              <a:rPr lang="en-US" dirty="0"/>
+              <a:t>   .</a:t>
+            </a:r>
+            <a:r>
+              <a:rPr lang="en-US" b="1" dirty="0" err="1"/>
+              <a:t>loglevel</a:t>
+            </a:r>
+            <a:r>
+              <a:rPr lang="en-US" b="1" dirty="0"/>
+              <a:t>(crow::</a:t>
+            </a:r>
+            <a:r>
+              <a:rPr lang="en-US" b="1" dirty="0" err="1"/>
+              <a:t>LogLevel</a:t>
+            </a:r>
+            <a:r>
+              <a:rPr lang="en-US" b="1" dirty="0"/>
+              <a:t>::Debug)</a:t>
+            </a:r>
+          </a:p>
+          <a:p>
+            <a:pPr marL="457200" lvl="1" indent="0">
+              <a:buNone/>
+            </a:pPr>
+            <a:r>
+              <a:rPr lang="en-US" dirty="0"/>
+              <a:t>   .run();</a:t>
+            </a:r>
+          </a:p>
+          <a:p>
+            <a:pPr marL="457200" lvl="1" indent="0">
+              <a:buNone/>
+            </a:pPr>
+            <a:endParaRPr lang="en-US" dirty="0"/>
+          </a:p>
+          <a:p>
+            <a:pPr lvl="1"/>
+            <a:r>
+              <a:rPr lang="en-US" dirty="0"/>
+              <a:t>Se </a:t>
+            </a:r>
+            <a:r>
+              <a:rPr lang="en-US" dirty="0" err="1"/>
+              <a:t>puede</a:t>
+            </a:r>
+            <a:r>
+              <a:rPr lang="en-US" dirty="0"/>
+              <a:t> </a:t>
+            </a:r>
+            <a:r>
+              <a:rPr lang="en-US" dirty="0" err="1"/>
+              <a:t>activar</a:t>
+            </a:r>
+            <a:r>
+              <a:rPr lang="en-US" dirty="0"/>
+              <a:t> los logs con un </a:t>
+            </a:r>
+            <a:r>
+              <a:rPr lang="en-US" dirty="0" err="1"/>
+              <a:t>nivel</a:t>
+            </a:r>
+            <a:r>
+              <a:rPr lang="en-US" dirty="0"/>
+              <a:t> de log, </a:t>
+            </a:r>
+            <a:r>
+              <a:rPr lang="en-US" dirty="0" err="1"/>
+              <a:t>pero</a:t>
+            </a:r>
+            <a:r>
+              <a:rPr lang="en-US" dirty="0"/>
+              <a:t> son </a:t>
+            </a:r>
+            <a:r>
+              <a:rPr lang="en-US" dirty="0" err="1"/>
+              <a:t>automáticos</a:t>
+            </a:r>
+            <a:r>
+              <a:rPr lang="en-US" dirty="0"/>
+              <a:t>.</a:t>
+            </a:r>
+          </a:p>
+          <a:p>
+            <a:pPr lvl="1"/>
+            <a:endParaRPr lang="es-ES" dirty="0"/>
+          </a:p>
+          <a:p>
+            <a:endParaRPr lang="es-ES" dirty="0"/>
+          </a:p>
+        </p:txBody>
+      </p:sp>
+      <p:sp>
+        <p:nvSpPr>
+          <p:cNvPr id="4" name="Marcador de número de diapositiva 3">
+            <a:extLst>
+              <a:ext uri="{FF2B5EF4-FFF2-40B4-BE49-F238E27FC236}">
+                <a16:creationId xmlns:a16="http://schemas.microsoft.com/office/drawing/2014/main" id="{52B9D11D-1919-7001-A220-806D0936BC45}"/>
+              </a:ext>
+            </a:extLst>
+          </p:cNvPr>
+          <p:cNvSpPr>
+            <a:spLocks noGrp="1"/>
+          </p:cNvSpPr>
+          <p:nvPr>
+            <p:ph type="sldNum" sz="quarter" idx="12"/>
+          </p:nvPr>
+        </p:nvSpPr>
+        <p:spPr/>
+        <p:txBody>
+          <a:bodyPr/>
+          <a:lstStyle/>
+          <a:p>
+            <a:fld id="{A6EC93C0-D482-4F60-811A-DF574DBC2A85}" type="slidenum">
+              <a:rPr lang="es-ES" smtClean="0"/>
+              <a:t>52</a:t>
+            </a:fld>
+            <a:endParaRPr lang="es-ES"/>
+          </a:p>
+        </p:txBody>
+      </p:sp>
+    </p:spTree>
+    <p:extLst>
+      <p:ext uri="{BB962C8B-B14F-4D97-AF65-F5344CB8AC3E}">
+        <p14:creationId xmlns:p14="http://schemas.microsoft.com/office/powerpoint/2010/main" val="3438151140"/>
+      </p:ext>
+    </p:extLst>
+  </p:cSld>
+  <p:clrMapOvr>
+    <a:masterClrMapping/>
+  </p:clrMapOvr>
+</p:sld>
+</file>
+
+<file path=ppt/slides/slide53.xml><?xml version="1.0" encoding="utf-8"?>
+<p:sld xmlns:a="http://schemas.openxmlformats.org/drawingml/2006/main" xmlns:r="http://schemas.openxmlformats.org/officeDocument/2006/relationships" xmlns:p="http://schemas.openxmlformats.org/presentationml/2006/main">
+  <p:cSld>
+    <p:spTree>
+      <p:nvGrpSpPr>
+        <p:cNvPr id="1" name=""/>
+        <p:cNvGrpSpPr/>
+        <p:nvPr/>
+      </p:nvGrpSpPr>
+      <p:grpSpPr>
+        <a:xfrm>
+          <a:off x="0" y="0"/>
+          <a:ext cx="0" cy="0"/>
+          <a:chOff x="0" y="0"/>
+          <a:chExt cx="0" cy="0"/>
+        </a:xfrm>
+      </p:grpSpPr>
+      <p:sp>
+        <p:nvSpPr>
+          <p:cNvPr id="2" name="Título 1">
+            <a:extLst>
+              <a:ext uri="{FF2B5EF4-FFF2-40B4-BE49-F238E27FC236}">
+                <a16:creationId xmlns:a16="http://schemas.microsoft.com/office/drawing/2014/main" id="{4FC50FF7-3408-1E21-1CB0-0DE66D238E26}"/>
+              </a:ext>
+            </a:extLst>
+          </p:cNvPr>
+          <p:cNvSpPr>
+            <a:spLocks noGrp="1"/>
+          </p:cNvSpPr>
+          <p:nvPr>
+            <p:ph type="title"/>
+          </p:nvPr>
+        </p:nvSpPr>
+        <p:spPr/>
+        <p:txBody>
+          <a:bodyPr/>
+          <a:lstStyle/>
+          <a:p>
+            <a:r>
+              <a:rPr lang="es-ES" dirty="0"/>
+              <a:t>Niveles de log</a:t>
+            </a:r>
+          </a:p>
+        </p:txBody>
+      </p:sp>
+      <p:sp>
+        <p:nvSpPr>
+          <p:cNvPr id="4" name="Marcador de número de diapositiva 3">
+            <a:extLst>
+              <a:ext uri="{FF2B5EF4-FFF2-40B4-BE49-F238E27FC236}">
+                <a16:creationId xmlns:a16="http://schemas.microsoft.com/office/drawing/2014/main" id="{FAEDC7B1-770F-C713-87C0-9FFA00A29A97}"/>
+              </a:ext>
+            </a:extLst>
+          </p:cNvPr>
+          <p:cNvSpPr>
+            <a:spLocks noGrp="1"/>
+          </p:cNvSpPr>
+          <p:nvPr>
+            <p:ph type="sldNum" sz="quarter" idx="12"/>
+          </p:nvPr>
+        </p:nvSpPr>
+        <p:spPr/>
+        <p:txBody>
+          <a:bodyPr/>
+          <a:lstStyle/>
+          <a:p>
+            <a:fld id="{A6EC93C0-D482-4F60-811A-DF574DBC2A85}" type="slidenum">
+              <a:rPr lang="es-ES" smtClean="0"/>
+              <a:t>53</a:t>
+            </a:fld>
+            <a:endParaRPr lang="es-ES"/>
+          </a:p>
+        </p:txBody>
+      </p:sp>
+      <p:pic>
+        <p:nvPicPr>
+          <p:cNvPr id="6" name="Imagen 5">
+            <a:extLst>
+              <a:ext uri="{FF2B5EF4-FFF2-40B4-BE49-F238E27FC236}">
+                <a16:creationId xmlns:a16="http://schemas.microsoft.com/office/drawing/2014/main" id="{B5BF86B5-161A-4A73-463C-27572EE4F618}"/>
+              </a:ext>
+            </a:extLst>
+          </p:cNvPr>
+          <p:cNvPicPr>
+            <a:picLocks noChangeAspect="1"/>
+          </p:cNvPicPr>
+          <p:nvPr/>
+        </p:nvPicPr>
+        <p:blipFill>
+          <a:blip r:embed="rId2"/>
+          <a:stretch>
+            <a:fillRect/>
+          </a:stretch>
+        </p:blipFill>
+        <p:spPr>
+          <a:xfrm>
+            <a:off x="465366" y="1690688"/>
+            <a:ext cx="11261268" cy="4228849"/>
+          </a:xfrm>
+          <a:prstGeom prst="rect">
+            <a:avLst/>
+          </a:prstGeom>
+        </p:spPr>
+      </p:pic>
+    </p:spTree>
+    <p:extLst>
+      <p:ext uri="{BB962C8B-B14F-4D97-AF65-F5344CB8AC3E}">
+        <p14:creationId xmlns:p14="http://schemas.microsoft.com/office/powerpoint/2010/main" val="2375234853"/>
+      </p:ext>
+    </p:extLst>
+  </p:cSld>
+  <p:clrMapOvr>
+    <a:masterClrMapping/>
+  </p:clrMapOvr>
+</p:sld>
+</file>
+
+<file path=ppt/slides/slide54.xml><?xml version="1.0" encoding="utf-8"?>
+<p:sld xmlns:a="http://schemas.openxmlformats.org/drawingml/2006/main" xmlns:r="http://schemas.openxmlformats.org/officeDocument/2006/relationships" xmlns:p="http://schemas.openxmlformats.org/presentationml/2006/main">
+  <p:cSld>
+    <p:spTree>
+      <p:nvGrpSpPr>
+        <p:cNvPr id="1" name=""/>
+        <p:cNvGrpSpPr/>
+        <p:nvPr/>
+      </p:nvGrpSpPr>
+      <p:grpSpPr>
+        <a:xfrm>
+          <a:off x="0" y="0"/>
+          <a:ext cx="0" cy="0"/>
+          <a:chOff x="0" y="0"/>
+          <a:chExt cx="0" cy="0"/>
+        </a:xfrm>
+      </p:grpSpPr>
+      <p:sp>
+        <p:nvSpPr>
+          <p:cNvPr id="2" name="Título 1">
+            <a:extLst>
+              <a:ext uri="{FF2B5EF4-FFF2-40B4-BE49-F238E27FC236}">
+                <a16:creationId xmlns:a16="http://schemas.microsoft.com/office/drawing/2014/main" id="{9337A851-215C-2FC4-39C9-ACA335AA9257}"/>
+              </a:ext>
+            </a:extLst>
+          </p:cNvPr>
+          <p:cNvSpPr>
+            <a:spLocks noGrp="1"/>
+          </p:cNvSpPr>
+          <p:nvPr>
+            <p:ph type="title"/>
+          </p:nvPr>
+        </p:nvSpPr>
+        <p:spPr/>
+        <p:txBody>
+          <a:bodyPr/>
+          <a:lstStyle/>
+          <a:p>
+            <a:r>
+              <a:rPr lang="es-ES" dirty="0"/>
+              <a:t>Mensajes de log</a:t>
+            </a:r>
+          </a:p>
+        </p:txBody>
+      </p:sp>
+      <p:sp>
+        <p:nvSpPr>
+          <p:cNvPr id="3" name="Marcador de contenido 2">
+            <a:extLst>
+              <a:ext uri="{FF2B5EF4-FFF2-40B4-BE49-F238E27FC236}">
+                <a16:creationId xmlns:a16="http://schemas.microsoft.com/office/drawing/2014/main" id="{4BF14FC6-5760-B080-D331-B32827E678FA}"/>
+              </a:ext>
+            </a:extLst>
+          </p:cNvPr>
+          <p:cNvSpPr>
+            <a:spLocks noGrp="1"/>
+          </p:cNvSpPr>
+          <p:nvPr>
+            <p:ph idx="1"/>
+          </p:nvPr>
+        </p:nvSpPr>
+        <p:spPr/>
+        <p:txBody>
+          <a:bodyPr/>
+          <a:lstStyle/>
+          <a:p>
+            <a:r>
+              <a:rPr lang="es-ES" b="1" dirty="0" err="1"/>
+              <a:t>crow</a:t>
+            </a:r>
+            <a:r>
+              <a:rPr lang="es-ES" dirty="0"/>
+              <a:t> usa </a:t>
+            </a:r>
+            <a:r>
+              <a:rPr lang="es-ES" b="1" dirty="0"/>
+              <a:t>macros</a:t>
+            </a:r>
+            <a:r>
+              <a:rPr lang="es-ES" dirty="0"/>
+              <a:t> para emitir logs personalizados:</a:t>
+            </a:r>
+          </a:p>
+          <a:p>
+            <a:pPr lvl="1"/>
+            <a:r>
+              <a:rPr lang="es-ES" dirty="0"/>
+              <a:t>CROW_LOG_DEBUG &lt;&lt; "Mensaje de depuración";</a:t>
+            </a:r>
+          </a:p>
+          <a:p>
+            <a:pPr lvl="1"/>
+            <a:r>
+              <a:rPr lang="es-ES" dirty="0"/>
+              <a:t>CROW_LOG_INFO &lt;&lt; "Servidor iniciado correctamente";</a:t>
+            </a:r>
+          </a:p>
+          <a:p>
+            <a:pPr lvl="1"/>
+            <a:r>
+              <a:rPr lang="es-ES" dirty="0"/>
+              <a:t>CROW_LOG_WARNING &lt;&lt; "Parámetro inesperado recibido";</a:t>
+            </a:r>
+          </a:p>
+          <a:p>
+            <a:pPr lvl="1"/>
+            <a:r>
+              <a:rPr lang="es-ES" dirty="0"/>
+              <a:t>CROW_LOG_ERROR &lt;&lt; "Error al procesar la petición";</a:t>
+            </a:r>
+          </a:p>
+          <a:p>
+            <a:pPr lvl="1"/>
+            <a:r>
+              <a:rPr lang="es-ES" dirty="0"/>
+              <a:t>CROW_LOG_CRITICAL &lt;&lt; "Fallo grave en el sistema";</a:t>
+            </a:r>
+          </a:p>
+          <a:p>
+            <a:endParaRPr lang="es-ES" dirty="0"/>
+          </a:p>
+        </p:txBody>
+      </p:sp>
+      <p:sp>
+        <p:nvSpPr>
+          <p:cNvPr id="4" name="Marcador de número de diapositiva 3">
+            <a:extLst>
+              <a:ext uri="{FF2B5EF4-FFF2-40B4-BE49-F238E27FC236}">
+                <a16:creationId xmlns:a16="http://schemas.microsoft.com/office/drawing/2014/main" id="{338F8D68-966D-D4FF-5AEE-AC7279BCF613}"/>
+              </a:ext>
+            </a:extLst>
+          </p:cNvPr>
+          <p:cNvSpPr>
+            <a:spLocks noGrp="1"/>
+          </p:cNvSpPr>
+          <p:nvPr>
+            <p:ph type="sldNum" sz="quarter" idx="12"/>
+          </p:nvPr>
+        </p:nvSpPr>
+        <p:spPr/>
+        <p:txBody>
+          <a:bodyPr/>
+          <a:lstStyle/>
+          <a:p>
+            <a:fld id="{A6EC93C0-D482-4F60-811A-DF574DBC2A85}" type="slidenum">
+              <a:rPr lang="es-ES" smtClean="0"/>
+              <a:t>54</a:t>
+            </a:fld>
+            <a:endParaRPr lang="es-ES"/>
+          </a:p>
+        </p:txBody>
+      </p:sp>
+    </p:spTree>
+    <p:extLst>
+      <p:ext uri="{BB962C8B-B14F-4D97-AF65-F5344CB8AC3E}">
+        <p14:creationId xmlns:p14="http://schemas.microsoft.com/office/powerpoint/2010/main" val="214047765"/>
+      </p:ext>
+    </p:extLst>
+  </p:cSld>
+  <p:clrMapOvr>
+    <a:masterClrMapping/>
+  </p:clrMapOvr>
+</p:sld>
+</file>
+
+<file path=ppt/slides/slide55.xml><?xml version="1.0" encoding="utf-8"?>
+<p:sld xmlns:a="http://schemas.openxmlformats.org/drawingml/2006/main" xmlns:r="http://schemas.openxmlformats.org/officeDocument/2006/relationships" xmlns:p="http://schemas.openxmlformats.org/presentationml/2006/main">
+  <p:cSld>
+    <p:spTree>
+      <p:nvGrpSpPr>
+        <p:cNvPr id="1" name=""/>
+        <p:cNvGrpSpPr/>
+        <p:nvPr/>
+      </p:nvGrpSpPr>
+      <p:grpSpPr>
+        <a:xfrm>
+          <a:off x="0" y="0"/>
+          <a:ext cx="0" cy="0"/>
+          <a:chOff x="0" y="0"/>
+          <a:chExt cx="0" cy="0"/>
+        </a:xfrm>
+      </p:grpSpPr>
+      <p:sp>
+        <p:nvSpPr>
+          <p:cNvPr id="5" name="Título 4">
+            <a:extLst>
+              <a:ext uri="{FF2B5EF4-FFF2-40B4-BE49-F238E27FC236}">
+                <a16:creationId xmlns:a16="http://schemas.microsoft.com/office/drawing/2014/main" id="{ECC6999A-7A1C-8CC7-7D39-52F9148A60B1}"/>
+              </a:ext>
+            </a:extLst>
+          </p:cNvPr>
+          <p:cNvSpPr>
+            <a:spLocks noGrp="1"/>
+          </p:cNvSpPr>
+          <p:nvPr>
+            <p:ph type="ctrTitle"/>
+          </p:nvPr>
+        </p:nvSpPr>
+        <p:spPr>
+          <a:xfrm>
+            <a:off x="1618268" y="1970775"/>
+            <a:ext cx="9144000" cy="2387600"/>
+          </a:xfrm>
+        </p:spPr>
+        <p:txBody>
+          <a:bodyPr/>
+          <a:lstStyle/>
+          <a:p>
+            <a:r>
+              <a:rPr lang="es-ES" b="1" dirty="0"/>
+              <a:t>Protocolos HTTP, </a:t>
+            </a:r>
+            <a:r>
+              <a:rPr lang="es-ES" b="1" dirty="0" err="1"/>
+              <a:t>HTTPs</a:t>
+            </a:r>
+            <a:r>
+              <a:rPr lang="es-ES" b="1" dirty="0"/>
+              <a:t> y </a:t>
+            </a:r>
+            <a:r>
+              <a:rPr lang="es-ES" b="1" dirty="0" err="1"/>
+              <a:t>WebSockets</a:t>
+            </a:r>
+            <a:endParaRPr lang="es-ES" b="1" dirty="0"/>
+          </a:p>
+        </p:txBody>
+      </p:sp>
+      <p:sp>
+        <p:nvSpPr>
+          <p:cNvPr id="4" name="Marcador de número de diapositiva 3">
+            <a:extLst>
+              <a:ext uri="{FF2B5EF4-FFF2-40B4-BE49-F238E27FC236}">
+                <a16:creationId xmlns:a16="http://schemas.microsoft.com/office/drawing/2014/main" id="{22D54114-6E34-AFCD-E17D-AB247128EEE0}"/>
               </a:ext>
             </a:extLst>
           </p:cNvPr>
@@ -11823,7 +15172,978 @@
           <a:p>
             <a:fld id="{FE1ACEE4-8B3E-4875-98A0-9A2521022ECF}" type="slidenum">
               <a:rPr lang="es-ES" smtClean="0"/>
-              <a:t>45</a:t>
+              <a:t>55</a:t>
+            </a:fld>
+            <a:endParaRPr lang="es-ES"/>
+          </a:p>
+        </p:txBody>
+      </p:sp>
+    </p:spTree>
+    <p:extLst>
+      <p:ext uri="{BB962C8B-B14F-4D97-AF65-F5344CB8AC3E}">
+        <p14:creationId xmlns:p14="http://schemas.microsoft.com/office/powerpoint/2010/main" val="3576769305"/>
+      </p:ext>
+    </p:extLst>
+  </p:cSld>
+  <p:clrMapOvr>
+    <a:masterClrMapping/>
+  </p:clrMapOvr>
+</p:sld>
+</file>
+
+<file path=ppt/slides/slide56.xml><?xml version="1.0" encoding="utf-8"?>
+<p:sld xmlns:a="http://schemas.openxmlformats.org/drawingml/2006/main" xmlns:r="http://schemas.openxmlformats.org/officeDocument/2006/relationships" xmlns:p="http://schemas.openxmlformats.org/presentationml/2006/main">
+  <p:cSld>
+    <p:spTree>
+      <p:nvGrpSpPr>
+        <p:cNvPr id="1" name=""/>
+        <p:cNvGrpSpPr/>
+        <p:nvPr/>
+      </p:nvGrpSpPr>
+      <p:grpSpPr>
+        <a:xfrm>
+          <a:off x="0" y="0"/>
+          <a:ext cx="0" cy="0"/>
+          <a:chOff x="0" y="0"/>
+          <a:chExt cx="0" cy="0"/>
+        </a:xfrm>
+      </p:grpSpPr>
+      <p:sp>
+        <p:nvSpPr>
+          <p:cNvPr id="2" name="Título 1">
+            <a:extLst>
+              <a:ext uri="{FF2B5EF4-FFF2-40B4-BE49-F238E27FC236}">
+                <a16:creationId xmlns:a16="http://schemas.microsoft.com/office/drawing/2014/main" id="{50EFA297-DCE7-38AF-9582-22669B227B60}"/>
+              </a:ext>
+            </a:extLst>
+          </p:cNvPr>
+          <p:cNvSpPr>
+            <a:spLocks noGrp="1"/>
+          </p:cNvSpPr>
+          <p:nvPr>
+            <p:ph type="title"/>
+          </p:nvPr>
+        </p:nvSpPr>
+        <p:spPr/>
+        <p:txBody>
+          <a:bodyPr/>
+          <a:lstStyle/>
+          <a:p>
+            <a:r>
+              <a:rPr lang="es-ES" dirty="0"/>
+              <a:t>HTTP</a:t>
+            </a:r>
+          </a:p>
+        </p:txBody>
+      </p:sp>
+      <p:sp>
+        <p:nvSpPr>
+          <p:cNvPr id="3" name="Marcador de contenido 2">
+            <a:extLst>
+              <a:ext uri="{FF2B5EF4-FFF2-40B4-BE49-F238E27FC236}">
+                <a16:creationId xmlns:a16="http://schemas.microsoft.com/office/drawing/2014/main" id="{F64D52EE-11BA-B1CF-F3DB-58C2196448F5}"/>
+              </a:ext>
+            </a:extLst>
+          </p:cNvPr>
+          <p:cNvSpPr>
+            <a:spLocks noGrp="1"/>
+          </p:cNvSpPr>
+          <p:nvPr>
+            <p:ph idx="1"/>
+          </p:nvPr>
+        </p:nvSpPr>
+        <p:spPr/>
+        <p:txBody>
+          <a:bodyPr>
+            <a:normAutofit fontScale="85000" lnSpcReduction="20000"/>
+          </a:bodyPr>
+          <a:lstStyle/>
+          <a:p>
+            <a:r>
+              <a:rPr lang="es-ES" dirty="0"/>
+              <a:t>Es el protocolo base de la web. Permite la comunicación entre clientes (como navegadores) y servidores mediante un modelo solicitud-respuesta.</a:t>
+            </a:r>
+          </a:p>
+          <a:p>
+            <a:endParaRPr lang="es-ES" dirty="0"/>
+          </a:p>
+          <a:p>
+            <a:r>
+              <a:rPr lang="es-ES" dirty="0"/>
+              <a:t>Características:</a:t>
+            </a:r>
+          </a:p>
+          <a:p>
+            <a:r>
+              <a:rPr lang="es-ES" dirty="0"/>
+              <a:t>Unidireccional: El cliente envía una solicitud, el servidor responde.</a:t>
+            </a:r>
+          </a:p>
+          <a:p>
+            <a:endParaRPr lang="es-ES" dirty="0"/>
+          </a:p>
+          <a:p>
+            <a:r>
+              <a:rPr lang="es-ES" dirty="0"/>
+              <a:t>Sin estado: No guarda información entre solicitudes (aunque puede usarse con cookies o sesiones).</a:t>
+            </a:r>
+          </a:p>
+          <a:p>
+            <a:endParaRPr lang="es-ES" dirty="0"/>
+          </a:p>
+          <a:p>
+            <a:r>
+              <a:rPr lang="es-ES" dirty="0"/>
+              <a:t>Usa el puerto 80 por defecto.</a:t>
+            </a:r>
+          </a:p>
+          <a:p>
+            <a:endParaRPr lang="es-ES" dirty="0"/>
+          </a:p>
+          <a:p>
+            <a:r>
+              <a:rPr lang="es-ES" dirty="0"/>
+              <a:t>Formato textual: Las solicitudes y respuestas son legibles y estructuradas.</a:t>
+            </a:r>
+          </a:p>
+        </p:txBody>
+      </p:sp>
+      <p:sp>
+        <p:nvSpPr>
+          <p:cNvPr id="4" name="Marcador de número de diapositiva 3">
+            <a:extLst>
+              <a:ext uri="{FF2B5EF4-FFF2-40B4-BE49-F238E27FC236}">
+                <a16:creationId xmlns:a16="http://schemas.microsoft.com/office/drawing/2014/main" id="{BB238E83-12A7-17A3-07C7-538C87A7AE56}"/>
+              </a:ext>
+            </a:extLst>
+          </p:cNvPr>
+          <p:cNvSpPr>
+            <a:spLocks noGrp="1"/>
+          </p:cNvSpPr>
+          <p:nvPr>
+            <p:ph type="sldNum" sz="quarter" idx="12"/>
+          </p:nvPr>
+        </p:nvSpPr>
+        <p:spPr/>
+        <p:txBody>
+          <a:bodyPr/>
+          <a:lstStyle/>
+          <a:p>
+            <a:fld id="{FE1ACEE4-8B3E-4875-98A0-9A2521022ECF}" type="slidenum">
+              <a:rPr lang="es-ES" smtClean="0"/>
+              <a:t>56</a:t>
+            </a:fld>
+            <a:endParaRPr lang="es-ES"/>
+          </a:p>
+        </p:txBody>
+      </p:sp>
+    </p:spTree>
+    <p:extLst>
+      <p:ext uri="{BB962C8B-B14F-4D97-AF65-F5344CB8AC3E}">
+        <p14:creationId xmlns:p14="http://schemas.microsoft.com/office/powerpoint/2010/main" val="321893107"/>
+      </p:ext>
+    </p:extLst>
+  </p:cSld>
+  <p:clrMapOvr>
+    <a:masterClrMapping/>
+  </p:clrMapOvr>
+</p:sld>
+</file>
+
+<file path=ppt/slides/slide57.xml><?xml version="1.0" encoding="utf-8"?>
+<p:sld xmlns:a="http://schemas.openxmlformats.org/drawingml/2006/main" xmlns:r="http://schemas.openxmlformats.org/officeDocument/2006/relationships" xmlns:p="http://schemas.openxmlformats.org/presentationml/2006/main">
+  <p:cSld>
+    <p:spTree>
+      <p:nvGrpSpPr>
+        <p:cNvPr id="1" name=""/>
+        <p:cNvGrpSpPr/>
+        <p:nvPr/>
+      </p:nvGrpSpPr>
+      <p:grpSpPr>
+        <a:xfrm>
+          <a:off x="0" y="0"/>
+          <a:ext cx="0" cy="0"/>
+          <a:chOff x="0" y="0"/>
+          <a:chExt cx="0" cy="0"/>
+        </a:xfrm>
+      </p:grpSpPr>
+      <p:sp>
+        <p:nvSpPr>
+          <p:cNvPr id="2" name="Título 1">
+            <a:extLst>
+              <a:ext uri="{FF2B5EF4-FFF2-40B4-BE49-F238E27FC236}">
+                <a16:creationId xmlns:a16="http://schemas.microsoft.com/office/drawing/2014/main" id="{5CB99181-EC00-A77B-2E00-656CF13968D7}"/>
+              </a:ext>
+            </a:extLst>
+          </p:cNvPr>
+          <p:cNvSpPr>
+            <a:spLocks noGrp="1"/>
+          </p:cNvSpPr>
+          <p:nvPr>
+            <p:ph type="title"/>
+          </p:nvPr>
+        </p:nvSpPr>
+        <p:spPr/>
+        <p:txBody>
+          <a:bodyPr/>
+          <a:lstStyle/>
+          <a:p>
+            <a:r>
+              <a:rPr lang="es-ES" dirty="0" err="1"/>
+              <a:t>HTTPs</a:t>
+            </a:r>
+            <a:endParaRPr lang="es-ES" dirty="0"/>
+          </a:p>
+        </p:txBody>
+      </p:sp>
+      <p:sp>
+        <p:nvSpPr>
+          <p:cNvPr id="3" name="Marcador de contenido 2">
+            <a:extLst>
+              <a:ext uri="{FF2B5EF4-FFF2-40B4-BE49-F238E27FC236}">
+                <a16:creationId xmlns:a16="http://schemas.microsoft.com/office/drawing/2014/main" id="{3EEEAAB4-1181-622E-EFB4-47981DE0614C}"/>
+              </a:ext>
+            </a:extLst>
+          </p:cNvPr>
+          <p:cNvSpPr>
+            <a:spLocks noGrp="1"/>
+          </p:cNvSpPr>
+          <p:nvPr>
+            <p:ph idx="1"/>
+          </p:nvPr>
+        </p:nvSpPr>
+        <p:spPr/>
+        <p:txBody>
+          <a:bodyPr>
+            <a:normAutofit fontScale="92500" lnSpcReduction="20000"/>
+          </a:bodyPr>
+          <a:lstStyle/>
+          <a:p>
+            <a:r>
+              <a:rPr lang="es-ES" dirty="0"/>
+              <a:t>Http </a:t>
+            </a:r>
+            <a:r>
+              <a:rPr lang="es-ES" dirty="0" err="1"/>
+              <a:t>secure</a:t>
+            </a:r>
+            <a:endParaRPr lang="es-ES" dirty="0"/>
+          </a:p>
+          <a:p>
+            <a:pPr lvl="1"/>
+            <a:r>
+              <a:rPr lang="es-ES" dirty="0"/>
+              <a:t>Es la versión segura de HTTP. Utiliza TLS/SSL para cifrar la comunicación entre cliente y servidor.</a:t>
+            </a:r>
+          </a:p>
+          <a:p>
+            <a:endParaRPr lang="es-ES" dirty="0"/>
+          </a:p>
+          <a:p>
+            <a:r>
+              <a:rPr lang="es-ES" dirty="0"/>
+              <a:t>Características:</a:t>
+            </a:r>
+          </a:p>
+          <a:p>
+            <a:pPr lvl="1"/>
+            <a:r>
+              <a:rPr lang="es-ES" dirty="0"/>
+              <a:t>Cifrado de extremo a extremo: Protege datos sensibles como contraseñas o tarjetas.</a:t>
+            </a:r>
+          </a:p>
+          <a:p>
+            <a:pPr lvl="1"/>
+            <a:endParaRPr lang="es-ES" dirty="0"/>
+          </a:p>
+          <a:p>
+            <a:pPr lvl="1"/>
+            <a:r>
+              <a:rPr lang="es-ES" dirty="0"/>
+              <a:t>Autenticación: Verifica que estás hablando con el servidor correcto mediante certificados digitales.</a:t>
+            </a:r>
+          </a:p>
+          <a:p>
+            <a:pPr lvl="1"/>
+            <a:endParaRPr lang="es-ES" dirty="0"/>
+          </a:p>
+          <a:p>
+            <a:pPr lvl="1"/>
+            <a:r>
+              <a:rPr lang="es-ES" dirty="0"/>
+              <a:t>Integridad: Evita que los datos sean modificados durante la transmisión.</a:t>
+            </a:r>
+          </a:p>
+          <a:p>
+            <a:pPr lvl="1"/>
+            <a:endParaRPr lang="es-ES" dirty="0"/>
+          </a:p>
+          <a:p>
+            <a:pPr lvl="1"/>
+            <a:r>
+              <a:rPr lang="es-ES" dirty="0"/>
+              <a:t>Usa el puerto 443 por defecto.</a:t>
+            </a:r>
+          </a:p>
+        </p:txBody>
+      </p:sp>
+      <p:sp>
+        <p:nvSpPr>
+          <p:cNvPr id="4" name="Marcador de número de diapositiva 3">
+            <a:extLst>
+              <a:ext uri="{FF2B5EF4-FFF2-40B4-BE49-F238E27FC236}">
+                <a16:creationId xmlns:a16="http://schemas.microsoft.com/office/drawing/2014/main" id="{32B7950A-5D59-B96A-3145-E3EC0B834CC6}"/>
+              </a:ext>
+            </a:extLst>
+          </p:cNvPr>
+          <p:cNvSpPr>
+            <a:spLocks noGrp="1"/>
+          </p:cNvSpPr>
+          <p:nvPr>
+            <p:ph type="sldNum" sz="quarter" idx="12"/>
+          </p:nvPr>
+        </p:nvSpPr>
+        <p:spPr/>
+        <p:txBody>
+          <a:bodyPr/>
+          <a:lstStyle/>
+          <a:p>
+            <a:fld id="{FE1ACEE4-8B3E-4875-98A0-9A2521022ECF}" type="slidenum">
+              <a:rPr lang="es-ES" smtClean="0"/>
+              <a:t>57</a:t>
+            </a:fld>
+            <a:endParaRPr lang="es-ES"/>
+          </a:p>
+        </p:txBody>
+      </p:sp>
+    </p:spTree>
+    <p:extLst>
+      <p:ext uri="{BB962C8B-B14F-4D97-AF65-F5344CB8AC3E}">
+        <p14:creationId xmlns:p14="http://schemas.microsoft.com/office/powerpoint/2010/main" val="3281513645"/>
+      </p:ext>
+    </p:extLst>
+  </p:cSld>
+  <p:clrMapOvr>
+    <a:masterClrMapping/>
+  </p:clrMapOvr>
+</p:sld>
+</file>
+
+<file path=ppt/slides/slide58.xml><?xml version="1.0" encoding="utf-8"?>
+<p:sld xmlns:a="http://schemas.openxmlformats.org/drawingml/2006/main" xmlns:r="http://schemas.openxmlformats.org/officeDocument/2006/relationships" xmlns:p="http://schemas.openxmlformats.org/presentationml/2006/main">
+  <p:cSld>
+    <p:spTree>
+      <p:nvGrpSpPr>
+        <p:cNvPr id="1" name=""/>
+        <p:cNvGrpSpPr/>
+        <p:nvPr/>
+      </p:nvGrpSpPr>
+      <p:grpSpPr>
+        <a:xfrm>
+          <a:off x="0" y="0"/>
+          <a:ext cx="0" cy="0"/>
+          <a:chOff x="0" y="0"/>
+          <a:chExt cx="0" cy="0"/>
+        </a:xfrm>
+      </p:grpSpPr>
+      <p:sp>
+        <p:nvSpPr>
+          <p:cNvPr id="2" name="Título 1">
+            <a:extLst>
+              <a:ext uri="{FF2B5EF4-FFF2-40B4-BE49-F238E27FC236}">
+                <a16:creationId xmlns:a16="http://schemas.microsoft.com/office/drawing/2014/main" id="{63EA9DEF-D7E9-A444-2E53-68AF21CC6912}"/>
+              </a:ext>
+            </a:extLst>
+          </p:cNvPr>
+          <p:cNvSpPr>
+            <a:spLocks noGrp="1"/>
+          </p:cNvSpPr>
+          <p:nvPr>
+            <p:ph type="title"/>
+          </p:nvPr>
+        </p:nvSpPr>
+        <p:spPr/>
+        <p:txBody>
+          <a:bodyPr/>
+          <a:lstStyle/>
+          <a:p>
+            <a:r>
+              <a:rPr lang="es-ES" dirty="0" err="1"/>
+              <a:t>WebSockets</a:t>
+            </a:r>
+            <a:endParaRPr lang="es-ES" dirty="0"/>
+          </a:p>
+        </p:txBody>
+      </p:sp>
+      <p:sp>
+        <p:nvSpPr>
+          <p:cNvPr id="3" name="Marcador de contenido 2">
+            <a:extLst>
+              <a:ext uri="{FF2B5EF4-FFF2-40B4-BE49-F238E27FC236}">
+                <a16:creationId xmlns:a16="http://schemas.microsoft.com/office/drawing/2014/main" id="{9574953E-8FAB-CE3E-5A83-D995F16E7F8C}"/>
+              </a:ext>
+            </a:extLst>
+          </p:cNvPr>
+          <p:cNvSpPr>
+            <a:spLocks noGrp="1"/>
+          </p:cNvSpPr>
+          <p:nvPr>
+            <p:ph idx="1"/>
+          </p:nvPr>
+        </p:nvSpPr>
+        <p:spPr/>
+        <p:txBody>
+          <a:bodyPr>
+            <a:normAutofit fontScale="92500" lnSpcReduction="10000"/>
+          </a:bodyPr>
+          <a:lstStyle/>
+          <a:p>
+            <a:r>
+              <a:rPr lang="es-ES" dirty="0"/>
+              <a:t>Es un protocolo de comunicación </a:t>
+            </a:r>
+            <a:r>
+              <a:rPr lang="es-ES" b="1" dirty="0"/>
+              <a:t>bidireccional y persistente</a:t>
+            </a:r>
+            <a:r>
+              <a:rPr lang="es-ES" dirty="0"/>
+              <a:t> que permite que cliente y servidor intercambien datos en tiempo real sin necesidad de múltiples solicitudes HTTP</a:t>
+            </a:r>
+          </a:p>
+          <a:p>
+            <a:endParaRPr lang="es-ES" dirty="0"/>
+          </a:p>
+          <a:p>
+            <a:r>
+              <a:rPr lang="es-ES" dirty="0"/>
+              <a:t>Características:</a:t>
+            </a:r>
+          </a:p>
+          <a:p>
+            <a:pPr lvl="1"/>
+            <a:r>
+              <a:rPr lang="es-ES" dirty="0"/>
+              <a:t>Full-</a:t>
+            </a:r>
+            <a:r>
+              <a:rPr lang="es-ES" dirty="0" err="1"/>
+              <a:t>duplex</a:t>
+            </a:r>
+            <a:r>
+              <a:rPr lang="es-ES" dirty="0"/>
+              <a:t>: Ambos lados pueden enviar y recibir datos simultáneamente.</a:t>
+            </a:r>
+          </a:p>
+          <a:p>
+            <a:pPr lvl="1"/>
+            <a:endParaRPr lang="es-ES" dirty="0"/>
+          </a:p>
+          <a:p>
+            <a:pPr lvl="1"/>
+            <a:r>
+              <a:rPr lang="es-ES" dirty="0"/>
+              <a:t>Conexión persistente: Se mantiene abierta, ideal para apps en tiempo real.</a:t>
+            </a:r>
+          </a:p>
+          <a:p>
+            <a:pPr lvl="1"/>
+            <a:endParaRPr lang="es-ES" dirty="0"/>
+          </a:p>
+          <a:p>
+            <a:pPr lvl="1"/>
+            <a:r>
+              <a:rPr lang="es-ES" dirty="0"/>
+              <a:t>Menor latencia: Los datos se envían tan pronto como están disponibles.</a:t>
+            </a:r>
+          </a:p>
+          <a:p>
+            <a:pPr lvl="1"/>
+            <a:endParaRPr lang="es-ES" dirty="0"/>
+          </a:p>
+          <a:p>
+            <a:pPr lvl="1"/>
+            <a:r>
+              <a:rPr lang="es-ES" dirty="0"/>
+              <a:t>Usa el puerto 80 (ws://) o 443 (wss://) dependiendo de si es seguro.</a:t>
+            </a:r>
+          </a:p>
+        </p:txBody>
+      </p:sp>
+      <p:sp>
+        <p:nvSpPr>
+          <p:cNvPr id="4" name="Marcador de número de diapositiva 3">
+            <a:extLst>
+              <a:ext uri="{FF2B5EF4-FFF2-40B4-BE49-F238E27FC236}">
+                <a16:creationId xmlns:a16="http://schemas.microsoft.com/office/drawing/2014/main" id="{D13A084F-A5FA-008B-3E6D-D1D6E993C67A}"/>
+              </a:ext>
+            </a:extLst>
+          </p:cNvPr>
+          <p:cNvSpPr>
+            <a:spLocks noGrp="1"/>
+          </p:cNvSpPr>
+          <p:nvPr>
+            <p:ph type="sldNum" sz="quarter" idx="12"/>
+          </p:nvPr>
+        </p:nvSpPr>
+        <p:spPr/>
+        <p:txBody>
+          <a:bodyPr/>
+          <a:lstStyle/>
+          <a:p>
+            <a:fld id="{FE1ACEE4-8B3E-4875-98A0-9A2521022ECF}" type="slidenum">
+              <a:rPr lang="es-ES" smtClean="0"/>
+              <a:t>58</a:t>
+            </a:fld>
+            <a:endParaRPr lang="es-ES"/>
+          </a:p>
+        </p:txBody>
+      </p:sp>
+    </p:spTree>
+    <p:extLst>
+      <p:ext uri="{BB962C8B-B14F-4D97-AF65-F5344CB8AC3E}">
+        <p14:creationId xmlns:p14="http://schemas.microsoft.com/office/powerpoint/2010/main" val="3184174179"/>
+      </p:ext>
+    </p:extLst>
+  </p:cSld>
+  <p:clrMapOvr>
+    <a:masterClrMapping/>
+  </p:clrMapOvr>
+</p:sld>
+</file>
+
+<file path=ppt/slides/slide59.xml><?xml version="1.0" encoding="utf-8"?>
+<p:sld xmlns:a="http://schemas.openxmlformats.org/drawingml/2006/main" xmlns:r="http://schemas.openxmlformats.org/officeDocument/2006/relationships" xmlns:p="http://schemas.openxmlformats.org/presentationml/2006/main">
+  <p:cSld>
+    <p:spTree>
+      <p:nvGrpSpPr>
+        <p:cNvPr id="1" name=""/>
+        <p:cNvGrpSpPr/>
+        <p:nvPr/>
+      </p:nvGrpSpPr>
+      <p:grpSpPr>
+        <a:xfrm>
+          <a:off x="0" y="0"/>
+          <a:ext cx="0" cy="0"/>
+          <a:chOff x="0" y="0"/>
+          <a:chExt cx="0" cy="0"/>
+        </a:xfrm>
+      </p:grpSpPr>
+      <p:sp>
+        <p:nvSpPr>
+          <p:cNvPr id="2" name="Título 1">
+            <a:extLst>
+              <a:ext uri="{FF2B5EF4-FFF2-40B4-BE49-F238E27FC236}">
+                <a16:creationId xmlns:a16="http://schemas.microsoft.com/office/drawing/2014/main" id="{5011F459-8742-719B-59A6-D3DB19BE3292}"/>
+              </a:ext>
+            </a:extLst>
+          </p:cNvPr>
+          <p:cNvSpPr>
+            <a:spLocks noGrp="1"/>
+          </p:cNvSpPr>
+          <p:nvPr>
+            <p:ph type="title"/>
+          </p:nvPr>
+        </p:nvSpPr>
+        <p:spPr/>
+        <p:txBody>
+          <a:bodyPr/>
+          <a:lstStyle/>
+          <a:p>
+            <a:r>
+              <a:rPr lang="es-ES" dirty="0" err="1"/>
+              <a:t>WebSockets</a:t>
+            </a:r>
+            <a:endParaRPr lang="es-ES" dirty="0"/>
+          </a:p>
+        </p:txBody>
+      </p:sp>
+      <p:sp>
+        <p:nvSpPr>
+          <p:cNvPr id="3" name="Marcador de contenido 2">
+            <a:extLst>
+              <a:ext uri="{FF2B5EF4-FFF2-40B4-BE49-F238E27FC236}">
+                <a16:creationId xmlns:a16="http://schemas.microsoft.com/office/drawing/2014/main" id="{47DAE552-DAD3-7A88-938D-08AAA1C4843D}"/>
+              </a:ext>
+            </a:extLst>
+          </p:cNvPr>
+          <p:cNvSpPr>
+            <a:spLocks noGrp="1"/>
+          </p:cNvSpPr>
+          <p:nvPr>
+            <p:ph idx="1"/>
+          </p:nvPr>
+        </p:nvSpPr>
+        <p:spPr/>
+        <p:txBody>
+          <a:bodyPr/>
+          <a:lstStyle/>
+          <a:p>
+            <a:r>
+              <a:rPr lang="es-ES" b="1" dirty="0"/>
+              <a:t>Casos de uso:</a:t>
+            </a:r>
+          </a:p>
+          <a:p>
+            <a:pPr lvl="1"/>
+            <a:r>
+              <a:rPr lang="es-ES" dirty="0"/>
+              <a:t>Chats en vivo</a:t>
+            </a:r>
+          </a:p>
+          <a:p>
+            <a:pPr lvl="1"/>
+            <a:r>
+              <a:rPr lang="es-ES" dirty="0"/>
+              <a:t>Juegos multijugador</a:t>
+            </a:r>
+          </a:p>
+          <a:p>
+            <a:pPr lvl="1"/>
+            <a:r>
+              <a:rPr lang="es-ES" dirty="0"/>
+              <a:t>Notificaciones en tiempo real</a:t>
+            </a:r>
+          </a:p>
+          <a:p>
+            <a:pPr lvl="1"/>
+            <a:r>
+              <a:rPr lang="es-ES" dirty="0" err="1"/>
+              <a:t>Streaming</a:t>
+            </a:r>
+            <a:r>
+              <a:rPr lang="es-ES" dirty="0"/>
+              <a:t> de datos</a:t>
+            </a:r>
+          </a:p>
+          <a:p>
+            <a:endParaRPr lang="es-ES" dirty="0"/>
+          </a:p>
+        </p:txBody>
+      </p:sp>
+      <p:sp>
+        <p:nvSpPr>
+          <p:cNvPr id="4" name="Marcador de número de diapositiva 3">
+            <a:extLst>
+              <a:ext uri="{FF2B5EF4-FFF2-40B4-BE49-F238E27FC236}">
+                <a16:creationId xmlns:a16="http://schemas.microsoft.com/office/drawing/2014/main" id="{7DD9A03B-6BAE-D1BF-771B-E5E225D382EA}"/>
+              </a:ext>
+            </a:extLst>
+          </p:cNvPr>
+          <p:cNvSpPr>
+            <a:spLocks noGrp="1"/>
+          </p:cNvSpPr>
+          <p:nvPr>
+            <p:ph type="sldNum" sz="quarter" idx="12"/>
+          </p:nvPr>
+        </p:nvSpPr>
+        <p:spPr/>
+        <p:txBody>
+          <a:bodyPr/>
+          <a:lstStyle/>
+          <a:p>
+            <a:fld id="{FE1ACEE4-8B3E-4875-98A0-9A2521022ECF}" type="slidenum">
+              <a:rPr lang="es-ES" smtClean="0"/>
+              <a:t>59</a:t>
+            </a:fld>
+            <a:endParaRPr lang="es-ES"/>
+          </a:p>
+        </p:txBody>
+      </p:sp>
+    </p:spTree>
+    <p:extLst>
+      <p:ext uri="{BB962C8B-B14F-4D97-AF65-F5344CB8AC3E}">
+        <p14:creationId xmlns:p14="http://schemas.microsoft.com/office/powerpoint/2010/main" val="333991117"/>
+      </p:ext>
+    </p:extLst>
+  </p:cSld>
+  <p:clrMapOvr>
+    <a:masterClrMapping/>
+  </p:clrMapOvr>
+</p:sld>
+</file>
+
+<file path=ppt/slides/slide6.xml><?xml version="1.0" encoding="utf-8"?>
+<p:sld xmlns:a="http://schemas.openxmlformats.org/drawingml/2006/main" xmlns:r="http://schemas.openxmlformats.org/officeDocument/2006/relationships" xmlns:p="http://schemas.openxmlformats.org/presentationml/2006/main">
+  <p:cSld>
+    <p:spTree>
+      <p:nvGrpSpPr>
+        <p:cNvPr id="1" name=""/>
+        <p:cNvGrpSpPr/>
+        <p:nvPr/>
+      </p:nvGrpSpPr>
+      <p:grpSpPr>
+        <a:xfrm>
+          <a:off x="0" y="0"/>
+          <a:ext cx="0" cy="0"/>
+          <a:chOff x="0" y="0"/>
+          <a:chExt cx="0" cy="0"/>
+        </a:xfrm>
+      </p:grpSpPr>
+      <p:sp>
+        <p:nvSpPr>
+          <p:cNvPr id="2" name="Título 1">
+            <a:extLst>
+              <a:ext uri="{FF2B5EF4-FFF2-40B4-BE49-F238E27FC236}">
+                <a16:creationId xmlns:a16="http://schemas.microsoft.com/office/drawing/2014/main" id="{731BF23D-8BE9-145B-56A0-1F57EBAEDC1E}"/>
+              </a:ext>
+            </a:extLst>
+          </p:cNvPr>
+          <p:cNvSpPr>
+            <a:spLocks noGrp="1"/>
+          </p:cNvSpPr>
+          <p:nvPr>
+            <p:ph type="title"/>
+          </p:nvPr>
+        </p:nvSpPr>
+        <p:spPr/>
+        <p:txBody>
+          <a:bodyPr/>
+          <a:lstStyle/>
+          <a:p>
+            <a:r>
+              <a:rPr lang="es-ES" dirty="0"/>
+              <a:t>Características de la librería II</a:t>
+            </a:r>
+          </a:p>
+        </p:txBody>
+      </p:sp>
+      <p:sp>
+        <p:nvSpPr>
+          <p:cNvPr id="3" name="Marcador de contenido 2">
+            <a:extLst>
+              <a:ext uri="{FF2B5EF4-FFF2-40B4-BE49-F238E27FC236}">
+                <a16:creationId xmlns:a16="http://schemas.microsoft.com/office/drawing/2014/main" id="{5DE12AB8-8680-A087-6579-157911DDF765}"/>
+              </a:ext>
+            </a:extLst>
+          </p:cNvPr>
+          <p:cNvSpPr>
+            <a:spLocks noGrp="1"/>
+          </p:cNvSpPr>
+          <p:nvPr>
+            <p:ph idx="1"/>
+          </p:nvPr>
+        </p:nvSpPr>
+        <p:spPr/>
+        <p:txBody>
+          <a:bodyPr>
+            <a:normAutofit/>
+          </a:bodyPr>
+          <a:lstStyle/>
+          <a:p>
+            <a:r>
+              <a:rPr lang="es-ES" dirty="0"/>
+              <a:t>Basada en </a:t>
+            </a:r>
+            <a:r>
+              <a:rPr lang="es-ES" b="1" dirty="0" err="1"/>
+              <a:t>Boost.Asio</a:t>
+            </a:r>
+            <a:endParaRPr lang="es-ES" b="1" dirty="0"/>
+          </a:p>
+          <a:p>
+            <a:pPr lvl="1"/>
+            <a:r>
+              <a:rPr lang="es-ES" dirty="0"/>
+              <a:t>Usa el modelo asincrónico de </a:t>
+            </a:r>
+            <a:r>
+              <a:rPr lang="es-ES" dirty="0" err="1"/>
+              <a:t>Boost.Asio</a:t>
+            </a:r>
+            <a:r>
+              <a:rPr lang="es-ES" dirty="0"/>
+              <a:t>, lo que permite construir aplicaciones altamente concurrentes.</a:t>
+            </a:r>
+          </a:p>
+          <a:p>
+            <a:pPr lvl="1"/>
+            <a:r>
+              <a:rPr lang="es-ES" dirty="0"/>
+              <a:t>Compatible con </a:t>
+            </a:r>
+            <a:r>
+              <a:rPr lang="es-ES" dirty="0" err="1"/>
+              <a:t>io_context</a:t>
+            </a:r>
+            <a:r>
+              <a:rPr lang="es-ES" dirty="0"/>
+              <a:t>, </a:t>
+            </a:r>
+            <a:r>
+              <a:rPr lang="es-ES" dirty="0" err="1"/>
+              <a:t>executors</a:t>
+            </a:r>
+            <a:r>
+              <a:rPr lang="es-ES" dirty="0"/>
+              <a:t>, y operaciones compuestas.</a:t>
+            </a:r>
+          </a:p>
+          <a:p>
+            <a:pPr lvl="1"/>
+            <a:endParaRPr lang="es-ES" dirty="0"/>
+          </a:p>
+          <a:p>
+            <a:r>
+              <a:rPr lang="es-ES" dirty="0"/>
+              <a:t>Protocolos soportados</a:t>
+            </a:r>
+          </a:p>
+          <a:p>
+            <a:pPr lvl="1"/>
+            <a:r>
+              <a:rPr lang="es-ES" b="1" dirty="0"/>
+              <a:t>HTTP/1.1</a:t>
+            </a:r>
+            <a:r>
+              <a:rPr lang="es-ES" dirty="0"/>
+              <a:t>: Lectura, escritura, serialización y análisis de mensajes HTTP.</a:t>
+            </a:r>
+          </a:p>
+          <a:p>
+            <a:pPr lvl="1"/>
+            <a:endParaRPr lang="es-ES" dirty="0"/>
+          </a:p>
+          <a:p>
+            <a:pPr lvl="1"/>
+            <a:r>
+              <a:rPr lang="es-ES" b="1" dirty="0" err="1"/>
+              <a:t>WebSocket</a:t>
+            </a:r>
+            <a:r>
+              <a:rPr lang="es-ES" dirty="0"/>
+              <a:t>: Comunicación bidireccional en tiempo real, incluyendo control </a:t>
+            </a:r>
+            <a:r>
+              <a:rPr lang="es-ES" dirty="0" err="1"/>
+              <a:t>frames</a:t>
+            </a:r>
+            <a:r>
+              <a:rPr lang="es-ES" dirty="0"/>
+              <a:t> y compresión (</a:t>
+            </a:r>
+            <a:r>
+              <a:rPr lang="es-ES" dirty="0" err="1"/>
+              <a:t>permessage-deflate</a:t>
+            </a:r>
+            <a:r>
+              <a:rPr lang="es-ES" dirty="0"/>
+              <a:t>).</a:t>
+            </a:r>
+          </a:p>
+        </p:txBody>
+      </p:sp>
+      <p:sp>
+        <p:nvSpPr>
+          <p:cNvPr id="4" name="Marcador de número de diapositiva 3">
+            <a:extLst>
+              <a:ext uri="{FF2B5EF4-FFF2-40B4-BE49-F238E27FC236}">
+                <a16:creationId xmlns:a16="http://schemas.microsoft.com/office/drawing/2014/main" id="{BAA0C23A-2E54-EC5A-D707-28CE9C42C8B4}"/>
+              </a:ext>
+            </a:extLst>
+          </p:cNvPr>
+          <p:cNvSpPr>
+            <a:spLocks noGrp="1"/>
+          </p:cNvSpPr>
+          <p:nvPr>
+            <p:ph type="sldNum" sz="quarter" idx="12"/>
+          </p:nvPr>
+        </p:nvSpPr>
+        <p:spPr/>
+        <p:txBody>
+          <a:bodyPr/>
+          <a:lstStyle/>
+          <a:p>
+            <a:fld id="{A6EC93C0-D482-4F60-811A-DF574DBC2A85}" type="slidenum">
+              <a:rPr lang="es-ES" smtClean="0"/>
+              <a:t>6</a:t>
+            </a:fld>
+            <a:endParaRPr lang="es-ES"/>
+          </a:p>
+        </p:txBody>
+      </p:sp>
+    </p:spTree>
+    <p:extLst>
+      <p:ext uri="{BB962C8B-B14F-4D97-AF65-F5344CB8AC3E}">
+        <p14:creationId xmlns:p14="http://schemas.microsoft.com/office/powerpoint/2010/main" val="756304521"/>
+      </p:ext>
+    </p:extLst>
+  </p:cSld>
+  <p:clrMapOvr>
+    <a:masterClrMapping/>
+  </p:clrMapOvr>
+</p:sld>
+</file>
+
+<file path=ppt/slides/slide60.xml><?xml version="1.0" encoding="utf-8"?>
+<p:sld xmlns:a="http://schemas.openxmlformats.org/drawingml/2006/main" xmlns:r="http://schemas.openxmlformats.org/officeDocument/2006/relationships" xmlns:p="http://schemas.openxmlformats.org/presentationml/2006/main">
+  <p:cSld>
+    <p:spTree>
+      <p:nvGrpSpPr>
+        <p:cNvPr id="1" name=""/>
+        <p:cNvGrpSpPr/>
+        <p:nvPr/>
+      </p:nvGrpSpPr>
+      <p:grpSpPr>
+        <a:xfrm>
+          <a:off x="0" y="0"/>
+          <a:ext cx="0" cy="0"/>
+          <a:chOff x="0" y="0"/>
+          <a:chExt cx="0" cy="0"/>
+        </a:xfrm>
+      </p:grpSpPr>
+      <p:sp>
+        <p:nvSpPr>
+          <p:cNvPr id="2" name="Título 1">
+            <a:extLst>
+              <a:ext uri="{FF2B5EF4-FFF2-40B4-BE49-F238E27FC236}">
+                <a16:creationId xmlns:a16="http://schemas.microsoft.com/office/drawing/2014/main" id="{E7D0186A-3DFE-0B48-1974-910004A1ADDD}"/>
+              </a:ext>
+            </a:extLst>
+          </p:cNvPr>
+          <p:cNvSpPr>
+            <a:spLocks noGrp="1"/>
+          </p:cNvSpPr>
+          <p:nvPr>
+            <p:ph type="title"/>
+          </p:nvPr>
+        </p:nvSpPr>
+        <p:spPr/>
+        <p:txBody>
+          <a:bodyPr/>
+          <a:lstStyle/>
+          <a:p>
+            <a:r>
+              <a:rPr lang="es-ES" dirty="0"/>
+              <a:t>Comparativa</a:t>
+            </a:r>
+          </a:p>
+        </p:txBody>
+      </p:sp>
+      <p:sp>
+        <p:nvSpPr>
+          <p:cNvPr id="4" name="Marcador de número de diapositiva 3">
+            <a:extLst>
+              <a:ext uri="{FF2B5EF4-FFF2-40B4-BE49-F238E27FC236}">
+                <a16:creationId xmlns:a16="http://schemas.microsoft.com/office/drawing/2014/main" id="{D2F18B23-7B56-E0B7-A2EF-B0BCA12B8288}"/>
+              </a:ext>
+            </a:extLst>
+          </p:cNvPr>
+          <p:cNvSpPr>
+            <a:spLocks noGrp="1"/>
+          </p:cNvSpPr>
+          <p:nvPr>
+            <p:ph type="sldNum" sz="quarter" idx="12"/>
+          </p:nvPr>
+        </p:nvSpPr>
+        <p:spPr/>
+        <p:txBody>
+          <a:bodyPr/>
+          <a:lstStyle/>
+          <a:p>
+            <a:fld id="{FE1ACEE4-8B3E-4875-98A0-9A2521022ECF}" type="slidenum">
+              <a:rPr lang="es-ES" smtClean="0"/>
+              <a:t>60</a:t>
             </a:fld>
             <a:endParaRPr lang="es-ES"/>
           </a:p>
@@ -11872,7 +16192,7 @@
 </p:sld>
 </file>
 
-<file path=ppt/slides/slide46.xml><?xml version="1.0" encoding="utf-8"?>
+<file path=ppt/slides/slide61.xml><?xml version="1.0" encoding="utf-8"?>
 <p:sld xmlns:a="http://schemas.openxmlformats.org/drawingml/2006/main" xmlns:r="http://schemas.openxmlformats.org/officeDocument/2006/relationships" xmlns:p="http://schemas.openxmlformats.org/presentationml/2006/main">
   <p:cSld>
     <p:spTree>
@@ -11940,7 +16260,7 @@
           <a:p>
             <a:fld id="{A6EC93C0-D482-4F60-811A-DF574DBC2A85}" type="slidenum">
               <a:rPr lang="es-ES" smtClean="0"/>
-              <a:t>46</a:t>
+              <a:t>61</a:t>
             </a:fld>
             <a:endParaRPr lang="es-ES"/>
           </a:p>
@@ -11989,7 +16309,7 @@
 </p:sld>
 </file>
 
-<file path=ppt/slides/slide47.xml><?xml version="1.0" encoding="utf-8"?>
+<file path=ppt/slides/slide62.xml><?xml version="1.0" encoding="utf-8"?>
 <p:sld xmlns:a="http://schemas.openxmlformats.org/drawingml/2006/main" xmlns:r="http://schemas.openxmlformats.org/officeDocument/2006/relationships" xmlns:p="http://schemas.openxmlformats.org/presentationml/2006/main">
   <p:cSld>
     <p:spTree>
@@ -12143,7 +16463,7 @@
           <a:p>
             <a:fld id="{A6EC93C0-D482-4F60-811A-DF574DBC2A85}" type="slidenum">
               <a:rPr lang="es-ES" smtClean="0"/>
-              <a:t>47</a:t>
+              <a:t>62</a:t>
             </a:fld>
             <a:endParaRPr lang="es-ES"/>
           </a:p>
@@ -12162,7 +16482,7 @@
 </p:sld>
 </file>
 
-<file path=ppt/slides/slide48.xml><?xml version="1.0" encoding="utf-8"?>
+<file path=ppt/slides/slide63.xml><?xml version="1.0" encoding="utf-8"?>
 <p:sld xmlns:a="http://schemas.openxmlformats.org/drawingml/2006/main" xmlns:r="http://schemas.openxmlformats.org/officeDocument/2006/relationships" xmlns:p="http://schemas.openxmlformats.org/presentationml/2006/main">
   <p:cSld>
     <p:spTree>
@@ -12237,7 +16557,7 @@
           <a:p>
             <a:fld id="{FE1ACEE4-8B3E-4875-98A0-9A2521022ECF}" type="slidenum">
               <a:rPr lang="es-ES" smtClean="0"/>
-              <a:t>48</a:t>
+              <a:t>63</a:t>
             </a:fld>
             <a:endParaRPr lang="es-ES"/>
           </a:p>
@@ -12256,7 +16576,7 @@
 </p:sld>
 </file>
 
-<file path=ppt/slides/slide49.xml><?xml version="1.0" encoding="utf-8"?>
+<file path=ppt/slides/slide64.xml><?xml version="1.0" encoding="utf-8"?>
 <p:sld xmlns:a="http://schemas.openxmlformats.org/drawingml/2006/main" xmlns:r="http://schemas.openxmlformats.org/officeDocument/2006/relationships" xmlns:p="http://schemas.openxmlformats.org/presentationml/2006/main">
   <p:cSld>
     <p:spTree>
@@ -12435,7 +16755,7 @@
           <a:p>
             <a:fld id="{FE1ACEE4-8B3E-4875-98A0-9A2521022ECF}" type="slidenum">
               <a:rPr lang="es-ES" smtClean="0"/>
-              <a:t>49</a:t>
+              <a:t>64</a:t>
             </a:fld>
             <a:endParaRPr lang="es-ES"/>
           </a:p>
@@ -12454,7 +16774,7 @@
 </p:sld>
 </file>
 
-<file path=ppt/slides/slide5.xml><?xml version="1.0" encoding="utf-8"?>
+<file path=ppt/slides/slide65.xml><?xml version="1.0" encoding="utf-8"?>
 <p:sld xmlns:a="http://schemas.openxmlformats.org/drawingml/2006/main" xmlns:r="http://schemas.openxmlformats.org/officeDocument/2006/relationships" xmlns:p="http://schemas.openxmlformats.org/presentationml/2006/main">
   <p:cSld>
     <p:spTree>
@@ -12476,7 +16796,7 @@
           <p:cNvPr id="2" name="Título 1">
             <a:extLst>
               <a:ext uri="{FF2B5EF4-FFF2-40B4-BE49-F238E27FC236}">
-                <a16:creationId xmlns:a16="http://schemas.microsoft.com/office/drawing/2014/main" id="{EA701376-8342-4B48-B12F-FD13990FD2CF}"/>
+                <a16:creationId xmlns:a16="http://schemas.microsoft.com/office/drawing/2014/main" id="{9EC9EB1A-867E-003C-D332-005F2D874478}"/>
               </a:ext>
             </a:extLst>
           </p:cNvPr>
@@ -12487,14 +16807,21 @@
             <p:ph type="title"/>
           </p:nvPr>
         </p:nvSpPr>
-        <p:spPr/>
-        <p:txBody>
-          <a:bodyPr/>
-          <a:lstStyle/>
-          <a:p>
-            <a:r>
-              <a:rPr lang="es-ES" dirty="0"/>
-              <a:t>Características de la librería</a:t>
+        <p:spPr>
+          <a:xfrm>
+            <a:off x="10124388" y="0"/>
+            <a:ext cx="2067612" cy="492714"/>
+          </a:xfrm>
+        </p:spPr>
+        <p:txBody>
+          <a:bodyPr>
+            <a:normAutofit fontScale="90000"/>
+          </a:bodyPr>
+          <a:lstStyle/>
+          <a:p>
+            <a:r>
+              <a:rPr lang="es-ES" dirty="0"/>
+              <a:t>Ejemplo</a:t>
             </a:r>
           </a:p>
         </p:txBody>
@@ -12504,7 +16831,7 @@
           <p:cNvPr id="3" name="Marcador de contenido 2">
             <a:extLst>
               <a:ext uri="{FF2B5EF4-FFF2-40B4-BE49-F238E27FC236}">
-                <a16:creationId xmlns:a16="http://schemas.microsoft.com/office/drawing/2014/main" id="{5231B51C-0D87-EC2A-3EC4-0DC40C523E3D}"/>
+                <a16:creationId xmlns:a16="http://schemas.microsoft.com/office/drawing/2014/main" id="{A0E470A9-CB26-A2D8-918F-BDCFB67974B1}"/>
               </a:ext>
             </a:extLst>
           </p:cNvPr>
@@ -12515,64 +16842,298 @@
             <p:ph idx="1"/>
           </p:nvPr>
         </p:nvSpPr>
-        <p:spPr/>
-        <p:txBody>
-          <a:bodyPr/>
-          <a:lstStyle/>
-          <a:p>
-            <a:r>
-              <a:rPr lang="es-ES" dirty="0" err="1"/>
-              <a:t>Boost.Beast</a:t>
-            </a:r>
-            <a:r>
-              <a:rPr lang="es-ES" dirty="0"/>
-              <a:t> es una biblioteca </a:t>
-            </a:r>
-            <a:r>
-              <a:rPr lang="es-ES" b="1" dirty="0" err="1"/>
-              <a:t>header-only</a:t>
-            </a:r>
-            <a:r>
-              <a:rPr lang="es-ES" dirty="0"/>
-              <a:t> (solo incluye cabeceras, no requiere compilación previa) que proporciona componentes de bajo nivel para manejar protocolos de red como </a:t>
-            </a:r>
-            <a:r>
-              <a:rPr lang="es-ES" b="1" dirty="0"/>
-              <a:t>HTTP/1</a:t>
-            </a:r>
-            <a:r>
-              <a:rPr lang="es-ES" dirty="0"/>
-              <a:t> y </a:t>
-            </a:r>
-            <a:r>
-              <a:rPr lang="es-ES" b="1" dirty="0" err="1"/>
-              <a:t>WebSocket</a:t>
-            </a:r>
-            <a:r>
-              <a:rPr lang="es-ES" dirty="0"/>
-              <a:t>, </a:t>
-            </a:r>
-          </a:p>
-          <a:p>
-            <a:endParaRPr lang="es-ES" dirty="0"/>
-          </a:p>
-          <a:p>
-            <a:r>
-              <a:rPr lang="es-ES" dirty="0"/>
-              <a:t>Con soporte para operaciones </a:t>
-            </a:r>
-            <a:r>
-              <a:rPr lang="es-ES" b="1" dirty="0"/>
-              <a:t>síncronas</a:t>
-            </a:r>
-            <a:r>
-              <a:rPr lang="es-ES" dirty="0"/>
-              <a:t> y </a:t>
-            </a:r>
-            <a:r>
-              <a:rPr lang="es-ES" b="1" dirty="0"/>
-              <a:t>asíncronas</a:t>
-            </a:r>
+        <p:spPr>
+          <a:xfrm>
+            <a:off x="838200" y="136524"/>
+            <a:ext cx="10719062" cy="6452811"/>
+          </a:xfrm>
+        </p:spPr>
+        <p:txBody>
+          <a:bodyPr>
+            <a:noAutofit/>
+          </a:bodyPr>
+          <a:lstStyle/>
+          <a:p>
+            <a:pPr marL="0" indent="0">
+              <a:buNone/>
+            </a:pPr>
+            <a:r>
+              <a:rPr lang="es-ES" sz="2400" dirty="0"/>
+              <a:t>#include &lt;iostream&gt;</a:t>
+            </a:r>
+          </a:p>
+          <a:p>
+            <a:pPr marL="0" indent="0">
+              <a:buNone/>
+            </a:pPr>
+            <a:r>
+              <a:rPr lang="es-ES" sz="2400" dirty="0"/>
+              <a:t>#include &lt;</a:t>
+            </a:r>
+            <a:r>
+              <a:rPr lang="es-ES" sz="2400" dirty="0" err="1"/>
+              <a:t>sstream</a:t>
+            </a:r>
+            <a:r>
+              <a:rPr lang="es-ES" sz="2400" dirty="0"/>
+              <a:t>&gt;</a:t>
+            </a:r>
+          </a:p>
+          <a:p>
+            <a:pPr marL="0" indent="0">
+              <a:buNone/>
+            </a:pPr>
+            <a:r>
+              <a:rPr lang="es-ES" sz="2400" dirty="0"/>
+              <a:t>#include &lt;</a:t>
+            </a:r>
+            <a:r>
+              <a:rPr lang="es-ES" sz="2400" dirty="0" err="1"/>
+              <a:t>nlohmann</a:t>
+            </a:r>
+            <a:r>
+              <a:rPr lang="es-ES" sz="2400" dirty="0"/>
+              <a:t>/json.hpp&gt;</a:t>
+            </a:r>
+          </a:p>
+          <a:p>
+            <a:pPr marL="0" indent="0">
+              <a:buNone/>
+            </a:pPr>
+            <a:endParaRPr lang="es-ES" sz="2400" dirty="0"/>
+          </a:p>
+          <a:p>
+            <a:pPr marL="0" indent="0">
+              <a:buNone/>
+            </a:pPr>
+            <a:r>
+              <a:rPr lang="es-ES" sz="2400" dirty="0" err="1"/>
+              <a:t>void</a:t>
+            </a:r>
+            <a:r>
+              <a:rPr lang="es-ES" sz="2400" dirty="0"/>
+              <a:t> </a:t>
+            </a:r>
+            <a:r>
+              <a:rPr lang="es-ES" sz="2400" dirty="0" err="1"/>
+              <a:t>testJson</a:t>
+            </a:r>
+            <a:r>
+              <a:rPr lang="es-ES" sz="2400" dirty="0"/>
+              <a:t>() {</a:t>
+            </a:r>
+          </a:p>
+          <a:p>
+            <a:pPr marL="0" indent="0">
+              <a:buNone/>
+            </a:pPr>
+            <a:r>
+              <a:rPr lang="es-ES" sz="2400" b="1" dirty="0"/>
+              <a:t>    </a:t>
+            </a:r>
+            <a:r>
+              <a:rPr lang="es-ES" sz="2400" b="1" dirty="0" err="1"/>
+              <a:t>nlohmann</a:t>
+            </a:r>
+            <a:r>
+              <a:rPr lang="es-ES" sz="2400" b="1" dirty="0"/>
+              <a:t>::</a:t>
+            </a:r>
+            <a:r>
+              <a:rPr lang="es-ES" sz="2400" b="1" dirty="0" err="1"/>
+              <a:t>json</a:t>
+            </a:r>
+            <a:r>
+              <a:rPr lang="es-ES" sz="2400" b="1" dirty="0"/>
+              <a:t> </a:t>
+            </a:r>
+            <a:r>
+              <a:rPr lang="es-ES" sz="2400" b="1" dirty="0" err="1"/>
+              <a:t>doc</a:t>
+            </a:r>
+            <a:r>
+              <a:rPr lang="es-ES" sz="2400" b="1" dirty="0"/>
+              <a:t>;</a:t>
+            </a:r>
+          </a:p>
+          <a:p>
+            <a:pPr marL="0" indent="0">
+              <a:buNone/>
+            </a:pPr>
+            <a:endParaRPr lang="es-ES" sz="2400" dirty="0"/>
+          </a:p>
+          <a:p>
+            <a:pPr marL="0" indent="0">
+              <a:buNone/>
+            </a:pPr>
+            <a:r>
+              <a:rPr lang="es-ES" sz="2400" dirty="0"/>
+              <a:t>    </a:t>
+            </a:r>
+            <a:r>
+              <a:rPr lang="es-ES" sz="2400" dirty="0" err="1"/>
+              <a:t>doc</a:t>
+            </a:r>
+            <a:r>
+              <a:rPr lang="es-ES" sz="2400" dirty="0"/>
+              <a:t>["curso"] = "Microservicios en C++";</a:t>
+            </a:r>
+          </a:p>
+          <a:p>
+            <a:pPr marL="0" indent="0">
+              <a:buNone/>
+            </a:pPr>
+            <a:r>
+              <a:rPr lang="es-ES" sz="2400" dirty="0"/>
+              <a:t>    </a:t>
+            </a:r>
+            <a:r>
+              <a:rPr lang="es-ES" sz="2400" dirty="0" err="1"/>
+              <a:t>doc</a:t>
+            </a:r>
+            <a:r>
+              <a:rPr lang="es-ES" sz="2400" dirty="0"/>
+              <a:t>["horas"] = 25;</a:t>
+            </a:r>
+          </a:p>
+          <a:p>
+            <a:pPr marL="0" indent="0">
+              <a:buNone/>
+            </a:pPr>
+            <a:r>
+              <a:rPr lang="sv-SE" sz="2400" dirty="0"/>
+              <a:t>    doc["tecnologias"] = { "xml", "json", "rest", "soap" };</a:t>
+            </a:r>
+            <a:endParaRPr lang="es-ES" sz="2400" dirty="0"/>
+          </a:p>
+          <a:p>
+            <a:pPr marL="0" indent="0">
+              <a:buNone/>
+            </a:pPr>
+            <a:r>
+              <a:rPr lang="es-ES" sz="2400" dirty="0"/>
+              <a:t>    </a:t>
+            </a:r>
+            <a:r>
+              <a:rPr lang="es-ES" sz="2400" dirty="0" err="1"/>
+              <a:t>std</a:t>
+            </a:r>
+            <a:r>
+              <a:rPr lang="es-ES" sz="2400" dirty="0"/>
+              <a:t>::</a:t>
+            </a:r>
+            <a:r>
+              <a:rPr lang="es-ES" sz="2400" dirty="0" err="1"/>
+              <a:t>cout</a:t>
+            </a:r>
+            <a:r>
+              <a:rPr lang="es-ES" sz="2400" dirty="0"/>
+              <a:t> &lt;&lt; "</a:t>
+            </a:r>
+            <a:r>
+              <a:rPr lang="es-ES" sz="2400" dirty="0" err="1"/>
+              <a:t>Json</a:t>
+            </a:r>
+            <a:r>
+              <a:rPr lang="es-ES" sz="2400" dirty="0"/>
+              <a:t>: " &lt;&lt; </a:t>
+            </a:r>
+            <a:r>
+              <a:rPr lang="es-ES" sz="2400" dirty="0" err="1"/>
+              <a:t>doc.</a:t>
+            </a:r>
+            <a:r>
+              <a:rPr lang="es-ES" sz="2400" b="1" dirty="0" err="1"/>
+              <a:t>dump</a:t>
+            </a:r>
+            <a:r>
+              <a:rPr lang="es-ES" sz="2400" b="1" dirty="0"/>
+              <a:t>(4) </a:t>
+            </a:r>
+            <a:r>
+              <a:rPr lang="es-ES" sz="2400" dirty="0"/>
+              <a:t>&lt;&lt; </a:t>
+            </a:r>
+            <a:r>
+              <a:rPr lang="es-ES" sz="2400" dirty="0" err="1"/>
+              <a:t>std</a:t>
+            </a:r>
+            <a:r>
+              <a:rPr lang="es-ES" sz="2400" dirty="0"/>
+              <a:t>::</a:t>
+            </a:r>
+            <a:r>
+              <a:rPr lang="es-ES" sz="2400" dirty="0" err="1"/>
+              <a:t>endl</a:t>
+            </a:r>
+            <a:r>
+              <a:rPr lang="es-ES" sz="2400" dirty="0"/>
+              <a:t>;</a:t>
+            </a:r>
+          </a:p>
+          <a:p>
+            <a:pPr marL="0" indent="0">
+              <a:buNone/>
+            </a:pPr>
+            <a:r>
+              <a:rPr lang="es-ES" sz="2400" dirty="0"/>
+              <a:t>    </a:t>
+            </a:r>
+            <a:r>
+              <a:rPr lang="es-ES" sz="2400" dirty="0" err="1"/>
+              <a:t>std</a:t>
+            </a:r>
+            <a:r>
+              <a:rPr lang="es-ES" sz="2400" dirty="0"/>
+              <a:t>::</a:t>
+            </a:r>
+            <a:r>
+              <a:rPr lang="es-ES" sz="2400" dirty="0" err="1"/>
+              <a:t>cout</a:t>
+            </a:r>
+            <a:r>
+              <a:rPr lang="es-ES" sz="2400" dirty="0"/>
+              <a:t> &lt;&lt; "curso: " &lt;&lt; </a:t>
+            </a:r>
+            <a:r>
+              <a:rPr lang="es-ES" sz="2400" dirty="0" err="1"/>
+              <a:t>doc</a:t>
+            </a:r>
+            <a:r>
+              <a:rPr lang="es-ES" sz="2400" dirty="0"/>
+              <a:t>["curso"] &lt;&lt; </a:t>
+            </a:r>
+            <a:r>
+              <a:rPr lang="es-ES" sz="2400" dirty="0" err="1"/>
+              <a:t>std</a:t>
+            </a:r>
+            <a:r>
+              <a:rPr lang="es-ES" sz="2400" dirty="0"/>
+              <a:t>::</a:t>
+            </a:r>
+            <a:r>
+              <a:rPr lang="es-ES" sz="2400" dirty="0" err="1"/>
+              <a:t>endl</a:t>
+            </a:r>
+            <a:r>
+              <a:rPr lang="es-ES" sz="2400" dirty="0"/>
+              <a:t>;</a:t>
+            </a:r>
+          </a:p>
+          <a:p>
+            <a:pPr marL="0" indent="0">
+              <a:buNone/>
+            </a:pPr>
+            <a:r>
+              <a:rPr lang="es-ES" sz="2400" dirty="0"/>
+              <a:t>}</a:t>
+            </a:r>
+          </a:p>
+          <a:p>
+            <a:endParaRPr lang="es-ES" sz="1400" dirty="0"/>
+          </a:p>
+          <a:p>
+            <a:endParaRPr lang="es-ES" sz="1400" dirty="0"/>
           </a:p>
         </p:txBody>
       </p:sp>
@@ -12581,7 +17142,7 @@
           <p:cNvPr id="4" name="Marcador de número de diapositiva 3">
             <a:extLst>
               <a:ext uri="{FF2B5EF4-FFF2-40B4-BE49-F238E27FC236}">
-                <a16:creationId xmlns:a16="http://schemas.microsoft.com/office/drawing/2014/main" id="{A9E9BCCB-0FE7-90D1-92A5-5D2B007F2418}"/>
+                <a16:creationId xmlns:a16="http://schemas.microsoft.com/office/drawing/2014/main" id="{73550AC7-9935-49B4-BDB6-AA040E25C44F}"/>
               </a:ext>
             </a:extLst>
           </p:cNvPr>
@@ -12597,9 +17158,9 @@
           <a:bodyPr/>
           <a:lstStyle/>
           <a:p>
-            <a:fld id="{A6EC93C0-D482-4F60-811A-DF574DBC2A85}" type="slidenum">
+            <a:fld id="{FE1ACEE4-8B3E-4875-98A0-9A2521022ECF}" type="slidenum">
               <a:rPr lang="es-ES" smtClean="0"/>
-              <a:t>5</a:t>
+              <a:t>65</a:t>
             </a:fld>
             <a:endParaRPr lang="es-ES"/>
           </a:p>
@@ -12608,7 +17169,7 @@
     </p:spTree>
     <p:extLst>
       <p:ext uri="{BB962C8B-B14F-4D97-AF65-F5344CB8AC3E}">
-        <p14:creationId xmlns:p14="http://schemas.microsoft.com/office/powerpoint/2010/main" val="680178201"/>
+        <p14:creationId xmlns:p14="http://schemas.microsoft.com/office/powerpoint/2010/main" val="2675076822"/>
       </p:ext>
     </p:extLst>
   </p:cSld>
@@ -12618,7 +17179,7 @@
 </p:sld>
 </file>
 
-<file path=ppt/slides/slide50.xml><?xml version="1.0" encoding="utf-8"?>
+<file path=ppt/slides/slide66.xml><?xml version="1.0" encoding="utf-8"?>
 <p:sld xmlns:a="http://schemas.openxmlformats.org/drawingml/2006/main" xmlns:r="http://schemas.openxmlformats.org/officeDocument/2006/relationships" xmlns:p="http://schemas.openxmlformats.org/presentationml/2006/main">
   <p:cSld>
     <p:spTree>
@@ -12640,7 +17201,7 @@
           <p:cNvPr id="2" name="Título 1">
             <a:extLst>
               <a:ext uri="{FF2B5EF4-FFF2-40B4-BE49-F238E27FC236}">
-                <a16:creationId xmlns:a16="http://schemas.microsoft.com/office/drawing/2014/main" id="{9EC9EB1A-867E-003C-D332-005F2D874478}"/>
+                <a16:creationId xmlns:a16="http://schemas.microsoft.com/office/drawing/2014/main" id="{C4B52513-BBF4-BFDE-CA2D-C15AA2CD79C9}"/>
               </a:ext>
             </a:extLst>
           </p:cNvPr>
@@ -12653,8 +17214,8 @@
         </p:nvSpPr>
         <p:spPr>
           <a:xfrm>
-            <a:off x="10124388" y="0"/>
-            <a:ext cx="2067612" cy="492714"/>
+            <a:off x="9718249" y="0"/>
+            <a:ext cx="2473751" cy="577555"/>
           </a:xfrm>
         </p:spPr>
         <p:txBody>
@@ -12665,7 +17226,7 @@
           <a:p>
             <a:r>
               <a:rPr lang="es-ES" dirty="0"/>
-              <a:t>Ejemplo</a:t>
+              <a:t>Ejemplo 2</a:t>
             </a:r>
           </a:p>
         </p:txBody>
@@ -12675,7 +17236,7 @@
           <p:cNvPr id="3" name="Marcador de contenido 2">
             <a:extLst>
               <a:ext uri="{FF2B5EF4-FFF2-40B4-BE49-F238E27FC236}">
-                <a16:creationId xmlns:a16="http://schemas.microsoft.com/office/drawing/2014/main" id="{A0E470A9-CB26-A2D8-918F-BDCFB67974B1}"/>
+                <a16:creationId xmlns:a16="http://schemas.microsoft.com/office/drawing/2014/main" id="{EFA8DB1B-1C9E-8B8F-FE61-55EAD05B31D0}"/>
               </a:ext>
             </a:extLst>
           </p:cNvPr>
@@ -12688,39 +17249,40 @@
         </p:nvSpPr>
         <p:spPr>
           <a:xfrm>
-            <a:off x="838200" y="136524"/>
-            <a:ext cx="10719062" cy="6452811"/>
+            <a:off x="339365" y="301658"/>
+            <a:ext cx="11133056" cy="6202837"/>
           </a:xfrm>
         </p:spPr>
         <p:txBody>
           <a:bodyPr>
-            <a:noAutofit/>
+            <a:normAutofit/>
           </a:bodyPr>
           <a:lstStyle/>
           <a:p>
             <a:pPr marL="0" indent="0">
               <a:buNone/>
             </a:pPr>
-            <a:r>
-              <a:rPr lang="es-ES" sz="2400" dirty="0"/>
-              <a:t>#include &lt;iostream&gt;</a:t>
-            </a:r>
+            <a:endParaRPr lang="es-ES" dirty="0"/>
           </a:p>
           <a:p>
             <a:pPr marL="0" indent="0">
               <a:buNone/>
             </a:pPr>
             <a:r>
-              <a:rPr lang="es-ES" sz="2400" dirty="0"/>
-              <a:t>#include &lt;</a:t>
-            </a:r>
-            <a:r>
-              <a:rPr lang="es-ES" sz="2400" dirty="0" err="1"/>
-              <a:t>sstream</a:t>
-            </a:r>
-            <a:r>
-              <a:rPr lang="es-ES" sz="2400" dirty="0"/>
-              <a:t>&gt;</a:t>
+              <a:rPr lang="es-ES" dirty="0" err="1"/>
+              <a:t>void</a:t>
+            </a:r>
+            <a:r>
+              <a:rPr lang="es-ES" dirty="0"/>
+              <a:t> </a:t>
+            </a:r>
+            <a:r>
+              <a:rPr lang="es-ES" dirty="0" err="1"/>
+              <a:t>strJson</a:t>
+            </a:r>
+            <a:r>
+              <a:rPr lang="es-ES" dirty="0"/>
+              <a:t>() {</a:t>
             </a:r>
           </a:p>
           <a:p>
@@ -12728,99 +17290,155 @@
               <a:buNone/>
             </a:pPr>
             <a:r>
-              <a:rPr lang="es-ES" sz="2400" dirty="0"/>
-              <a:t>#include &lt;</a:t>
-            </a:r>
-            <a:r>
-              <a:rPr lang="es-ES" sz="2400" dirty="0" err="1"/>
-              <a:t>nlohmann</a:t>
-            </a:r>
-            <a:r>
-              <a:rPr lang="es-ES" sz="2400" dirty="0"/>
-              <a:t>/json.hpp&gt;</a:t>
+              <a:rPr lang="it-IT" dirty="0"/>
+              <a:t>    // Se define una cadena Raw: con formato json</a:t>
             </a:r>
           </a:p>
           <a:p>
             <a:pPr marL="0" indent="0">
               <a:buNone/>
             </a:pPr>
-            <a:endParaRPr lang="es-ES" sz="2400" dirty="0"/>
+            <a:r>
+              <a:rPr lang="es-ES" dirty="0"/>
+              <a:t>    </a:t>
+            </a:r>
+            <a:r>
+              <a:rPr lang="es-ES" dirty="0" err="1"/>
+              <a:t>std</a:t>
+            </a:r>
+            <a:r>
+              <a:rPr lang="es-ES" dirty="0"/>
+              <a:t>::</a:t>
+            </a:r>
+            <a:r>
+              <a:rPr lang="es-ES" b="1" dirty="0" err="1"/>
+              <a:t>istringstream</a:t>
+            </a:r>
+            <a:r>
+              <a:rPr lang="es-ES" dirty="0"/>
+              <a:t> </a:t>
+            </a:r>
+            <a:r>
+              <a:rPr lang="es-ES" dirty="0" err="1"/>
+              <a:t>ss</a:t>
+            </a:r>
+            <a:r>
+              <a:rPr lang="es-ES" dirty="0"/>
+              <a:t>(R"({"nombre":"Ana","edad":28,</a:t>
+            </a:r>
+          </a:p>
+          <a:p>
+            <a:pPr marL="457200" lvl="1" indent="0">
+              <a:buNone/>
+            </a:pPr>
+            <a:r>
+              <a:rPr lang="es-ES" dirty="0"/>
+              <a:t>"intereses":["</a:t>
+            </a:r>
+            <a:r>
+              <a:rPr lang="es-ES" dirty="0" err="1"/>
+              <a:t>programacion</a:t>
+            </a:r>
+            <a:r>
+              <a:rPr lang="es-ES" dirty="0"/>
+              <a:t>","</a:t>
+            </a:r>
+            <a:r>
+              <a:rPr lang="es-ES" dirty="0" err="1"/>
+              <a:t>musica</a:t>
+            </a:r>
+            <a:r>
+              <a:rPr lang="es-ES" dirty="0"/>
+              <a:t>","senderismo"]})");</a:t>
+            </a:r>
           </a:p>
           <a:p>
             <a:pPr marL="0" indent="0">
               <a:buNone/>
             </a:pPr>
             <a:r>
-              <a:rPr lang="es-ES" sz="2400" dirty="0" err="1"/>
-              <a:t>void</a:t>
-            </a:r>
-            <a:r>
-              <a:rPr lang="es-ES" sz="2400" dirty="0"/>
+              <a:rPr lang="es-ES" dirty="0"/>
+              <a:t>    </a:t>
+            </a:r>
+            <a:r>
+              <a:rPr lang="es-ES" b="1" dirty="0" err="1"/>
+              <a:t>nlohmann</a:t>
+            </a:r>
+            <a:r>
+              <a:rPr lang="es-ES" b="1" dirty="0"/>
+              <a:t>::</a:t>
+            </a:r>
+            <a:r>
+              <a:rPr lang="es-ES" b="1" dirty="0" err="1"/>
+              <a:t>json</a:t>
+            </a:r>
+            <a:r>
+              <a:rPr lang="es-ES" b="1" dirty="0"/>
               <a:t> </a:t>
             </a:r>
             <a:r>
-              <a:rPr lang="es-ES" sz="2400" dirty="0" err="1"/>
-              <a:t>testJson</a:t>
-            </a:r>
-            <a:r>
-              <a:rPr lang="es-ES" sz="2400" dirty="0"/>
-              <a:t>() {</a:t>
+              <a:rPr lang="es-ES" dirty="0" err="1"/>
+              <a:t>doc</a:t>
+            </a:r>
+            <a:r>
+              <a:rPr lang="es-ES" dirty="0"/>
+              <a:t>;</a:t>
             </a:r>
           </a:p>
           <a:p>
             <a:pPr marL="0" indent="0">
               <a:buNone/>
             </a:pPr>
-            <a:r>
-              <a:rPr lang="es-ES" sz="2400" b="1" dirty="0"/>
-              <a:t>    </a:t>
-            </a:r>
-            <a:r>
-              <a:rPr lang="es-ES" sz="2400" b="1" dirty="0" err="1"/>
-              <a:t>nlohmann</a:t>
-            </a:r>
-            <a:r>
-              <a:rPr lang="es-ES" sz="2400" b="1" dirty="0"/>
-              <a:t>::</a:t>
-            </a:r>
-            <a:r>
-              <a:rPr lang="es-ES" sz="2400" b="1" dirty="0" err="1"/>
-              <a:t>json</a:t>
-            </a:r>
-            <a:r>
-              <a:rPr lang="es-ES" sz="2400" b="1" dirty="0"/>
-              <a:t> </a:t>
-            </a:r>
-            <a:r>
-              <a:rPr lang="es-ES" sz="2400" b="1" dirty="0" err="1"/>
-              <a:t>doc</a:t>
-            </a:r>
-            <a:r>
-              <a:rPr lang="es-ES" sz="2400" b="1" dirty="0"/>
-              <a:t>;</a:t>
-            </a:r>
+            <a:endParaRPr lang="es-ES" dirty="0"/>
           </a:p>
           <a:p>
             <a:pPr marL="0" indent="0">
               <a:buNone/>
             </a:pPr>
-            <a:endParaRPr lang="es-ES" sz="2400" dirty="0"/>
+            <a:r>
+              <a:rPr lang="es-ES" dirty="0"/>
+              <a:t>    // Se convierte a </a:t>
+            </a:r>
+            <a:r>
+              <a:rPr lang="es-ES" dirty="0" err="1"/>
+              <a:t>json</a:t>
+            </a:r>
+            <a:r>
+              <a:rPr lang="es-ES" dirty="0"/>
+              <a:t>: </a:t>
+            </a:r>
           </a:p>
           <a:p>
             <a:pPr marL="0" indent="0">
               <a:buNone/>
             </a:pPr>
             <a:r>
-              <a:rPr lang="es-ES" sz="2400" dirty="0"/>
+              <a:rPr lang="es-ES" dirty="0"/>
               <a:t>    </a:t>
             </a:r>
             <a:r>
-              <a:rPr lang="es-ES" sz="2400" dirty="0" err="1"/>
+              <a:rPr lang="es-ES" dirty="0" err="1"/>
+              <a:t>ss</a:t>
+            </a:r>
+            <a:r>
+              <a:rPr lang="es-ES" dirty="0"/>
+              <a:t> </a:t>
+            </a:r>
+            <a:r>
+              <a:rPr lang="es-ES" b="1" dirty="0"/>
+              <a:t>&gt;&gt;</a:t>
+            </a:r>
+            <a:r>
+              <a:rPr lang="es-ES" dirty="0"/>
+              <a:t> </a:t>
+            </a:r>
+            <a:r>
+              <a:rPr lang="es-ES" dirty="0" err="1"/>
               <a:t>doc</a:t>
             </a:r>
             <a:r>
-              <a:rPr lang="es-ES" sz="2400" dirty="0"/>
-              <a:t>["curso"] = "Microservicios en C++";</a:t>
+              <a:rPr lang="es-ES" dirty="0"/>
+              <a:t>;</a:t>
             </a:r>
           </a:p>
           <a:p>
@@ -12828,16 +17446,16 @@
               <a:buNone/>
             </a:pPr>
             <a:r>
-              <a:rPr lang="es-ES" sz="2400" dirty="0"/>
-              <a:t>    </a:t>
-            </a:r>
-            <a:r>
-              <a:rPr lang="es-ES" sz="2400" dirty="0" err="1"/>
-              <a:t>doc</a:t>
-            </a:r>
-            <a:r>
-              <a:rPr lang="es-ES" sz="2400" dirty="0"/>
-              <a:t>["horas"] = 25;</a:t>
+              <a:rPr lang="fr-FR" dirty="0"/>
+              <a:t>    std::cout &lt;&lt; "nombre: " &lt;&lt; doc["nombre"] &lt;&lt; std::</a:t>
+            </a:r>
+            <a:r>
+              <a:rPr lang="fr-FR" dirty="0" err="1"/>
+              <a:t>endl</a:t>
+            </a:r>
+            <a:r>
+              <a:rPr lang="fr-FR" dirty="0"/>
+              <a:t>;</a:t>
             </a:r>
           </a:p>
           <a:p>
@@ -12845,140 +17463,36 @@
               <a:buNone/>
             </a:pPr>
             <a:r>
-              <a:rPr lang="sv-SE" sz="2400" dirty="0"/>
-              <a:t>    doc["tecnologias"] = { "xml", "json", "rest", "soap" };</a:t>
-            </a:r>
-            <a:endParaRPr lang="es-ES" sz="2400" dirty="0"/>
+              <a:rPr lang="en-US" dirty="0"/>
+              <a:t>    std::</a:t>
+            </a:r>
+            <a:r>
+              <a:rPr lang="en-US" dirty="0" err="1"/>
+              <a:t>cout</a:t>
+            </a:r>
+            <a:r>
+              <a:rPr lang="en-US" dirty="0"/>
+              <a:t> &lt;&lt; doc &lt;&lt; std::</a:t>
+            </a:r>
+            <a:r>
+              <a:rPr lang="en-US" dirty="0" err="1"/>
+              <a:t>endl</a:t>
+            </a:r>
+            <a:r>
+              <a:rPr lang="en-US" dirty="0"/>
+              <a:t>;</a:t>
+            </a:r>
+            <a:endParaRPr lang="es-ES" dirty="0"/>
           </a:p>
           <a:p>
             <a:pPr marL="0" indent="0">
               <a:buNone/>
             </a:pPr>
             <a:r>
-              <a:rPr lang="es-ES" sz="2400" dirty="0"/>
-              <a:t>    </a:t>
-            </a:r>
-            <a:r>
-              <a:rPr lang="es-ES" sz="2400" dirty="0" err="1"/>
-              <a:t>std</a:t>
-            </a:r>
-            <a:r>
-              <a:rPr lang="es-ES" sz="2400" dirty="0"/>
-              <a:t>::</a:t>
-            </a:r>
-            <a:r>
-              <a:rPr lang="es-ES" sz="2400" dirty="0" err="1"/>
-              <a:t>cout</a:t>
-            </a:r>
-            <a:r>
-              <a:rPr lang="es-ES" sz="2400" dirty="0"/>
-              <a:t> &lt;&lt; "</a:t>
-            </a:r>
-            <a:r>
-              <a:rPr lang="es-ES" sz="2400" dirty="0" err="1"/>
-              <a:t>Json</a:t>
-            </a:r>
-            <a:r>
-              <a:rPr lang="es-ES" sz="2400" dirty="0"/>
-              <a:t>: " &lt;&lt; </a:t>
-            </a:r>
-            <a:r>
-              <a:rPr lang="es-ES" sz="2400" dirty="0" err="1"/>
-              <a:t>doc.</a:t>
-            </a:r>
-            <a:r>
-              <a:rPr lang="es-ES" sz="2400" b="1" dirty="0" err="1"/>
-              <a:t>dump</a:t>
-            </a:r>
-            <a:r>
-              <a:rPr lang="es-ES" sz="2400" b="1" dirty="0"/>
-              <a:t>(4) </a:t>
-            </a:r>
-            <a:r>
-              <a:rPr lang="es-ES" sz="2400" dirty="0"/>
-              <a:t>&lt;&lt; </a:t>
-            </a:r>
-            <a:r>
-              <a:rPr lang="es-ES" sz="2400" dirty="0" err="1"/>
-              <a:t>std</a:t>
-            </a:r>
-            <a:r>
-              <a:rPr lang="es-ES" sz="2400" dirty="0"/>
-              <a:t>::</a:t>
-            </a:r>
-            <a:r>
-              <a:rPr lang="es-ES" sz="2400" dirty="0" err="1"/>
-              <a:t>endl</a:t>
-            </a:r>
-            <a:r>
-              <a:rPr lang="es-ES" sz="2400" dirty="0"/>
-              <a:t>;</a:t>
-            </a:r>
-          </a:p>
-          <a:p>
-            <a:pPr marL="0" indent="0">
-              <a:buNone/>
-            </a:pPr>
-            <a:r>
-              <a:rPr lang="es-ES" sz="2400" dirty="0"/>
-              <a:t>    </a:t>
-            </a:r>
-            <a:r>
-              <a:rPr lang="es-ES" sz="2400" dirty="0" err="1"/>
-              <a:t>std</a:t>
-            </a:r>
-            <a:r>
-              <a:rPr lang="es-ES" sz="2400" dirty="0"/>
-              <a:t>::</a:t>
-            </a:r>
-            <a:r>
-              <a:rPr lang="es-ES" sz="2400" dirty="0" err="1"/>
-              <a:t>cout</a:t>
-            </a:r>
-            <a:r>
-              <a:rPr lang="es-ES" sz="2400" dirty="0"/>
-              <a:t> &lt;&lt; "curso: " &lt;&lt; </a:t>
-            </a:r>
-            <a:r>
-              <a:rPr lang="es-ES" sz="2400" dirty="0" err="1"/>
-              <a:t>doc</a:t>
-            </a:r>
-            <a:r>
-              <a:rPr lang="es-ES" sz="2400" dirty="0"/>
-              <a:t>["curso"] &lt;&lt; </a:t>
-            </a:r>
-            <a:r>
-              <a:rPr lang="es-ES" sz="2400" dirty="0" err="1"/>
-              <a:t>std</a:t>
-            </a:r>
-            <a:r>
-              <a:rPr lang="es-ES" sz="2400" dirty="0"/>
-              <a:t>::</a:t>
-            </a:r>
-            <a:r>
-              <a:rPr lang="es-ES" sz="2400" dirty="0" err="1"/>
-              <a:t>endl</a:t>
-            </a:r>
-            <a:r>
-              <a:rPr lang="es-ES" sz="2400" dirty="0"/>
-              <a:t>;</a:t>
-            </a:r>
-          </a:p>
-          <a:p>
-            <a:pPr marL="0" indent="0">
-              <a:buNone/>
-            </a:pPr>
-            <a:r>
-              <a:rPr lang="es-ES" sz="2400" dirty="0"/>
+              <a:rPr lang="es-ES" dirty="0"/>
               <a:t>}</a:t>
             </a:r>
           </a:p>
-          <a:p>
-            <a:endParaRPr lang="es-ES" sz="1400" dirty="0"/>
-          </a:p>
-          <a:p>
-            <a:endParaRPr lang="es-ES" sz="1400" dirty="0"/>
-          </a:p>
         </p:txBody>
       </p:sp>
       <p:sp>
@@ -12986,7 +17500,7 @@
           <p:cNvPr id="4" name="Marcador de número de diapositiva 3">
             <a:extLst>
               <a:ext uri="{FF2B5EF4-FFF2-40B4-BE49-F238E27FC236}">
-                <a16:creationId xmlns:a16="http://schemas.microsoft.com/office/drawing/2014/main" id="{73550AC7-9935-49B4-BDB6-AA040E25C44F}"/>
+                <a16:creationId xmlns:a16="http://schemas.microsoft.com/office/drawing/2014/main" id="{7895CEE5-C739-0597-3075-E5208C67B1C2}"/>
               </a:ext>
             </a:extLst>
           </p:cNvPr>
@@ -13004,7 +17518,7 @@
           <a:p>
             <a:fld id="{FE1ACEE4-8B3E-4875-98A0-9A2521022ECF}" type="slidenum">
               <a:rPr lang="es-ES" smtClean="0"/>
-              <a:t>50</a:t>
+              <a:t>66</a:t>
             </a:fld>
             <a:endParaRPr lang="es-ES"/>
           </a:p>
@@ -13013,7 +17527,7 @@
     </p:spTree>
     <p:extLst>
       <p:ext uri="{BB962C8B-B14F-4D97-AF65-F5344CB8AC3E}">
-        <p14:creationId xmlns:p14="http://schemas.microsoft.com/office/powerpoint/2010/main" val="2675076822"/>
+        <p14:creationId xmlns:p14="http://schemas.microsoft.com/office/powerpoint/2010/main" val="3329693337"/>
       </p:ext>
     </p:extLst>
   </p:cSld>
@@ -13023,7 +17537,7 @@
 </p:sld>
 </file>
 
-<file path=ppt/slides/slide51.xml><?xml version="1.0" encoding="utf-8"?>
+<file path=ppt/slides/slide67.xml><?xml version="1.0" encoding="utf-8"?>
 <p:sld xmlns:a="http://schemas.openxmlformats.org/drawingml/2006/main" xmlns:r="http://schemas.openxmlformats.org/officeDocument/2006/relationships" xmlns:p="http://schemas.openxmlformats.org/presentationml/2006/main">
   <p:cSld>
     <p:spTree>
@@ -13045,7 +17559,7 @@
           <p:cNvPr id="2" name="Título 1">
             <a:extLst>
               <a:ext uri="{FF2B5EF4-FFF2-40B4-BE49-F238E27FC236}">
-                <a16:creationId xmlns:a16="http://schemas.microsoft.com/office/drawing/2014/main" id="{C4B52513-BBF4-BFDE-CA2D-C15AA2CD79C9}"/>
+                <a16:creationId xmlns:a16="http://schemas.microsoft.com/office/drawing/2014/main" id="{9ED02644-74A7-E8C7-5296-1A0568719877}"/>
               </a:ext>
             </a:extLst>
           </p:cNvPr>
@@ -13054,289 +17568,227 @@
           </p:cNvSpPr>
           <p:nvPr>
             <p:ph type="title"/>
+          </p:nvPr>
+        </p:nvSpPr>
+        <p:spPr/>
+        <p:txBody>
+          <a:bodyPr/>
+          <a:lstStyle/>
+          <a:p>
+            <a:r>
+              <a:rPr lang="es-ES" dirty="0"/>
+              <a:t>Vector / Grabar a fichero</a:t>
+            </a:r>
+          </a:p>
+        </p:txBody>
+      </p:sp>
+      <p:sp>
+        <p:nvSpPr>
+          <p:cNvPr id="3" name="Marcador de contenido 2">
+            <a:extLst>
+              <a:ext uri="{FF2B5EF4-FFF2-40B4-BE49-F238E27FC236}">
+                <a16:creationId xmlns:a16="http://schemas.microsoft.com/office/drawing/2014/main" id="{942828E9-5B2C-B719-FED4-C09CDF965E9B}"/>
+              </a:ext>
+            </a:extLst>
+          </p:cNvPr>
+          <p:cNvSpPr>
+            <a:spLocks noGrp="1"/>
+          </p:cNvSpPr>
+          <p:nvPr>
+            <p:ph idx="1"/>
           </p:nvPr>
         </p:nvSpPr>
         <p:spPr>
           <a:xfrm>
-            <a:off x="9718249" y="0"/>
-            <a:ext cx="2473751" cy="577555"/>
+            <a:off x="838200" y="1835052"/>
+            <a:ext cx="10515600" cy="4351338"/>
           </a:xfrm>
         </p:spPr>
         <p:txBody>
           <a:bodyPr>
-            <a:normAutofit fontScale="90000"/>
+            <a:normAutofit lnSpcReduction="10000"/>
           </a:bodyPr>
           <a:lstStyle/>
           <a:p>
             <a:r>
               <a:rPr lang="es-ES" dirty="0"/>
-              <a:t>Ejemplo 2</a:t>
-            </a:r>
-          </a:p>
-        </p:txBody>
-      </p:sp>
-      <p:sp>
-        <p:nvSpPr>
-          <p:cNvPr id="3" name="Marcador de contenido 2">
-            <a:extLst>
-              <a:ext uri="{FF2B5EF4-FFF2-40B4-BE49-F238E27FC236}">
-                <a16:creationId xmlns:a16="http://schemas.microsoft.com/office/drawing/2014/main" id="{EFA8DB1B-1C9E-8B8F-FE61-55EAD05B31D0}"/>
-              </a:ext>
-            </a:extLst>
-          </p:cNvPr>
-          <p:cNvSpPr>
-            <a:spLocks noGrp="1"/>
-          </p:cNvSpPr>
-          <p:nvPr>
-            <p:ph idx="1"/>
-          </p:nvPr>
-        </p:nvSpPr>
-        <p:spPr>
-          <a:xfrm>
-            <a:off x="339365" y="301658"/>
-            <a:ext cx="11133056" cy="6202837"/>
-          </a:xfrm>
-        </p:spPr>
-        <p:txBody>
-          <a:bodyPr>
-            <a:normAutofit/>
-          </a:bodyPr>
-          <a:lstStyle/>
+              <a:t>Se pueden definir vectores del tipo: </a:t>
+            </a:r>
+            <a:r>
+              <a:rPr lang="es-ES" b="1" dirty="0" err="1"/>
+              <a:t>nlohmann</a:t>
+            </a:r>
+            <a:r>
+              <a:rPr lang="es-ES" b="1" dirty="0"/>
+              <a:t>::</a:t>
+            </a:r>
+            <a:r>
+              <a:rPr lang="es-ES" b="1" dirty="0" err="1"/>
+              <a:t>json</a:t>
+            </a:r>
+            <a:r>
+              <a:rPr lang="es-ES" b="1" dirty="0"/>
+              <a:t> </a:t>
+            </a:r>
+            <a:r>
+              <a:rPr lang="es-ES" dirty="0"/>
+              <a:t>para almacenar  objetos </a:t>
+            </a:r>
+            <a:r>
+              <a:rPr lang="es-ES" dirty="0" err="1"/>
+              <a:t>json</a:t>
+            </a:r>
+            <a:r>
+              <a:rPr lang="es-ES" dirty="0"/>
+              <a:t>:</a:t>
+            </a:r>
+          </a:p>
+          <a:p>
+            <a:pPr lvl="1"/>
+            <a:r>
+              <a:rPr lang="es-ES" dirty="0" err="1"/>
+              <a:t>std</a:t>
+            </a:r>
+            <a:r>
+              <a:rPr lang="es-ES" dirty="0"/>
+              <a:t>::vector&lt;</a:t>
+            </a:r>
+            <a:r>
+              <a:rPr lang="es-ES" dirty="0" err="1"/>
+              <a:t>nlohmann</a:t>
+            </a:r>
+            <a:r>
+              <a:rPr lang="es-ES" dirty="0"/>
+              <a:t>::</a:t>
+            </a:r>
+            <a:r>
+              <a:rPr lang="es-ES" dirty="0" err="1"/>
+              <a:t>json</a:t>
+            </a:r>
+            <a:r>
+              <a:rPr lang="es-ES" dirty="0"/>
+              <a:t>&gt; array;</a:t>
+            </a:r>
+          </a:p>
+          <a:p>
+            <a:pPr lvl="1"/>
+            <a:endParaRPr lang="es-ES" dirty="0"/>
+          </a:p>
+          <a:p>
+            <a:pPr lvl="1"/>
+            <a:r>
+              <a:rPr lang="es-ES" dirty="0" err="1"/>
+              <a:t>nlohmann</a:t>
+            </a:r>
+            <a:r>
+              <a:rPr lang="es-ES" dirty="0"/>
+              <a:t>::</a:t>
+            </a:r>
+            <a:r>
+              <a:rPr lang="es-ES" dirty="0" err="1"/>
+              <a:t>json</a:t>
+            </a:r>
+            <a:r>
+              <a:rPr lang="es-ES" dirty="0"/>
+              <a:t> grupo;</a:t>
+            </a:r>
+          </a:p>
+          <a:p>
+            <a:pPr lvl="1"/>
+            <a:endParaRPr lang="es-ES" dirty="0"/>
+          </a:p>
+          <a:p>
+            <a:pPr lvl="1"/>
+            <a:r>
+              <a:rPr lang="es-ES" dirty="0"/>
+              <a:t>grupo = array;  // Se convierte automáticamente</a:t>
+            </a:r>
+          </a:p>
+          <a:p>
+            <a:pPr lvl="1"/>
+            <a:endParaRPr lang="es-ES" dirty="0"/>
+          </a:p>
+          <a:p>
+            <a:pPr lvl="1"/>
+            <a:r>
+              <a:rPr lang="es-ES" b="1" dirty="0" err="1"/>
+              <a:t>grupo.dump</a:t>
+            </a:r>
+            <a:r>
+              <a:rPr lang="es-ES" b="1" dirty="0"/>
+              <a:t>(4) </a:t>
+            </a:r>
+            <a:r>
+              <a:rPr lang="es-ES" dirty="0"/>
+              <a:t>// Añade </a:t>
+            </a:r>
+            <a:r>
+              <a:rPr lang="es-ES" dirty="0" err="1"/>
+              <a:t>indentación</a:t>
+            </a:r>
+            <a:r>
+              <a:rPr lang="es-ES" dirty="0"/>
+              <a:t>, el resultado se puede grabar en un fichero o se imprime por la pantalla.</a:t>
+            </a:r>
+          </a:p>
+          <a:p>
+            <a:pPr lvl="1"/>
+            <a:endParaRPr lang="es-ES" dirty="0"/>
+          </a:p>
+          <a:p>
+            <a:pPr lvl="1"/>
+            <a:r>
+              <a:rPr lang="es-ES" dirty="0"/>
+              <a:t>Utilizar operador </a:t>
+            </a:r>
+            <a:r>
+              <a:rPr lang="es-ES" b="1" dirty="0"/>
+              <a:t>&lt;&lt;</a:t>
+            </a:r>
+            <a:r>
+              <a:rPr lang="es-ES" dirty="0"/>
+              <a:t>, con un objeto </a:t>
+            </a:r>
+            <a:r>
+              <a:rPr lang="es-ES" b="1" dirty="0" err="1"/>
+              <a:t>std</a:t>
+            </a:r>
+            <a:r>
+              <a:rPr lang="es-ES" b="1" dirty="0"/>
+              <a:t>::</a:t>
+            </a:r>
+            <a:r>
+              <a:rPr lang="es-ES" b="1" dirty="0" err="1"/>
+              <a:t>ofstream</a:t>
+            </a:r>
+            <a:r>
+              <a:rPr lang="es-ES" b="1" dirty="0"/>
+              <a:t> </a:t>
+            </a:r>
+            <a:r>
+              <a:rPr lang="es-ES" dirty="0"/>
+              <a:t>o </a:t>
+            </a:r>
+            <a:r>
+              <a:rPr lang="es-ES" b="1" dirty="0" err="1"/>
+              <a:t>std</a:t>
+            </a:r>
+            <a:r>
+              <a:rPr lang="es-ES" b="1" dirty="0"/>
+              <a:t>::</a:t>
+            </a:r>
+            <a:r>
+              <a:rPr lang="es-ES" b="1" dirty="0" err="1"/>
+              <a:t>cout</a:t>
+            </a:r>
+            <a:endParaRPr lang="es-ES" b="1" dirty="0"/>
+          </a:p>
           <a:p>
             <a:pPr marL="0" indent="0">
               <a:buNone/>
             </a:pPr>
             <a:endParaRPr lang="es-ES" dirty="0"/>
           </a:p>
-          <a:p>
-            <a:pPr marL="0" indent="0">
-              <a:buNone/>
-            </a:pPr>
-            <a:r>
-              <a:rPr lang="es-ES" dirty="0" err="1"/>
-              <a:t>void</a:t>
-            </a:r>
-            <a:r>
-              <a:rPr lang="es-ES" dirty="0"/>
-              <a:t> </a:t>
-            </a:r>
-            <a:r>
-              <a:rPr lang="es-ES" dirty="0" err="1"/>
-              <a:t>strJson</a:t>
-            </a:r>
-            <a:r>
-              <a:rPr lang="es-ES" dirty="0"/>
-              <a:t>() {</a:t>
-            </a:r>
-          </a:p>
-          <a:p>
-            <a:pPr marL="0" indent="0">
-              <a:buNone/>
-            </a:pPr>
-            <a:r>
-              <a:rPr lang="it-IT" dirty="0"/>
-              <a:t>    // Se define una cadena Raw: con formato json</a:t>
-            </a:r>
-          </a:p>
-          <a:p>
-            <a:pPr marL="0" indent="0">
-              <a:buNone/>
-            </a:pPr>
-            <a:r>
-              <a:rPr lang="es-ES" dirty="0"/>
-              <a:t>    </a:t>
-            </a:r>
-            <a:r>
-              <a:rPr lang="es-ES" dirty="0" err="1"/>
-              <a:t>std</a:t>
-            </a:r>
-            <a:r>
-              <a:rPr lang="es-ES" dirty="0"/>
-              <a:t>::</a:t>
-            </a:r>
-            <a:r>
-              <a:rPr lang="es-ES" b="1" dirty="0" err="1"/>
-              <a:t>istringstream</a:t>
-            </a:r>
-            <a:r>
-              <a:rPr lang="es-ES" dirty="0"/>
-              <a:t> </a:t>
-            </a:r>
-            <a:r>
-              <a:rPr lang="es-ES" dirty="0" err="1"/>
-              <a:t>ss</a:t>
-            </a:r>
-            <a:r>
-              <a:rPr lang="es-ES" dirty="0"/>
-              <a:t>(R"({"nombre":"Ana","edad":28,</a:t>
-            </a:r>
-          </a:p>
-          <a:p>
-            <a:pPr marL="457200" lvl="1" indent="0">
-              <a:buNone/>
-            </a:pPr>
-            <a:r>
-              <a:rPr lang="es-ES" dirty="0"/>
-              <a:t>"intereses":["</a:t>
-            </a:r>
-            <a:r>
-              <a:rPr lang="es-ES" dirty="0" err="1"/>
-              <a:t>programacion</a:t>
-            </a:r>
-            <a:r>
-              <a:rPr lang="es-ES" dirty="0"/>
-              <a:t>","</a:t>
-            </a:r>
-            <a:r>
-              <a:rPr lang="es-ES" dirty="0" err="1"/>
-              <a:t>musica</a:t>
-            </a:r>
-            <a:r>
-              <a:rPr lang="es-ES" dirty="0"/>
-              <a:t>","senderismo"]})");</a:t>
-            </a:r>
-          </a:p>
-          <a:p>
-            <a:pPr marL="0" indent="0">
-              <a:buNone/>
-            </a:pPr>
-            <a:r>
-              <a:rPr lang="es-ES" dirty="0"/>
-              <a:t>    </a:t>
-            </a:r>
-            <a:r>
-              <a:rPr lang="es-ES" b="1" dirty="0" err="1"/>
-              <a:t>nlohmann</a:t>
-            </a:r>
-            <a:r>
-              <a:rPr lang="es-ES" b="1" dirty="0"/>
-              <a:t>::</a:t>
-            </a:r>
-            <a:r>
-              <a:rPr lang="es-ES" b="1" dirty="0" err="1"/>
-              <a:t>json</a:t>
-            </a:r>
-            <a:r>
-              <a:rPr lang="es-ES" b="1" dirty="0"/>
-              <a:t> </a:t>
-            </a:r>
-            <a:r>
-              <a:rPr lang="es-ES" dirty="0" err="1"/>
-              <a:t>doc</a:t>
-            </a:r>
-            <a:r>
-              <a:rPr lang="es-ES" dirty="0"/>
-              <a:t>;</a:t>
-            </a:r>
-          </a:p>
-          <a:p>
-            <a:pPr marL="0" indent="0">
-              <a:buNone/>
-            </a:pPr>
-            <a:endParaRPr lang="es-ES" dirty="0"/>
-          </a:p>
-          <a:p>
-            <a:pPr marL="0" indent="0">
-              <a:buNone/>
-            </a:pPr>
-            <a:r>
-              <a:rPr lang="es-ES" dirty="0"/>
-              <a:t>    // Se convierte a </a:t>
-            </a:r>
-            <a:r>
-              <a:rPr lang="es-ES" dirty="0" err="1"/>
-              <a:t>json</a:t>
-            </a:r>
-            <a:r>
-              <a:rPr lang="es-ES" dirty="0"/>
-              <a:t>: </a:t>
-            </a:r>
-          </a:p>
-          <a:p>
-            <a:pPr marL="0" indent="0">
-              <a:buNone/>
-            </a:pPr>
-            <a:r>
-              <a:rPr lang="es-ES" dirty="0"/>
-              <a:t>    </a:t>
-            </a:r>
-            <a:r>
-              <a:rPr lang="es-ES" dirty="0" err="1"/>
-              <a:t>ss</a:t>
-            </a:r>
-            <a:r>
-              <a:rPr lang="es-ES" dirty="0"/>
-              <a:t> </a:t>
-            </a:r>
-            <a:r>
-              <a:rPr lang="es-ES" b="1" dirty="0"/>
-              <a:t>&gt;&gt;</a:t>
-            </a:r>
-            <a:r>
-              <a:rPr lang="es-ES" dirty="0"/>
-              <a:t> </a:t>
-            </a:r>
-            <a:r>
-              <a:rPr lang="es-ES" dirty="0" err="1"/>
-              <a:t>doc</a:t>
-            </a:r>
-            <a:r>
-              <a:rPr lang="es-ES" dirty="0"/>
-              <a:t>;</a:t>
-            </a:r>
-          </a:p>
-          <a:p>
-            <a:pPr marL="0" indent="0">
-              <a:buNone/>
-            </a:pPr>
-            <a:r>
-              <a:rPr lang="fr-FR" dirty="0"/>
-              <a:t>    std::cout &lt;&lt; "nombre: " &lt;&lt; doc["nombre"] &lt;&lt; std::</a:t>
-            </a:r>
-            <a:r>
-              <a:rPr lang="fr-FR" dirty="0" err="1"/>
-              <a:t>endl</a:t>
-            </a:r>
-            <a:r>
-              <a:rPr lang="fr-FR" dirty="0"/>
-              <a:t>;</a:t>
-            </a:r>
-          </a:p>
-          <a:p>
-            <a:pPr marL="0" indent="0">
-              <a:buNone/>
-            </a:pPr>
-            <a:r>
-              <a:rPr lang="en-US" dirty="0"/>
-              <a:t>    std::</a:t>
-            </a:r>
-            <a:r>
-              <a:rPr lang="en-US" dirty="0" err="1"/>
-              <a:t>cout</a:t>
-            </a:r>
-            <a:r>
-              <a:rPr lang="en-US" dirty="0"/>
-              <a:t> &lt;&lt; doc &lt;&lt; std::</a:t>
-            </a:r>
-            <a:r>
-              <a:rPr lang="en-US" dirty="0" err="1"/>
-              <a:t>endl</a:t>
-            </a:r>
-            <a:r>
-              <a:rPr lang="en-US" dirty="0"/>
-              <a:t>;</a:t>
-            </a:r>
-            <a:endParaRPr lang="es-ES" dirty="0"/>
-          </a:p>
-          <a:p>
-            <a:pPr marL="0" indent="0">
-              <a:buNone/>
-            </a:pPr>
-            <a:r>
-              <a:rPr lang="es-ES" dirty="0"/>
-              <a:t>}</a:t>
-            </a:r>
-          </a:p>
         </p:txBody>
       </p:sp>
       <p:sp>
@@ -13344,7 +17796,7 @@
           <p:cNvPr id="4" name="Marcador de número de diapositiva 3">
             <a:extLst>
               <a:ext uri="{FF2B5EF4-FFF2-40B4-BE49-F238E27FC236}">
-                <a16:creationId xmlns:a16="http://schemas.microsoft.com/office/drawing/2014/main" id="{7895CEE5-C739-0597-3075-E5208C67B1C2}"/>
+                <a16:creationId xmlns:a16="http://schemas.microsoft.com/office/drawing/2014/main" id="{487AFD7B-3643-4A83-0872-490B482E29CD}"/>
               </a:ext>
             </a:extLst>
           </p:cNvPr>
@@ -13362,7 +17814,7 @@
           <a:p>
             <a:fld id="{FE1ACEE4-8B3E-4875-98A0-9A2521022ECF}" type="slidenum">
               <a:rPr lang="es-ES" smtClean="0"/>
-              <a:t>51</a:t>
+              <a:t>67</a:t>
             </a:fld>
             <a:endParaRPr lang="es-ES"/>
           </a:p>
@@ -13371,7 +17823,7 @@
     </p:spTree>
     <p:extLst>
       <p:ext uri="{BB962C8B-B14F-4D97-AF65-F5344CB8AC3E}">
-        <p14:creationId xmlns:p14="http://schemas.microsoft.com/office/powerpoint/2010/main" val="3329693337"/>
+        <p14:creationId xmlns:p14="http://schemas.microsoft.com/office/powerpoint/2010/main" val="2557041136"/>
       </p:ext>
     </p:extLst>
   </p:cSld>
@@ -13381,7 +17833,7 @@
 </p:sld>
 </file>
 
-<file path=ppt/slides/slide52.xml><?xml version="1.0" encoding="utf-8"?>
+<file path=ppt/slides/slide68.xml><?xml version="1.0" encoding="utf-8"?>
 <p:sld xmlns:a="http://schemas.openxmlformats.org/drawingml/2006/main" xmlns:r="http://schemas.openxmlformats.org/officeDocument/2006/relationships" xmlns:p="http://schemas.openxmlformats.org/presentationml/2006/main">
   <p:cSld>
     <p:spTree>
@@ -13403,7 +17855,7 @@
           <p:cNvPr id="2" name="Título 1">
             <a:extLst>
               <a:ext uri="{FF2B5EF4-FFF2-40B4-BE49-F238E27FC236}">
-                <a16:creationId xmlns:a16="http://schemas.microsoft.com/office/drawing/2014/main" id="{9ED02644-74A7-E8C7-5296-1A0568719877}"/>
+                <a16:creationId xmlns:a16="http://schemas.microsoft.com/office/drawing/2014/main" id="{E13C8727-DA11-53B5-73E7-2EC419A45EFF}"/>
               </a:ext>
             </a:extLst>
           </p:cNvPr>
@@ -13421,8 +17873,13 @@
           <a:p>
             <a:r>
               <a:rPr lang="es-ES" dirty="0"/>
-              <a:t>Vector / Grabar a fichero</a:t>
-            </a:r>
+              <a:t>Objetos a </a:t>
+            </a:r>
+            <a:r>
+              <a:rPr lang="es-ES" dirty="0" err="1"/>
+              <a:t>Json</a:t>
+            </a:r>
+            <a:endParaRPr lang="es-ES" dirty="0"/>
           </a:p>
         </p:txBody>
       </p:sp>
@@ -13431,7 +17888,7 @@
           <p:cNvPr id="3" name="Marcador de contenido 2">
             <a:extLst>
               <a:ext uri="{FF2B5EF4-FFF2-40B4-BE49-F238E27FC236}">
-                <a16:creationId xmlns:a16="http://schemas.microsoft.com/office/drawing/2014/main" id="{942828E9-5B2C-B719-FED4-C09CDF965E9B}"/>
+                <a16:creationId xmlns:a16="http://schemas.microsoft.com/office/drawing/2014/main" id="{404E5987-095A-06F2-47EB-DBA1FFE1C309}"/>
               </a:ext>
             </a:extLst>
           </p:cNvPr>
@@ -13442,197 +17899,218 @@
             <p:ph idx="1"/>
           </p:nvPr>
         </p:nvSpPr>
-        <p:spPr>
-          <a:xfrm>
-            <a:off x="838200" y="1835052"/>
-            <a:ext cx="10515600" cy="4351338"/>
-          </a:xfrm>
-        </p:spPr>
+        <p:spPr/>
         <p:txBody>
           <a:bodyPr>
-            <a:normAutofit lnSpcReduction="10000"/>
+            <a:normAutofit/>
           </a:bodyPr>
           <a:lstStyle/>
-          <a:p>
-            <a:r>
-              <a:rPr lang="es-ES" dirty="0"/>
-              <a:t>Se pueden definir vectores del tipo: </a:t>
-            </a:r>
-            <a:r>
-              <a:rPr lang="es-ES" b="1" dirty="0" err="1"/>
-              <a:t>nlohmann</a:t>
-            </a:r>
-            <a:r>
-              <a:rPr lang="es-ES" b="1" dirty="0"/>
-              <a:t>::</a:t>
-            </a:r>
-            <a:r>
-              <a:rPr lang="es-ES" b="1" dirty="0" err="1"/>
-              <a:t>json</a:t>
-            </a:r>
-            <a:r>
-              <a:rPr lang="es-ES" b="1" dirty="0"/>
-              <a:t> </a:t>
-            </a:r>
-            <a:r>
-              <a:rPr lang="es-ES" dirty="0"/>
-              <a:t>para almacenar  objetos </a:t>
-            </a:r>
-            <a:r>
-              <a:rPr lang="es-ES" dirty="0" err="1"/>
-              <a:t>json</a:t>
-            </a:r>
-            <a:r>
-              <a:rPr lang="es-ES" dirty="0"/>
-              <a:t>:</a:t>
-            </a:r>
-          </a:p>
-          <a:p>
-            <a:pPr lvl="1"/>
-            <a:r>
-              <a:rPr lang="es-ES" dirty="0" err="1"/>
-              <a:t>std</a:t>
-            </a:r>
-            <a:r>
-              <a:rPr lang="es-ES" dirty="0"/>
-              <a:t>::vector&lt;</a:t>
-            </a:r>
-            <a:r>
-              <a:rPr lang="es-ES" dirty="0" err="1"/>
-              <a:t>nlohmann</a:t>
-            </a:r>
-            <a:r>
-              <a:rPr lang="es-ES" dirty="0"/>
-              <a:t>::</a:t>
-            </a:r>
-            <a:r>
-              <a:rPr lang="es-ES" dirty="0" err="1"/>
-              <a:t>json</a:t>
-            </a:r>
-            <a:r>
-              <a:rPr lang="es-ES" dirty="0"/>
-              <a:t>&gt; array;</a:t>
-            </a:r>
-          </a:p>
-          <a:p>
-            <a:pPr lvl="1"/>
-            <a:endParaRPr lang="es-ES" dirty="0"/>
-          </a:p>
-          <a:p>
-            <a:pPr lvl="1"/>
-            <a:r>
-              <a:rPr lang="es-ES" dirty="0" err="1"/>
-              <a:t>nlohmann</a:t>
-            </a:r>
-            <a:r>
-              <a:rPr lang="es-ES" dirty="0"/>
-              <a:t>::</a:t>
-            </a:r>
-            <a:r>
-              <a:rPr lang="es-ES" dirty="0" err="1"/>
-              <a:t>json</a:t>
-            </a:r>
-            <a:r>
-              <a:rPr lang="es-ES" dirty="0"/>
-              <a:t> grupo;</a:t>
-            </a:r>
-          </a:p>
-          <a:p>
-            <a:pPr lvl="1"/>
-            <a:endParaRPr lang="es-ES" dirty="0"/>
-          </a:p>
-          <a:p>
-            <a:pPr lvl="1"/>
-            <a:r>
-              <a:rPr lang="es-ES" dirty="0"/>
-              <a:t>grupo = array;  // Se convierte automáticamente</a:t>
-            </a:r>
-          </a:p>
-          <a:p>
-            <a:pPr lvl="1"/>
-            <a:endParaRPr lang="es-ES" dirty="0"/>
-          </a:p>
-          <a:p>
-            <a:pPr lvl="1"/>
-            <a:r>
-              <a:rPr lang="es-ES" b="1" dirty="0" err="1"/>
-              <a:t>grupo.dump</a:t>
-            </a:r>
-            <a:r>
-              <a:rPr lang="es-ES" b="1" dirty="0"/>
-              <a:t>(4) </a:t>
-            </a:r>
-            <a:r>
-              <a:rPr lang="es-ES" dirty="0"/>
-              <a:t>// Añade </a:t>
-            </a:r>
-            <a:r>
-              <a:rPr lang="es-ES" dirty="0" err="1"/>
-              <a:t>indentación</a:t>
-            </a:r>
-            <a:r>
-              <a:rPr lang="es-ES" dirty="0"/>
-              <a:t>, el resultado se puede grabar en un fichero o se imprime por la pantalla.</a:t>
-            </a:r>
-          </a:p>
-          <a:p>
-            <a:pPr lvl="1"/>
-            <a:endParaRPr lang="es-ES" dirty="0"/>
-          </a:p>
-          <a:p>
-            <a:pPr lvl="1"/>
-            <a:r>
-              <a:rPr lang="es-ES" dirty="0"/>
-              <a:t>Utilizar operador </a:t>
-            </a:r>
-            <a:r>
-              <a:rPr lang="es-ES" b="1" dirty="0"/>
-              <a:t>&lt;&lt;</a:t>
-            </a:r>
-            <a:r>
-              <a:rPr lang="es-ES" dirty="0"/>
-              <a:t>, con un objeto </a:t>
-            </a:r>
-            <a:r>
-              <a:rPr lang="es-ES" b="1" dirty="0" err="1"/>
-              <a:t>std</a:t>
-            </a:r>
-            <a:r>
-              <a:rPr lang="es-ES" b="1" dirty="0"/>
-              <a:t>::</a:t>
-            </a:r>
-            <a:r>
-              <a:rPr lang="es-ES" b="1" dirty="0" err="1"/>
-              <a:t>ofstream</a:t>
-            </a:r>
-            <a:r>
-              <a:rPr lang="es-ES" b="1" dirty="0"/>
-              <a:t> </a:t>
-            </a:r>
-            <a:r>
-              <a:rPr lang="es-ES" dirty="0"/>
-              <a:t>o </a:t>
-            </a:r>
-            <a:r>
-              <a:rPr lang="es-ES" b="1" dirty="0" err="1"/>
-              <a:t>std</a:t>
-            </a:r>
-            <a:r>
-              <a:rPr lang="es-ES" b="1" dirty="0"/>
-              <a:t>::</a:t>
-            </a:r>
-            <a:r>
-              <a:rPr lang="es-ES" b="1" dirty="0" err="1"/>
-              <a:t>cout</a:t>
-            </a:r>
-            <a:endParaRPr lang="es-ES" b="1" dirty="0"/>
-          </a:p>
           <a:p>
             <a:pPr marL="0" indent="0">
               <a:buNone/>
             </a:pPr>
+            <a:r>
+              <a:rPr lang="es-ES" dirty="0" err="1"/>
+              <a:t>nlohmann</a:t>
+            </a:r>
+            <a:r>
+              <a:rPr lang="es-ES" dirty="0"/>
+              <a:t>::</a:t>
+            </a:r>
+            <a:r>
+              <a:rPr lang="es-ES" dirty="0" err="1"/>
+              <a:t>json</a:t>
+            </a:r>
+            <a:r>
+              <a:rPr lang="es-ES" dirty="0"/>
+              <a:t> Pedido::</a:t>
+            </a:r>
+            <a:r>
+              <a:rPr lang="es-ES" dirty="0" err="1"/>
+              <a:t>to_json</a:t>
+            </a:r>
+            <a:r>
+              <a:rPr lang="es-ES" dirty="0"/>
+              <a:t>() </a:t>
+            </a:r>
+            <a:r>
+              <a:rPr lang="es-ES" dirty="0" err="1"/>
+              <a:t>const</a:t>
+            </a:r>
             <a:endParaRPr lang="es-ES" dirty="0"/>
           </a:p>
+          <a:p>
+            <a:pPr marL="0" indent="0">
+              <a:buNone/>
+            </a:pPr>
+            <a:r>
+              <a:rPr lang="es-ES" dirty="0"/>
+              <a:t>{</a:t>
+            </a:r>
+          </a:p>
+          <a:p>
+            <a:pPr marL="457200" lvl="1" indent="0">
+              <a:buNone/>
+            </a:pPr>
+            <a:r>
+              <a:rPr lang="es-ES" dirty="0" err="1"/>
+              <a:t>return</a:t>
+            </a:r>
+            <a:r>
+              <a:rPr lang="es-ES" dirty="0"/>
+              <a:t> </a:t>
+            </a:r>
+            <a:r>
+              <a:rPr lang="es-ES" dirty="0" err="1"/>
+              <a:t>nlohmann</a:t>
+            </a:r>
+            <a:r>
+              <a:rPr lang="es-ES" dirty="0"/>
+              <a:t>::</a:t>
+            </a:r>
+            <a:r>
+              <a:rPr lang="es-ES" dirty="0" err="1"/>
+              <a:t>json</a:t>
+            </a:r>
+            <a:r>
+              <a:rPr lang="es-ES" dirty="0"/>
+              <a:t>{ {"</a:t>
+            </a:r>
+            <a:r>
+              <a:rPr lang="es-ES" dirty="0" err="1"/>
+              <a:t>idpedido</a:t>
+            </a:r>
+            <a:r>
+              <a:rPr lang="es-ES" dirty="0"/>
+              <a:t>", </a:t>
+            </a:r>
+            <a:r>
+              <a:rPr lang="es-ES" dirty="0" err="1"/>
+              <a:t>this</a:t>
+            </a:r>
+            <a:r>
+              <a:rPr lang="es-ES" dirty="0"/>
+              <a:t>-&gt;</a:t>
+            </a:r>
+            <a:r>
+              <a:rPr lang="es-ES" dirty="0" err="1"/>
+              <a:t>idpedido</a:t>
+            </a:r>
+            <a:r>
+              <a:rPr lang="es-ES" dirty="0"/>
+              <a:t>},</a:t>
+            </a:r>
+          </a:p>
+          <a:p>
+            <a:pPr marL="457200" lvl="1" indent="0">
+              <a:buNone/>
+            </a:pPr>
+            <a:r>
+              <a:rPr lang="es-ES" dirty="0"/>
+              <a:t>{"cliente", </a:t>
+            </a:r>
+            <a:r>
+              <a:rPr lang="es-ES" dirty="0" err="1"/>
+              <a:t>this</a:t>
+            </a:r>
+            <a:r>
+              <a:rPr lang="es-ES" dirty="0"/>
+              <a:t>-&gt;cliente},</a:t>
+            </a:r>
+          </a:p>
+          <a:p>
+            <a:pPr marL="457200" lvl="1" indent="0">
+              <a:buNone/>
+            </a:pPr>
+            <a:r>
+              <a:rPr lang="es-ES" dirty="0"/>
+              <a:t>{"empresa", </a:t>
+            </a:r>
+            <a:r>
+              <a:rPr lang="es-ES" dirty="0" err="1"/>
+              <a:t>this</a:t>
+            </a:r>
+            <a:r>
+              <a:rPr lang="es-ES" dirty="0"/>
+              <a:t>-&gt;empresa},</a:t>
+            </a:r>
+          </a:p>
+          <a:p>
+            <a:pPr marL="457200" lvl="1" indent="0">
+              <a:buNone/>
+            </a:pPr>
+            <a:r>
+              <a:rPr lang="es-ES" dirty="0"/>
+              <a:t>{"empleado", </a:t>
+            </a:r>
+            <a:r>
+              <a:rPr lang="es-ES" dirty="0" err="1"/>
+              <a:t>this</a:t>
+            </a:r>
+            <a:r>
+              <a:rPr lang="es-ES" dirty="0"/>
+              <a:t>-&gt;empleado},</a:t>
+            </a:r>
+          </a:p>
+          <a:p>
+            <a:pPr marL="457200" lvl="1" indent="0">
+              <a:buNone/>
+            </a:pPr>
+            <a:r>
+              <a:rPr lang="es-ES" dirty="0"/>
+              <a:t>{"importe", </a:t>
+            </a:r>
+            <a:r>
+              <a:rPr lang="es-ES" dirty="0" err="1"/>
+              <a:t>this</a:t>
+            </a:r>
+            <a:r>
+              <a:rPr lang="es-ES" dirty="0"/>
+              <a:t>-&gt;importe},</a:t>
+            </a:r>
+          </a:p>
+          <a:p>
+            <a:pPr marL="457200" lvl="1" indent="0">
+              <a:buNone/>
+            </a:pPr>
+            <a:r>
+              <a:rPr lang="es-ES" dirty="0"/>
+              <a:t>{"</a:t>
+            </a:r>
+            <a:r>
+              <a:rPr lang="es-ES" dirty="0" err="1"/>
+              <a:t>pais</a:t>
+            </a:r>
+            <a:r>
+              <a:rPr lang="es-ES" dirty="0"/>
+              <a:t>", </a:t>
+            </a:r>
+            <a:r>
+              <a:rPr lang="es-ES" dirty="0" err="1"/>
+              <a:t>this</a:t>
+            </a:r>
+            <a:r>
+              <a:rPr lang="es-ES" dirty="0"/>
+              <a:t>-&gt;</a:t>
+            </a:r>
+            <a:r>
+              <a:rPr lang="es-ES" dirty="0" err="1"/>
+              <a:t>pais</a:t>
+            </a:r>
+            <a:r>
+              <a:rPr lang="es-ES" dirty="0"/>
+              <a:t>}};</a:t>
+            </a:r>
+          </a:p>
+          <a:p>
+            <a:pPr marL="0" indent="0">
+              <a:buNone/>
+            </a:pPr>
+            <a:r>
+              <a:rPr lang="es-ES" dirty="0"/>
+              <a:t>}</a:t>
+            </a:r>
+          </a:p>
         </p:txBody>
       </p:sp>
       <p:sp>
@@ -13640,7 +18118,7 @@
           <p:cNvPr id="4" name="Marcador de número de diapositiva 3">
             <a:extLst>
               <a:ext uri="{FF2B5EF4-FFF2-40B4-BE49-F238E27FC236}">
-                <a16:creationId xmlns:a16="http://schemas.microsoft.com/office/drawing/2014/main" id="{487AFD7B-3643-4A83-0872-490B482E29CD}"/>
+                <a16:creationId xmlns:a16="http://schemas.microsoft.com/office/drawing/2014/main" id="{7FA66131-FB6C-494C-891F-F7BCC6D95D8E}"/>
               </a:ext>
             </a:extLst>
           </p:cNvPr>
@@ -13658,7 +18136,7 @@
           <a:p>
             <a:fld id="{FE1ACEE4-8B3E-4875-98A0-9A2521022ECF}" type="slidenum">
               <a:rPr lang="es-ES" smtClean="0"/>
-              <a:t>52</a:t>
+              <a:t>68</a:t>
             </a:fld>
             <a:endParaRPr lang="es-ES"/>
           </a:p>
@@ -13667,7 +18145,7 @@
     </p:spTree>
     <p:extLst>
       <p:ext uri="{BB962C8B-B14F-4D97-AF65-F5344CB8AC3E}">
-        <p14:creationId xmlns:p14="http://schemas.microsoft.com/office/powerpoint/2010/main" val="2557041136"/>
+        <p14:creationId xmlns:p14="http://schemas.microsoft.com/office/powerpoint/2010/main" val="3736473280"/>
       </p:ext>
     </p:extLst>
   </p:cSld>
@@ -13677,7 +18155,7 @@
 </p:sld>
 </file>
 
-<file path=ppt/slides/slide53.xml><?xml version="1.0" encoding="utf-8"?>
+<file path=ppt/slides/slide69.xml><?xml version="1.0" encoding="utf-8"?>
 <p:sld xmlns:a="http://schemas.openxmlformats.org/drawingml/2006/main" xmlns:r="http://schemas.openxmlformats.org/officeDocument/2006/relationships" xmlns:p="http://schemas.openxmlformats.org/presentationml/2006/main">
   <p:cSld>
     <p:spTree>
@@ -13699,7 +18177,7 @@
           <p:cNvPr id="2" name="Título 1">
             <a:extLst>
               <a:ext uri="{FF2B5EF4-FFF2-40B4-BE49-F238E27FC236}">
-                <a16:creationId xmlns:a16="http://schemas.microsoft.com/office/drawing/2014/main" id="{E13C8727-DA11-53B5-73E7-2EC419A45EFF}"/>
+                <a16:creationId xmlns:a16="http://schemas.microsoft.com/office/drawing/2014/main" id="{68E6776B-437E-4340-49D0-EB021EEE35BE}"/>
               </a:ext>
             </a:extLst>
           </p:cNvPr>
@@ -13717,13 +18195,8 @@
           <a:p>
             <a:r>
               <a:rPr lang="es-ES" dirty="0"/>
-              <a:t>Objetos a </a:t>
-            </a:r>
-            <a:r>
-              <a:rPr lang="es-ES" dirty="0" err="1"/>
-              <a:t>Json</a:t>
-            </a:r>
-            <a:endParaRPr lang="es-ES" dirty="0"/>
+              <a:t>De JSON a Objeto</a:t>
+            </a:r>
           </a:p>
         </p:txBody>
       </p:sp>
@@ -13732,7 +18205,7 @@
           <p:cNvPr id="3" name="Marcador de contenido 2">
             <a:extLst>
               <a:ext uri="{FF2B5EF4-FFF2-40B4-BE49-F238E27FC236}">
-                <a16:creationId xmlns:a16="http://schemas.microsoft.com/office/drawing/2014/main" id="{404E5987-095A-06F2-47EB-DBA1FFE1C309}"/>
+                <a16:creationId xmlns:a16="http://schemas.microsoft.com/office/drawing/2014/main" id="{B5BF5160-36BB-A374-6187-BF468E8A3D88}"/>
               </a:ext>
             </a:extLst>
           </p:cNvPr>
@@ -13745,215 +18218,10 @@
         </p:nvSpPr>
         <p:spPr/>
         <p:txBody>
-          <a:bodyPr>
-            <a:normAutofit/>
-          </a:bodyPr>
-          <a:lstStyle/>
-          <a:p>
-            <a:pPr marL="0" indent="0">
-              <a:buNone/>
-            </a:pPr>
-            <a:r>
-              <a:rPr lang="es-ES" dirty="0" err="1"/>
-              <a:t>nlohmann</a:t>
-            </a:r>
-            <a:r>
-              <a:rPr lang="es-ES" dirty="0"/>
-              <a:t>::</a:t>
-            </a:r>
-            <a:r>
-              <a:rPr lang="es-ES" dirty="0" err="1"/>
-              <a:t>json</a:t>
-            </a:r>
-            <a:r>
-              <a:rPr lang="es-ES" dirty="0"/>
-              <a:t> Pedido::</a:t>
-            </a:r>
-            <a:r>
-              <a:rPr lang="es-ES" dirty="0" err="1"/>
-              <a:t>to_json</a:t>
-            </a:r>
-            <a:r>
-              <a:rPr lang="es-ES" dirty="0"/>
-              <a:t>() </a:t>
-            </a:r>
-            <a:r>
-              <a:rPr lang="es-ES" dirty="0" err="1"/>
-              <a:t>const</a:t>
-            </a:r>
-            <a:endParaRPr lang="es-ES" dirty="0"/>
-          </a:p>
-          <a:p>
-            <a:pPr marL="0" indent="0">
-              <a:buNone/>
-            </a:pPr>
-            <a:r>
-              <a:rPr lang="es-ES" dirty="0"/>
-              <a:t>{</a:t>
-            </a:r>
-          </a:p>
-          <a:p>
-            <a:pPr marL="457200" lvl="1" indent="0">
-              <a:buNone/>
-            </a:pPr>
-            <a:r>
-              <a:rPr lang="es-ES" dirty="0" err="1"/>
-              <a:t>return</a:t>
-            </a:r>
-            <a:r>
-              <a:rPr lang="es-ES" dirty="0"/>
-              <a:t> </a:t>
-            </a:r>
-            <a:r>
-              <a:rPr lang="es-ES" dirty="0" err="1"/>
-              <a:t>nlohmann</a:t>
-            </a:r>
-            <a:r>
-              <a:rPr lang="es-ES" dirty="0"/>
-              <a:t>::</a:t>
-            </a:r>
-            <a:r>
-              <a:rPr lang="es-ES" dirty="0" err="1"/>
-              <a:t>json</a:t>
-            </a:r>
-            <a:r>
-              <a:rPr lang="es-ES" dirty="0"/>
-              <a:t>{ {"</a:t>
-            </a:r>
-            <a:r>
-              <a:rPr lang="es-ES" dirty="0" err="1"/>
-              <a:t>idpedido</a:t>
-            </a:r>
-            <a:r>
-              <a:rPr lang="es-ES" dirty="0"/>
-              <a:t>", </a:t>
-            </a:r>
-            <a:r>
-              <a:rPr lang="es-ES" dirty="0" err="1"/>
-              <a:t>this</a:t>
-            </a:r>
-            <a:r>
-              <a:rPr lang="es-ES" dirty="0"/>
-              <a:t>-&gt;</a:t>
-            </a:r>
-            <a:r>
-              <a:rPr lang="es-ES" dirty="0" err="1"/>
-              <a:t>idpedido</a:t>
-            </a:r>
-            <a:r>
-              <a:rPr lang="es-ES" dirty="0"/>
-              <a:t>},</a:t>
-            </a:r>
-          </a:p>
-          <a:p>
-            <a:pPr marL="457200" lvl="1" indent="0">
-              <a:buNone/>
-            </a:pPr>
-            <a:r>
-              <a:rPr lang="es-ES" dirty="0"/>
-              <a:t>{"cliente", </a:t>
-            </a:r>
-            <a:r>
-              <a:rPr lang="es-ES" dirty="0" err="1"/>
-              <a:t>this</a:t>
-            </a:r>
-            <a:r>
-              <a:rPr lang="es-ES" dirty="0"/>
-              <a:t>-&gt;cliente},</a:t>
-            </a:r>
-          </a:p>
-          <a:p>
-            <a:pPr marL="457200" lvl="1" indent="0">
-              <a:buNone/>
-            </a:pPr>
-            <a:r>
-              <a:rPr lang="es-ES" dirty="0"/>
-              <a:t>{"empresa", </a:t>
-            </a:r>
-            <a:r>
-              <a:rPr lang="es-ES" dirty="0" err="1"/>
-              <a:t>this</a:t>
-            </a:r>
-            <a:r>
-              <a:rPr lang="es-ES" dirty="0"/>
-              <a:t>-&gt;empresa},</a:t>
-            </a:r>
-          </a:p>
-          <a:p>
-            <a:pPr marL="457200" lvl="1" indent="0">
-              <a:buNone/>
-            </a:pPr>
-            <a:r>
-              <a:rPr lang="es-ES" dirty="0"/>
-              <a:t>{"empleado", </a:t>
-            </a:r>
-            <a:r>
-              <a:rPr lang="es-ES" dirty="0" err="1"/>
-              <a:t>this</a:t>
-            </a:r>
-            <a:r>
-              <a:rPr lang="es-ES" dirty="0"/>
-              <a:t>-&gt;empleado},</a:t>
-            </a:r>
-          </a:p>
-          <a:p>
-            <a:pPr marL="457200" lvl="1" indent="0">
-              <a:buNone/>
-            </a:pPr>
-            <a:r>
-              <a:rPr lang="es-ES" dirty="0"/>
-              <a:t>{"importe", </a:t>
-            </a:r>
-            <a:r>
-              <a:rPr lang="es-ES" dirty="0" err="1"/>
-              <a:t>this</a:t>
-            </a:r>
-            <a:r>
-              <a:rPr lang="es-ES" dirty="0"/>
-              <a:t>-&gt;importe},</a:t>
-            </a:r>
-          </a:p>
-          <a:p>
-            <a:pPr marL="457200" lvl="1" indent="0">
-              <a:buNone/>
-            </a:pPr>
-            <a:r>
-              <a:rPr lang="es-ES" dirty="0"/>
-              <a:t>{"</a:t>
-            </a:r>
-            <a:r>
-              <a:rPr lang="es-ES" dirty="0" err="1"/>
-              <a:t>pais</a:t>
-            </a:r>
-            <a:r>
-              <a:rPr lang="es-ES" dirty="0"/>
-              <a:t>", </a:t>
-            </a:r>
-            <a:r>
-              <a:rPr lang="es-ES" dirty="0" err="1"/>
-              <a:t>this</a:t>
-            </a:r>
-            <a:r>
-              <a:rPr lang="es-ES" dirty="0"/>
-              <a:t>-&gt;</a:t>
-            </a:r>
-            <a:r>
-              <a:rPr lang="es-ES" dirty="0" err="1"/>
-              <a:t>pais</a:t>
-            </a:r>
-            <a:r>
-              <a:rPr lang="es-ES" dirty="0"/>
-              <a:t>}};</a:t>
-            </a:r>
-          </a:p>
-          <a:p>
-            <a:pPr marL="0" indent="0">
-              <a:buNone/>
-            </a:pPr>
-            <a:r>
-              <a:rPr lang="es-ES" dirty="0"/>
-              <a:t>}</a:t>
-            </a:r>
+          <a:bodyPr/>
+          <a:lstStyle/>
+          <a:p>
+            <a:endParaRPr lang="es-ES"/>
           </a:p>
         </p:txBody>
       </p:sp>
@@ -13962,7 +18230,7 @@
           <p:cNvPr id="4" name="Marcador de número de diapositiva 3">
             <a:extLst>
               <a:ext uri="{FF2B5EF4-FFF2-40B4-BE49-F238E27FC236}">
-                <a16:creationId xmlns:a16="http://schemas.microsoft.com/office/drawing/2014/main" id="{7FA66131-FB6C-494C-891F-F7BCC6D95D8E}"/>
+                <a16:creationId xmlns:a16="http://schemas.microsoft.com/office/drawing/2014/main" id="{2BD7DB9F-426E-4697-EBCB-45BB93504DFB}"/>
               </a:ext>
             </a:extLst>
           </p:cNvPr>
@@ -13980,7 +18248,7 @@
           <a:p>
             <a:fld id="{FE1ACEE4-8B3E-4875-98A0-9A2521022ECF}" type="slidenum">
               <a:rPr lang="es-ES" smtClean="0"/>
-              <a:t>53</a:t>
+              <a:t>69</a:t>
             </a:fld>
             <a:endParaRPr lang="es-ES"/>
           </a:p>
@@ -13989,7 +18257,7 @@
     </p:spTree>
     <p:extLst>
       <p:ext uri="{BB962C8B-B14F-4D97-AF65-F5344CB8AC3E}">
-        <p14:creationId xmlns:p14="http://schemas.microsoft.com/office/powerpoint/2010/main" val="3736473280"/>
+        <p14:creationId xmlns:p14="http://schemas.microsoft.com/office/powerpoint/2010/main" val="246151936"/>
       </p:ext>
     </p:extLst>
   </p:cSld>
@@ -13999,7 +18267,7 @@
 </p:sld>
 </file>
 
-<file path=ppt/slides/slide54.xml><?xml version="1.0" encoding="utf-8"?>
+<file path=ppt/slides/slide7.xml><?xml version="1.0" encoding="utf-8"?>
 <p:sld xmlns:a="http://schemas.openxmlformats.org/drawingml/2006/main" xmlns:r="http://schemas.openxmlformats.org/officeDocument/2006/relationships" xmlns:p="http://schemas.openxmlformats.org/presentationml/2006/main">
   <p:cSld>
     <p:spTree>
@@ -14021,7 +18289,7 @@
           <p:cNvPr id="2" name="Título 1">
             <a:extLst>
               <a:ext uri="{FF2B5EF4-FFF2-40B4-BE49-F238E27FC236}">
-                <a16:creationId xmlns:a16="http://schemas.microsoft.com/office/drawing/2014/main" id="{68E6776B-437E-4340-49D0-EB021EEE35BE}"/>
+                <a16:creationId xmlns:a16="http://schemas.microsoft.com/office/drawing/2014/main" id="{72A6A9D8-7635-B5C0-54AB-5A39E949CCC2}"/>
               </a:ext>
             </a:extLst>
           </p:cNvPr>
@@ -14032,14 +18300,19 @@
             <p:ph type="title"/>
           </p:nvPr>
         </p:nvSpPr>
-        <p:spPr/>
-        <p:txBody>
-          <a:bodyPr/>
-          <a:lstStyle/>
-          <a:p>
-            <a:r>
-              <a:rPr lang="es-ES" dirty="0"/>
-              <a:t>De JSON a Objeto</a:t>
+        <p:spPr>
+          <a:xfrm>
+            <a:off x="838200" y="136525"/>
+            <a:ext cx="10515600" cy="832079"/>
+          </a:xfrm>
+        </p:spPr>
+        <p:txBody>
+          <a:bodyPr/>
+          <a:lstStyle/>
+          <a:p>
+            <a:r>
+              <a:rPr lang="es-ES" dirty="0"/>
+              <a:t>Características III</a:t>
             </a:r>
           </a:p>
         </p:txBody>
@@ -14049,7 +18322,7 @@
           <p:cNvPr id="3" name="Marcador de contenido 2">
             <a:extLst>
               <a:ext uri="{FF2B5EF4-FFF2-40B4-BE49-F238E27FC236}">
-                <a16:creationId xmlns:a16="http://schemas.microsoft.com/office/drawing/2014/main" id="{B5BF5160-36BB-A374-6187-BF468E8A3D88}"/>
+                <a16:creationId xmlns:a16="http://schemas.microsoft.com/office/drawing/2014/main" id="{9A11E70C-3F25-E4F8-677F-0E39B4EA77D7}"/>
               </a:ext>
             </a:extLst>
           </p:cNvPr>
@@ -14060,12 +18333,148 @@
             <p:ph idx="1"/>
           </p:nvPr>
         </p:nvSpPr>
-        <p:spPr/>
-        <p:txBody>
-          <a:bodyPr/>
-          <a:lstStyle/>
-          <a:p>
-            <a:endParaRPr lang="es-ES"/>
+        <p:spPr>
+          <a:xfrm>
+            <a:off x="838199" y="1197204"/>
+            <a:ext cx="10709635" cy="5260157"/>
+          </a:xfrm>
+        </p:spPr>
+        <p:txBody>
+          <a:bodyPr>
+            <a:normAutofit fontScale="77500" lnSpcReduction="20000"/>
+          </a:bodyPr>
+          <a:lstStyle/>
+          <a:p>
+            <a:r>
+              <a:rPr lang="es-ES" dirty="0"/>
+              <a:t>Abstracciones de flujo (</a:t>
+            </a:r>
+            <a:r>
+              <a:rPr lang="es-ES" dirty="0" err="1"/>
+              <a:t>Streams</a:t>
+            </a:r>
+            <a:r>
+              <a:rPr lang="es-ES" dirty="0"/>
+              <a:t>)</a:t>
+            </a:r>
+          </a:p>
+          <a:p>
+            <a:pPr lvl="1"/>
+            <a:r>
+              <a:rPr lang="es-ES" dirty="0" err="1"/>
+              <a:t>basic_stream</a:t>
+            </a:r>
+            <a:r>
+              <a:rPr lang="es-ES" dirty="0"/>
+              <a:t>, </a:t>
+            </a:r>
+            <a:r>
+              <a:rPr lang="es-ES" dirty="0" err="1"/>
+              <a:t>tcp_stream</a:t>
+            </a:r>
+            <a:r>
+              <a:rPr lang="es-ES" dirty="0"/>
+              <a:t>, </a:t>
+            </a:r>
+            <a:r>
+              <a:rPr lang="es-ES" dirty="0" err="1"/>
+              <a:t>ssl_stream</a:t>
+            </a:r>
+            <a:r>
+              <a:rPr lang="es-ES" dirty="0"/>
+              <a:t>: para manejar conexiones TCP/IP, con o sin cifrado.</a:t>
+            </a:r>
+          </a:p>
+          <a:p>
+            <a:endParaRPr lang="es-ES" dirty="0"/>
+          </a:p>
+          <a:p>
+            <a:r>
+              <a:rPr lang="es-ES" dirty="0"/>
+              <a:t>Soporte para SSL/TLS mediante integración con OpenSSL.</a:t>
+            </a:r>
+          </a:p>
+          <a:p>
+            <a:endParaRPr lang="es-ES" dirty="0"/>
+          </a:p>
+          <a:p>
+            <a:r>
+              <a:rPr lang="es-ES" dirty="0"/>
+              <a:t>Gestión de buffers</a:t>
+            </a:r>
+          </a:p>
+          <a:p>
+            <a:pPr lvl="1"/>
+            <a:r>
+              <a:rPr lang="es-ES" dirty="0" err="1"/>
+              <a:t>flat_buffer</a:t>
+            </a:r>
+            <a:r>
+              <a:rPr lang="es-ES" dirty="0"/>
+              <a:t>, </a:t>
+            </a:r>
+            <a:r>
+              <a:rPr lang="es-ES" dirty="0" err="1"/>
+              <a:t>multi_buffer</a:t>
+            </a:r>
+            <a:r>
+              <a:rPr lang="es-ES" dirty="0"/>
+              <a:t>, </a:t>
+            </a:r>
+            <a:r>
+              <a:rPr lang="es-ES" dirty="0" err="1"/>
+              <a:t>static_buffer</a:t>
+            </a:r>
+            <a:r>
+              <a:rPr lang="es-ES" dirty="0"/>
+              <a:t>: para optimizar el manejo de datos en red.</a:t>
+            </a:r>
+          </a:p>
+          <a:p>
+            <a:endParaRPr lang="es-ES" dirty="0"/>
+          </a:p>
+          <a:p>
+            <a:r>
+              <a:rPr lang="es-ES" dirty="0"/>
+              <a:t>Flexibilidad</a:t>
+            </a:r>
+          </a:p>
+          <a:p>
+            <a:pPr lvl="1"/>
+            <a:r>
+              <a:rPr lang="es-ES" dirty="0"/>
+              <a:t>El desarrollador controla aspectos como el manejo de buffers, hilos, y políticas de tasa de transferencia.</a:t>
+            </a:r>
+          </a:p>
+          <a:p>
+            <a:pPr lvl="1"/>
+            <a:r>
+              <a:rPr lang="es-ES" dirty="0"/>
+              <a:t>Ideal para construir tanto clientes como servidores, gracias a su diseño simétrico.</a:t>
+            </a:r>
+          </a:p>
+          <a:p>
+            <a:endParaRPr lang="es-ES" dirty="0"/>
+          </a:p>
+          <a:p>
+            <a:r>
+              <a:rPr lang="es-ES" dirty="0"/>
+              <a:t>Extensibilidad</a:t>
+            </a:r>
+          </a:p>
+          <a:p>
+            <a:pPr lvl="1"/>
+            <a:r>
+              <a:rPr lang="es-ES" dirty="0"/>
+              <a:t>Sirve como base para construir bibliotecas de red más complejas.</a:t>
+            </a:r>
+          </a:p>
+          <a:p>
+            <a:pPr lvl="1"/>
+            <a:r>
+              <a:rPr lang="es-ES" dirty="0"/>
+              <a:t>Bien adaptada para integrarse en arquitecturas de microservicios o sistemas distribuidos.</a:t>
+            </a:r>
           </a:p>
         </p:txBody>
       </p:sp>
@@ -14074,7 +18483,7 @@
           <p:cNvPr id="4" name="Marcador de número de diapositiva 3">
             <a:extLst>
               <a:ext uri="{FF2B5EF4-FFF2-40B4-BE49-F238E27FC236}">
-                <a16:creationId xmlns:a16="http://schemas.microsoft.com/office/drawing/2014/main" id="{2BD7DB9F-426E-4697-EBCB-45BB93504DFB}"/>
+                <a16:creationId xmlns:a16="http://schemas.microsoft.com/office/drawing/2014/main" id="{9806299F-A338-8277-7595-390142335B54}"/>
               </a:ext>
             </a:extLst>
           </p:cNvPr>
@@ -14090,9 +18499,9 @@
           <a:bodyPr/>
           <a:lstStyle/>
           <a:p>
-            <a:fld id="{FE1ACEE4-8B3E-4875-98A0-9A2521022ECF}" type="slidenum">
+            <a:fld id="{A6EC93C0-D482-4F60-811A-DF574DBC2A85}" type="slidenum">
               <a:rPr lang="es-ES" smtClean="0"/>
-              <a:t>54</a:t>
+              <a:t>7</a:t>
             </a:fld>
             <a:endParaRPr lang="es-ES"/>
           </a:p>
@@ -14101,7 +18510,7 @@
     </p:spTree>
     <p:extLst>
       <p:ext uri="{BB962C8B-B14F-4D97-AF65-F5344CB8AC3E}">
-        <p14:creationId xmlns:p14="http://schemas.microsoft.com/office/powerpoint/2010/main" val="246151936"/>
+        <p14:creationId xmlns:p14="http://schemas.microsoft.com/office/powerpoint/2010/main" val="388817356"/>
       </p:ext>
     </p:extLst>
   </p:cSld>
@@ -14111,7 +18520,7 @@
 </p:sld>
 </file>
 
-<file path=ppt/slides/slide55.xml><?xml version="1.0" encoding="utf-8"?>
+<file path=ppt/slides/slide70.xml><?xml version="1.0" encoding="utf-8"?>
 <p:sld xmlns:a="http://schemas.openxmlformats.org/drawingml/2006/main" xmlns:r="http://schemas.openxmlformats.org/officeDocument/2006/relationships" xmlns:p="http://schemas.openxmlformats.org/presentationml/2006/main">
   <p:cSld>
     <p:spTree>
@@ -14184,7 +18593,7 @@
           <a:p>
             <a:fld id="{A6EC93C0-D482-4F60-811A-DF574DBC2A85}" type="slidenum">
               <a:rPr lang="es-ES" smtClean="0"/>
-              <a:t>55</a:t>
+              <a:t>70</a:t>
             </a:fld>
             <a:endParaRPr lang="es-ES"/>
           </a:p>
@@ -14203,7 +18612,7 @@
 </p:sld>
 </file>
 
-<file path=ppt/slides/slide56.xml><?xml version="1.0" encoding="utf-8"?>
+<file path=ppt/slides/slide71.xml><?xml version="1.0" encoding="utf-8"?>
 <p:sld xmlns:a="http://schemas.openxmlformats.org/drawingml/2006/main" xmlns:r="http://schemas.openxmlformats.org/officeDocument/2006/relationships" xmlns:p="http://schemas.openxmlformats.org/presentationml/2006/main">
   <p:cSld>
     <p:spTree>
@@ -14305,7 +18714,7 @@
           <a:p>
             <a:fld id="{A6EC93C0-D482-4F60-811A-DF574DBC2A85}" type="slidenum">
               <a:rPr lang="es-ES" smtClean="0"/>
-              <a:t>56</a:t>
+              <a:t>71</a:t>
             </a:fld>
             <a:endParaRPr lang="es-ES"/>
           </a:p>
@@ -14324,7 +18733,7 @@
 </p:sld>
 </file>
 
-<file path=ppt/slides/slide57.xml><?xml version="1.0" encoding="utf-8"?>
+<file path=ppt/slides/slide72.xml><?xml version="1.0" encoding="utf-8"?>
 <p:sld xmlns:a="http://schemas.openxmlformats.org/drawingml/2006/main" xmlns:r="http://schemas.openxmlformats.org/officeDocument/2006/relationships" xmlns:p="http://schemas.openxmlformats.org/presentationml/2006/main">
   <p:cSld>
     <p:spTree>
@@ -14426,7 +18835,7 @@
           <a:p>
             <a:fld id="{A6EC93C0-D482-4F60-811A-DF574DBC2A85}" type="slidenum">
               <a:rPr lang="es-ES" smtClean="0"/>
-              <a:t>57</a:t>
+              <a:t>72</a:t>
             </a:fld>
             <a:endParaRPr lang="es-ES"/>
           </a:p>
@@ -14445,7 +18854,7 @@
 </p:sld>
 </file>
 
-<file path=ppt/slides/slide58.xml><?xml version="1.0" encoding="utf-8"?>
+<file path=ppt/slides/slide73.xml><?xml version="1.0" encoding="utf-8"?>
 <p:sld xmlns:a="http://schemas.openxmlformats.org/drawingml/2006/main" xmlns:r="http://schemas.openxmlformats.org/officeDocument/2006/relationships" xmlns:p="http://schemas.openxmlformats.org/presentationml/2006/main">
   <p:cSld>
     <p:spTree>
@@ -14536,7 +18945,7 @@
 </p:sld>
 </file>
 
-<file path=ppt/slides/slide59.xml><?xml version="1.0" encoding="utf-8"?>
+<file path=ppt/slides/slide74.xml><?xml version="1.0" encoding="utf-8"?>
 <p:sld xmlns:a="http://schemas.openxmlformats.org/drawingml/2006/main" xmlns:r="http://schemas.openxmlformats.org/officeDocument/2006/relationships" xmlns:p="http://schemas.openxmlformats.org/presentationml/2006/main">
   <p:cSld>
     <p:spTree>
@@ -14673,7 +19082,7 @@
           <a:p>
             <a:fld id="{A6EC93C0-D482-4F60-811A-DF574DBC2A85}" type="slidenum">
               <a:rPr lang="es-ES" smtClean="0"/>
-              <a:t>59</a:t>
+              <a:t>74</a:t>
             </a:fld>
             <a:endParaRPr lang="es-ES"/>
           </a:p>
@@ -14692,7 +19101,7 @@
 </p:sld>
 </file>
 
-<file path=ppt/slides/slide6.xml><?xml version="1.0" encoding="utf-8"?>
+<file path=ppt/slides/slide75.xml><?xml version="1.0" encoding="utf-8"?>
 <p:sld xmlns:a="http://schemas.openxmlformats.org/drawingml/2006/main" xmlns:r="http://schemas.openxmlformats.org/officeDocument/2006/relationships" xmlns:p="http://schemas.openxmlformats.org/presentationml/2006/main">
   <p:cSld>
     <p:spTree>
@@ -14714,218 +19123,6 @@
           <p:cNvPr id="2" name="Título 1">
             <a:extLst>
               <a:ext uri="{FF2B5EF4-FFF2-40B4-BE49-F238E27FC236}">
-                <a16:creationId xmlns:a16="http://schemas.microsoft.com/office/drawing/2014/main" id="{731BF23D-8BE9-145B-56A0-1F57EBAEDC1E}"/>
-              </a:ext>
-            </a:extLst>
-          </p:cNvPr>
-          <p:cNvSpPr>
-            <a:spLocks noGrp="1"/>
-          </p:cNvSpPr>
-          <p:nvPr>
-            <p:ph type="title"/>
-          </p:nvPr>
-        </p:nvSpPr>
-        <p:spPr/>
-        <p:txBody>
-          <a:bodyPr/>
-          <a:lstStyle/>
-          <a:p>
-            <a:r>
-              <a:rPr lang="es-ES" dirty="0"/>
-              <a:t>Características de la librería II</a:t>
-            </a:r>
-          </a:p>
-        </p:txBody>
-      </p:sp>
-      <p:sp>
-        <p:nvSpPr>
-          <p:cNvPr id="3" name="Marcador de contenido 2">
-            <a:extLst>
-              <a:ext uri="{FF2B5EF4-FFF2-40B4-BE49-F238E27FC236}">
-                <a16:creationId xmlns:a16="http://schemas.microsoft.com/office/drawing/2014/main" id="{5DE12AB8-8680-A087-6579-157911DDF765}"/>
-              </a:ext>
-            </a:extLst>
-          </p:cNvPr>
-          <p:cNvSpPr>
-            <a:spLocks noGrp="1"/>
-          </p:cNvSpPr>
-          <p:nvPr>
-            <p:ph idx="1"/>
-          </p:nvPr>
-        </p:nvSpPr>
-        <p:spPr/>
-        <p:txBody>
-          <a:bodyPr>
-            <a:normAutofit/>
-          </a:bodyPr>
-          <a:lstStyle/>
-          <a:p>
-            <a:r>
-              <a:rPr lang="es-ES" dirty="0"/>
-              <a:t>Basada en </a:t>
-            </a:r>
-            <a:r>
-              <a:rPr lang="es-ES" b="1" dirty="0" err="1"/>
-              <a:t>Boost.Asio</a:t>
-            </a:r>
-            <a:endParaRPr lang="es-ES" b="1" dirty="0"/>
-          </a:p>
-          <a:p>
-            <a:pPr lvl="1"/>
-            <a:r>
-              <a:rPr lang="es-ES" dirty="0"/>
-              <a:t>Usa el modelo asincrónico de </a:t>
-            </a:r>
-            <a:r>
-              <a:rPr lang="es-ES" dirty="0" err="1"/>
-              <a:t>Boost.Asio</a:t>
-            </a:r>
-            <a:r>
-              <a:rPr lang="es-ES" dirty="0"/>
-              <a:t>, lo que permite construir aplicaciones altamente concurrentes.</a:t>
-            </a:r>
-          </a:p>
-          <a:p>
-            <a:pPr lvl="1"/>
-            <a:r>
-              <a:rPr lang="es-ES" dirty="0"/>
-              <a:t>Compatible con </a:t>
-            </a:r>
-            <a:r>
-              <a:rPr lang="es-ES" dirty="0" err="1"/>
-              <a:t>io_context</a:t>
-            </a:r>
-            <a:r>
-              <a:rPr lang="es-ES" dirty="0"/>
-              <a:t>, </a:t>
-            </a:r>
-            <a:r>
-              <a:rPr lang="es-ES" dirty="0" err="1"/>
-              <a:t>executors</a:t>
-            </a:r>
-            <a:r>
-              <a:rPr lang="es-ES" dirty="0"/>
-              <a:t>, y operaciones compuestas.</a:t>
-            </a:r>
-          </a:p>
-          <a:p>
-            <a:pPr lvl="1"/>
-            <a:endParaRPr lang="es-ES" dirty="0"/>
-          </a:p>
-          <a:p>
-            <a:r>
-              <a:rPr lang="es-ES" dirty="0"/>
-              <a:t>Protocolos soportados</a:t>
-            </a:r>
-          </a:p>
-          <a:p>
-            <a:pPr lvl="1"/>
-            <a:r>
-              <a:rPr lang="es-ES" b="1" dirty="0"/>
-              <a:t>HTTP/1.1</a:t>
-            </a:r>
-            <a:r>
-              <a:rPr lang="es-ES" dirty="0"/>
-              <a:t>: Lectura, escritura, serialización y análisis de mensajes HTTP.</a:t>
-            </a:r>
-          </a:p>
-          <a:p>
-            <a:pPr lvl="1"/>
-            <a:endParaRPr lang="es-ES" dirty="0"/>
-          </a:p>
-          <a:p>
-            <a:pPr lvl="1"/>
-            <a:r>
-              <a:rPr lang="es-ES" b="1" dirty="0" err="1"/>
-              <a:t>WebSocket</a:t>
-            </a:r>
-            <a:r>
-              <a:rPr lang="es-ES" dirty="0"/>
-              <a:t>: Comunicación bidireccional en tiempo real, incluyendo control </a:t>
-            </a:r>
-            <a:r>
-              <a:rPr lang="es-ES" dirty="0" err="1"/>
-              <a:t>frames</a:t>
-            </a:r>
-            <a:r>
-              <a:rPr lang="es-ES" dirty="0"/>
-              <a:t> y compresión (</a:t>
-            </a:r>
-            <a:r>
-              <a:rPr lang="es-ES" dirty="0" err="1"/>
-              <a:t>permessage-deflate</a:t>
-            </a:r>
-            <a:r>
-              <a:rPr lang="es-ES" dirty="0"/>
-              <a:t>).</a:t>
-            </a:r>
-          </a:p>
-        </p:txBody>
-      </p:sp>
-      <p:sp>
-        <p:nvSpPr>
-          <p:cNvPr id="4" name="Marcador de número de diapositiva 3">
-            <a:extLst>
-              <a:ext uri="{FF2B5EF4-FFF2-40B4-BE49-F238E27FC236}">
-                <a16:creationId xmlns:a16="http://schemas.microsoft.com/office/drawing/2014/main" id="{BAA0C23A-2E54-EC5A-D707-28CE9C42C8B4}"/>
-              </a:ext>
-            </a:extLst>
-          </p:cNvPr>
-          <p:cNvSpPr>
-            <a:spLocks noGrp="1"/>
-          </p:cNvSpPr>
-          <p:nvPr>
-            <p:ph type="sldNum" sz="quarter" idx="12"/>
-          </p:nvPr>
-        </p:nvSpPr>
-        <p:spPr/>
-        <p:txBody>
-          <a:bodyPr/>
-          <a:lstStyle/>
-          <a:p>
-            <a:fld id="{A6EC93C0-D482-4F60-811A-DF574DBC2A85}" type="slidenum">
-              <a:rPr lang="es-ES" smtClean="0"/>
-              <a:t>6</a:t>
-            </a:fld>
-            <a:endParaRPr lang="es-ES"/>
-          </a:p>
-        </p:txBody>
-      </p:sp>
-    </p:spTree>
-    <p:extLst>
-      <p:ext uri="{BB962C8B-B14F-4D97-AF65-F5344CB8AC3E}">
-        <p14:creationId xmlns:p14="http://schemas.microsoft.com/office/powerpoint/2010/main" val="756304521"/>
-      </p:ext>
-    </p:extLst>
-  </p:cSld>
-  <p:clrMapOvr>
-    <a:masterClrMapping/>
-  </p:clrMapOvr>
-</p:sld>
-</file>
-
-<file path=ppt/slides/slide60.xml><?xml version="1.0" encoding="utf-8"?>
-<p:sld xmlns:a="http://schemas.openxmlformats.org/drawingml/2006/main" xmlns:r="http://schemas.openxmlformats.org/officeDocument/2006/relationships" xmlns:p="http://schemas.openxmlformats.org/presentationml/2006/main">
-  <p:cSld>
-    <p:spTree>
-      <p:nvGrpSpPr>
-        <p:cNvPr id="1" name=""/>
-        <p:cNvGrpSpPr/>
-        <p:nvPr/>
-      </p:nvGrpSpPr>
-      <p:grpSpPr>
-        <a:xfrm>
-          <a:off x="0" y="0"/>
-          <a:ext cx="0" cy="0"/>
-          <a:chOff x="0" y="0"/>
-          <a:chExt cx="0" cy="0"/>
-        </a:xfrm>
-      </p:grpSpPr>
-      <p:sp>
-        <p:nvSpPr>
-          <p:cNvPr id="2" name="Título 1">
-            <a:extLst>
-              <a:ext uri="{FF2B5EF4-FFF2-40B4-BE49-F238E27FC236}">
                 <a16:creationId xmlns:a16="http://schemas.microsoft.com/office/drawing/2014/main" id="{46C04648-22AD-A7B8-27A0-BEB0B5E206B5}"/>
               </a:ext>
             </a:extLst>
@@ -14995,7 +19192,7 @@
           <a:p>
             <a:fld id="{A6EC93C0-D482-4F60-811A-DF574DBC2A85}" type="slidenum">
               <a:rPr lang="es-ES" smtClean="0"/>
-              <a:t>60</a:t>
+              <a:t>75</a:t>
             </a:fld>
             <a:endParaRPr lang="es-ES"/>
           </a:p>
@@ -15044,7 +19241,7 @@
 </p:sld>
 </file>
 
-<file path=ppt/slides/slide61.xml><?xml version="1.0" encoding="utf-8"?>
+<file path=ppt/slides/slide76.xml><?xml version="1.0" encoding="utf-8"?>
 <p:sld xmlns:a="http://schemas.openxmlformats.org/drawingml/2006/main" xmlns:r="http://schemas.openxmlformats.org/officeDocument/2006/relationships" xmlns:p="http://schemas.openxmlformats.org/presentationml/2006/main">
   <p:cSld>
     <p:spTree>
@@ -15199,7 +19396,7 @@
           <a:p>
             <a:fld id="{A6EC93C0-D482-4F60-811A-DF574DBC2A85}" type="slidenum">
               <a:rPr lang="es-ES" smtClean="0"/>
-              <a:t>61</a:t>
+              <a:t>76</a:t>
             </a:fld>
             <a:endParaRPr lang="es-ES"/>
           </a:p>
@@ -15218,7 +19415,7 @@
 </p:sld>
 </file>
 
-<file path=ppt/slides/slide62.xml><?xml version="1.0" encoding="utf-8"?>
+<file path=ppt/slides/slide77.xml><?xml version="1.0" encoding="utf-8"?>
 <p:sld xmlns:a="http://schemas.openxmlformats.org/drawingml/2006/main" xmlns:r="http://schemas.openxmlformats.org/officeDocument/2006/relationships" xmlns:p="http://schemas.openxmlformats.org/presentationml/2006/main">
   <p:cSld>
     <p:spTree>
@@ -15370,7 +19567,7 @@
           <a:p>
             <a:fld id="{A6EC93C0-D482-4F60-811A-DF574DBC2A85}" type="slidenum">
               <a:rPr lang="es-ES" smtClean="0"/>
-              <a:t>62</a:t>
+              <a:t>77</a:t>
             </a:fld>
             <a:endParaRPr lang="es-ES"/>
           </a:p>
@@ -15389,7 +19586,7 @@
 </p:sld>
 </file>
 
-<file path=ppt/slides/slide63.xml><?xml version="1.0" encoding="utf-8"?>
+<file path=ppt/slides/slide78.xml><?xml version="1.0" encoding="utf-8"?>
 <p:sld xmlns:a="http://schemas.openxmlformats.org/drawingml/2006/main" xmlns:r="http://schemas.openxmlformats.org/officeDocument/2006/relationships" xmlns:p="http://schemas.openxmlformats.org/presentationml/2006/main">
   <p:cSld>
     <p:spTree>
@@ -15520,7 +19717,7 @@
           <a:p>
             <a:fld id="{A6EC93C0-D482-4F60-811A-DF574DBC2A85}" type="slidenum">
               <a:rPr lang="es-ES" smtClean="0"/>
-              <a:t>63</a:t>
+              <a:t>78</a:t>
             </a:fld>
             <a:endParaRPr lang="es-ES"/>
           </a:p>
@@ -15530,259 +19727,6 @@
     <p:extLst>
       <p:ext uri="{BB962C8B-B14F-4D97-AF65-F5344CB8AC3E}">
         <p14:creationId xmlns:p14="http://schemas.microsoft.com/office/powerpoint/2010/main" val="217917064"/>
-      </p:ext>
-    </p:extLst>
-  </p:cSld>
-  <p:clrMapOvr>
-    <a:masterClrMapping/>
-  </p:clrMapOvr>
-</p:sld>
-</file>
-
-<file path=ppt/slides/slide7.xml><?xml version="1.0" encoding="utf-8"?>
-<p:sld xmlns:a="http://schemas.openxmlformats.org/drawingml/2006/main" xmlns:r="http://schemas.openxmlformats.org/officeDocument/2006/relationships" xmlns:p="http://schemas.openxmlformats.org/presentationml/2006/main">
-  <p:cSld>
-    <p:spTree>
-      <p:nvGrpSpPr>
-        <p:cNvPr id="1" name=""/>
-        <p:cNvGrpSpPr/>
-        <p:nvPr/>
-      </p:nvGrpSpPr>
-      <p:grpSpPr>
-        <a:xfrm>
-          <a:off x="0" y="0"/>
-          <a:ext cx="0" cy="0"/>
-          <a:chOff x="0" y="0"/>
-          <a:chExt cx="0" cy="0"/>
-        </a:xfrm>
-      </p:grpSpPr>
-      <p:sp>
-        <p:nvSpPr>
-          <p:cNvPr id="2" name="Título 1">
-            <a:extLst>
-              <a:ext uri="{FF2B5EF4-FFF2-40B4-BE49-F238E27FC236}">
-                <a16:creationId xmlns:a16="http://schemas.microsoft.com/office/drawing/2014/main" id="{72A6A9D8-7635-B5C0-54AB-5A39E949CCC2}"/>
-              </a:ext>
-            </a:extLst>
-          </p:cNvPr>
-          <p:cNvSpPr>
-            <a:spLocks noGrp="1"/>
-          </p:cNvSpPr>
-          <p:nvPr>
-            <p:ph type="title"/>
-          </p:nvPr>
-        </p:nvSpPr>
-        <p:spPr>
-          <a:xfrm>
-            <a:off x="838200" y="136525"/>
-            <a:ext cx="10515600" cy="832079"/>
-          </a:xfrm>
-        </p:spPr>
-        <p:txBody>
-          <a:bodyPr/>
-          <a:lstStyle/>
-          <a:p>
-            <a:r>
-              <a:rPr lang="es-ES" dirty="0"/>
-              <a:t>Características III</a:t>
-            </a:r>
-          </a:p>
-        </p:txBody>
-      </p:sp>
-      <p:sp>
-        <p:nvSpPr>
-          <p:cNvPr id="3" name="Marcador de contenido 2">
-            <a:extLst>
-              <a:ext uri="{FF2B5EF4-FFF2-40B4-BE49-F238E27FC236}">
-                <a16:creationId xmlns:a16="http://schemas.microsoft.com/office/drawing/2014/main" id="{9A11E70C-3F25-E4F8-677F-0E39B4EA77D7}"/>
-              </a:ext>
-            </a:extLst>
-          </p:cNvPr>
-          <p:cNvSpPr>
-            <a:spLocks noGrp="1"/>
-          </p:cNvSpPr>
-          <p:nvPr>
-            <p:ph idx="1"/>
-          </p:nvPr>
-        </p:nvSpPr>
-        <p:spPr>
-          <a:xfrm>
-            <a:off x="838199" y="1197204"/>
-            <a:ext cx="10709635" cy="5260157"/>
-          </a:xfrm>
-        </p:spPr>
-        <p:txBody>
-          <a:bodyPr>
-            <a:normAutofit fontScale="77500" lnSpcReduction="20000"/>
-          </a:bodyPr>
-          <a:lstStyle/>
-          <a:p>
-            <a:r>
-              <a:rPr lang="es-ES" dirty="0"/>
-              <a:t>Abstracciones de flujo (</a:t>
-            </a:r>
-            <a:r>
-              <a:rPr lang="es-ES" dirty="0" err="1"/>
-              <a:t>Streams</a:t>
-            </a:r>
-            <a:r>
-              <a:rPr lang="es-ES" dirty="0"/>
-              <a:t>)</a:t>
-            </a:r>
-          </a:p>
-          <a:p>
-            <a:pPr lvl="1"/>
-            <a:r>
-              <a:rPr lang="es-ES" dirty="0" err="1"/>
-              <a:t>basic_stream</a:t>
-            </a:r>
-            <a:r>
-              <a:rPr lang="es-ES" dirty="0"/>
-              <a:t>, </a:t>
-            </a:r>
-            <a:r>
-              <a:rPr lang="es-ES" dirty="0" err="1"/>
-              <a:t>tcp_stream</a:t>
-            </a:r>
-            <a:r>
-              <a:rPr lang="es-ES" dirty="0"/>
-              <a:t>, </a:t>
-            </a:r>
-            <a:r>
-              <a:rPr lang="es-ES" dirty="0" err="1"/>
-              <a:t>ssl_stream</a:t>
-            </a:r>
-            <a:r>
-              <a:rPr lang="es-ES" dirty="0"/>
-              <a:t>: para manejar conexiones TCP/IP, con o sin cifrado.</a:t>
-            </a:r>
-          </a:p>
-          <a:p>
-            <a:endParaRPr lang="es-ES" dirty="0"/>
-          </a:p>
-          <a:p>
-            <a:r>
-              <a:rPr lang="es-ES" dirty="0"/>
-              <a:t>Soporte para SSL/TLS mediante integración con OpenSSL.</a:t>
-            </a:r>
-          </a:p>
-          <a:p>
-            <a:endParaRPr lang="es-ES" dirty="0"/>
-          </a:p>
-          <a:p>
-            <a:r>
-              <a:rPr lang="es-ES" dirty="0"/>
-              <a:t>Gestión de buffers</a:t>
-            </a:r>
-          </a:p>
-          <a:p>
-            <a:pPr lvl="1"/>
-            <a:r>
-              <a:rPr lang="es-ES" dirty="0" err="1"/>
-              <a:t>flat_buffer</a:t>
-            </a:r>
-            <a:r>
-              <a:rPr lang="es-ES" dirty="0"/>
-              <a:t>, </a:t>
-            </a:r>
-            <a:r>
-              <a:rPr lang="es-ES" dirty="0" err="1"/>
-              <a:t>multi_buffer</a:t>
-            </a:r>
-            <a:r>
-              <a:rPr lang="es-ES" dirty="0"/>
-              <a:t>, </a:t>
-            </a:r>
-            <a:r>
-              <a:rPr lang="es-ES" dirty="0" err="1"/>
-              <a:t>static_buffer</a:t>
-            </a:r>
-            <a:r>
-              <a:rPr lang="es-ES" dirty="0"/>
-              <a:t>: para optimizar el manejo de datos en red.</a:t>
-            </a:r>
-          </a:p>
-          <a:p>
-            <a:endParaRPr lang="es-ES" dirty="0"/>
-          </a:p>
-          <a:p>
-            <a:r>
-              <a:rPr lang="es-ES" dirty="0"/>
-              <a:t>Flexibilidad</a:t>
-            </a:r>
-          </a:p>
-          <a:p>
-            <a:pPr lvl="1"/>
-            <a:r>
-              <a:rPr lang="es-ES" dirty="0"/>
-              <a:t>El desarrollador controla aspectos como el manejo de buffers, hilos, y políticas de tasa de transferencia.</a:t>
-            </a:r>
-          </a:p>
-          <a:p>
-            <a:pPr lvl="1"/>
-            <a:r>
-              <a:rPr lang="es-ES" dirty="0"/>
-              <a:t>Ideal para construir tanto clientes como servidores, gracias a su diseño simétrico.</a:t>
-            </a:r>
-          </a:p>
-          <a:p>
-            <a:endParaRPr lang="es-ES" dirty="0"/>
-          </a:p>
-          <a:p>
-            <a:r>
-              <a:rPr lang="es-ES" dirty="0"/>
-              <a:t>Extensibilidad</a:t>
-            </a:r>
-          </a:p>
-          <a:p>
-            <a:pPr lvl="1"/>
-            <a:r>
-              <a:rPr lang="es-ES" dirty="0"/>
-              <a:t>Sirve como base para construir bibliotecas de red más complejas.</a:t>
-            </a:r>
-          </a:p>
-          <a:p>
-            <a:pPr lvl="1"/>
-            <a:r>
-              <a:rPr lang="es-ES" dirty="0"/>
-              <a:t>Bien adaptada para integrarse en arquitecturas de microservicios o sistemas distribuidos.</a:t>
-            </a:r>
-          </a:p>
-        </p:txBody>
-      </p:sp>
-      <p:sp>
-        <p:nvSpPr>
-          <p:cNvPr id="4" name="Marcador de número de diapositiva 3">
-            <a:extLst>
-              <a:ext uri="{FF2B5EF4-FFF2-40B4-BE49-F238E27FC236}">
-                <a16:creationId xmlns:a16="http://schemas.microsoft.com/office/drawing/2014/main" id="{9806299F-A338-8277-7595-390142335B54}"/>
-              </a:ext>
-            </a:extLst>
-          </p:cNvPr>
-          <p:cNvSpPr>
-            <a:spLocks noGrp="1"/>
-          </p:cNvSpPr>
-          <p:nvPr>
-            <p:ph type="sldNum" sz="quarter" idx="12"/>
-          </p:nvPr>
-        </p:nvSpPr>
-        <p:spPr/>
-        <p:txBody>
-          <a:bodyPr/>
-          <a:lstStyle/>
-          <a:p>
-            <a:fld id="{A6EC93C0-D482-4F60-811A-DF574DBC2A85}" type="slidenum">
-              <a:rPr lang="es-ES" smtClean="0"/>
-              <a:t>7</a:t>
-            </a:fld>
-            <a:endParaRPr lang="es-ES"/>
-          </a:p>
-        </p:txBody>
-      </p:sp>
-    </p:spTree>
-    <p:extLst>
-      <p:ext uri="{BB962C8B-B14F-4D97-AF65-F5344CB8AC3E}">
-        <p14:creationId xmlns:p14="http://schemas.microsoft.com/office/powerpoint/2010/main" val="388817356"/>
       </p:ext>
     </p:extLst>
   </p:cSld>

--- a/doc/2_Creacion_API_RESTfull_C++.pptx
+++ b/doc/2_Creacion_API_RESTfull_C++.pptx
@@ -6692,7 +6692,12 @@
             <p:ph type="ctrTitle"/>
           </p:nvPr>
         </p:nvSpPr>
-        <p:spPr/>
+        <p:spPr>
+          <a:xfrm>
+            <a:off x="1524000" y="1671003"/>
+            <a:ext cx="9144000" cy="2387600"/>
+          </a:xfrm>
+        </p:spPr>
         <p:txBody>
           <a:bodyPr/>
           <a:lstStyle/>
@@ -6701,31 +6706,6 @@
               <a:rPr lang="es-ES" b="1" dirty="0"/>
               <a:t>Peticiones Http</a:t>
             </a:r>
-          </a:p>
-        </p:txBody>
-      </p:sp>
-      <p:sp>
-        <p:nvSpPr>
-          <p:cNvPr id="6" name="Subtítulo 5">
-            <a:extLst>
-              <a:ext uri="{FF2B5EF4-FFF2-40B4-BE49-F238E27FC236}">
-                <a16:creationId xmlns:a16="http://schemas.microsoft.com/office/drawing/2014/main" id="{3F2BAD38-FF1C-53D3-584A-86E1E9DE9D75}"/>
-              </a:ext>
-            </a:extLst>
-          </p:cNvPr>
-          <p:cNvSpPr>
-            <a:spLocks noGrp="1"/>
-          </p:cNvSpPr>
-          <p:nvPr>
-            <p:ph type="subTitle" idx="1"/>
-          </p:nvPr>
-        </p:nvSpPr>
-        <p:spPr/>
-        <p:txBody>
-          <a:bodyPr/>
-          <a:lstStyle/>
-          <a:p>
-            <a:endParaRPr lang="es-ES"/>
           </a:p>
         </p:txBody>
       </p:sp>
@@ -8308,7 +8288,7 @@
           <a:lstStyle/>
           <a:p>
             <a:r>
-              <a:rPr lang="es-ES" dirty="0"/>
+              <a:rPr lang="es-ES" b="1" dirty="0"/>
               <a:t>5 – Construcción de la respuesta: </a:t>
             </a:r>
           </a:p>
@@ -10277,22 +10257,26 @@
               <a:t> POST  </a:t>
             </a:r>
             <a:r>
-              <a:rPr lang="es-ES" dirty="0" err="1"/>
+              <a:rPr lang="es-ES" b="1" dirty="0" err="1"/>
               <a:t>crow</a:t>
             </a:r>
             <a:r>
-              <a:rPr lang="es-ES" dirty="0"/>
+              <a:rPr lang="es-ES" b="1" dirty="0"/>
               <a:t>::</a:t>
             </a:r>
             <a:r>
-              <a:rPr lang="es-ES" dirty="0" err="1"/>
+              <a:rPr lang="es-ES" b="1" dirty="0" err="1"/>
               <a:t>HTTPMethod</a:t>
             </a:r>
             <a:r>
-              <a:rPr lang="es-ES" dirty="0"/>
-              <a:t>::POST</a:t>
-            </a:r>
-            <a:endParaRPr lang="es-ES" dirty="0">
+              <a:rPr lang="es-ES" b="1" dirty="0"/>
+              <a:t>::POST  |  ”POST”_</a:t>
+            </a:r>
+            <a:r>
+              <a:rPr lang="es-ES" b="1" dirty="0" err="1"/>
+              <a:t>method</a:t>
+            </a:r>
+            <a:endParaRPr lang="es-ES" b="1" dirty="0">
               <a:sym typeface="Wingdings" panose="05000000000000000000" pitchFamily="2" charset="2"/>
             </a:endParaRPr>
           </a:p>
@@ -10356,7 +10340,15 @@
             </a:r>
             <a:r>
               <a:rPr lang="es-ES" dirty="0"/>
-              <a:t>::GET</a:t>
+              <a:t>::GET </a:t>
+            </a:r>
+            <a:r>
+              <a:rPr lang="es-ES" b="1" dirty="0"/>
+              <a:t>|  ”GET”_</a:t>
+            </a:r>
+            <a:r>
+              <a:rPr lang="es-ES" b="1" dirty="0" err="1"/>
+              <a:t>method</a:t>
             </a:r>
             <a:endParaRPr lang="es-ES" dirty="0">
               <a:sym typeface="Wingdings" panose="05000000000000000000" pitchFamily="2" charset="2"/>
@@ -10413,7 +10405,15 @@
             </a:r>
             <a:r>
               <a:rPr lang="es-ES" dirty="0"/>
-              <a:t>::PUT</a:t>
+              <a:t>::PUT </a:t>
+            </a:r>
+            <a:r>
+              <a:rPr lang="es-ES" b="1" dirty="0"/>
+              <a:t>|  ”PUT”_</a:t>
+            </a:r>
+            <a:r>
+              <a:rPr lang="es-ES" b="1" dirty="0" err="1"/>
+              <a:t>method</a:t>
             </a:r>
             <a:endParaRPr lang="es-ES" dirty="0">
               <a:sym typeface="Wingdings" panose="05000000000000000000" pitchFamily="2" charset="2"/>
@@ -10490,6 +10490,26 @@
             <a:r>
               <a:rPr lang="es-ES" dirty="0" err="1"/>
               <a:t>Delete</a:t>
+            </a:r>
+            <a:r>
+              <a:rPr lang="es-ES" dirty="0"/>
+              <a:t> </a:t>
+            </a:r>
+            <a:r>
+              <a:rPr lang="es-ES" b="1" dirty="0"/>
+              <a:t>|  ”</a:t>
+            </a:r>
+            <a:r>
+              <a:rPr lang="es-ES" b="1" dirty="0" err="1"/>
+              <a:t>Delete</a:t>
+            </a:r>
+            <a:r>
+              <a:rPr lang="es-ES" b="1" dirty="0"/>
+              <a:t>”_</a:t>
+            </a:r>
+            <a:r>
+              <a:rPr lang="es-ES" b="1" dirty="0" err="1"/>
+              <a:t>method</a:t>
             </a:r>
             <a:endParaRPr lang="es-ES" dirty="0">
               <a:sym typeface="Wingdings" panose="05000000000000000000" pitchFamily="2" charset="2"/>
@@ -19974,7 +19994,12 @@
             <p:ph type="ctrTitle"/>
           </p:nvPr>
         </p:nvSpPr>
-        <p:spPr/>
+        <p:spPr>
+          <a:xfrm>
+            <a:off x="1524000" y="2235200"/>
+            <a:ext cx="9144000" cy="2387600"/>
+          </a:xfrm>
+        </p:spPr>
         <p:txBody>
           <a:bodyPr/>
           <a:lstStyle/>
@@ -19988,31 +20013,6 @@
               <a:t>Boost.Beast</a:t>
             </a:r>
             <a:endParaRPr lang="es-ES" b="1" dirty="0"/>
-          </a:p>
-        </p:txBody>
-      </p:sp>
-      <p:sp>
-        <p:nvSpPr>
-          <p:cNvPr id="6" name="Subtítulo 5">
-            <a:extLst>
-              <a:ext uri="{FF2B5EF4-FFF2-40B4-BE49-F238E27FC236}">
-                <a16:creationId xmlns:a16="http://schemas.microsoft.com/office/drawing/2014/main" id="{D682BF68-CA35-2DA3-6E2F-9449DE96C3F3}"/>
-              </a:ext>
-            </a:extLst>
-          </p:cNvPr>
-          <p:cNvSpPr>
-            <a:spLocks noGrp="1"/>
-          </p:cNvSpPr>
-          <p:nvPr>
-            <p:ph type="subTitle" idx="1"/>
-          </p:nvPr>
-        </p:nvSpPr>
-        <p:spPr/>
-        <p:txBody>
-          <a:bodyPr/>
-          <a:lstStyle/>
-          <a:p>
-            <a:endParaRPr lang="es-ES"/>
           </a:p>
         </p:txBody>
       </p:sp>
